--- a/02_Cinematique_TrainsEpi/Application_InertieEquivalente_Reducteur/images/Figures.pptx
+++ b/02_Cinematique_TrainsEpi/Application_InertieEquivalente_Reducteur/images/Figures.pptx
@@ -4887,8 +4887,8 @@
           </a:fontRef>
         </p:style>
       </p:cxnSp>
-      <mc:AlternateContent xmlns:mc="http://schemas.openxmlformats.org/markup-compatibility/2006">
-        <mc:Choice xmlns:a14="http://schemas.microsoft.com/office/drawing/2010/main" Requires="a14">
+      <mc:AlternateContent xmlns:mc="http://schemas.openxmlformats.org/markup-compatibility/2006" xmlns:a14="http://schemas.microsoft.com/office/drawing/2010/main">
+        <mc:Choice Requires="a14">
           <p:sp>
             <p:nvSpPr>
               <p:cNvPr id="70" name="ZoneTexte 69"/>
@@ -4963,7 +4963,7 @@
             </p:txBody>
           </p:sp>
         </mc:Choice>
-        <mc:Fallback>
+        <mc:Fallback xmlns="">
           <p:sp>
             <p:nvSpPr>
               <p:cNvPr id="70" name="ZoneTexte 69"/>
@@ -5266,8 +5266,8 @@
           </p:sp>
         </mc:Fallback>
       </mc:AlternateContent>
-      <mc:AlternateContent xmlns:mc="http://schemas.openxmlformats.org/markup-compatibility/2006">
-        <mc:Choice xmlns:a14="http://schemas.microsoft.com/office/drawing/2010/main" Requires="a14">
+      <mc:AlternateContent xmlns:mc="http://schemas.openxmlformats.org/markup-compatibility/2006" xmlns:a14="http://schemas.microsoft.com/office/drawing/2010/main">
+        <mc:Choice Requires="a14">
           <p:sp>
             <p:nvSpPr>
               <p:cNvPr id="47" name="ZoneTexte 46"/>
@@ -5311,7 +5311,7 @@
             </p:txBody>
           </p:sp>
         </mc:Choice>
-        <mc:Fallback>
+        <mc:Fallback xmlns="">
           <p:sp>
             <p:nvSpPr>
               <p:cNvPr id="47" name="ZoneTexte 46"/>
@@ -5350,8 +5350,8 @@
           </p:sp>
         </mc:Fallback>
       </mc:AlternateContent>
-      <mc:AlternateContent xmlns:mc="http://schemas.openxmlformats.org/markup-compatibility/2006">
-        <mc:Choice xmlns:a14="http://schemas.microsoft.com/office/drawing/2010/main" Requires="a14">
+      <mc:AlternateContent xmlns:mc="http://schemas.openxmlformats.org/markup-compatibility/2006" xmlns:a14="http://schemas.microsoft.com/office/drawing/2010/main">
+        <mc:Choice Requires="a14">
           <p:sp>
             <p:nvSpPr>
               <p:cNvPr id="53" name="ZoneTexte 52"/>
@@ -5395,7 +5395,7 @@
             </p:txBody>
           </p:sp>
         </mc:Choice>
-        <mc:Fallback>
+        <mc:Fallback xmlns="">
           <p:sp>
             <p:nvSpPr>
               <p:cNvPr id="53" name="ZoneTexte 52"/>
@@ -6826,8 +6826,8 @@
           </a:p>
         </p:txBody>
       </p:sp>
-      <mc:AlternateContent xmlns:mc="http://schemas.openxmlformats.org/markup-compatibility/2006">
-        <mc:Choice xmlns:a14="http://schemas.microsoft.com/office/drawing/2010/main" Requires="a14">
+      <mc:AlternateContent xmlns:mc="http://schemas.openxmlformats.org/markup-compatibility/2006" xmlns:a14="http://schemas.microsoft.com/office/drawing/2010/main">
+        <mc:Choice Requires="a14">
           <p:sp>
             <p:nvSpPr>
               <p:cNvPr id="44" name="ZoneTexte 43"/>
@@ -6871,7 +6871,7 @@
             </p:txBody>
           </p:sp>
         </mc:Choice>
-        <mc:Fallback>
+        <mc:Fallback xmlns="">
           <p:sp>
             <p:nvSpPr>
               <p:cNvPr id="44" name="ZoneTexte 43"/>
@@ -6910,8 +6910,8 @@
           </p:sp>
         </mc:Fallback>
       </mc:AlternateContent>
-      <mc:AlternateContent xmlns:mc="http://schemas.openxmlformats.org/markup-compatibility/2006">
-        <mc:Choice xmlns:a14="http://schemas.microsoft.com/office/drawing/2010/main" Requires="a14">
+      <mc:AlternateContent xmlns:mc="http://schemas.openxmlformats.org/markup-compatibility/2006" xmlns:a14="http://schemas.microsoft.com/office/drawing/2010/main">
+        <mc:Choice Requires="a14">
           <p:sp>
             <p:nvSpPr>
               <p:cNvPr id="45" name="ZoneTexte 44"/>
@@ -6955,7 +6955,7 @@
             </p:txBody>
           </p:sp>
         </mc:Choice>
-        <mc:Fallback>
+        <mc:Fallback xmlns="">
           <p:sp>
             <p:nvSpPr>
               <p:cNvPr id="45" name="ZoneTexte 44"/>
@@ -6994,8 +6994,8 @@
           </p:sp>
         </mc:Fallback>
       </mc:AlternateContent>
-      <mc:AlternateContent xmlns:mc="http://schemas.openxmlformats.org/markup-compatibility/2006">
-        <mc:Choice xmlns:a14="http://schemas.microsoft.com/office/drawing/2010/main" Requires="a14">
+      <mc:AlternateContent xmlns:mc="http://schemas.openxmlformats.org/markup-compatibility/2006" xmlns:a14="http://schemas.microsoft.com/office/drawing/2010/main">
+        <mc:Choice Requires="a14">
           <p:sp>
             <p:nvSpPr>
               <p:cNvPr id="47" name="ZoneTexte 46"/>
@@ -7039,7 +7039,7 @@
             </p:txBody>
           </p:sp>
         </mc:Choice>
-        <mc:Fallback>
+        <mc:Fallback xmlns="">
           <p:sp>
             <p:nvSpPr>
               <p:cNvPr id="47" name="ZoneTexte 46"/>
@@ -7078,8 +7078,8 @@
           </p:sp>
         </mc:Fallback>
       </mc:AlternateContent>
-      <mc:AlternateContent xmlns:mc="http://schemas.openxmlformats.org/markup-compatibility/2006">
-        <mc:Choice xmlns:a14="http://schemas.microsoft.com/office/drawing/2010/main" Requires="a14">
+      <mc:AlternateContent xmlns:mc="http://schemas.openxmlformats.org/markup-compatibility/2006" xmlns:a14="http://schemas.microsoft.com/office/drawing/2010/main">
+        <mc:Choice Requires="a14">
           <p:sp>
             <p:nvSpPr>
               <p:cNvPr id="53" name="ZoneTexte 52"/>
@@ -7123,7 +7123,7 @@
             </p:txBody>
           </p:sp>
         </mc:Choice>
-        <mc:Fallback>
+        <mc:Fallback xmlns="">
           <p:sp>
             <p:nvSpPr>
               <p:cNvPr id="53" name="ZoneTexte 52"/>
@@ -8145,21 +8145,11 @@
               </a:rPr>
               <a:t>4</a:t>
             </a:r>
-            <a:endParaRPr lang="fr-FR" sz="1400" dirty="0">
-              <a:ln>
-                <a:solidFill>
-                  <a:srgbClr val="00B050"/>
-                </a:solidFill>
-              </a:ln>
-              <a:solidFill>
-                <a:srgbClr val="00B050"/>
-              </a:solidFill>
-            </a:endParaRPr>
           </a:p>
         </p:txBody>
       </p:sp>
-      <mc:AlternateContent xmlns:mc="http://schemas.openxmlformats.org/markup-compatibility/2006">
-        <mc:Choice xmlns:a14="http://schemas.microsoft.com/office/drawing/2010/main" Requires="a14">
+      <mc:AlternateContent xmlns:mc="http://schemas.openxmlformats.org/markup-compatibility/2006" xmlns:a14="http://schemas.microsoft.com/office/drawing/2010/main">
+        <mc:Choice Requires="a14">
           <p:sp>
             <p:nvSpPr>
               <p:cNvPr id="146" name="ZoneTexte 145"/>
@@ -8222,7 +8212,7 @@
             </p:txBody>
           </p:sp>
         </mc:Choice>
-        <mc:Fallback>
+        <mc:Fallback xmlns="">
           <p:sp>
             <p:nvSpPr>
               <p:cNvPr id="146" name="ZoneTexte 145"/>
@@ -8261,8 +8251,8 @@
           </p:sp>
         </mc:Fallback>
       </mc:AlternateContent>
-      <mc:AlternateContent xmlns:mc="http://schemas.openxmlformats.org/markup-compatibility/2006">
-        <mc:Choice xmlns:a14="http://schemas.microsoft.com/office/drawing/2010/main" Requires="a14">
+      <mc:AlternateContent xmlns:mc="http://schemas.openxmlformats.org/markup-compatibility/2006" xmlns:a14="http://schemas.microsoft.com/office/drawing/2010/main">
+        <mc:Choice Requires="a14">
           <p:sp>
             <p:nvSpPr>
               <p:cNvPr id="147" name="ZoneTexte 146"/>
@@ -8325,7 +8315,7 @@
             </p:txBody>
           </p:sp>
         </mc:Choice>
-        <mc:Fallback>
+        <mc:Fallback xmlns="">
           <p:sp>
             <p:nvSpPr>
               <p:cNvPr id="147" name="ZoneTexte 146"/>
@@ -9756,8 +9746,8 @@
           </a:p>
         </p:txBody>
       </p:sp>
-      <mc:AlternateContent xmlns:mc="http://schemas.openxmlformats.org/markup-compatibility/2006">
-        <mc:Choice xmlns:a14="http://schemas.microsoft.com/office/drawing/2010/main" Requires="a14">
+      <mc:AlternateContent xmlns:mc="http://schemas.openxmlformats.org/markup-compatibility/2006" xmlns:a14="http://schemas.microsoft.com/office/drawing/2010/main">
+        <mc:Choice Requires="a14">
           <p:sp>
             <p:nvSpPr>
               <p:cNvPr id="44" name="ZoneTexte 43"/>
@@ -9801,7 +9791,7 @@
             </p:txBody>
           </p:sp>
         </mc:Choice>
-        <mc:Fallback>
+        <mc:Fallback xmlns="">
           <p:sp>
             <p:nvSpPr>
               <p:cNvPr id="44" name="ZoneTexte 43"/>
@@ -9840,8 +9830,8 @@
           </p:sp>
         </mc:Fallback>
       </mc:AlternateContent>
-      <mc:AlternateContent xmlns:mc="http://schemas.openxmlformats.org/markup-compatibility/2006">
-        <mc:Choice xmlns:a14="http://schemas.microsoft.com/office/drawing/2010/main" Requires="a14">
+      <mc:AlternateContent xmlns:mc="http://schemas.openxmlformats.org/markup-compatibility/2006" xmlns:a14="http://schemas.microsoft.com/office/drawing/2010/main">
+        <mc:Choice Requires="a14">
           <p:sp>
             <p:nvSpPr>
               <p:cNvPr id="45" name="ZoneTexte 44"/>
@@ -9885,7 +9875,7 @@
             </p:txBody>
           </p:sp>
         </mc:Choice>
-        <mc:Fallback>
+        <mc:Fallback xmlns="">
           <p:sp>
             <p:nvSpPr>
               <p:cNvPr id="45" name="ZoneTexte 44"/>
@@ -9924,8 +9914,8 @@
           </p:sp>
         </mc:Fallback>
       </mc:AlternateContent>
-      <mc:AlternateContent xmlns:mc="http://schemas.openxmlformats.org/markup-compatibility/2006">
-        <mc:Choice xmlns:a14="http://schemas.microsoft.com/office/drawing/2010/main" Requires="a14">
+      <mc:AlternateContent xmlns:mc="http://schemas.openxmlformats.org/markup-compatibility/2006" xmlns:a14="http://schemas.microsoft.com/office/drawing/2010/main">
+        <mc:Choice Requires="a14">
           <p:sp>
             <p:nvSpPr>
               <p:cNvPr id="47" name="ZoneTexte 46"/>
@@ -9969,7 +9959,7 @@
             </p:txBody>
           </p:sp>
         </mc:Choice>
-        <mc:Fallback>
+        <mc:Fallback xmlns="">
           <p:sp>
             <p:nvSpPr>
               <p:cNvPr id="47" name="ZoneTexte 46"/>
@@ -10008,8 +9998,8 @@
           </p:sp>
         </mc:Fallback>
       </mc:AlternateContent>
-      <mc:AlternateContent xmlns:mc="http://schemas.openxmlformats.org/markup-compatibility/2006">
-        <mc:Choice xmlns:a14="http://schemas.microsoft.com/office/drawing/2010/main" Requires="a14">
+      <mc:AlternateContent xmlns:mc="http://schemas.openxmlformats.org/markup-compatibility/2006" xmlns:a14="http://schemas.microsoft.com/office/drawing/2010/main">
+        <mc:Choice Requires="a14">
           <p:sp>
             <p:nvSpPr>
               <p:cNvPr id="53" name="ZoneTexte 52"/>
@@ -10053,7 +10043,7 @@
             </p:txBody>
           </p:sp>
         </mc:Choice>
-        <mc:Fallback>
+        <mc:Fallback xmlns="">
           <p:sp>
             <p:nvSpPr>
               <p:cNvPr id="53" name="ZoneTexte 52"/>
@@ -11075,16 +11065,6 @@
               </a:rPr>
               <a:t>4</a:t>
             </a:r>
-            <a:endParaRPr lang="fr-FR" sz="1400" dirty="0">
-              <a:ln>
-                <a:solidFill>
-                  <a:srgbClr val="00B050"/>
-                </a:solidFill>
-              </a:ln>
-              <a:solidFill>
-                <a:srgbClr val="00B050"/>
-              </a:solidFill>
-            </a:endParaRPr>
           </a:p>
         </p:txBody>
       </p:sp>
@@ -11240,8 +11220,8 @@
           </a:fontRef>
         </p:style>
       </p:cxnSp>
-      <mc:AlternateContent xmlns:mc="http://schemas.openxmlformats.org/markup-compatibility/2006">
-        <mc:Choice xmlns:a14="http://schemas.microsoft.com/office/drawing/2010/main" Requires="a14">
+      <mc:AlternateContent xmlns:mc="http://schemas.openxmlformats.org/markup-compatibility/2006" xmlns:a14="http://schemas.microsoft.com/office/drawing/2010/main">
+        <mc:Choice Requires="a14">
           <p:sp>
             <p:nvSpPr>
               <p:cNvPr id="71" name="ZoneTexte 70"/>
@@ -11304,7 +11284,7 @@
             </p:txBody>
           </p:sp>
         </mc:Choice>
-        <mc:Fallback>
+        <mc:Fallback xmlns="">
           <p:sp>
             <p:nvSpPr>
               <p:cNvPr id="71" name="ZoneTexte 70"/>
@@ -11343,8 +11323,8 @@
           </p:sp>
         </mc:Fallback>
       </mc:AlternateContent>
-      <mc:AlternateContent xmlns:mc="http://schemas.openxmlformats.org/markup-compatibility/2006">
-        <mc:Choice xmlns:a14="http://schemas.microsoft.com/office/drawing/2010/main" Requires="a14">
+      <mc:AlternateContent xmlns:mc="http://schemas.openxmlformats.org/markup-compatibility/2006" xmlns:a14="http://schemas.microsoft.com/office/drawing/2010/main">
+        <mc:Choice Requires="a14">
           <p:sp>
             <p:nvSpPr>
               <p:cNvPr id="72" name="ZoneTexte 71"/>
@@ -11407,7 +11387,7 @@
             </p:txBody>
           </p:sp>
         </mc:Choice>
-        <mc:Fallback>
+        <mc:Fallback xmlns="">
           <p:sp>
             <p:nvSpPr>
               <p:cNvPr id="72" name="ZoneTexte 71"/>
@@ -12800,8 +12780,8 @@
           </a:p>
         </p:txBody>
       </p:sp>
-      <mc:AlternateContent xmlns:mc="http://schemas.openxmlformats.org/markup-compatibility/2006">
-        <mc:Choice xmlns:a14="http://schemas.microsoft.com/office/drawing/2010/main" Requires="a14">
+      <mc:AlternateContent xmlns:mc="http://schemas.openxmlformats.org/markup-compatibility/2006" xmlns:a14="http://schemas.microsoft.com/office/drawing/2010/main">
+        <mc:Choice Requires="a14">
           <p:sp>
             <p:nvSpPr>
               <p:cNvPr id="44" name="ZoneTexte 43"/>
@@ -12845,7 +12825,7 @@
             </p:txBody>
           </p:sp>
         </mc:Choice>
-        <mc:Fallback>
+        <mc:Fallback xmlns="">
           <p:sp>
             <p:nvSpPr>
               <p:cNvPr id="44" name="ZoneTexte 43"/>
@@ -12884,8 +12864,8 @@
           </p:sp>
         </mc:Fallback>
       </mc:AlternateContent>
-      <mc:AlternateContent xmlns:mc="http://schemas.openxmlformats.org/markup-compatibility/2006">
-        <mc:Choice xmlns:a14="http://schemas.microsoft.com/office/drawing/2010/main" Requires="a14">
+      <mc:AlternateContent xmlns:mc="http://schemas.openxmlformats.org/markup-compatibility/2006" xmlns:a14="http://schemas.microsoft.com/office/drawing/2010/main">
+        <mc:Choice Requires="a14">
           <p:sp>
             <p:nvSpPr>
               <p:cNvPr id="45" name="ZoneTexte 44"/>
@@ -12929,7 +12909,7 @@
             </p:txBody>
           </p:sp>
         </mc:Choice>
-        <mc:Fallback>
+        <mc:Fallback xmlns="">
           <p:sp>
             <p:nvSpPr>
               <p:cNvPr id="45" name="ZoneTexte 44"/>
@@ -12968,8 +12948,8 @@
           </p:sp>
         </mc:Fallback>
       </mc:AlternateContent>
-      <mc:AlternateContent xmlns:mc="http://schemas.openxmlformats.org/markup-compatibility/2006">
-        <mc:Choice xmlns:a14="http://schemas.microsoft.com/office/drawing/2010/main" Requires="a14">
+      <mc:AlternateContent xmlns:mc="http://schemas.openxmlformats.org/markup-compatibility/2006" xmlns:a14="http://schemas.microsoft.com/office/drawing/2010/main">
+        <mc:Choice Requires="a14">
           <p:sp>
             <p:nvSpPr>
               <p:cNvPr id="47" name="ZoneTexte 46"/>
@@ -13013,7 +12993,7 @@
             </p:txBody>
           </p:sp>
         </mc:Choice>
-        <mc:Fallback>
+        <mc:Fallback xmlns="">
           <p:sp>
             <p:nvSpPr>
               <p:cNvPr id="47" name="ZoneTexte 46"/>
@@ -13052,8 +13032,8 @@
           </p:sp>
         </mc:Fallback>
       </mc:AlternateContent>
-      <mc:AlternateContent xmlns:mc="http://schemas.openxmlformats.org/markup-compatibility/2006">
-        <mc:Choice xmlns:a14="http://schemas.microsoft.com/office/drawing/2010/main" Requires="a14">
+      <mc:AlternateContent xmlns:mc="http://schemas.openxmlformats.org/markup-compatibility/2006" xmlns:a14="http://schemas.microsoft.com/office/drawing/2010/main">
+        <mc:Choice Requires="a14">
           <p:sp>
             <p:nvSpPr>
               <p:cNvPr id="53" name="ZoneTexte 52"/>
@@ -13097,7 +13077,7 @@
             </p:txBody>
           </p:sp>
         </mc:Choice>
-        <mc:Fallback>
+        <mc:Fallback xmlns="">
           <p:sp>
             <p:nvSpPr>
               <p:cNvPr id="53" name="ZoneTexte 52"/>
@@ -14005,21 +13985,11 @@
               </a:rPr>
               <a:t>4</a:t>
             </a:r>
-            <a:endParaRPr lang="fr-FR" sz="1400" dirty="0">
-              <a:ln>
-                <a:solidFill>
-                  <a:srgbClr val="00B050"/>
-                </a:solidFill>
-              </a:ln>
-              <a:solidFill>
-                <a:srgbClr val="00B050"/>
-              </a:solidFill>
-            </a:endParaRPr>
           </a:p>
         </p:txBody>
       </p:sp>
-      <mc:AlternateContent xmlns:mc="http://schemas.openxmlformats.org/markup-compatibility/2006">
-        <mc:Choice xmlns:a14="http://schemas.microsoft.com/office/drawing/2010/main" Requires="a14">
+      <mc:AlternateContent xmlns:mc="http://schemas.openxmlformats.org/markup-compatibility/2006" xmlns:a14="http://schemas.microsoft.com/office/drawing/2010/main">
+        <mc:Choice Requires="a14">
           <p:sp>
             <p:nvSpPr>
               <p:cNvPr id="63" name="ZoneTexte 62"/>
@@ -14082,7 +14052,7 @@
             </p:txBody>
           </p:sp>
         </mc:Choice>
-        <mc:Fallback>
+        <mc:Fallback xmlns="">
           <p:sp>
             <p:nvSpPr>
               <p:cNvPr id="63" name="ZoneTexte 62"/>
@@ -14121,8 +14091,8 @@
           </p:sp>
         </mc:Fallback>
       </mc:AlternateContent>
-      <mc:AlternateContent xmlns:mc="http://schemas.openxmlformats.org/markup-compatibility/2006">
-        <mc:Choice xmlns:a14="http://schemas.microsoft.com/office/drawing/2010/main" Requires="a14">
+      <mc:AlternateContent xmlns:mc="http://schemas.openxmlformats.org/markup-compatibility/2006" xmlns:a14="http://schemas.microsoft.com/office/drawing/2010/main">
+        <mc:Choice Requires="a14">
           <p:sp>
             <p:nvSpPr>
               <p:cNvPr id="64" name="ZoneTexte 63"/>
@@ -14185,7 +14155,7 @@
             </p:txBody>
           </p:sp>
         </mc:Choice>
-        <mc:Fallback>
+        <mc:Fallback xmlns="">
           <p:sp>
             <p:nvSpPr>
               <p:cNvPr id="64" name="ZoneTexte 63"/>

--- a/02_Cinematique_TrainsEpi/Application_InertieEquivalente_Reducteur/images/Figures.pptx
+++ b/02_Cinematique_TrainsEpi/Application_InertieEquivalente_Reducteur/images/Figures.pptx
@@ -8,9 +8,12 @@
     <p:sldId id="269" r:id="rId2"/>
     <p:sldId id="272" r:id="rId3"/>
     <p:sldId id="273" r:id="rId4"/>
-    <p:sldId id="274" r:id="rId5"/>
-    <p:sldId id="271" r:id="rId6"/>
-    <p:sldId id="270" r:id="rId7"/>
+    <p:sldId id="275" r:id="rId5"/>
+    <p:sldId id="276" r:id="rId6"/>
+    <p:sldId id="277" r:id="rId7"/>
+    <p:sldId id="274" r:id="rId8"/>
+    <p:sldId id="271" r:id="rId9"/>
+    <p:sldId id="270" r:id="rId10"/>
   </p:sldIdLst>
   <p:sldSz cx="9144000" cy="6858000" type="screen4x3"/>
   <p:notesSz cx="6858000" cy="9144000"/>
@@ -293,7 +296,7 @@
           <a:p>
             <a:fld id="{AA309A6D-C09C-4548-B29A-6CF363A7E532}" type="datetimeFigureOut">
               <a:rPr lang="fr-FR" smtClean="0"/>
-              <a:t>20/02/2018</a:t>
+              <a:t>09/03/2018</a:t>
             </a:fld>
             <a:endParaRPr lang="fr-BE"/>
           </a:p>
@@ -458,7 +461,7 @@
           <a:p>
             <a:fld id="{AA309A6D-C09C-4548-B29A-6CF363A7E532}" type="datetimeFigureOut">
               <a:rPr lang="fr-FR" smtClean="0"/>
-              <a:t>20/02/2018</a:t>
+              <a:t>09/03/2018</a:t>
             </a:fld>
             <a:endParaRPr lang="fr-BE"/>
           </a:p>
@@ -633,7 +636,7 @@
           <a:p>
             <a:fld id="{AA309A6D-C09C-4548-B29A-6CF363A7E532}" type="datetimeFigureOut">
               <a:rPr lang="fr-FR" smtClean="0"/>
-              <a:t>20/02/2018</a:t>
+              <a:t>09/03/2018</a:t>
             </a:fld>
             <a:endParaRPr lang="fr-BE"/>
           </a:p>
@@ -798,7 +801,7 @@
           <a:p>
             <a:fld id="{AA309A6D-C09C-4548-B29A-6CF363A7E532}" type="datetimeFigureOut">
               <a:rPr lang="fr-FR" smtClean="0"/>
-              <a:t>20/02/2018</a:t>
+              <a:t>09/03/2018</a:t>
             </a:fld>
             <a:endParaRPr lang="fr-BE"/>
           </a:p>
@@ -1039,7 +1042,7 @@
           <a:p>
             <a:fld id="{AA309A6D-C09C-4548-B29A-6CF363A7E532}" type="datetimeFigureOut">
               <a:rPr lang="fr-FR" smtClean="0"/>
-              <a:t>20/02/2018</a:t>
+              <a:t>09/03/2018</a:t>
             </a:fld>
             <a:endParaRPr lang="fr-BE"/>
           </a:p>
@@ -1322,7 +1325,7 @@
           <a:p>
             <a:fld id="{AA309A6D-C09C-4548-B29A-6CF363A7E532}" type="datetimeFigureOut">
               <a:rPr lang="fr-FR" smtClean="0"/>
-              <a:t>20/02/2018</a:t>
+              <a:t>09/03/2018</a:t>
             </a:fld>
             <a:endParaRPr lang="fr-BE"/>
           </a:p>
@@ -1739,7 +1742,7 @@
           <a:p>
             <a:fld id="{AA309A6D-C09C-4548-B29A-6CF363A7E532}" type="datetimeFigureOut">
               <a:rPr lang="fr-FR" smtClean="0"/>
-              <a:t>20/02/2018</a:t>
+              <a:t>09/03/2018</a:t>
             </a:fld>
             <a:endParaRPr lang="fr-BE"/>
           </a:p>
@@ -1852,7 +1855,7 @@
           <a:p>
             <a:fld id="{AA309A6D-C09C-4548-B29A-6CF363A7E532}" type="datetimeFigureOut">
               <a:rPr lang="fr-FR" smtClean="0"/>
-              <a:t>20/02/2018</a:t>
+              <a:t>09/03/2018</a:t>
             </a:fld>
             <a:endParaRPr lang="fr-BE"/>
           </a:p>
@@ -1942,7 +1945,7 @@
           <a:p>
             <a:fld id="{AA309A6D-C09C-4548-B29A-6CF363A7E532}" type="datetimeFigureOut">
               <a:rPr lang="fr-FR" smtClean="0"/>
-              <a:t>20/02/2018</a:t>
+              <a:t>09/03/2018</a:t>
             </a:fld>
             <a:endParaRPr lang="fr-BE"/>
           </a:p>
@@ -2214,7 +2217,7 @@
           <a:p>
             <a:fld id="{AA309A6D-C09C-4548-B29A-6CF363A7E532}" type="datetimeFigureOut">
               <a:rPr lang="fr-FR" smtClean="0"/>
-              <a:t>20/02/2018</a:t>
+              <a:t>09/03/2018</a:t>
             </a:fld>
             <a:endParaRPr lang="fr-BE"/>
           </a:p>
@@ -2462,7 +2465,7 @@
           <a:p>
             <a:fld id="{AA309A6D-C09C-4548-B29A-6CF363A7E532}" type="datetimeFigureOut">
               <a:rPr lang="fr-FR" smtClean="0"/>
-              <a:t>20/02/2018</a:t>
+              <a:t>09/03/2018</a:t>
             </a:fld>
             <a:endParaRPr lang="fr-BE"/>
           </a:p>
@@ -2670,7 +2673,7 @@
           <a:p>
             <a:fld id="{AA309A6D-C09C-4548-B29A-6CF363A7E532}" type="datetimeFigureOut">
               <a:rPr lang="fr-FR" smtClean="0"/>
-              <a:t>20/02/2018</a:t>
+              <a:t>09/03/2018</a:t>
             </a:fld>
             <a:endParaRPr lang="fr-BE"/>
           </a:p>
@@ -8869,6 +8872,2862 @@
           <a:noFill/>
           <a:ln w="28575">
             <a:solidFill>
+              <a:schemeClr val="tx1"/>
+            </a:solidFill>
+          </a:ln>
+        </p:spPr>
+        <p:style>
+          <a:lnRef idx="2">
+            <a:schemeClr val="accent1">
+              <a:shade val="50000"/>
+            </a:schemeClr>
+          </a:lnRef>
+          <a:fillRef idx="1">
+            <a:schemeClr val="accent1"/>
+          </a:fillRef>
+          <a:effectRef idx="0">
+            <a:schemeClr val="accent1"/>
+          </a:effectRef>
+          <a:fontRef idx="minor">
+            <a:schemeClr val="lt1"/>
+          </a:fontRef>
+        </p:style>
+        <p:txBody>
+          <a:bodyPr rtlCol="0" anchor="ctr"/>
+          <a:lstStyle/>
+          <a:p>
+            <a:pPr algn="ctr"/>
+            <a:endParaRPr lang="fr-FR"/>
+          </a:p>
+        </p:txBody>
+      </p:sp>
+      <p:cxnSp>
+        <p:nvCxnSpPr>
+          <p:cNvPr id="22" name="Connecteur droit 21"/>
+          <p:cNvCxnSpPr/>
+          <p:nvPr/>
+        </p:nvCxnSpPr>
+        <p:spPr>
+          <a:xfrm>
+            <a:off x="2116904" y="692696"/>
+            <a:ext cx="0" cy="216024"/>
+          </a:xfrm>
+          <a:prstGeom prst="line">
+            <a:avLst/>
+          </a:prstGeom>
+          <a:noFill/>
+          <a:ln w="28575">
+            <a:solidFill>
+              <a:srgbClr val="C00000"/>
+            </a:solidFill>
+          </a:ln>
+        </p:spPr>
+        <p:style>
+          <a:lnRef idx="2">
+            <a:schemeClr val="accent1">
+              <a:shade val="50000"/>
+            </a:schemeClr>
+          </a:lnRef>
+          <a:fillRef idx="1">
+            <a:schemeClr val="accent1"/>
+          </a:fillRef>
+          <a:effectRef idx="0">
+            <a:schemeClr val="accent1"/>
+          </a:effectRef>
+          <a:fontRef idx="minor">
+            <a:schemeClr val="lt1"/>
+          </a:fontRef>
+        </p:style>
+      </p:cxnSp>
+      <p:cxnSp>
+        <p:nvCxnSpPr>
+          <p:cNvPr id="23" name="Connecteur droit 22"/>
+          <p:cNvCxnSpPr/>
+          <p:nvPr/>
+        </p:nvCxnSpPr>
+        <p:spPr>
+          <a:xfrm>
+            <a:off x="2692968" y="692696"/>
+            <a:ext cx="0" cy="216024"/>
+          </a:xfrm>
+          <a:prstGeom prst="line">
+            <a:avLst/>
+          </a:prstGeom>
+          <a:noFill/>
+          <a:ln w="28575">
+            <a:solidFill>
+              <a:srgbClr val="C00000"/>
+            </a:solidFill>
+          </a:ln>
+        </p:spPr>
+        <p:style>
+          <a:lnRef idx="2">
+            <a:schemeClr val="accent1">
+              <a:shade val="50000"/>
+            </a:schemeClr>
+          </a:lnRef>
+          <a:fillRef idx="1">
+            <a:schemeClr val="accent1"/>
+          </a:fillRef>
+          <a:effectRef idx="0">
+            <a:schemeClr val="accent1"/>
+          </a:effectRef>
+          <a:fontRef idx="minor">
+            <a:schemeClr val="lt1"/>
+          </a:fontRef>
+        </p:style>
+      </p:cxnSp>
+      <p:cxnSp>
+        <p:nvCxnSpPr>
+          <p:cNvPr id="26" name="Connecteur droit 25"/>
+          <p:cNvCxnSpPr/>
+          <p:nvPr/>
+        </p:nvCxnSpPr>
+        <p:spPr>
+          <a:xfrm>
+            <a:off x="1979712" y="554560"/>
+            <a:ext cx="0" cy="504052"/>
+          </a:xfrm>
+          <a:prstGeom prst="line">
+            <a:avLst/>
+          </a:prstGeom>
+          <a:noFill/>
+          <a:ln w="28575">
+            <a:solidFill>
+              <a:srgbClr val="C00000"/>
+            </a:solidFill>
+          </a:ln>
+        </p:spPr>
+        <p:style>
+          <a:lnRef idx="2">
+            <a:schemeClr val="accent1">
+              <a:shade val="50000"/>
+            </a:schemeClr>
+          </a:lnRef>
+          <a:fillRef idx="1">
+            <a:schemeClr val="accent1"/>
+          </a:fillRef>
+          <a:effectRef idx="0">
+            <a:schemeClr val="accent1"/>
+          </a:effectRef>
+          <a:fontRef idx="minor">
+            <a:schemeClr val="lt1"/>
+          </a:fontRef>
+        </p:style>
+      </p:cxnSp>
+      <p:cxnSp>
+        <p:nvCxnSpPr>
+          <p:cNvPr id="27" name="Connecteur droit 26"/>
+          <p:cNvCxnSpPr/>
+          <p:nvPr/>
+        </p:nvCxnSpPr>
+        <p:spPr>
+          <a:xfrm>
+            <a:off x="1979712" y="806586"/>
+            <a:ext cx="857272" cy="0"/>
+          </a:xfrm>
+          <a:prstGeom prst="line">
+            <a:avLst/>
+          </a:prstGeom>
+          <a:noFill/>
+          <a:ln w="28575">
+            <a:solidFill>
+              <a:srgbClr val="C00000"/>
+            </a:solidFill>
+          </a:ln>
+        </p:spPr>
+        <p:style>
+          <a:lnRef idx="2">
+            <a:schemeClr val="accent1">
+              <a:shade val="50000"/>
+            </a:schemeClr>
+          </a:lnRef>
+          <a:fillRef idx="1">
+            <a:schemeClr val="accent1"/>
+          </a:fillRef>
+          <a:effectRef idx="0">
+            <a:schemeClr val="accent1"/>
+          </a:effectRef>
+          <a:fontRef idx="minor">
+            <a:schemeClr val="lt1"/>
+          </a:fontRef>
+        </p:style>
+      </p:cxnSp>
+      <p:cxnSp>
+        <p:nvCxnSpPr>
+          <p:cNvPr id="35" name="Connecteur droit 34"/>
+          <p:cNvCxnSpPr/>
+          <p:nvPr/>
+        </p:nvCxnSpPr>
+        <p:spPr>
+          <a:xfrm>
+            <a:off x="1683054" y="300951"/>
+            <a:ext cx="296658" cy="0"/>
+          </a:xfrm>
+          <a:prstGeom prst="line">
+            <a:avLst/>
+          </a:prstGeom>
+          <a:noFill/>
+          <a:ln w="28575">
+            <a:solidFill>
+              <a:srgbClr val="7030A0"/>
+            </a:solidFill>
+          </a:ln>
+        </p:spPr>
+        <p:style>
+          <a:lnRef idx="2">
+            <a:schemeClr val="accent1">
+              <a:shade val="50000"/>
+            </a:schemeClr>
+          </a:lnRef>
+          <a:fillRef idx="1">
+            <a:schemeClr val="accent1"/>
+          </a:fillRef>
+          <a:effectRef idx="0">
+            <a:schemeClr val="accent1"/>
+          </a:effectRef>
+          <a:fontRef idx="minor">
+            <a:schemeClr val="lt1"/>
+          </a:fontRef>
+        </p:style>
+      </p:cxnSp>
+      <p:cxnSp>
+        <p:nvCxnSpPr>
+          <p:cNvPr id="38" name="Connecteur droit 37"/>
+          <p:cNvCxnSpPr/>
+          <p:nvPr/>
+        </p:nvCxnSpPr>
+        <p:spPr>
+          <a:xfrm flipH="1">
+            <a:off x="2831484" y="183117"/>
+            <a:ext cx="1020436" cy="0"/>
+          </a:xfrm>
+          <a:prstGeom prst="line">
+            <a:avLst/>
+          </a:prstGeom>
+          <a:noFill/>
+          <a:ln w="28575">
+            <a:solidFill>
+              <a:srgbClr val="00B050"/>
+            </a:solidFill>
+          </a:ln>
+        </p:spPr>
+        <p:style>
+          <a:lnRef idx="2">
+            <a:schemeClr val="accent1">
+              <a:shade val="50000"/>
+            </a:schemeClr>
+          </a:lnRef>
+          <a:fillRef idx="1">
+            <a:schemeClr val="accent1"/>
+          </a:fillRef>
+          <a:effectRef idx="0">
+            <a:schemeClr val="accent1"/>
+          </a:effectRef>
+          <a:fontRef idx="minor">
+            <a:schemeClr val="lt1"/>
+          </a:fontRef>
+        </p:style>
+      </p:cxnSp>
+      <p:cxnSp>
+        <p:nvCxnSpPr>
+          <p:cNvPr id="41" name="Connecteur droit 40"/>
+          <p:cNvCxnSpPr/>
+          <p:nvPr/>
+        </p:nvCxnSpPr>
+        <p:spPr>
+          <a:xfrm>
+            <a:off x="3851920" y="176884"/>
+            <a:ext cx="0" cy="3621163"/>
+          </a:xfrm>
+          <a:prstGeom prst="line">
+            <a:avLst/>
+          </a:prstGeom>
+          <a:noFill/>
+          <a:ln w="28575">
+            <a:solidFill>
+              <a:srgbClr val="00B050"/>
+            </a:solidFill>
+          </a:ln>
+        </p:spPr>
+        <p:style>
+          <a:lnRef idx="2">
+            <a:schemeClr val="accent1">
+              <a:shade val="50000"/>
+            </a:schemeClr>
+          </a:lnRef>
+          <a:fillRef idx="1">
+            <a:schemeClr val="accent1"/>
+          </a:fillRef>
+          <a:effectRef idx="0">
+            <a:schemeClr val="accent1"/>
+          </a:effectRef>
+          <a:fontRef idx="minor">
+            <a:schemeClr val="lt1"/>
+          </a:fontRef>
+        </p:style>
+      </p:cxnSp>
+      <p:cxnSp>
+        <p:nvCxnSpPr>
+          <p:cNvPr id="28" name="Connecteur droit 27"/>
+          <p:cNvCxnSpPr/>
+          <p:nvPr/>
+        </p:nvCxnSpPr>
+        <p:spPr>
+          <a:xfrm>
+            <a:off x="1895379" y="548680"/>
+            <a:ext cx="168666" cy="0"/>
+          </a:xfrm>
+          <a:prstGeom prst="line">
+            <a:avLst/>
+          </a:prstGeom>
+          <a:noFill/>
+          <a:ln w="28575">
+            <a:solidFill>
+              <a:srgbClr val="C00000"/>
+            </a:solidFill>
+          </a:ln>
+        </p:spPr>
+        <p:style>
+          <a:lnRef idx="2">
+            <a:schemeClr val="accent1">
+              <a:shade val="50000"/>
+            </a:schemeClr>
+          </a:lnRef>
+          <a:fillRef idx="1">
+            <a:schemeClr val="accent1"/>
+          </a:fillRef>
+          <a:effectRef idx="0">
+            <a:schemeClr val="accent1"/>
+          </a:effectRef>
+          <a:fontRef idx="minor">
+            <a:schemeClr val="lt1"/>
+          </a:fontRef>
+        </p:style>
+      </p:cxnSp>
+      <p:cxnSp>
+        <p:nvCxnSpPr>
+          <p:cNvPr id="51" name="Connecteur droit 50"/>
+          <p:cNvCxnSpPr/>
+          <p:nvPr/>
+        </p:nvCxnSpPr>
+        <p:spPr>
+          <a:xfrm>
+            <a:off x="2755776" y="3705280"/>
+            <a:ext cx="168666" cy="0"/>
+          </a:xfrm>
+          <a:prstGeom prst="line">
+            <a:avLst/>
+          </a:prstGeom>
+          <a:noFill/>
+          <a:ln w="28575">
+            <a:solidFill>
+              <a:srgbClr val="00B050"/>
+            </a:solidFill>
+          </a:ln>
+        </p:spPr>
+        <p:style>
+          <a:lnRef idx="2">
+            <a:schemeClr val="accent1">
+              <a:shade val="50000"/>
+            </a:schemeClr>
+          </a:lnRef>
+          <a:fillRef idx="1">
+            <a:schemeClr val="accent1"/>
+          </a:fillRef>
+          <a:effectRef idx="0">
+            <a:schemeClr val="accent1"/>
+          </a:effectRef>
+          <a:fontRef idx="minor">
+            <a:schemeClr val="lt1"/>
+          </a:fontRef>
+        </p:style>
+      </p:cxnSp>
+      <p:cxnSp>
+        <p:nvCxnSpPr>
+          <p:cNvPr id="52" name="Connecteur droit 51"/>
+          <p:cNvCxnSpPr/>
+          <p:nvPr/>
+        </p:nvCxnSpPr>
+        <p:spPr>
+          <a:xfrm>
+            <a:off x="1879011" y="3416169"/>
+            <a:ext cx="168666" cy="0"/>
+          </a:xfrm>
+          <a:prstGeom prst="line">
+            <a:avLst/>
+          </a:prstGeom>
+          <a:noFill/>
+          <a:ln w="28575">
+            <a:solidFill>
+              <a:srgbClr val="7030A0"/>
+            </a:solidFill>
+          </a:ln>
+        </p:spPr>
+        <p:style>
+          <a:lnRef idx="2">
+            <a:schemeClr val="accent1">
+              <a:shade val="50000"/>
+            </a:schemeClr>
+          </a:lnRef>
+          <a:fillRef idx="1">
+            <a:schemeClr val="accent1"/>
+          </a:fillRef>
+          <a:effectRef idx="0">
+            <a:schemeClr val="accent1"/>
+          </a:effectRef>
+          <a:fontRef idx="minor">
+            <a:schemeClr val="lt1"/>
+          </a:fontRef>
+        </p:style>
+      </p:cxnSp>
+      <p:cxnSp>
+        <p:nvCxnSpPr>
+          <p:cNvPr id="56" name="Connecteur droit 55"/>
+          <p:cNvCxnSpPr/>
+          <p:nvPr/>
+        </p:nvCxnSpPr>
+        <p:spPr>
+          <a:xfrm>
+            <a:off x="2404936" y="1982962"/>
+            <a:ext cx="714580" cy="0"/>
+          </a:xfrm>
+          <a:prstGeom prst="line">
+            <a:avLst/>
+          </a:prstGeom>
+          <a:noFill/>
+          <a:ln w="28575">
+            <a:solidFill>
+              <a:schemeClr val="tx1"/>
+            </a:solidFill>
+          </a:ln>
+        </p:spPr>
+        <p:style>
+          <a:lnRef idx="2">
+            <a:schemeClr val="accent1">
+              <a:shade val="50000"/>
+            </a:schemeClr>
+          </a:lnRef>
+          <a:fillRef idx="1">
+            <a:schemeClr val="accent1"/>
+          </a:fillRef>
+          <a:effectRef idx="0">
+            <a:schemeClr val="accent1"/>
+          </a:effectRef>
+          <a:fontRef idx="minor">
+            <a:schemeClr val="lt1"/>
+          </a:fontRef>
+        </p:style>
+      </p:cxnSp>
+      <p:cxnSp>
+        <p:nvCxnSpPr>
+          <p:cNvPr id="57" name="Connecteur droit 56"/>
+          <p:cNvCxnSpPr>
+            <a:stCxn id="21" idx="2"/>
+          </p:cNvCxnSpPr>
+          <p:nvPr/>
+        </p:nvCxnSpPr>
+        <p:spPr>
+          <a:xfrm>
+            <a:off x="2404936" y="908720"/>
+            <a:ext cx="0" cy="1080120"/>
+          </a:xfrm>
+          <a:prstGeom prst="line">
+            <a:avLst/>
+          </a:prstGeom>
+          <a:noFill/>
+          <a:ln w="28575">
+            <a:solidFill>
+              <a:schemeClr val="tx1"/>
+            </a:solidFill>
+          </a:ln>
+        </p:spPr>
+        <p:style>
+          <a:lnRef idx="2">
+            <a:schemeClr val="accent1">
+              <a:shade val="50000"/>
+            </a:schemeClr>
+          </a:lnRef>
+          <a:fillRef idx="1">
+            <a:schemeClr val="accent1"/>
+          </a:fillRef>
+          <a:effectRef idx="0">
+            <a:schemeClr val="accent1"/>
+          </a:effectRef>
+          <a:fontRef idx="minor">
+            <a:schemeClr val="lt1"/>
+          </a:fontRef>
+        </p:style>
+      </p:cxnSp>
+      <p:sp>
+        <p:nvSpPr>
+          <p:cNvPr id="66" name="Ellipse 65"/>
+          <p:cNvSpPr/>
+          <p:nvPr/>
+        </p:nvSpPr>
+        <p:spPr>
+          <a:xfrm>
+            <a:off x="1369518" y="1668295"/>
+            <a:ext cx="276999" cy="276999"/>
+          </a:xfrm>
+          <a:prstGeom prst="ellipse">
+            <a:avLst/>
+          </a:prstGeom>
+          <a:noFill/>
+          <a:ln w="28575">
+            <a:solidFill>
+              <a:srgbClr val="7030A0"/>
+            </a:solidFill>
+          </a:ln>
+        </p:spPr>
+        <p:style>
+          <a:lnRef idx="2">
+            <a:schemeClr val="accent1">
+              <a:shade val="50000"/>
+            </a:schemeClr>
+          </a:lnRef>
+          <a:fillRef idx="1">
+            <a:schemeClr val="accent1"/>
+          </a:fillRef>
+          <a:effectRef idx="0">
+            <a:schemeClr val="accent1"/>
+          </a:effectRef>
+          <a:fontRef idx="minor">
+            <a:schemeClr val="lt1"/>
+          </a:fontRef>
+        </p:style>
+        <p:txBody>
+          <a:bodyPr lIns="0" tIns="0" rIns="0" bIns="0" rtlCol="0" anchor="ctr"/>
+          <a:lstStyle/>
+          <a:p>
+            <a:pPr algn="ctr"/>
+            <a:r>
+              <a:rPr lang="fr-FR" sz="1400" dirty="0" smtClean="0">
+                <a:ln>
+                  <a:solidFill>
+                    <a:srgbClr val="7030A0"/>
+                  </a:solidFill>
+                </a:ln>
+                <a:solidFill>
+                  <a:srgbClr val="7030A0"/>
+                </a:solidFill>
+              </a:rPr>
+              <a:t>1</a:t>
+            </a:r>
+            <a:endParaRPr lang="fr-FR" sz="1400" dirty="0">
+              <a:ln>
+                <a:solidFill>
+                  <a:srgbClr val="7030A0"/>
+                </a:solidFill>
+              </a:ln>
+              <a:solidFill>
+                <a:srgbClr val="7030A0"/>
+              </a:solidFill>
+            </a:endParaRPr>
+          </a:p>
+        </p:txBody>
+      </p:sp>
+      <p:sp>
+        <p:nvSpPr>
+          <p:cNvPr id="67" name="Ellipse 66"/>
+          <p:cNvSpPr/>
+          <p:nvPr/>
+        </p:nvSpPr>
+        <p:spPr>
+          <a:xfrm>
+            <a:off x="2908992" y="381419"/>
+            <a:ext cx="276999" cy="276999"/>
+          </a:xfrm>
+          <a:prstGeom prst="ellipse">
+            <a:avLst/>
+          </a:prstGeom>
+          <a:noFill/>
+          <a:ln w="28575">
+            <a:solidFill>
+              <a:srgbClr val="C00000"/>
+            </a:solidFill>
+          </a:ln>
+        </p:spPr>
+        <p:style>
+          <a:lnRef idx="2">
+            <a:schemeClr val="accent1">
+              <a:shade val="50000"/>
+            </a:schemeClr>
+          </a:lnRef>
+          <a:fillRef idx="1">
+            <a:schemeClr val="accent1"/>
+          </a:fillRef>
+          <a:effectRef idx="0">
+            <a:schemeClr val="accent1"/>
+          </a:effectRef>
+          <a:fontRef idx="minor">
+            <a:schemeClr val="lt1"/>
+          </a:fontRef>
+        </p:style>
+        <p:txBody>
+          <a:bodyPr lIns="0" tIns="0" rIns="0" bIns="0" rtlCol="0" anchor="ctr"/>
+          <a:lstStyle/>
+          <a:p>
+            <a:pPr algn="ctr"/>
+            <a:r>
+              <a:rPr lang="fr-FR" sz="1400" dirty="0" smtClean="0">
+                <a:ln>
+                  <a:solidFill>
+                    <a:srgbClr val="C00000"/>
+                  </a:solidFill>
+                </a:ln>
+                <a:solidFill>
+                  <a:srgbClr val="C00000"/>
+                </a:solidFill>
+              </a:rPr>
+              <a:t>2</a:t>
+            </a:r>
+            <a:endParaRPr lang="fr-FR" sz="1400" dirty="0">
+              <a:ln>
+                <a:solidFill>
+                  <a:srgbClr val="C00000"/>
+                </a:solidFill>
+              </a:ln>
+              <a:solidFill>
+                <a:srgbClr val="C00000"/>
+              </a:solidFill>
+            </a:endParaRPr>
+          </a:p>
+        </p:txBody>
+      </p:sp>
+      <p:sp>
+        <p:nvSpPr>
+          <p:cNvPr id="68" name="Ellipse 67"/>
+          <p:cNvSpPr/>
+          <p:nvPr/>
+        </p:nvSpPr>
+        <p:spPr>
+          <a:xfrm>
+            <a:off x="2427867" y="1668296"/>
+            <a:ext cx="276999" cy="276999"/>
+          </a:xfrm>
+          <a:prstGeom prst="ellipse">
+            <a:avLst/>
+          </a:prstGeom>
+          <a:noFill/>
+          <a:ln w="28575">
+            <a:solidFill>
+              <a:schemeClr val="accent5">
+                <a:lumMod val="50000"/>
+              </a:schemeClr>
+            </a:solidFill>
+          </a:ln>
+        </p:spPr>
+        <p:style>
+          <a:lnRef idx="2">
+            <a:schemeClr val="accent1">
+              <a:shade val="50000"/>
+            </a:schemeClr>
+          </a:lnRef>
+          <a:fillRef idx="1">
+            <a:schemeClr val="accent1"/>
+          </a:fillRef>
+          <a:effectRef idx="0">
+            <a:schemeClr val="accent1"/>
+          </a:effectRef>
+          <a:fontRef idx="minor">
+            <a:schemeClr val="lt1"/>
+          </a:fontRef>
+        </p:style>
+        <p:txBody>
+          <a:bodyPr lIns="0" tIns="0" rIns="0" bIns="0" rtlCol="0" anchor="ctr"/>
+          <a:lstStyle/>
+          <a:p>
+            <a:pPr algn="ctr"/>
+            <a:r>
+              <a:rPr lang="fr-FR" sz="1400" dirty="0">
+                <a:ln>
+                  <a:solidFill>
+                    <a:schemeClr val="accent5">
+                      <a:lumMod val="50000"/>
+                    </a:schemeClr>
+                  </a:solidFill>
+                </a:ln>
+                <a:solidFill>
+                  <a:schemeClr val="accent5">
+                    <a:lumMod val="50000"/>
+                  </a:schemeClr>
+                </a:solidFill>
+              </a:rPr>
+              <a:t>3</a:t>
+            </a:r>
+          </a:p>
+        </p:txBody>
+      </p:sp>
+      <p:sp>
+        <p:nvSpPr>
+          <p:cNvPr id="40" name="Ellipse 39"/>
+          <p:cNvSpPr/>
+          <p:nvPr/>
+        </p:nvSpPr>
+        <p:spPr>
+          <a:xfrm>
+            <a:off x="824474" y="2453472"/>
+            <a:ext cx="276999" cy="276999"/>
+          </a:xfrm>
+          <a:prstGeom prst="ellipse">
+            <a:avLst/>
+          </a:prstGeom>
+          <a:noFill/>
+          <a:ln w="28575">
+            <a:solidFill>
+              <a:schemeClr val="tx1"/>
+            </a:solidFill>
+          </a:ln>
+        </p:spPr>
+        <p:style>
+          <a:lnRef idx="2">
+            <a:schemeClr val="accent1">
+              <a:shade val="50000"/>
+            </a:schemeClr>
+          </a:lnRef>
+          <a:fillRef idx="1">
+            <a:schemeClr val="accent1"/>
+          </a:fillRef>
+          <a:effectRef idx="0">
+            <a:schemeClr val="accent1"/>
+          </a:effectRef>
+          <a:fontRef idx="minor">
+            <a:schemeClr val="lt1"/>
+          </a:fontRef>
+        </p:style>
+        <p:txBody>
+          <a:bodyPr lIns="0" tIns="0" rIns="0" bIns="0" rtlCol="0" anchor="ctr"/>
+          <a:lstStyle/>
+          <a:p>
+            <a:pPr algn="ctr"/>
+            <a:r>
+              <a:rPr lang="fr-FR" sz="1400" dirty="0">
+                <a:ln>
+                  <a:solidFill>
+                    <a:sysClr val="windowText" lastClr="000000"/>
+                  </a:solidFill>
+                </a:ln>
+                <a:solidFill>
+                  <a:schemeClr val="tx1"/>
+                </a:solidFill>
+              </a:rPr>
+              <a:t>0</a:t>
+            </a:r>
+          </a:p>
+        </p:txBody>
+      </p:sp>
+      <mc:AlternateContent xmlns:mc="http://schemas.openxmlformats.org/markup-compatibility/2006" xmlns:a14="http://schemas.microsoft.com/office/drawing/2010/main">
+        <mc:Choice Requires="a14">
+          <p:sp>
+            <p:nvSpPr>
+              <p:cNvPr id="44" name="ZoneTexte 43"/>
+              <p:cNvSpPr txBox="1"/>
+              <p:nvPr/>
+            </p:nvSpPr>
+            <p:spPr>
+              <a:xfrm>
+                <a:off x="1658984" y="1850340"/>
+                <a:ext cx="322524" cy="276999"/>
+              </a:xfrm>
+              <a:prstGeom prst="rect">
+                <a:avLst/>
+              </a:prstGeom>
+              <a:noFill/>
+            </p:spPr>
+            <p:txBody>
+              <a:bodyPr wrap="none" rtlCol="0">
+                <a:spAutoFit/>
+              </a:bodyPr>
+              <a:lstStyle/>
+              <a:p>
+                <a:pPr/>
+                <a14:m>
+                  <m:oMathPara xmlns:m="http://schemas.openxmlformats.org/officeDocument/2006/math">
+                    <m:oMathParaPr>
+                      <m:jc m:val="centerGroup"/>
+                    </m:oMathParaPr>
+                    <m:oMath xmlns:m="http://schemas.openxmlformats.org/officeDocument/2006/math">
+                      <m:r>
+                        <a:rPr lang="fr-FR" sz="1200" b="1" i="1" smtClean="0">
+                          <a:latin typeface="Cambria Math"/>
+                        </a:rPr>
+                        <m:t>𝑨</m:t>
+                      </m:r>
+                    </m:oMath>
+                  </m:oMathPara>
+                </a14:m>
+                <a:endParaRPr lang="fr-FR" sz="1200" b="1" dirty="0"/>
+              </a:p>
+            </p:txBody>
+          </p:sp>
+        </mc:Choice>
+        <mc:Fallback xmlns="">
+          <p:sp>
+            <p:nvSpPr>
+              <p:cNvPr id="44" name="ZoneTexte 43"/>
+              <p:cNvSpPr txBox="1">
+                <a:spLocks noRot="1" noChangeAspect="1" noMove="1" noResize="1" noEditPoints="1" noAdjustHandles="1" noChangeArrowheads="1" noChangeShapeType="1" noTextEdit="1"/>
+              </p:cNvSpPr>
+              <p:nvPr/>
+            </p:nvSpPr>
+            <p:spPr>
+              <a:xfrm>
+                <a:off x="1658984" y="1850340"/>
+                <a:ext cx="322524" cy="276999"/>
+              </a:xfrm>
+              <a:prstGeom prst="rect">
+                <a:avLst/>
+              </a:prstGeom>
+              <a:blipFill rotWithShape="1">
+                <a:blip r:embed="rId2"/>
+                <a:stretch>
+                  <a:fillRect/>
+                </a:stretch>
+              </a:blipFill>
+            </p:spPr>
+            <p:txBody>
+              <a:bodyPr/>
+              <a:lstStyle/>
+              <a:p>
+                <a:r>
+                  <a:rPr lang="fr-FR">
+                    <a:noFill/>
+                  </a:rPr>
+                  <a:t> </a:t>
+                </a:r>
+              </a:p>
+            </p:txBody>
+          </p:sp>
+        </mc:Fallback>
+      </mc:AlternateContent>
+      <mc:AlternateContent xmlns:mc="http://schemas.openxmlformats.org/markup-compatibility/2006" xmlns:a14="http://schemas.microsoft.com/office/drawing/2010/main">
+        <mc:Choice Requires="a14">
+          <p:sp>
+            <p:nvSpPr>
+              <p:cNvPr id="45" name="ZoneTexte 44"/>
+              <p:cNvSpPr txBox="1"/>
+              <p:nvPr/>
+            </p:nvSpPr>
+            <p:spPr>
+              <a:xfrm>
+                <a:off x="1632804" y="669771"/>
+                <a:ext cx="330540" cy="276999"/>
+              </a:xfrm>
+              <a:prstGeom prst="rect">
+                <a:avLst/>
+              </a:prstGeom>
+              <a:noFill/>
+            </p:spPr>
+            <p:txBody>
+              <a:bodyPr wrap="none" rtlCol="0">
+                <a:spAutoFit/>
+              </a:bodyPr>
+              <a:lstStyle/>
+              <a:p>
+                <a:pPr/>
+                <a14:m>
+                  <m:oMathPara xmlns:m="http://schemas.openxmlformats.org/officeDocument/2006/math">
+                    <m:oMathParaPr>
+                      <m:jc m:val="centerGroup"/>
+                    </m:oMathParaPr>
+                    <m:oMath xmlns:m="http://schemas.openxmlformats.org/officeDocument/2006/math">
+                      <m:r>
+                        <a:rPr lang="fr-FR" sz="1200" b="1" i="1" smtClean="0">
+                          <a:latin typeface="Cambria Math"/>
+                        </a:rPr>
+                        <m:t>𝑩</m:t>
+                      </m:r>
+                    </m:oMath>
+                  </m:oMathPara>
+                </a14:m>
+                <a:endParaRPr lang="fr-FR" sz="1200" b="1" dirty="0"/>
+              </a:p>
+            </p:txBody>
+          </p:sp>
+        </mc:Choice>
+        <mc:Fallback xmlns="">
+          <p:sp>
+            <p:nvSpPr>
+              <p:cNvPr id="45" name="ZoneTexte 44"/>
+              <p:cNvSpPr txBox="1">
+                <a:spLocks noRot="1" noChangeAspect="1" noMove="1" noResize="1" noEditPoints="1" noAdjustHandles="1" noChangeArrowheads="1" noChangeShapeType="1" noTextEdit="1"/>
+              </p:cNvSpPr>
+              <p:nvPr/>
+            </p:nvSpPr>
+            <p:spPr>
+              <a:xfrm>
+                <a:off x="1632804" y="669771"/>
+                <a:ext cx="330540" cy="276999"/>
+              </a:xfrm>
+              <a:prstGeom prst="rect">
+                <a:avLst/>
+              </a:prstGeom>
+              <a:blipFill rotWithShape="1">
+                <a:blip r:embed="rId3"/>
+                <a:stretch>
+                  <a:fillRect/>
+                </a:stretch>
+              </a:blipFill>
+            </p:spPr>
+            <p:txBody>
+              <a:bodyPr/>
+              <a:lstStyle/>
+              <a:p>
+                <a:r>
+                  <a:rPr lang="fr-FR">
+                    <a:noFill/>
+                  </a:rPr>
+                  <a:t> </a:t>
+                </a:r>
+              </a:p>
+            </p:txBody>
+          </p:sp>
+        </mc:Fallback>
+      </mc:AlternateContent>
+      <mc:AlternateContent xmlns:mc="http://schemas.openxmlformats.org/markup-compatibility/2006" xmlns:a14="http://schemas.microsoft.com/office/drawing/2010/main">
+        <mc:Choice Requires="a14">
+          <p:sp>
+            <p:nvSpPr>
+              <p:cNvPr id="53" name="ZoneTexte 52"/>
+              <p:cNvSpPr txBox="1"/>
+              <p:nvPr/>
+            </p:nvSpPr>
+            <p:spPr>
+              <a:xfrm>
+                <a:off x="1656048" y="410180"/>
+                <a:ext cx="284052" cy="276999"/>
+              </a:xfrm>
+              <a:prstGeom prst="rect">
+                <a:avLst/>
+              </a:prstGeom>
+              <a:noFill/>
+            </p:spPr>
+            <p:txBody>
+              <a:bodyPr wrap="none" rtlCol="0">
+                <a:spAutoFit/>
+              </a:bodyPr>
+              <a:lstStyle/>
+              <a:p>
+                <a:pPr/>
+                <a14:m>
+                  <m:oMathPara xmlns:m="http://schemas.openxmlformats.org/officeDocument/2006/math">
+                    <m:oMathParaPr>
+                      <m:jc m:val="centerGroup"/>
+                    </m:oMathParaPr>
+                    <m:oMath xmlns:m="http://schemas.openxmlformats.org/officeDocument/2006/math">
+                      <m:r>
+                        <a:rPr lang="fr-FR" sz="1200" b="1" i="1" smtClean="0">
+                          <a:latin typeface="Cambria Math"/>
+                        </a:rPr>
+                        <m:t>𝑱</m:t>
+                      </m:r>
+                    </m:oMath>
+                  </m:oMathPara>
+                </a14:m>
+                <a:endParaRPr lang="fr-FR" sz="1200" b="1" dirty="0"/>
+              </a:p>
+            </p:txBody>
+          </p:sp>
+        </mc:Choice>
+        <mc:Fallback xmlns="">
+          <p:sp>
+            <p:nvSpPr>
+              <p:cNvPr id="53" name="ZoneTexte 52"/>
+              <p:cNvSpPr txBox="1">
+                <a:spLocks noRot="1" noChangeAspect="1" noMove="1" noResize="1" noEditPoints="1" noAdjustHandles="1" noChangeArrowheads="1" noChangeShapeType="1" noTextEdit="1"/>
+              </p:cNvSpPr>
+              <p:nvPr/>
+            </p:nvSpPr>
+            <p:spPr>
+              <a:xfrm>
+                <a:off x="1656048" y="410180"/>
+                <a:ext cx="284052" cy="276999"/>
+              </a:xfrm>
+              <a:prstGeom prst="rect">
+                <a:avLst/>
+              </a:prstGeom>
+              <a:blipFill rotWithShape="1">
+                <a:blip r:embed="rId5"/>
+                <a:stretch>
+                  <a:fillRect b="-2174"/>
+                </a:stretch>
+              </a:blipFill>
+            </p:spPr>
+            <p:txBody>
+              <a:bodyPr/>
+              <a:lstStyle/>
+              <a:p>
+                <a:r>
+                  <a:rPr lang="fr-FR">
+                    <a:noFill/>
+                  </a:rPr>
+                  <a:t> </a:t>
+                </a:r>
+              </a:p>
+            </p:txBody>
+          </p:sp>
+        </mc:Fallback>
+      </mc:AlternateContent>
+      <p:cxnSp>
+        <p:nvCxnSpPr>
+          <p:cNvPr id="58" name="Connecteur droit 57"/>
+          <p:cNvCxnSpPr/>
+          <p:nvPr/>
+        </p:nvCxnSpPr>
+        <p:spPr>
+          <a:xfrm>
+            <a:off x="2831483" y="260644"/>
+            <a:ext cx="0" cy="1080124"/>
+          </a:xfrm>
+          <a:prstGeom prst="line">
+            <a:avLst/>
+          </a:prstGeom>
+          <a:noFill/>
+          <a:ln w="28575">
+            <a:solidFill>
+              <a:srgbClr val="C00000"/>
+            </a:solidFill>
+          </a:ln>
+        </p:spPr>
+        <p:style>
+          <a:lnRef idx="2">
+            <a:schemeClr val="accent1">
+              <a:shade val="50000"/>
+            </a:schemeClr>
+          </a:lnRef>
+          <a:fillRef idx="1">
+            <a:schemeClr val="accent1"/>
+          </a:fillRef>
+          <a:effectRef idx="0">
+            <a:schemeClr val="accent1"/>
+          </a:effectRef>
+          <a:fontRef idx="minor">
+            <a:schemeClr val="lt1"/>
+          </a:fontRef>
+        </p:style>
+      </p:cxnSp>
+      <p:cxnSp>
+        <p:nvCxnSpPr>
+          <p:cNvPr id="59" name="Connecteur droit 58"/>
+          <p:cNvCxnSpPr/>
+          <p:nvPr/>
+        </p:nvCxnSpPr>
+        <p:spPr>
+          <a:xfrm>
+            <a:off x="2747150" y="1337000"/>
+            <a:ext cx="168666" cy="0"/>
+          </a:xfrm>
+          <a:prstGeom prst="line">
+            <a:avLst/>
+          </a:prstGeom>
+          <a:noFill/>
+          <a:ln w="28575">
+            <a:solidFill>
+              <a:srgbClr val="C00000"/>
+            </a:solidFill>
+          </a:ln>
+        </p:spPr>
+        <p:style>
+          <a:lnRef idx="2">
+            <a:schemeClr val="accent1">
+              <a:shade val="50000"/>
+            </a:schemeClr>
+          </a:lnRef>
+          <a:fillRef idx="1">
+            <a:schemeClr val="accent1"/>
+          </a:fillRef>
+          <a:effectRef idx="0">
+            <a:schemeClr val="accent1"/>
+          </a:effectRef>
+          <a:fontRef idx="minor">
+            <a:schemeClr val="lt1"/>
+          </a:fontRef>
+        </p:style>
+      </p:cxnSp>
+      <p:cxnSp>
+        <p:nvCxnSpPr>
+          <p:cNvPr id="61" name="Connecteur droit 60"/>
+          <p:cNvCxnSpPr/>
+          <p:nvPr/>
+        </p:nvCxnSpPr>
+        <p:spPr>
+          <a:xfrm flipV="1">
+            <a:off x="2839021" y="176884"/>
+            <a:ext cx="0" cy="83760"/>
+          </a:xfrm>
+          <a:prstGeom prst="line">
+            <a:avLst/>
+          </a:prstGeom>
+          <a:noFill/>
+          <a:ln w="28575">
+            <a:solidFill>
+              <a:srgbClr val="00B050"/>
+            </a:solidFill>
+          </a:ln>
+        </p:spPr>
+        <p:style>
+          <a:lnRef idx="2">
+            <a:schemeClr val="accent1">
+              <a:shade val="50000"/>
+            </a:schemeClr>
+          </a:lnRef>
+          <a:fillRef idx="1">
+            <a:schemeClr val="accent1"/>
+          </a:fillRef>
+          <a:effectRef idx="0">
+            <a:schemeClr val="accent1"/>
+          </a:effectRef>
+          <a:fontRef idx="minor">
+            <a:schemeClr val="lt1"/>
+          </a:fontRef>
+        </p:style>
+      </p:cxnSp>
+      <p:cxnSp>
+        <p:nvCxnSpPr>
+          <p:cNvPr id="62" name="Connecteur droit 61"/>
+          <p:cNvCxnSpPr/>
+          <p:nvPr/>
+        </p:nvCxnSpPr>
+        <p:spPr>
+          <a:xfrm>
+            <a:off x="2747150" y="264416"/>
+            <a:ext cx="168666" cy="0"/>
+          </a:xfrm>
+          <a:prstGeom prst="line">
+            <a:avLst/>
+          </a:prstGeom>
+          <a:noFill/>
+          <a:ln w="28575">
+            <a:solidFill>
+              <a:srgbClr val="C00000"/>
+            </a:solidFill>
+          </a:ln>
+        </p:spPr>
+        <p:style>
+          <a:lnRef idx="2">
+            <a:schemeClr val="accent1">
+              <a:shade val="50000"/>
+            </a:schemeClr>
+          </a:lnRef>
+          <a:fillRef idx="1">
+            <a:schemeClr val="accent1"/>
+          </a:fillRef>
+          <a:effectRef idx="0">
+            <a:schemeClr val="accent1"/>
+          </a:effectRef>
+          <a:fontRef idx="minor">
+            <a:schemeClr val="lt1"/>
+          </a:fontRef>
+        </p:style>
+      </p:cxnSp>
+      <p:cxnSp>
+        <p:nvCxnSpPr>
+          <p:cNvPr id="76" name="Connecteur droit 75"/>
+          <p:cNvCxnSpPr/>
+          <p:nvPr/>
+        </p:nvCxnSpPr>
+        <p:spPr>
+          <a:xfrm flipV="1">
+            <a:off x="2840277" y="3705280"/>
+            <a:ext cx="0" cy="83760"/>
+          </a:xfrm>
+          <a:prstGeom prst="line">
+            <a:avLst/>
+          </a:prstGeom>
+          <a:noFill/>
+          <a:ln w="28575">
+            <a:solidFill>
+              <a:srgbClr val="00B050"/>
+            </a:solidFill>
+          </a:ln>
+        </p:spPr>
+        <p:style>
+          <a:lnRef idx="2">
+            <a:schemeClr val="accent1">
+              <a:shade val="50000"/>
+            </a:schemeClr>
+          </a:lnRef>
+          <a:fillRef idx="1">
+            <a:schemeClr val="accent1"/>
+          </a:fillRef>
+          <a:effectRef idx="0">
+            <a:schemeClr val="accent1"/>
+          </a:effectRef>
+          <a:fontRef idx="minor">
+            <a:schemeClr val="lt1"/>
+          </a:fontRef>
+        </p:style>
+      </p:cxnSp>
+      <p:sp>
+        <p:nvSpPr>
+          <p:cNvPr id="78" name="Rectangle 77"/>
+          <p:cNvSpPr/>
+          <p:nvPr/>
+        </p:nvSpPr>
+        <p:spPr>
+          <a:xfrm>
+            <a:off x="4065907" y="1878079"/>
+            <a:ext cx="432048" cy="216024"/>
+          </a:xfrm>
+          <a:prstGeom prst="rect">
+            <a:avLst/>
+          </a:prstGeom>
+          <a:noFill/>
+          <a:ln w="28575">
+            <a:solidFill>
+              <a:schemeClr val="tx1"/>
+            </a:solidFill>
+          </a:ln>
+        </p:spPr>
+        <p:style>
+          <a:lnRef idx="2">
+            <a:schemeClr val="accent1">
+              <a:shade val="50000"/>
+            </a:schemeClr>
+          </a:lnRef>
+          <a:fillRef idx="1">
+            <a:schemeClr val="accent1"/>
+          </a:fillRef>
+          <a:effectRef idx="0">
+            <a:schemeClr val="accent1"/>
+          </a:effectRef>
+          <a:fontRef idx="minor">
+            <a:schemeClr val="lt1"/>
+          </a:fontRef>
+        </p:style>
+        <p:txBody>
+          <a:bodyPr rtlCol="0" anchor="ctr"/>
+          <a:lstStyle/>
+          <a:p>
+            <a:pPr algn="ctr"/>
+            <a:endParaRPr lang="fr-FR"/>
+          </a:p>
+        </p:txBody>
+      </p:sp>
+      <p:cxnSp>
+        <p:nvCxnSpPr>
+          <p:cNvPr id="79" name="Connecteur droit 78"/>
+          <p:cNvCxnSpPr/>
+          <p:nvPr/>
+        </p:nvCxnSpPr>
+        <p:spPr>
+          <a:xfrm>
+            <a:off x="3995936" y="1872201"/>
+            <a:ext cx="0" cy="216024"/>
+          </a:xfrm>
+          <a:prstGeom prst="line">
+            <a:avLst/>
+          </a:prstGeom>
+          <a:noFill/>
+          <a:ln w="28575">
+            <a:solidFill>
+              <a:srgbClr val="00B050"/>
+            </a:solidFill>
+          </a:ln>
+        </p:spPr>
+        <p:style>
+          <a:lnRef idx="2">
+            <a:schemeClr val="accent1">
+              <a:shade val="50000"/>
+            </a:schemeClr>
+          </a:lnRef>
+          <a:fillRef idx="1">
+            <a:schemeClr val="accent1"/>
+          </a:fillRef>
+          <a:effectRef idx="0">
+            <a:schemeClr val="accent1"/>
+          </a:effectRef>
+          <a:fontRef idx="minor">
+            <a:schemeClr val="lt1"/>
+          </a:fontRef>
+        </p:style>
+      </p:cxnSp>
+      <p:cxnSp>
+        <p:nvCxnSpPr>
+          <p:cNvPr id="80" name="Connecteur droit 79"/>
+          <p:cNvCxnSpPr/>
+          <p:nvPr/>
+        </p:nvCxnSpPr>
+        <p:spPr>
+          <a:xfrm>
+            <a:off x="4572000" y="1872201"/>
+            <a:ext cx="0" cy="216024"/>
+          </a:xfrm>
+          <a:prstGeom prst="line">
+            <a:avLst/>
+          </a:prstGeom>
+          <a:noFill/>
+          <a:ln w="28575">
+            <a:solidFill>
+              <a:srgbClr val="00B050"/>
+            </a:solidFill>
+          </a:ln>
+        </p:spPr>
+        <p:style>
+          <a:lnRef idx="2">
+            <a:schemeClr val="accent1">
+              <a:shade val="50000"/>
+            </a:schemeClr>
+          </a:lnRef>
+          <a:fillRef idx="1">
+            <a:schemeClr val="accent1"/>
+          </a:fillRef>
+          <a:effectRef idx="0">
+            <a:schemeClr val="accent1"/>
+          </a:effectRef>
+          <a:fontRef idx="minor">
+            <a:schemeClr val="lt1"/>
+          </a:fontRef>
+        </p:style>
+      </p:cxnSp>
+      <p:cxnSp>
+        <p:nvCxnSpPr>
+          <p:cNvPr id="81" name="Connecteur droit 80"/>
+          <p:cNvCxnSpPr/>
+          <p:nvPr/>
+        </p:nvCxnSpPr>
+        <p:spPr>
+          <a:xfrm>
+            <a:off x="3851920" y="1988840"/>
+            <a:ext cx="880018" cy="0"/>
+          </a:xfrm>
+          <a:prstGeom prst="line">
+            <a:avLst/>
+          </a:prstGeom>
+          <a:noFill/>
+          <a:ln w="28575">
+            <a:solidFill>
+              <a:srgbClr val="00B050"/>
+            </a:solidFill>
+          </a:ln>
+        </p:spPr>
+        <p:style>
+          <a:lnRef idx="2">
+            <a:schemeClr val="accent1">
+              <a:shade val="50000"/>
+            </a:schemeClr>
+          </a:lnRef>
+          <a:fillRef idx="1">
+            <a:schemeClr val="accent1"/>
+          </a:fillRef>
+          <a:effectRef idx="0">
+            <a:schemeClr val="accent1"/>
+          </a:effectRef>
+          <a:fontRef idx="minor">
+            <a:schemeClr val="lt1"/>
+          </a:fontRef>
+        </p:style>
+      </p:cxnSp>
+      <p:cxnSp>
+        <p:nvCxnSpPr>
+          <p:cNvPr id="86" name="Connecteur droit 85"/>
+          <p:cNvCxnSpPr/>
+          <p:nvPr/>
+        </p:nvCxnSpPr>
+        <p:spPr>
+          <a:xfrm flipH="1">
+            <a:off x="2831483" y="3798047"/>
+            <a:ext cx="1020437" cy="0"/>
+          </a:xfrm>
+          <a:prstGeom prst="line">
+            <a:avLst/>
+          </a:prstGeom>
+          <a:noFill/>
+          <a:ln w="28575">
+            <a:solidFill>
+              <a:srgbClr val="00B050"/>
+            </a:solidFill>
+          </a:ln>
+        </p:spPr>
+        <p:style>
+          <a:lnRef idx="2">
+            <a:schemeClr val="accent1">
+              <a:shade val="50000"/>
+            </a:schemeClr>
+          </a:lnRef>
+          <a:fillRef idx="1">
+            <a:schemeClr val="accent1"/>
+          </a:fillRef>
+          <a:effectRef idx="0">
+            <a:schemeClr val="accent1"/>
+          </a:effectRef>
+          <a:fontRef idx="minor">
+            <a:schemeClr val="lt1"/>
+          </a:fontRef>
+        </p:style>
+      </p:cxnSp>
+      <p:sp>
+        <p:nvSpPr>
+          <p:cNvPr id="90" name="Forme libre 89"/>
+          <p:cNvSpPr/>
+          <p:nvPr/>
+        </p:nvSpPr>
+        <p:spPr>
+          <a:xfrm>
+            <a:off x="2831484" y="2312876"/>
+            <a:ext cx="576064" cy="140596"/>
+          </a:xfrm>
+          <a:custGeom>
+            <a:avLst/>
+            <a:gdLst>
+              <a:gd name="connsiteX0" fmla="*/ 0 w 729276"/>
+              <a:gd name="connsiteY0" fmla="*/ 0 h 152951"/>
+              <a:gd name="connsiteX1" fmla="*/ 168294 w 729276"/>
+              <a:gd name="connsiteY1" fmla="*/ 134635 h 152951"/>
+              <a:gd name="connsiteX2" fmla="*/ 381467 w 729276"/>
+              <a:gd name="connsiteY2" fmla="*/ 84147 h 152951"/>
+              <a:gd name="connsiteX3" fmla="*/ 594640 w 729276"/>
+              <a:gd name="connsiteY3" fmla="*/ 151465 h 152951"/>
+              <a:gd name="connsiteX4" fmla="*/ 729276 w 729276"/>
+              <a:gd name="connsiteY4" fmla="*/ 5610 h 152951"/>
+              <a:gd name="connsiteX0" fmla="*/ 0 w 732876"/>
+              <a:gd name="connsiteY0" fmla="*/ 7459 h 160523"/>
+              <a:gd name="connsiteX1" fmla="*/ 168294 w 732876"/>
+              <a:gd name="connsiteY1" fmla="*/ 142094 h 160523"/>
+              <a:gd name="connsiteX2" fmla="*/ 381467 w 732876"/>
+              <a:gd name="connsiteY2" fmla="*/ 91606 h 160523"/>
+              <a:gd name="connsiteX3" fmla="*/ 594640 w 732876"/>
+              <a:gd name="connsiteY3" fmla="*/ 158924 h 160523"/>
+              <a:gd name="connsiteX4" fmla="*/ 719996 w 732876"/>
+              <a:gd name="connsiteY4" fmla="*/ 9693 h 160523"/>
+              <a:gd name="connsiteX5" fmla="*/ 729276 w 732876"/>
+              <a:gd name="connsiteY5" fmla="*/ 13069 h 160523"/>
+              <a:gd name="connsiteX0" fmla="*/ 0 w 732876"/>
+              <a:gd name="connsiteY0" fmla="*/ 7459 h 144116"/>
+              <a:gd name="connsiteX1" fmla="*/ 168294 w 732876"/>
+              <a:gd name="connsiteY1" fmla="*/ 142094 h 144116"/>
+              <a:gd name="connsiteX2" fmla="*/ 381467 w 732876"/>
+              <a:gd name="connsiteY2" fmla="*/ 91606 h 144116"/>
+              <a:gd name="connsiteX3" fmla="*/ 589488 w 732876"/>
+              <a:gd name="connsiteY3" fmla="*/ 135742 h 144116"/>
+              <a:gd name="connsiteX4" fmla="*/ 719996 w 732876"/>
+              <a:gd name="connsiteY4" fmla="*/ 9693 h 144116"/>
+              <a:gd name="connsiteX5" fmla="*/ 729276 w 732876"/>
+              <a:gd name="connsiteY5" fmla="*/ 13069 h 144116"/>
+              <a:gd name="connsiteX0" fmla="*/ 0 w 731506"/>
+              <a:gd name="connsiteY0" fmla="*/ 0 h 136657"/>
+              <a:gd name="connsiteX1" fmla="*/ 168294 w 731506"/>
+              <a:gd name="connsiteY1" fmla="*/ 134635 h 136657"/>
+              <a:gd name="connsiteX2" fmla="*/ 381467 w 731506"/>
+              <a:gd name="connsiteY2" fmla="*/ 84147 h 136657"/>
+              <a:gd name="connsiteX3" fmla="*/ 589488 w 731506"/>
+              <a:gd name="connsiteY3" fmla="*/ 128283 h 136657"/>
+              <a:gd name="connsiteX4" fmla="*/ 717420 w 731506"/>
+              <a:gd name="connsiteY4" fmla="*/ 35719 h 136657"/>
+              <a:gd name="connsiteX5" fmla="*/ 729276 w 731506"/>
+              <a:gd name="connsiteY5" fmla="*/ 5610 h 136657"/>
+              <a:gd name="connsiteX0" fmla="*/ 0 w 729276"/>
+              <a:gd name="connsiteY0" fmla="*/ 0 h 136657"/>
+              <a:gd name="connsiteX1" fmla="*/ 168294 w 729276"/>
+              <a:gd name="connsiteY1" fmla="*/ 134635 h 136657"/>
+              <a:gd name="connsiteX2" fmla="*/ 381467 w 729276"/>
+              <a:gd name="connsiteY2" fmla="*/ 84147 h 136657"/>
+              <a:gd name="connsiteX3" fmla="*/ 589488 w 729276"/>
+              <a:gd name="connsiteY3" fmla="*/ 128283 h 136657"/>
+              <a:gd name="connsiteX4" fmla="*/ 631695 w 729276"/>
+              <a:gd name="connsiteY4" fmla="*/ 59532 h 136657"/>
+              <a:gd name="connsiteX5" fmla="*/ 729276 w 729276"/>
+              <a:gd name="connsiteY5" fmla="*/ 5610 h 136657"/>
+              <a:gd name="connsiteX0" fmla="*/ 0 w 729276"/>
+              <a:gd name="connsiteY0" fmla="*/ 0 h 136657"/>
+              <a:gd name="connsiteX1" fmla="*/ 168294 w 729276"/>
+              <a:gd name="connsiteY1" fmla="*/ 134635 h 136657"/>
+              <a:gd name="connsiteX2" fmla="*/ 381467 w 729276"/>
+              <a:gd name="connsiteY2" fmla="*/ 84147 h 136657"/>
+              <a:gd name="connsiteX3" fmla="*/ 589488 w 729276"/>
+              <a:gd name="connsiteY3" fmla="*/ 128283 h 136657"/>
+              <a:gd name="connsiteX4" fmla="*/ 729276 w 729276"/>
+              <a:gd name="connsiteY4" fmla="*/ 5610 h 136657"/>
+              <a:gd name="connsiteX0" fmla="*/ 0 w 729276"/>
+              <a:gd name="connsiteY0" fmla="*/ 0 h 136657"/>
+              <a:gd name="connsiteX1" fmla="*/ 168294 w 729276"/>
+              <a:gd name="connsiteY1" fmla="*/ 134635 h 136657"/>
+              <a:gd name="connsiteX2" fmla="*/ 381467 w 729276"/>
+              <a:gd name="connsiteY2" fmla="*/ 84147 h 136657"/>
+              <a:gd name="connsiteX3" fmla="*/ 589488 w 729276"/>
+              <a:gd name="connsiteY3" fmla="*/ 128283 h 136657"/>
+              <a:gd name="connsiteX4" fmla="*/ 729276 w 729276"/>
+              <a:gd name="connsiteY4" fmla="*/ 5610 h 136657"/>
+              <a:gd name="connsiteX0" fmla="*/ 0 w 729276"/>
+              <a:gd name="connsiteY0" fmla="*/ 0 h 141857"/>
+              <a:gd name="connsiteX1" fmla="*/ 168294 w 729276"/>
+              <a:gd name="connsiteY1" fmla="*/ 134635 h 141857"/>
+              <a:gd name="connsiteX2" fmla="*/ 381467 w 729276"/>
+              <a:gd name="connsiteY2" fmla="*/ 84147 h 141857"/>
+              <a:gd name="connsiteX3" fmla="*/ 577581 w 729276"/>
+              <a:gd name="connsiteY3" fmla="*/ 140189 h 141857"/>
+              <a:gd name="connsiteX4" fmla="*/ 729276 w 729276"/>
+              <a:gd name="connsiteY4" fmla="*/ 5610 h 141857"/>
+              <a:gd name="connsiteX0" fmla="*/ 0 w 729276"/>
+              <a:gd name="connsiteY0" fmla="*/ 0 h 140596"/>
+              <a:gd name="connsiteX1" fmla="*/ 168294 w 729276"/>
+              <a:gd name="connsiteY1" fmla="*/ 134635 h 140596"/>
+              <a:gd name="connsiteX2" fmla="*/ 381467 w 729276"/>
+              <a:gd name="connsiteY2" fmla="*/ 84147 h 140596"/>
+              <a:gd name="connsiteX3" fmla="*/ 577581 w 729276"/>
+              <a:gd name="connsiteY3" fmla="*/ 140189 h 140596"/>
+              <a:gd name="connsiteX4" fmla="*/ 729276 w 729276"/>
+              <a:gd name="connsiteY4" fmla="*/ 5610 h 140596"/>
+            </a:gdLst>
+            <a:ahLst/>
+            <a:cxnLst>
+              <a:cxn ang="0">
+                <a:pos x="connsiteX0" y="connsiteY0"/>
+              </a:cxn>
+              <a:cxn ang="0">
+                <a:pos x="connsiteX1" y="connsiteY1"/>
+              </a:cxn>
+              <a:cxn ang="0">
+                <a:pos x="connsiteX2" y="connsiteY2"/>
+              </a:cxn>
+              <a:cxn ang="0">
+                <a:pos x="connsiteX3" y="connsiteY3"/>
+              </a:cxn>
+              <a:cxn ang="0">
+                <a:pos x="connsiteX4" y="connsiteY4"/>
+              </a:cxn>
+            </a:cxnLst>
+            <a:rect l="l" t="t" r="r" b="b"/>
+            <a:pathLst>
+              <a:path w="729276" h="140596">
+                <a:moveTo>
+                  <a:pt x="0" y="0"/>
+                </a:moveTo>
+                <a:cubicBezTo>
+                  <a:pt x="52358" y="60305"/>
+                  <a:pt x="104716" y="120611"/>
+                  <a:pt x="168294" y="134635"/>
+                </a:cubicBezTo>
+                <a:cubicBezTo>
+                  <a:pt x="231872" y="148659"/>
+                  <a:pt x="313253" y="83221"/>
+                  <a:pt x="381467" y="84147"/>
+                </a:cubicBezTo>
+                <a:cubicBezTo>
+                  <a:pt x="449681" y="85073"/>
+                  <a:pt x="526757" y="146134"/>
+                  <a:pt x="577581" y="140189"/>
+                </a:cubicBezTo>
+                <a:cubicBezTo>
+                  <a:pt x="628405" y="134244"/>
+                  <a:pt x="673961" y="78792"/>
+                  <a:pt x="729276" y="5610"/>
+                </a:cubicBezTo>
+              </a:path>
+            </a:pathLst>
+          </a:custGeom>
+          <a:solidFill>
+            <a:schemeClr val="bg1">
+              <a:lumMod val="85000"/>
+            </a:schemeClr>
+          </a:solidFill>
+          <a:ln w="12700">
+            <a:solidFill>
+              <a:schemeClr val="tx1"/>
+            </a:solidFill>
+          </a:ln>
+        </p:spPr>
+        <p:style>
+          <a:lnRef idx="1">
+            <a:schemeClr val="accent1"/>
+          </a:lnRef>
+          <a:fillRef idx="0">
+            <a:schemeClr val="accent1"/>
+          </a:fillRef>
+          <a:effectRef idx="0">
+            <a:schemeClr val="accent1"/>
+          </a:effectRef>
+          <a:fontRef idx="minor">
+            <a:schemeClr val="tx1"/>
+          </a:fontRef>
+        </p:style>
+        <p:txBody>
+          <a:bodyPr rtlCol="0" anchor="ctr"/>
+          <a:lstStyle/>
+          <a:p>
+            <a:pPr algn="ctr"/>
+            <a:endParaRPr lang="fr-FR"/>
+          </a:p>
+        </p:txBody>
+      </p:sp>
+      <p:cxnSp>
+        <p:nvCxnSpPr>
+          <p:cNvPr id="91" name="Connecteur droit 90"/>
+          <p:cNvCxnSpPr/>
+          <p:nvPr/>
+        </p:nvCxnSpPr>
+        <p:spPr>
+          <a:xfrm>
+            <a:off x="3119516" y="1973000"/>
+            <a:ext cx="0" cy="339876"/>
+          </a:xfrm>
+          <a:prstGeom prst="line">
+            <a:avLst/>
+          </a:prstGeom>
+          <a:noFill/>
+          <a:ln w="28575">
+            <a:solidFill>
+              <a:schemeClr val="tx1"/>
+            </a:solidFill>
+          </a:ln>
+        </p:spPr>
+        <p:style>
+          <a:lnRef idx="2">
+            <a:schemeClr val="accent1">
+              <a:shade val="50000"/>
+            </a:schemeClr>
+          </a:lnRef>
+          <a:fillRef idx="1">
+            <a:schemeClr val="accent1"/>
+          </a:fillRef>
+          <a:effectRef idx="0">
+            <a:schemeClr val="accent1"/>
+          </a:effectRef>
+          <a:fontRef idx="minor">
+            <a:schemeClr val="lt1"/>
+          </a:fontRef>
+        </p:style>
+      </p:cxnSp>
+      <p:cxnSp>
+        <p:nvCxnSpPr>
+          <p:cNvPr id="92" name="Connecteur droit 91"/>
+          <p:cNvCxnSpPr/>
+          <p:nvPr/>
+        </p:nvCxnSpPr>
+        <p:spPr>
+          <a:xfrm>
+            <a:off x="2831484" y="2312876"/>
+            <a:ext cx="576064" cy="0"/>
+          </a:xfrm>
+          <a:prstGeom prst="line">
+            <a:avLst/>
+          </a:prstGeom>
+          <a:noFill/>
+          <a:ln w="28575">
+            <a:solidFill>
+              <a:schemeClr val="tx1"/>
+            </a:solidFill>
+          </a:ln>
+        </p:spPr>
+        <p:style>
+          <a:lnRef idx="2">
+            <a:schemeClr val="accent1">
+              <a:shade val="50000"/>
+            </a:schemeClr>
+          </a:lnRef>
+          <a:fillRef idx="1">
+            <a:schemeClr val="accent1"/>
+          </a:fillRef>
+          <a:effectRef idx="0">
+            <a:schemeClr val="accent1"/>
+          </a:effectRef>
+          <a:fontRef idx="minor">
+            <a:schemeClr val="lt1"/>
+          </a:fontRef>
+        </p:style>
+      </p:cxnSp>
+      <p:sp>
+        <p:nvSpPr>
+          <p:cNvPr id="93" name="Forme libre 92"/>
+          <p:cNvSpPr/>
+          <p:nvPr/>
+        </p:nvSpPr>
+        <p:spPr>
+          <a:xfrm>
+            <a:off x="3993899" y="2312876"/>
+            <a:ext cx="576064" cy="140596"/>
+          </a:xfrm>
+          <a:custGeom>
+            <a:avLst/>
+            <a:gdLst>
+              <a:gd name="connsiteX0" fmla="*/ 0 w 729276"/>
+              <a:gd name="connsiteY0" fmla="*/ 0 h 152951"/>
+              <a:gd name="connsiteX1" fmla="*/ 168294 w 729276"/>
+              <a:gd name="connsiteY1" fmla="*/ 134635 h 152951"/>
+              <a:gd name="connsiteX2" fmla="*/ 381467 w 729276"/>
+              <a:gd name="connsiteY2" fmla="*/ 84147 h 152951"/>
+              <a:gd name="connsiteX3" fmla="*/ 594640 w 729276"/>
+              <a:gd name="connsiteY3" fmla="*/ 151465 h 152951"/>
+              <a:gd name="connsiteX4" fmla="*/ 729276 w 729276"/>
+              <a:gd name="connsiteY4" fmla="*/ 5610 h 152951"/>
+              <a:gd name="connsiteX0" fmla="*/ 0 w 732876"/>
+              <a:gd name="connsiteY0" fmla="*/ 7459 h 160523"/>
+              <a:gd name="connsiteX1" fmla="*/ 168294 w 732876"/>
+              <a:gd name="connsiteY1" fmla="*/ 142094 h 160523"/>
+              <a:gd name="connsiteX2" fmla="*/ 381467 w 732876"/>
+              <a:gd name="connsiteY2" fmla="*/ 91606 h 160523"/>
+              <a:gd name="connsiteX3" fmla="*/ 594640 w 732876"/>
+              <a:gd name="connsiteY3" fmla="*/ 158924 h 160523"/>
+              <a:gd name="connsiteX4" fmla="*/ 719996 w 732876"/>
+              <a:gd name="connsiteY4" fmla="*/ 9693 h 160523"/>
+              <a:gd name="connsiteX5" fmla="*/ 729276 w 732876"/>
+              <a:gd name="connsiteY5" fmla="*/ 13069 h 160523"/>
+              <a:gd name="connsiteX0" fmla="*/ 0 w 732876"/>
+              <a:gd name="connsiteY0" fmla="*/ 7459 h 144116"/>
+              <a:gd name="connsiteX1" fmla="*/ 168294 w 732876"/>
+              <a:gd name="connsiteY1" fmla="*/ 142094 h 144116"/>
+              <a:gd name="connsiteX2" fmla="*/ 381467 w 732876"/>
+              <a:gd name="connsiteY2" fmla="*/ 91606 h 144116"/>
+              <a:gd name="connsiteX3" fmla="*/ 589488 w 732876"/>
+              <a:gd name="connsiteY3" fmla="*/ 135742 h 144116"/>
+              <a:gd name="connsiteX4" fmla="*/ 719996 w 732876"/>
+              <a:gd name="connsiteY4" fmla="*/ 9693 h 144116"/>
+              <a:gd name="connsiteX5" fmla="*/ 729276 w 732876"/>
+              <a:gd name="connsiteY5" fmla="*/ 13069 h 144116"/>
+              <a:gd name="connsiteX0" fmla="*/ 0 w 731506"/>
+              <a:gd name="connsiteY0" fmla="*/ 0 h 136657"/>
+              <a:gd name="connsiteX1" fmla="*/ 168294 w 731506"/>
+              <a:gd name="connsiteY1" fmla="*/ 134635 h 136657"/>
+              <a:gd name="connsiteX2" fmla="*/ 381467 w 731506"/>
+              <a:gd name="connsiteY2" fmla="*/ 84147 h 136657"/>
+              <a:gd name="connsiteX3" fmla="*/ 589488 w 731506"/>
+              <a:gd name="connsiteY3" fmla="*/ 128283 h 136657"/>
+              <a:gd name="connsiteX4" fmla="*/ 717420 w 731506"/>
+              <a:gd name="connsiteY4" fmla="*/ 35719 h 136657"/>
+              <a:gd name="connsiteX5" fmla="*/ 729276 w 731506"/>
+              <a:gd name="connsiteY5" fmla="*/ 5610 h 136657"/>
+              <a:gd name="connsiteX0" fmla="*/ 0 w 729276"/>
+              <a:gd name="connsiteY0" fmla="*/ 0 h 136657"/>
+              <a:gd name="connsiteX1" fmla="*/ 168294 w 729276"/>
+              <a:gd name="connsiteY1" fmla="*/ 134635 h 136657"/>
+              <a:gd name="connsiteX2" fmla="*/ 381467 w 729276"/>
+              <a:gd name="connsiteY2" fmla="*/ 84147 h 136657"/>
+              <a:gd name="connsiteX3" fmla="*/ 589488 w 729276"/>
+              <a:gd name="connsiteY3" fmla="*/ 128283 h 136657"/>
+              <a:gd name="connsiteX4" fmla="*/ 631695 w 729276"/>
+              <a:gd name="connsiteY4" fmla="*/ 59532 h 136657"/>
+              <a:gd name="connsiteX5" fmla="*/ 729276 w 729276"/>
+              <a:gd name="connsiteY5" fmla="*/ 5610 h 136657"/>
+              <a:gd name="connsiteX0" fmla="*/ 0 w 729276"/>
+              <a:gd name="connsiteY0" fmla="*/ 0 h 136657"/>
+              <a:gd name="connsiteX1" fmla="*/ 168294 w 729276"/>
+              <a:gd name="connsiteY1" fmla="*/ 134635 h 136657"/>
+              <a:gd name="connsiteX2" fmla="*/ 381467 w 729276"/>
+              <a:gd name="connsiteY2" fmla="*/ 84147 h 136657"/>
+              <a:gd name="connsiteX3" fmla="*/ 589488 w 729276"/>
+              <a:gd name="connsiteY3" fmla="*/ 128283 h 136657"/>
+              <a:gd name="connsiteX4" fmla="*/ 729276 w 729276"/>
+              <a:gd name="connsiteY4" fmla="*/ 5610 h 136657"/>
+              <a:gd name="connsiteX0" fmla="*/ 0 w 729276"/>
+              <a:gd name="connsiteY0" fmla="*/ 0 h 136657"/>
+              <a:gd name="connsiteX1" fmla="*/ 168294 w 729276"/>
+              <a:gd name="connsiteY1" fmla="*/ 134635 h 136657"/>
+              <a:gd name="connsiteX2" fmla="*/ 381467 w 729276"/>
+              <a:gd name="connsiteY2" fmla="*/ 84147 h 136657"/>
+              <a:gd name="connsiteX3" fmla="*/ 589488 w 729276"/>
+              <a:gd name="connsiteY3" fmla="*/ 128283 h 136657"/>
+              <a:gd name="connsiteX4" fmla="*/ 729276 w 729276"/>
+              <a:gd name="connsiteY4" fmla="*/ 5610 h 136657"/>
+              <a:gd name="connsiteX0" fmla="*/ 0 w 729276"/>
+              <a:gd name="connsiteY0" fmla="*/ 0 h 141857"/>
+              <a:gd name="connsiteX1" fmla="*/ 168294 w 729276"/>
+              <a:gd name="connsiteY1" fmla="*/ 134635 h 141857"/>
+              <a:gd name="connsiteX2" fmla="*/ 381467 w 729276"/>
+              <a:gd name="connsiteY2" fmla="*/ 84147 h 141857"/>
+              <a:gd name="connsiteX3" fmla="*/ 577581 w 729276"/>
+              <a:gd name="connsiteY3" fmla="*/ 140189 h 141857"/>
+              <a:gd name="connsiteX4" fmla="*/ 729276 w 729276"/>
+              <a:gd name="connsiteY4" fmla="*/ 5610 h 141857"/>
+              <a:gd name="connsiteX0" fmla="*/ 0 w 729276"/>
+              <a:gd name="connsiteY0" fmla="*/ 0 h 140596"/>
+              <a:gd name="connsiteX1" fmla="*/ 168294 w 729276"/>
+              <a:gd name="connsiteY1" fmla="*/ 134635 h 140596"/>
+              <a:gd name="connsiteX2" fmla="*/ 381467 w 729276"/>
+              <a:gd name="connsiteY2" fmla="*/ 84147 h 140596"/>
+              <a:gd name="connsiteX3" fmla="*/ 577581 w 729276"/>
+              <a:gd name="connsiteY3" fmla="*/ 140189 h 140596"/>
+              <a:gd name="connsiteX4" fmla="*/ 729276 w 729276"/>
+              <a:gd name="connsiteY4" fmla="*/ 5610 h 140596"/>
+            </a:gdLst>
+            <a:ahLst/>
+            <a:cxnLst>
+              <a:cxn ang="0">
+                <a:pos x="connsiteX0" y="connsiteY0"/>
+              </a:cxn>
+              <a:cxn ang="0">
+                <a:pos x="connsiteX1" y="connsiteY1"/>
+              </a:cxn>
+              <a:cxn ang="0">
+                <a:pos x="connsiteX2" y="connsiteY2"/>
+              </a:cxn>
+              <a:cxn ang="0">
+                <a:pos x="connsiteX3" y="connsiteY3"/>
+              </a:cxn>
+              <a:cxn ang="0">
+                <a:pos x="connsiteX4" y="connsiteY4"/>
+              </a:cxn>
+            </a:cxnLst>
+            <a:rect l="l" t="t" r="r" b="b"/>
+            <a:pathLst>
+              <a:path w="729276" h="140596">
+                <a:moveTo>
+                  <a:pt x="0" y="0"/>
+                </a:moveTo>
+                <a:cubicBezTo>
+                  <a:pt x="52358" y="60305"/>
+                  <a:pt x="104716" y="120611"/>
+                  <a:pt x="168294" y="134635"/>
+                </a:cubicBezTo>
+                <a:cubicBezTo>
+                  <a:pt x="231872" y="148659"/>
+                  <a:pt x="313253" y="83221"/>
+                  <a:pt x="381467" y="84147"/>
+                </a:cubicBezTo>
+                <a:cubicBezTo>
+                  <a:pt x="449681" y="85073"/>
+                  <a:pt x="526757" y="146134"/>
+                  <a:pt x="577581" y="140189"/>
+                </a:cubicBezTo>
+                <a:cubicBezTo>
+                  <a:pt x="628405" y="134244"/>
+                  <a:pt x="673961" y="78792"/>
+                  <a:pt x="729276" y="5610"/>
+                </a:cubicBezTo>
+              </a:path>
+            </a:pathLst>
+          </a:custGeom>
+          <a:solidFill>
+            <a:schemeClr val="bg1">
+              <a:lumMod val="85000"/>
+            </a:schemeClr>
+          </a:solidFill>
+          <a:ln w="12700">
+            <a:solidFill>
+              <a:schemeClr val="tx1"/>
+            </a:solidFill>
+          </a:ln>
+        </p:spPr>
+        <p:style>
+          <a:lnRef idx="1">
+            <a:schemeClr val="accent1"/>
+          </a:lnRef>
+          <a:fillRef idx="0">
+            <a:schemeClr val="accent1"/>
+          </a:fillRef>
+          <a:effectRef idx="0">
+            <a:schemeClr val="accent1"/>
+          </a:effectRef>
+          <a:fontRef idx="minor">
+            <a:schemeClr val="tx1"/>
+          </a:fontRef>
+        </p:style>
+        <p:txBody>
+          <a:bodyPr rtlCol="0" anchor="ctr"/>
+          <a:lstStyle/>
+          <a:p>
+            <a:pPr algn="ctr"/>
+            <a:endParaRPr lang="fr-FR"/>
+          </a:p>
+        </p:txBody>
+      </p:sp>
+      <p:cxnSp>
+        <p:nvCxnSpPr>
+          <p:cNvPr id="94" name="Connecteur droit 93"/>
+          <p:cNvCxnSpPr/>
+          <p:nvPr/>
+        </p:nvCxnSpPr>
+        <p:spPr>
+          <a:xfrm>
+            <a:off x="4281931" y="2096852"/>
+            <a:ext cx="0" cy="216024"/>
+          </a:xfrm>
+          <a:prstGeom prst="line">
+            <a:avLst/>
+          </a:prstGeom>
+          <a:noFill/>
+          <a:ln w="28575">
+            <a:solidFill>
+              <a:schemeClr val="tx1"/>
+            </a:solidFill>
+          </a:ln>
+        </p:spPr>
+        <p:style>
+          <a:lnRef idx="2">
+            <a:schemeClr val="accent1">
+              <a:shade val="50000"/>
+            </a:schemeClr>
+          </a:lnRef>
+          <a:fillRef idx="1">
+            <a:schemeClr val="accent1"/>
+          </a:fillRef>
+          <a:effectRef idx="0">
+            <a:schemeClr val="accent1"/>
+          </a:effectRef>
+          <a:fontRef idx="minor">
+            <a:schemeClr val="lt1"/>
+          </a:fontRef>
+        </p:style>
+      </p:cxnSp>
+      <p:cxnSp>
+        <p:nvCxnSpPr>
+          <p:cNvPr id="95" name="Connecteur droit 94"/>
+          <p:cNvCxnSpPr/>
+          <p:nvPr/>
+        </p:nvCxnSpPr>
+        <p:spPr>
+          <a:xfrm>
+            <a:off x="3993899" y="2312876"/>
+            <a:ext cx="576064" cy="0"/>
+          </a:xfrm>
+          <a:prstGeom prst="line">
+            <a:avLst/>
+          </a:prstGeom>
+          <a:noFill/>
+          <a:ln w="28575">
+            <a:solidFill>
+              <a:schemeClr val="tx1"/>
+            </a:solidFill>
+          </a:ln>
+        </p:spPr>
+        <p:style>
+          <a:lnRef idx="2">
+            <a:schemeClr val="accent1">
+              <a:shade val="50000"/>
+            </a:schemeClr>
+          </a:lnRef>
+          <a:fillRef idx="1">
+            <a:schemeClr val="accent1"/>
+          </a:fillRef>
+          <a:effectRef idx="0">
+            <a:schemeClr val="accent1"/>
+          </a:effectRef>
+          <a:fontRef idx="minor">
+            <a:schemeClr val="lt1"/>
+          </a:fontRef>
+        </p:style>
+      </p:cxnSp>
+      <p:sp>
+        <p:nvSpPr>
+          <p:cNvPr id="96" name="Ellipse 95"/>
+          <p:cNvSpPr/>
+          <p:nvPr/>
+        </p:nvSpPr>
+        <p:spPr>
+          <a:xfrm>
+            <a:off x="3927407" y="1498988"/>
+            <a:ext cx="276999" cy="276999"/>
+          </a:xfrm>
+          <a:prstGeom prst="ellipse">
+            <a:avLst/>
+          </a:prstGeom>
+          <a:noFill/>
+          <a:ln w="28575">
+            <a:solidFill>
+              <a:srgbClr val="00B050"/>
+            </a:solidFill>
+          </a:ln>
+        </p:spPr>
+        <p:style>
+          <a:lnRef idx="2">
+            <a:schemeClr val="accent1">
+              <a:shade val="50000"/>
+            </a:schemeClr>
+          </a:lnRef>
+          <a:fillRef idx="1">
+            <a:schemeClr val="accent1"/>
+          </a:fillRef>
+          <a:effectRef idx="0">
+            <a:schemeClr val="accent1"/>
+          </a:effectRef>
+          <a:fontRef idx="minor">
+            <a:schemeClr val="lt1"/>
+          </a:fontRef>
+        </p:style>
+        <p:txBody>
+          <a:bodyPr lIns="0" tIns="0" rIns="0" bIns="0" rtlCol="0" anchor="ctr"/>
+          <a:lstStyle/>
+          <a:p>
+            <a:pPr algn="ctr"/>
+            <a:r>
+              <a:rPr lang="fr-FR" sz="1400" dirty="0">
+                <a:ln>
+                  <a:solidFill>
+                    <a:srgbClr val="00B050"/>
+                  </a:solidFill>
+                </a:ln>
+                <a:solidFill>
+                  <a:srgbClr val="00B050"/>
+                </a:solidFill>
+              </a:rPr>
+              <a:t>4</a:t>
+            </a:r>
+          </a:p>
+        </p:txBody>
+      </p:sp>
+      <p:cxnSp>
+        <p:nvCxnSpPr>
+          <p:cNvPr id="60" name="Connecteur droit 59"/>
+          <p:cNvCxnSpPr/>
+          <p:nvPr/>
+        </p:nvCxnSpPr>
+        <p:spPr>
+          <a:xfrm>
+            <a:off x="1895379" y="1052736"/>
+            <a:ext cx="168666" cy="0"/>
+          </a:xfrm>
+          <a:prstGeom prst="line">
+            <a:avLst/>
+          </a:prstGeom>
+          <a:noFill/>
+          <a:ln w="28575">
+            <a:solidFill>
+              <a:srgbClr val="C00000"/>
+            </a:solidFill>
+          </a:ln>
+        </p:spPr>
+        <p:style>
+          <a:lnRef idx="2">
+            <a:schemeClr val="accent1">
+              <a:shade val="50000"/>
+            </a:schemeClr>
+          </a:lnRef>
+          <a:fillRef idx="1">
+            <a:schemeClr val="accent1"/>
+          </a:fillRef>
+          <a:effectRef idx="0">
+            <a:schemeClr val="accent1"/>
+          </a:effectRef>
+          <a:fontRef idx="minor">
+            <a:schemeClr val="lt1"/>
+          </a:fontRef>
+        </p:style>
+      </p:cxnSp>
+      <p:cxnSp>
+        <p:nvCxnSpPr>
+          <p:cNvPr id="65" name="Connecteur droit 64"/>
+          <p:cNvCxnSpPr/>
+          <p:nvPr/>
+        </p:nvCxnSpPr>
+        <p:spPr>
+          <a:xfrm>
+            <a:off x="1666686" y="3645050"/>
+            <a:ext cx="296658" cy="0"/>
+          </a:xfrm>
+          <a:prstGeom prst="line">
+            <a:avLst/>
+          </a:prstGeom>
+          <a:noFill/>
+          <a:ln w="28575">
+            <a:solidFill>
+              <a:srgbClr val="7030A0"/>
+            </a:solidFill>
+          </a:ln>
+        </p:spPr>
+        <p:style>
+          <a:lnRef idx="2">
+            <a:schemeClr val="accent1">
+              <a:shade val="50000"/>
+            </a:schemeClr>
+          </a:lnRef>
+          <a:fillRef idx="1">
+            <a:schemeClr val="accent1"/>
+          </a:fillRef>
+          <a:effectRef idx="0">
+            <a:schemeClr val="accent1"/>
+          </a:effectRef>
+          <a:fontRef idx="minor">
+            <a:schemeClr val="lt1"/>
+          </a:fontRef>
+        </p:style>
+      </p:cxnSp>
+      <p:cxnSp>
+        <p:nvCxnSpPr>
+          <p:cNvPr id="69" name="Connecteur droit 68"/>
+          <p:cNvCxnSpPr/>
+          <p:nvPr/>
+        </p:nvCxnSpPr>
+        <p:spPr>
+          <a:xfrm flipV="1">
+            <a:off x="1981508" y="303896"/>
+            <a:ext cx="0" cy="244783"/>
+          </a:xfrm>
+          <a:prstGeom prst="line">
+            <a:avLst/>
+          </a:prstGeom>
+          <a:noFill/>
+          <a:ln w="28575">
+            <a:solidFill>
+              <a:srgbClr val="7030A0"/>
+            </a:solidFill>
+          </a:ln>
+        </p:spPr>
+        <p:style>
+          <a:lnRef idx="2">
+            <a:schemeClr val="accent1">
+              <a:shade val="50000"/>
+            </a:schemeClr>
+          </a:lnRef>
+          <a:fillRef idx="1">
+            <a:schemeClr val="accent1"/>
+          </a:fillRef>
+          <a:effectRef idx="0">
+            <a:schemeClr val="accent1"/>
+          </a:effectRef>
+          <a:fontRef idx="minor">
+            <a:schemeClr val="lt1"/>
+          </a:fontRef>
+        </p:style>
+      </p:cxnSp>
+      <p:cxnSp>
+        <p:nvCxnSpPr>
+          <p:cNvPr id="70" name="Connecteur droit 69"/>
+          <p:cNvCxnSpPr/>
+          <p:nvPr/>
+        </p:nvCxnSpPr>
+        <p:spPr>
+          <a:xfrm flipV="1">
+            <a:off x="1963344" y="3400267"/>
+            <a:ext cx="0" cy="244783"/>
+          </a:xfrm>
+          <a:prstGeom prst="line">
+            <a:avLst/>
+          </a:prstGeom>
+          <a:noFill/>
+          <a:ln w="28575">
+            <a:solidFill>
+              <a:srgbClr val="7030A0"/>
+            </a:solidFill>
+          </a:ln>
+        </p:spPr>
+        <p:style>
+          <a:lnRef idx="2">
+            <a:schemeClr val="accent1">
+              <a:shade val="50000"/>
+            </a:schemeClr>
+          </a:lnRef>
+          <a:fillRef idx="1">
+            <a:schemeClr val="accent1"/>
+          </a:fillRef>
+          <a:effectRef idx="0">
+            <a:schemeClr val="accent1"/>
+          </a:effectRef>
+          <a:fontRef idx="minor">
+            <a:schemeClr val="lt1"/>
+          </a:fontRef>
+        </p:style>
+      </p:cxnSp>
+      <mc:AlternateContent xmlns:mc="http://schemas.openxmlformats.org/markup-compatibility/2006" xmlns:a14="http://schemas.microsoft.com/office/drawing/2010/main">
+        <mc:Choice Requires="a14">
+          <p:sp>
+            <p:nvSpPr>
+              <p:cNvPr id="71" name="ZoneTexte 70"/>
+              <p:cNvSpPr txBox="1"/>
+              <p:nvPr/>
+            </p:nvSpPr>
+            <p:spPr>
+              <a:xfrm>
+                <a:off x="1752118" y="1063769"/>
+                <a:ext cx="458779" cy="276999"/>
+              </a:xfrm>
+              <a:prstGeom prst="rect">
+                <a:avLst/>
+              </a:prstGeom>
+              <a:noFill/>
+            </p:spPr>
+            <p:txBody>
+              <a:bodyPr wrap="none" rtlCol="0">
+                <a:spAutoFit/>
+              </a:bodyPr>
+              <a:lstStyle/>
+              <a:p>
+                <a:pPr/>
+                <a14:m>
+                  <m:oMathPara xmlns:m="http://schemas.openxmlformats.org/officeDocument/2006/math">
+                    <m:oMathParaPr>
+                      <m:jc m:val="centerGroup"/>
+                    </m:oMathParaPr>
+                    <m:oMath xmlns:m="http://schemas.openxmlformats.org/officeDocument/2006/math">
+                      <m:sSub>
+                        <m:sSubPr>
+                          <m:ctrlPr>
+                            <a:rPr lang="fr-FR" sz="1200" b="1" i="1" smtClean="0">
+                              <a:latin typeface="Cambria Math"/>
+                            </a:rPr>
+                          </m:ctrlPr>
+                        </m:sSubPr>
+                        <m:e>
+                          <m:r>
+                            <a:rPr lang="fr-FR" sz="1200" b="1" i="1" smtClean="0">
+                              <a:latin typeface="Cambria Math"/>
+                            </a:rPr>
+                            <m:t>𝒁</m:t>
+                          </m:r>
+                        </m:e>
+                        <m:sub>
+                          <m:r>
+                            <a:rPr lang="fr-FR" sz="1200" b="1" i="1" smtClean="0">
+                              <a:latin typeface="Cambria Math"/>
+                            </a:rPr>
+                            <m:t>𝟐𝟏</m:t>
+                          </m:r>
+                        </m:sub>
+                      </m:sSub>
+                    </m:oMath>
+                  </m:oMathPara>
+                </a14:m>
+                <a:endParaRPr lang="fr-FR" sz="1200" b="1" dirty="0"/>
+              </a:p>
+            </p:txBody>
+          </p:sp>
+        </mc:Choice>
+        <mc:Fallback xmlns="">
+          <p:sp>
+            <p:nvSpPr>
+              <p:cNvPr id="71" name="ZoneTexte 70"/>
+              <p:cNvSpPr txBox="1">
+                <a:spLocks noRot="1" noChangeAspect="1" noMove="1" noResize="1" noEditPoints="1" noAdjustHandles="1" noChangeArrowheads="1" noChangeShapeType="1" noTextEdit="1"/>
+              </p:cNvSpPr>
+              <p:nvPr/>
+            </p:nvSpPr>
+            <p:spPr>
+              <a:xfrm>
+                <a:off x="1752118" y="1063769"/>
+                <a:ext cx="458779" cy="276999"/>
+              </a:xfrm>
+              <a:prstGeom prst="rect">
+                <a:avLst/>
+              </a:prstGeom>
+              <a:blipFill rotWithShape="1">
+                <a:blip r:embed="rId6"/>
+                <a:stretch>
+                  <a:fillRect/>
+                </a:stretch>
+              </a:blipFill>
+            </p:spPr>
+            <p:txBody>
+              <a:bodyPr/>
+              <a:lstStyle/>
+              <a:p>
+                <a:r>
+                  <a:rPr lang="fr-FR">
+                    <a:noFill/>
+                  </a:rPr>
+                  <a:t> </a:t>
+                </a:r>
+              </a:p>
+            </p:txBody>
+          </p:sp>
+        </mc:Fallback>
+      </mc:AlternateContent>
+      <mc:AlternateContent xmlns:mc="http://schemas.openxmlformats.org/markup-compatibility/2006" xmlns:a14="http://schemas.microsoft.com/office/drawing/2010/main">
+        <mc:Choice Requires="a14">
+          <p:sp>
+            <p:nvSpPr>
+              <p:cNvPr id="72" name="ZoneTexte 71"/>
+              <p:cNvSpPr txBox="1"/>
+              <p:nvPr/>
+            </p:nvSpPr>
+            <p:spPr>
+              <a:xfrm>
+                <a:off x="2602094" y="1337000"/>
+                <a:ext cx="458780" cy="276999"/>
+              </a:xfrm>
+              <a:prstGeom prst="rect">
+                <a:avLst/>
+              </a:prstGeom>
+              <a:noFill/>
+            </p:spPr>
+            <p:txBody>
+              <a:bodyPr wrap="none" rtlCol="0">
+                <a:spAutoFit/>
+              </a:bodyPr>
+              <a:lstStyle/>
+              <a:p>
+                <a:pPr/>
+                <a14:m>
+                  <m:oMathPara xmlns:m="http://schemas.openxmlformats.org/officeDocument/2006/math">
+                    <m:oMathParaPr>
+                      <m:jc m:val="centerGroup"/>
+                    </m:oMathParaPr>
+                    <m:oMath xmlns:m="http://schemas.openxmlformats.org/officeDocument/2006/math">
+                      <m:sSub>
+                        <m:sSubPr>
+                          <m:ctrlPr>
+                            <a:rPr lang="fr-FR" sz="1200" b="1" i="1" smtClean="0">
+                              <a:latin typeface="Cambria Math"/>
+                            </a:rPr>
+                          </m:ctrlPr>
+                        </m:sSubPr>
+                        <m:e>
+                          <m:r>
+                            <a:rPr lang="fr-FR" sz="1200" b="1" i="1" smtClean="0">
+                              <a:latin typeface="Cambria Math"/>
+                            </a:rPr>
+                            <m:t>𝒁</m:t>
+                          </m:r>
+                        </m:e>
+                        <m:sub>
+                          <m:r>
+                            <a:rPr lang="fr-FR" sz="1200" b="1" i="1" smtClean="0">
+                              <a:latin typeface="Cambria Math"/>
+                            </a:rPr>
+                            <m:t>𝟐𝟒</m:t>
+                          </m:r>
+                        </m:sub>
+                      </m:sSub>
+                    </m:oMath>
+                  </m:oMathPara>
+                </a14:m>
+                <a:endParaRPr lang="fr-FR" sz="1200" b="1" dirty="0"/>
+              </a:p>
+            </p:txBody>
+          </p:sp>
+        </mc:Choice>
+        <mc:Fallback xmlns="">
+          <p:sp>
+            <p:nvSpPr>
+              <p:cNvPr id="72" name="ZoneTexte 71"/>
+              <p:cNvSpPr txBox="1">
+                <a:spLocks noRot="1" noChangeAspect="1" noMove="1" noResize="1" noEditPoints="1" noAdjustHandles="1" noChangeArrowheads="1" noChangeShapeType="1" noTextEdit="1"/>
+              </p:cNvSpPr>
+              <p:nvPr/>
+            </p:nvSpPr>
+            <p:spPr>
+              <a:xfrm>
+                <a:off x="2602094" y="1337000"/>
+                <a:ext cx="458780" cy="276999"/>
+              </a:xfrm>
+              <a:prstGeom prst="rect">
+                <a:avLst/>
+              </a:prstGeom>
+              <a:blipFill rotWithShape="1">
+                <a:blip r:embed="rId7"/>
+                <a:stretch>
+                  <a:fillRect/>
+                </a:stretch>
+              </a:blipFill>
+            </p:spPr>
+            <p:txBody>
+              <a:bodyPr/>
+              <a:lstStyle/>
+              <a:p>
+                <a:r>
+                  <a:rPr lang="fr-FR">
+                    <a:noFill/>
+                  </a:rPr>
+                  <a:t> </a:t>
+                </a:r>
+              </a:p>
+            </p:txBody>
+          </p:sp>
+        </mc:Fallback>
+      </mc:AlternateContent>
+    </p:spTree>
+    <p:extLst>
+      <p:ext uri="{BB962C8B-B14F-4D97-AF65-F5344CB8AC3E}">
+        <p14:creationId xmlns:p14="http://schemas.microsoft.com/office/powerpoint/2010/main" val="1012608838"/>
+      </p:ext>
+    </p:extLst>
+  </p:cSld>
+  <p:clrMapOvr>
+    <a:masterClrMapping/>
+  </p:clrMapOvr>
+</p:sld>
+</file>
+
+<file path=ppt/slides/slide4.xml><?xml version="1.0" encoding="utf-8"?>
+<p:sld xmlns:a="http://schemas.openxmlformats.org/drawingml/2006/main" xmlns:r="http://schemas.openxmlformats.org/officeDocument/2006/relationships" xmlns:p="http://schemas.openxmlformats.org/presentationml/2006/main">
+  <p:cSld>
+    <p:spTree>
+      <p:nvGrpSpPr>
+        <p:cNvPr id="1" name=""/>
+        <p:cNvGrpSpPr/>
+        <p:nvPr/>
+      </p:nvGrpSpPr>
+      <p:grpSpPr>
+        <a:xfrm>
+          <a:off x="0" y="0"/>
+          <a:ext cx="0" cy="0"/>
+          <a:chOff x="0" y="0"/>
+          <a:chExt cx="0" cy="0"/>
+        </a:xfrm>
+      </p:grpSpPr>
+      <p:sp>
+        <p:nvSpPr>
+          <p:cNvPr id="16" name="Forme libre 15"/>
+          <p:cNvSpPr/>
+          <p:nvPr/>
+        </p:nvSpPr>
+        <p:spPr>
+          <a:xfrm>
+            <a:off x="674942" y="2312876"/>
+            <a:ext cx="576064" cy="140596"/>
+          </a:xfrm>
+          <a:custGeom>
+            <a:avLst/>
+            <a:gdLst>
+              <a:gd name="connsiteX0" fmla="*/ 0 w 729276"/>
+              <a:gd name="connsiteY0" fmla="*/ 0 h 152951"/>
+              <a:gd name="connsiteX1" fmla="*/ 168294 w 729276"/>
+              <a:gd name="connsiteY1" fmla="*/ 134635 h 152951"/>
+              <a:gd name="connsiteX2" fmla="*/ 381467 w 729276"/>
+              <a:gd name="connsiteY2" fmla="*/ 84147 h 152951"/>
+              <a:gd name="connsiteX3" fmla="*/ 594640 w 729276"/>
+              <a:gd name="connsiteY3" fmla="*/ 151465 h 152951"/>
+              <a:gd name="connsiteX4" fmla="*/ 729276 w 729276"/>
+              <a:gd name="connsiteY4" fmla="*/ 5610 h 152951"/>
+              <a:gd name="connsiteX0" fmla="*/ 0 w 732876"/>
+              <a:gd name="connsiteY0" fmla="*/ 7459 h 160523"/>
+              <a:gd name="connsiteX1" fmla="*/ 168294 w 732876"/>
+              <a:gd name="connsiteY1" fmla="*/ 142094 h 160523"/>
+              <a:gd name="connsiteX2" fmla="*/ 381467 w 732876"/>
+              <a:gd name="connsiteY2" fmla="*/ 91606 h 160523"/>
+              <a:gd name="connsiteX3" fmla="*/ 594640 w 732876"/>
+              <a:gd name="connsiteY3" fmla="*/ 158924 h 160523"/>
+              <a:gd name="connsiteX4" fmla="*/ 719996 w 732876"/>
+              <a:gd name="connsiteY4" fmla="*/ 9693 h 160523"/>
+              <a:gd name="connsiteX5" fmla="*/ 729276 w 732876"/>
+              <a:gd name="connsiteY5" fmla="*/ 13069 h 160523"/>
+              <a:gd name="connsiteX0" fmla="*/ 0 w 732876"/>
+              <a:gd name="connsiteY0" fmla="*/ 7459 h 144116"/>
+              <a:gd name="connsiteX1" fmla="*/ 168294 w 732876"/>
+              <a:gd name="connsiteY1" fmla="*/ 142094 h 144116"/>
+              <a:gd name="connsiteX2" fmla="*/ 381467 w 732876"/>
+              <a:gd name="connsiteY2" fmla="*/ 91606 h 144116"/>
+              <a:gd name="connsiteX3" fmla="*/ 589488 w 732876"/>
+              <a:gd name="connsiteY3" fmla="*/ 135742 h 144116"/>
+              <a:gd name="connsiteX4" fmla="*/ 719996 w 732876"/>
+              <a:gd name="connsiteY4" fmla="*/ 9693 h 144116"/>
+              <a:gd name="connsiteX5" fmla="*/ 729276 w 732876"/>
+              <a:gd name="connsiteY5" fmla="*/ 13069 h 144116"/>
+              <a:gd name="connsiteX0" fmla="*/ 0 w 731506"/>
+              <a:gd name="connsiteY0" fmla="*/ 0 h 136657"/>
+              <a:gd name="connsiteX1" fmla="*/ 168294 w 731506"/>
+              <a:gd name="connsiteY1" fmla="*/ 134635 h 136657"/>
+              <a:gd name="connsiteX2" fmla="*/ 381467 w 731506"/>
+              <a:gd name="connsiteY2" fmla="*/ 84147 h 136657"/>
+              <a:gd name="connsiteX3" fmla="*/ 589488 w 731506"/>
+              <a:gd name="connsiteY3" fmla="*/ 128283 h 136657"/>
+              <a:gd name="connsiteX4" fmla="*/ 717420 w 731506"/>
+              <a:gd name="connsiteY4" fmla="*/ 35719 h 136657"/>
+              <a:gd name="connsiteX5" fmla="*/ 729276 w 731506"/>
+              <a:gd name="connsiteY5" fmla="*/ 5610 h 136657"/>
+              <a:gd name="connsiteX0" fmla="*/ 0 w 729276"/>
+              <a:gd name="connsiteY0" fmla="*/ 0 h 136657"/>
+              <a:gd name="connsiteX1" fmla="*/ 168294 w 729276"/>
+              <a:gd name="connsiteY1" fmla="*/ 134635 h 136657"/>
+              <a:gd name="connsiteX2" fmla="*/ 381467 w 729276"/>
+              <a:gd name="connsiteY2" fmla="*/ 84147 h 136657"/>
+              <a:gd name="connsiteX3" fmla="*/ 589488 w 729276"/>
+              <a:gd name="connsiteY3" fmla="*/ 128283 h 136657"/>
+              <a:gd name="connsiteX4" fmla="*/ 631695 w 729276"/>
+              <a:gd name="connsiteY4" fmla="*/ 59532 h 136657"/>
+              <a:gd name="connsiteX5" fmla="*/ 729276 w 729276"/>
+              <a:gd name="connsiteY5" fmla="*/ 5610 h 136657"/>
+              <a:gd name="connsiteX0" fmla="*/ 0 w 729276"/>
+              <a:gd name="connsiteY0" fmla="*/ 0 h 136657"/>
+              <a:gd name="connsiteX1" fmla="*/ 168294 w 729276"/>
+              <a:gd name="connsiteY1" fmla="*/ 134635 h 136657"/>
+              <a:gd name="connsiteX2" fmla="*/ 381467 w 729276"/>
+              <a:gd name="connsiteY2" fmla="*/ 84147 h 136657"/>
+              <a:gd name="connsiteX3" fmla="*/ 589488 w 729276"/>
+              <a:gd name="connsiteY3" fmla="*/ 128283 h 136657"/>
+              <a:gd name="connsiteX4" fmla="*/ 729276 w 729276"/>
+              <a:gd name="connsiteY4" fmla="*/ 5610 h 136657"/>
+              <a:gd name="connsiteX0" fmla="*/ 0 w 729276"/>
+              <a:gd name="connsiteY0" fmla="*/ 0 h 136657"/>
+              <a:gd name="connsiteX1" fmla="*/ 168294 w 729276"/>
+              <a:gd name="connsiteY1" fmla="*/ 134635 h 136657"/>
+              <a:gd name="connsiteX2" fmla="*/ 381467 w 729276"/>
+              <a:gd name="connsiteY2" fmla="*/ 84147 h 136657"/>
+              <a:gd name="connsiteX3" fmla="*/ 589488 w 729276"/>
+              <a:gd name="connsiteY3" fmla="*/ 128283 h 136657"/>
+              <a:gd name="connsiteX4" fmla="*/ 729276 w 729276"/>
+              <a:gd name="connsiteY4" fmla="*/ 5610 h 136657"/>
+              <a:gd name="connsiteX0" fmla="*/ 0 w 729276"/>
+              <a:gd name="connsiteY0" fmla="*/ 0 h 141857"/>
+              <a:gd name="connsiteX1" fmla="*/ 168294 w 729276"/>
+              <a:gd name="connsiteY1" fmla="*/ 134635 h 141857"/>
+              <a:gd name="connsiteX2" fmla="*/ 381467 w 729276"/>
+              <a:gd name="connsiteY2" fmla="*/ 84147 h 141857"/>
+              <a:gd name="connsiteX3" fmla="*/ 577581 w 729276"/>
+              <a:gd name="connsiteY3" fmla="*/ 140189 h 141857"/>
+              <a:gd name="connsiteX4" fmla="*/ 729276 w 729276"/>
+              <a:gd name="connsiteY4" fmla="*/ 5610 h 141857"/>
+              <a:gd name="connsiteX0" fmla="*/ 0 w 729276"/>
+              <a:gd name="connsiteY0" fmla="*/ 0 h 140596"/>
+              <a:gd name="connsiteX1" fmla="*/ 168294 w 729276"/>
+              <a:gd name="connsiteY1" fmla="*/ 134635 h 140596"/>
+              <a:gd name="connsiteX2" fmla="*/ 381467 w 729276"/>
+              <a:gd name="connsiteY2" fmla="*/ 84147 h 140596"/>
+              <a:gd name="connsiteX3" fmla="*/ 577581 w 729276"/>
+              <a:gd name="connsiteY3" fmla="*/ 140189 h 140596"/>
+              <a:gd name="connsiteX4" fmla="*/ 729276 w 729276"/>
+              <a:gd name="connsiteY4" fmla="*/ 5610 h 140596"/>
+            </a:gdLst>
+            <a:ahLst/>
+            <a:cxnLst>
+              <a:cxn ang="0">
+                <a:pos x="connsiteX0" y="connsiteY0"/>
+              </a:cxn>
+              <a:cxn ang="0">
+                <a:pos x="connsiteX1" y="connsiteY1"/>
+              </a:cxn>
+              <a:cxn ang="0">
+                <a:pos x="connsiteX2" y="connsiteY2"/>
+              </a:cxn>
+              <a:cxn ang="0">
+                <a:pos x="connsiteX3" y="connsiteY3"/>
+              </a:cxn>
+              <a:cxn ang="0">
+                <a:pos x="connsiteX4" y="connsiteY4"/>
+              </a:cxn>
+            </a:cxnLst>
+            <a:rect l="l" t="t" r="r" b="b"/>
+            <a:pathLst>
+              <a:path w="729276" h="140596">
+                <a:moveTo>
+                  <a:pt x="0" y="0"/>
+                </a:moveTo>
+                <a:cubicBezTo>
+                  <a:pt x="52358" y="60305"/>
+                  <a:pt x="104716" y="120611"/>
+                  <a:pt x="168294" y="134635"/>
+                </a:cubicBezTo>
+                <a:cubicBezTo>
+                  <a:pt x="231872" y="148659"/>
+                  <a:pt x="313253" y="83221"/>
+                  <a:pt x="381467" y="84147"/>
+                </a:cubicBezTo>
+                <a:cubicBezTo>
+                  <a:pt x="449681" y="85073"/>
+                  <a:pt x="526757" y="146134"/>
+                  <a:pt x="577581" y="140189"/>
+                </a:cubicBezTo>
+                <a:cubicBezTo>
+                  <a:pt x="628405" y="134244"/>
+                  <a:pt x="673961" y="78792"/>
+                  <a:pt x="729276" y="5610"/>
+                </a:cubicBezTo>
+              </a:path>
+            </a:pathLst>
+          </a:custGeom>
+          <a:solidFill>
+            <a:schemeClr val="bg1">
+              <a:lumMod val="85000"/>
+            </a:schemeClr>
+          </a:solidFill>
+          <a:ln w="12700">
+            <a:solidFill>
+              <a:schemeClr val="tx1"/>
+            </a:solidFill>
+          </a:ln>
+        </p:spPr>
+        <p:style>
+          <a:lnRef idx="1">
+            <a:schemeClr val="accent1"/>
+          </a:lnRef>
+          <a:fillRef idx="0">
+            <a:schemeClr val="accent1"/>
+          </a:fillRef>
+          <a:effectRef idx="0">
+            <a:schemeClr val="accent1"/>
+          </a:effectRef>
+          <a:fontRef idx="minor">
+            <a:schemeClr val="tx1"/>
+          </a:fontRef>
+        </p:style>
+        <p:txBody>
+          <a:bodyPr rtlCol="0" anchor="ctr"/>
+          <a:lstStyle/>
+          <a:p>
+            <a:pPr algn="ctr"/>
+            <a:endParaRPr lang="fr-FR"/>
+          </a:p>
+        </p:txBody>
+      </p:sp>
+      <p:cxnSp>
+        <p:nvCxnSpPr>
+          <p:cNvPr id="5" name="Connecteur droit 4"/>
+          <p:cNvCxnSpPr/>
+          <p:nvPr/>
+        </p:nvCxnSpPr>
+        <p:spPr>
+          <a:xfrm>
+            <a:off x="602934" y="1988840"/>
+            <a:ext cx="1080120" cy="0"/>
+          </a:xfrm>
+          <a:prstGeom prst="line">
+            <a:avLst/>
+          </a:prstGeom>
+          <a:noFill/>
+          <a:ln w="28575">
+            <a:solidFill>
+              <a:srgbClr val="7030A0"/>
+            </a:solidFill>
+          </a:ln>
+        </p:spPr>
+        <p:style>
+          <a:lnRef idx="2">
+            <a:schemeClr val="accent1">
+              <a:shade val="50000"/>
+            </a:schemeClr>
+          </a:lnRef>
+          <a:fillRef idx="1">
+            <a:schemeClr val="accent1"/>
+          </a:fillRef>
+          <a:effectRef idx="0">
+            <a:schemeClr val="accent1"/>
+          </a:effectRef>
+          <a:fontRef idx="minor">
+            <a:schemeClr val="lt1"/>
+          </a:fontRef>
+        </p:style>
+      </p:cxnSp>
+      <p:sp>
+        <p:nvSpPr>
+          <p:cNvPr id="6" name="Rectangle 5"/>
+          <p:cNvSpPr/>
+          <p:nvPr/>
+        </p:nvSpPr>
+        <p:spPr>
+          <a:xfrm>
+            <a:off x="746950" y="1880828"/>
+            <a:ext cx="432048" cy="216024"/>
+          </a:xfrm>
+          <a:prstGeom prst="rect">
+            <a:avLst/>
+          </a:prstGeom>
+          <a:noFill/>
+          <a:ln w="28575">
+            <a:solidFill>
+              <a:schemeClr val="tx1"/>
+            </a:solidFill>
+          </a:ln>
+        </p:spPr>
+        <p:style>
+          <a:lnRef idx="2">
+            <a:schemeClr val="accent1">
+              <a:shade val="50000"/>
+            </a:schemeClr>
+          </a:lnRef>
+          <a:fillRef idx="1">
+            <a:schemeClr val="accent1"/>
+          </a:fillRef>
+          <a:effectRef idx="0">
+            <a:schemeClr val="accent1"/>
+          </a:effectRef>
+          <a:fontRef idx="minor">
+            <a:schemeClr val="lt1"/>
+          </a:fontRef>
+        </p:style>
+        <p:txBody>
+          <a:bodyPr rtlCol="0" anchor="ctr"/>
+          <a:lstStyle/>
+          <a:p>
+            <a:pPr algn="ctr"/>
+            <a:endParaRPr lang="fr-FR"/>
+          </a:p>
+        </p:txBody>
+      </p:sp>
+      <p:cxnSp>
+        <p:nvCxnSpPr>
+          <p:cNvPr id="8" name="Connecteur droit 7"/>
+          <p:cNvCxnSpPr/>
+          <p:nvPr/>
+        </p:nvCxnSpPr>
+        <p:spPr>
+          <a:xfrm>
+            <a:off x="674942" y="1880828"/>
+            <a:ext cx="0" cy="216024"/>
+          </a:xfrm>
+          <a:prstGeom prst="line">
+            <a:avLst/>
+          </a:prstGeom>
+          <a:noFill/>
+          <a:ln w="28575">
+            <a:solidFill>
+              <a:srgbClr val="7030A0"/>
+            </a:solidFill>
+          </a:ln>
+        </p:spPr>
+        <p:style>
+          <a:lnRef idx="2">
+            <a:schemeClr val="accent1">
+              <a:shade val="50000"/>
+            </a:schemeClr>
+          </a:lnRef>
+          <a:fillRef idx="1">
+            <a:schemeClr val="accent1"/>
+          </a:fillRef>
+          <a:effectRef idx="0">
+            <a:schemeClr val="accent1"/>
+          </a:effectRef>
+          <a:fontRef idx="minor">
+            <a:schemeClr val="lt1"/>
+          </a:fontRef>
+        </p:style>
+      </p:cxnSp>
+      <p:cxnSp>
+        <p:nvCxnSpPr>
+          <p:cNvPr id="12" name="Connecteur droit 11"/>
+          <p:cNvCxnSpPr/>
+          <p:nvPr/>
+        </p:nvCxnSpPr>
+        <p:spPr>
+          <a:xfrm>
+            <a:off x="1251006" y="1880828"/>
+            <a:ext cx="0" cy="216024"/>
+          </a:xfrm>
+          <a:prstGeom prst="line">
+            <a:avLst/>
+          </a:prstGeom>
+          <a:noFill/>
+          <a:ln w="28575">
+            <a:solidFill>
+              <a:srgbClr val="7030A0"/>
+            </a:solidFill>
+          </a:ln>
+        </p:spPr>
+        <p:style>
+          <a:lnRef idx="2">
+            <a:schemeClr val="accent1">
+              <a:shade val="50000"/>
+            </a:schemeClr>
+          </a:lnRef>
+          <a:fillRef idx="1">
+            <a:schemeClr val="accent1"/>
+          </a:fillRef>
+          <a:effectRef idx="0">
+            <a:schemeClr val="accent1"/>
+          </a:effectRef>
+          <a:fontRef idx="minor">
+            <a:schemeClr val="lt1"/>
+          </a:fontRef>
+        </p:style>
+      </p:cxnSp>
+      <p:cxnSp>
+        <p:nvCxnSpPr>
+          <p:cNvPr id="13" name="Connecteur droit 12"/>
+          <p:cNvCxnSpPr/>
+          <p:nvPr/>
+        </p:nvCxnSpPr>
+        <p:spPr>
+          <a:xfrm>
+            <a:off x="962974" y="2096852"/>
+            <a:ext cx="0" cy="216024"/>
+          </a:xfrm>
+          <a:prstGeom prst="line">
+            <a:avLst/>
+          </a:prstGeom>
+          <a:noFill/>
+          <a:ln w="28575">
+            <a:solidFill>
+              <a:schemeClr val="tx1"/>
+            </a:solidFill>
+          </a:ln>
+        </p:spPr>
+        <p:style>
+          <a:lnRef idx="2">
+            <a:schemeClr val="accent1">
+              <a:shade val="50000"/>
+            </a:schemeClr>
+          </a:lnRef>
+          <a:fillRef idx="1">
+            <a:schemeClr val="accent1"/>
+          </a:fillRef>
+          <a:effectRef idx="0">
+            <a:schemeClr val="accent1"/>
+          </a:effectRef>
+          <a:fontRef idx="minor">
+            <a:schemeClr val="lt1"/>
+          </a:fontRef>
+        </p:style>
+      </p:cxnSp>
+      <p:cxnSp>
+        <p:nvCxnSpPr>
+          <p:cNvPr id="14" name="Connecteur droit 13"/>
+          <p:cNvCxnSpPr/>
+          <p:nvPr/>
+        </p:nvCxnSpPr>
+        <p:spPr>
+          <a:xfrm>
+            <a:off x="674942" y="2312876"/>
+            <a:ext cx="576064" cy="0"/>
+          </a:xfrm>
+          <a:prstGeom prst="line">
+            <a:avLst/>
+          </a:prstGeom>
+          <a:noFill/>
+          <a:ln w="28575">
+            <a:solidFill>
+              <a:schemeClr val="tx1"/>
+            </a:solidFill>
+          </a:ln>
+        </p:spPr>
+        <p:style>
+          <a:lnRef idx="2">
+            <a:schemeClr val="accent1">
+              <a:shade val="50000"/>
+            </a:schemeClr>
+          </a:lnRef>
+          <a:fillRef idx="1">
+            <a:schemeClr val="accent1"/>
+          </a:fillRef>
+          <a:effectRef idx="0">
+            <a:schemeClr val="accent1"/>
+          </a:effectRef>
+          <a:fontRef idx="minor">
+            <a:schemeClr val="lt1"/>
+          </a:fontRef>
+        </p:style>
+      </p:cxnSp>
+      <p:cxnSp>
+        <p:nvCxnSpPr>
+          <p:cNvPr id="17" name="Connecteur droit 16"/>
+          <p:cNvCxnSpPr/>
+          <p:nvPr/>
+        </p:nvCxnSpPr>
+        <p:spPr>
+          <a:xfrm>
+            <a:off x="1683054" y="300951"/>
+            <a:ext cx="0" cy="3344099"/>
+          </a:xfrm>
+          <a:prstGeom prst="line">
+            <a:avLst/>
+          </a:prstGeom>
+          <a:noFill/>
+          <a:ln w="28575">
+            <a:solidFill>
+              <a:srgbClr val="7030A0"/>
+            </a:solidFill>
+          </a:ln>
+        </p:spPr>
+        <p:style>
+          <a:lnRef idx="2">
+            <a:schemeClr val="accent1">
+              <a:shade val="50000"/>
+            </a:schemeClr>
+          </a:lnRef>
+          <a:fillRef idx="1">
+            <a:schemeClr val="accent1"/>
+          </a:fillRef>
+          <a:effectRef idx="0">
+            <a:schemeClr val="accent1"/>
+          </a:effectRef>
+          <a:fontRef idx="minor">
+            <a:schemeClr val="lt1"/>
+          </a:fontRef>
+        </p:style>
+      </p:cxnSp>
+      <p:sp>
+        <p:nvSpPr>
+          <p:cNvPr id="21" name="Rectangle 20"/>
+          <p:cNvSpPr/>
+          <p:nvPr/>
+        </p:nvSpPr>
+        <p:spPr>
+          <a:xfrm>
+            <a:off x="2188912" y="692696"/>
+            <a:ext cx="432048" cy="216024"/>
+          </a:xfrm>
+          <a:prstGeom prst="rect">
+            <a:avLst/>
+          </a:prstGeom>
+          <a:noFill/>
+          <a:ln w="28575">
+            <a:solidFill>
               <a:schemeClr val="accent5">
                 <a:lumMod val="50000"/>
               </a:schemeClr>
@@ -11429,7 +14288,7 @@
     </p:spTree>
     <p:extLst>
       <p:ext uri="{BB962C8B-B14F-4D97-AF65-F5344CB8AC3E}">
-        <p14:creationId xmlns:p14="http://schemas.microsoft.com/office/powerpoint/2010/main" val="1012608838"/>
+        <p14:creationId xmlns:p14="http://schemas.microsoft.com/office/powerpoint/2010/main" val="3760742479"/>
       </p:ext>
     </p:extLst>
   </p:cSld>
@@ -11439,7 +14298,6151 @@
 </p:sld>
 </file>
 
-<file path=ppt/slides/slide4.xml><?xml version="1.0" encoding="utf-8"?>
+<file path=ppt/slides/slide5.xml><?xml version="1.0" encoding="utf-8"?>
+<p:sld xmlns:a="http://schemas.openxmlformats.org/drawingml/2006/main" xmlns:r="http://schemas.openxmlformats.org/officeDocument/2006/relationships" xmlns:p="http://schemas.openxmlformats.org/presentationml/2006/main">
+  <p:cSld>
+    <p:spTree>
+      <p:nvGrpSpPr>
+        <p:cNvPr id="1" name=""/>
+        <p:cNvGrpSpPr/>
+        <p:nvPr/>
+      </p:nvGrpSpPr>
+      <p:grpSpPr>
+        <a:xfrm>
+          <a:off x="0" y="0"/>
+          <a:ext cx="0" cy="0"/>
+          <a:chOff x="0" y="0"/>
+          <a:chExt cx="0" cy="0"/>
+        </a:xfrm>
+      </p:grpSpPr>
+      <p:sp>
+        <p:nvSpPr>
+          <p:cNvPr id="16" name="Forme libre 15"/>
+          <p:cNvSpPr/>
+          <p:nvPr/>
+        </p:nvSpPr>
+        <p:spPr>
+          <a:xfrm>
+            <a:off x="674942" y="2312876"/>
+            <a:ext cx="576064" cy="140596"/>
+          </a:xfrm>
+          <a:custGeom>
+            <a:avLst/>
+            <a:gdLst>
+              <a:gd name="connsiteX0" fmla="*/ 0 w 729276"/>
+              <a:gd name="connsiteY0" fmla="*/ 0 h 152951"/>
+              <a:gd name="connsiteX1" fmla="*/ 168294 w 729276"/>
+              <a:gd name="connsiteY1" fmla="*/ 134635 h 152951"/>
+              <a:gd name="connsiteX2" fmla="*/ 381467 w 729276"/>
+              <a:gd name="connsiteY2" fmla="*/ 84147 h 152951"/>
+              <a:gd name="connsiteX3" fmla="*/ 594640 w 729276"/>
+              <a:gd name="connsiteY3" fmla="*/ 151465 h 152951"/>
+              <a:gd name="connsiteX4" fmla="*/ 729276 w 729276"/>
+              <a:gd name="connsiteY4" fmla="*/ 5610 h 152951"/>
+              <a:gd name="connsiteX0" fmla="*/ 0 w 732876"/>
+              <a:gd name="connsiteY0" fmla="*/ 7459 h 160523"/>
+              <a:gd name="connsiteX1" fmla="*/ 168294 w 732876"/>
+              <a:gd name="connsiteY1" fmla="*/ 142094 h 160523"/>
+              <a:gd name="connsiteX2" fmla="*/ 381467 w 732876"/>
+              <a:gd name="connsiteY2" fmla="*/ 91606 h 160523"/>
+              <a:gd name="connsiteX3" fmla="*/ 594640 w 732876"/>
+              <a:gd name="connsiteY3" fmla="*/ 158924 h 160523"/>
+              <a:gd name="connsiteX4" fmla="*/ 719996 w 732876"/>
+              <a:gd name="connsiteY4" fmla="*/ 9693 h 160523"/>
+              <a:gd name="connsiteX5" fmla="*/ 729276 w 732876"/>
+              <a:gd name="connsiteY5" fmla="*/ 13069 h 160523"/>
+              <a:gd name="connsiteX0" fmla="*/ 0 w 732876"/>
+              <a:gd name="connsiteY0" fmla="*/ 7459 h 144116"/>
+              <a:gd name="connsiteX1" fmla="*/ 168294 w 732876"/>
+              <a:gd name="connsiteY1" fmla="*/ 142094 h 144116"/>
+              <a:gd name="connsiteX2" fmla="*/ 381467 w 732876"/>
+              <a:gd name="connsiteY2" fmla="*/ 91606 h 144116"/>
+              <a:gd name="connsiteX3" fmla="*/ 589488 w 732876"/>
+              <a:gd name="connsiteY3" fmla="*/ 135742 h 144116"/>
+              <a:gd name="connsiteX4" fmla="*/ 719996 w 732876"/>
+              <a:gd name="connsiteY4" fmla="*/ 9693 h 144116"/>
+              <a:gd name="connsiteX5" fmla="*/ 729276 w 732876"/>
+              <a:gd name="connsiteY5" fmla="*/ 13069 h 144116"/>
+              <a:gd name="connsiteX0" fmla="*/ 0 w 731506"/>
+              <a:gd name="connsiteY0" fmla="*/ 0 h 136657"/>
+              <a:gd name="connsiteX1" fmla="*/ 168294 w 731506"/>
+              <a:gd name="connsiteY1" fmla="*/ 134635 h 136657"/>
+              <a:gd name="connsiteX2" fmla="*/ 381467 w 731506"/>
+              <a:gd name="connsiteY2" fmla="*/ 84147 h 136657"/>
+              <a:gd name="connsiteX3" fmla="*/ 589488 w 731506"/>
+              <a:gd name="connsiteY3" fmla="*/ 128283 h 136657"/>
+              <a:gd name="connsiteX4" fmla="*/ 717420 w 731506"/>
+              <a:gd name="connsiteY4" fmla="*/ 35719 h 136657"/>
+              <a:gd name="connsiteX5" fmla="*/ 729276 w 731506"/>
+              <a:gd name="connsiteY5" fmla="*/ 5610 h 136657"/>
+              <a:gd name="connsiteX0" fmla="*/ 0 w 729276"/>
+              <a:gd name="connsiteY0" fmla="*/ 0 h 136657"/>
+              <a:gd name="connsiteX1" fmla="*/ 168294 w 729276"/>
+              <a:gd name="connsiteY1" fmla="*/ 134635 h 136657"/>
+              <a:gd name="connsiteX2" fmla="*/ 381467 w 729276"/>
+              <a:gd name="connsiteY2" fmla="*/ 84147 h 136657"/>
+              <a:gd name="connsiteX3" fmla="*/ 589488 w 729276"/>
+              <a:gd name="connsiteY3" fmla="*/ 128283 h 136657"/>
+              <a:gd name="connsiteX4" fmla="*/ 631695 w 729276"/>
+              <a:gd name="connsiteY4" fmla="*/ 59532 h 136657"/>
+              <a:gd name="connsiteX5" fmla="*/ 729276 w 729276"/>
+              <a:gd name="connsiteY5" fmla="*/ 5610 h 136657"/>
+              <a:gd name="connsiteX0" fmla="*/ 0 w 729276"/>
+              <a:gd name="connsiteY0" fmla="*/ 0 h 136657"/>
+              <a:gd name="connsiteX1" fmla="*/ 168294 w 729276"/>
+              <a:gd name="connsiteY1" fmla="*/ 134635 h 136657"/>
+              <a:gd name="connsiteX2" fmla="*/ 381467 w 729276"/>
+              <a:gd name="connsiteY2" fmla="*/ 84147 h 136657"/>
+              <a:gd name="connsiteX3" fmla="*/ 589488 w 729276"/>
+              <a:gd name="connsiteY3" fmla="*/ 128283 h 136657"/>
+              <a:gd name="connsiteX4" fmla="*/ 729276 w 729276"/>
+              <a:gd name="connsiteY4" fmla="*/ 5610 h 136657"/>
+              <a:gd name="connsiteX0" fmla="*/ 0 w 729276"/>
+              <a:gd name="connsiteY0" fmla="*/ 0 h 136657"/>
+              <a:gd name="connsiteX1" fmla="*/ 168294 w 729276"/>
+              <a:gd name="connsiteY1" fmla="*/ 134635 h 136657"/>
+              <a:gd name="connsiteX2" fmla="*/ 381467 w 729276"/>
+              <a:gd name="connsiteY2" fmla="*/ 84147 h 136657"/>
+              <a:gd name="connsiteX3" fmla="*/ 589488 w 729276"/>
+              <a:gd name="connsiteY3" fmla="*/ 128283 h 136657"/>
+              <a:gd name="connsiteX4" fmla="*/ 729276 w 729276"/>
+              <a:gd name="connsiteY4" fmla="*/ 5610 h 136657"/>
+              <a:gd name="connsiteX0" fmla="*/ 0 w 729276"/>
+              <a:gd name="connsiteY0" fmla="*/ 0 h 141857"/>
+              <a:gd name="connsiteX1" fmla="*/ 168294 w 729276"/>
+              <a:gd name="connsiteY1" fmla="*/ 134635 h 141857"/>
+              <a:gd name="connsiteX2" fmla="*/ 381467 w 729276"/>
+              <a:gd name="connsiteY2" fmla="*/ 84147 h 141857"/>
+              <a:gd name="connsiteX3" fmla="*/ 577581 w 729276"/>
+              <a:gd name="connsiteY3" fmla="*/ 140189 h 141857"/>
+              <a:gd name="connsiteX4" fmla="*/ 729276 w 729276"/>
+              <a:gd name="connsiteY4" fmla="*/ 5610 h 141857"/>
+              <a:gd name="connsiteX0" fmla="*/ 0 w 729276"/>
+              <a:gd name="connsiteY0" fmla="*/ 0 h 140596"/>
+              <a:gd name="connsiteX1" fmla="*/ 168294 w 729276"/>
+              <a:gd name="connsiteY1" fmla="*/ 134635 h 140596"/>
+              <a:gd name="connsiteX2" fmla="*/ 381467 w 729276"/>
+              <a:gd name="connsiteY2" fmla="*/ 84147 h 140596"/>
+              <a:gd name="connsiteX3" fmla="*/ 577581 w 729276"/>
+              <a:gd name="connsiteY3" fmla="*/ 140189 h 140596"/>
+              <a:gd name="connsiteX4" fmla="*/ 729276 w 729276"/>
+              <a:gd name="connsiteY4" fmla="*/ 5610 h 140596"/>
+            </a:gdLst>
+            <a:ahLst/>
+            <a:cxnLst>
+              <a:cxn ang="0">
+                <a:pos x="connsiteX0" y="connsiteY0"/>
+              </a:cxn>
+              <a:cxn ang="0">
+                <a:pos x="connsiteX1" y="connsiteY1"/>
+              </a:cxn>
+              <a:cxn ang="0">
+                <a:pos x="connsiteX2" y="connsiteY2"/>
+              </a:cxn>
+              <a:cxn ang="0">
+                <a:pos x="connsiteX3" y="connsiteY3"/>
+              </a:cxn>
+              <a:cxn ang="0">
+                <a:pos x="connsiteX4" y="connsiteY4"/>
+              </a:cxn>
+            </a:cxnLst>
+            <a:rect l="l" t="t" r="r" b="b"/>
+            <a:pathLst>
+              <a:path w="729276" h="140596">
+                <a:moveTo>
+                  <a:pt x="0" y="0"/>
+                </a:moveTo>
+                <a:cubicBezTo>
+                  <a:pt x="52358" y="60305"/>
+                  <a:pt x="104716" y="120611"/>
+                  <a:pt x="168294" y="134635"/>
+                </a:cubicBezTo>
+                <a:cubicBezTo>
+                  <a:pt x="231872" y="148659"/>
+                  <a:pt x="313253" y="83221"/>
+                  <a:pt x="381467" y="84147"/>
+                </a:cubicBezTo>
+                <a:cubicBezTo>
+                  <a:pt x="449681" y="85073"/>
+                  <a:pt x="526757" y="146134"/>
+                  <a:pt x="577581" y="140189"/>
+                </a:cubicBezTo>
+                <a:cubicBezTo>
+                  <a:pt x="628405" y="134244"/>
+                  <a:pt x="673961" y="78792"/>
+                  <a:pt x="729276" y="5610"/>
+                </a:cubicBezTo>
+              </a:path>
+            </a:pathLst>
+          </a:custGeom>
+          <a:solidFill>
+            <a:schemeClr val="bg1">
+              <a:lumMod val="85000"/>
+            </a:schemeClr>
+          </a:solidFill>
+          <a:ln w="12700">
+            <a:solidFill>
+              <a:schemeClr val="tx1"/>
+            </a:solidFill>
+          </a:ln>
+        </p:spPr>
+        <p:style>
+          <a:lnRef idx="1">
+            <a:schemeClr val="accent1"/>
+          </a:lnRef>
+          <a:fillRef idx="0">
+            <a:schemeClr val="accent1"/>
+          </a:fillRef>
+          <a:effectRef idx="0">
+            <a:schemeClr val="accent1"/>
+          </a:effectRef>
+          <a:fontRef idx="minor">
+            <a:schemeClr val="tx1"/>
+          </a:fontRef>
+        </p:style>
+        <p:txBody>
+          <a:bodyPr rtlCol="0" anchor="ctr"/>
+          <a:lstStyle/>
+          <a:p>
+            <a:pPr algn="ctr"/>
+            <a:endParaRPr lang="fr-FR"/>
+          </a:p>
+        </p:txBody>
+      </p:sp>
+      <p:cxnSp>
+        <p:nvCxnSpPr>
+          <p:cNvPr id="5" name="Connecteur droit 4"/>
+          <p:cNvCxnSpPr/>
+          <p:nvPr/>
+        </p:nvCxnSpPr>
+        <p:spPr>
+          <a:xfrm>
+            <a:off x="602934" y="1988840"/>
+            <a:ext cx="1080120" cy="0"/>
+          </a:xfrm>
+          <a:prstGeom prst="line">
+            <a:avLst/>
+          </a:prstGeom>
+          <a:noFill/>
+          <a:ln w="28575">
+            <a:solidFill>
+              <a:srgbClr val="7030A0"/>
+            </a:solidFill>
+          </a:ln>
+        </p:spPr>
+        <p:style>
+          <a:lnRef idx="2">
+            <a:schemeClr val="accent1">
+              <a:shade val="50000"/>
+            </a:schemeClr>
+          </a:lnRef>
+          <a:fillRef idx="1">
+            <a:schemeClr val="accent1"/>
+          </a:fillRef>
+          <a:effectRef idx="0">
+            <a:schemeClr val="accent1"/>
+          </a:effectRef>
+          <a:fontRef idx="minor">
+            <a:schemeClr val="lt1"/>
+          </a:fontRef>
+        </p:style>
+      </p:cxnSp>
+      <p:sp>
+        <p:nvSpPr>
+          <p:cNvPr id="6" name="Rectangle 5"/>
+          <p:cNvSpPr/>
+          <p:nvPr/>
+        </p:nvSpPr>
+        <p:spPr>
+          <a:xfrm>
+            <a:off x="746950" y="1880828"/>
+            <a:ext cx="432048" cy="216024"/>
+          </a:xfrm>
+          <a:prstGeom prst="rect">
+            <a:avLst/>
+          </a:prstGeom>
+          <a:noFill/>
+          <a:ln w="28575">
+            <a:solidFill>
+              <a:schemeClr val="tx1"/>
+            </a:solidFill>
+          </a:ln>
+        </p:spPr>
+        <p:style>
+          <a:lnRef idx="2">
+            <a:schemeClr val="accent1">
+              <a:shade val="50000"/>
+            </a:schemeClr>
+          </a:lnRef>
+          <a:fillRef idx="1">
+            <a:schemeClr val="accent1"/>
+          </a:fillRef>
+          <a:effectRef idx="0">
+            <a:schemeClr val="accent1"/>
+          </a:effectRef>
+          <a:fontRef idx="minor">
+            <a:schemeClr val="lt1"/>
+          </a:fontRef>
+        </p:style>
+        <p:txBody>
+          <a:bodyPr rtlCol="0" anchor="ctr"/>
+          <a:lstStyle/>
+          <a:p>
+            <a:pPr algn="ctr"/>
+            <a:endParaRPr lang="fr-FR"/>
+          </a:p>
+        </p:txBody>
+      </p:sp>
+      <p:cxnSp>
+        <p:nvCxnSpPr>
+          <p:cNvPr id="8" name="Connecteur droit 7"/>
+          <p:cNvCxnSpPr/>
+          <p:nvPr/>
+        </p:nvCxnSpPr>
+        <p:spPr>
+          <a:xfrm>
+            <a:off x="674942" y="1880828"/>
+            <a:ext cx="0" cy="216024"/>
+          </a:xfrm>
+          <a:prstGeom prst="line">
+            <a:avLst/>
+          </a:prstGeom>
+          <a:noFill/>
+          <a:ln w="28575">
+            <a:solidFill>
+              <a:srgbClr val="7030A0"/>
+            </a:solidFill>
+          </a:ln>
+        </p:spPr>
+        <p:style>
+          <a:lnRef idx="2">
+            <a:schemeClr val="accent1">
+              <a:shade val="50000"/>
+            </a:schemeClr>
+          </a:lnRef>
+          <a:fillRef idx="1">
+            <a:schemeClr val="accent1"/>
+          </a:fillRef>
+          <a:effectRef idx="0">
+            <a:schemeClr val="accent1"/>
+          </a:effectRef>
+          <a:fontRef idx="minor">
+            <a:schemeClr val="lt1"/>
+          </a:fontRef>
+        </p:style>
+      </p:cxnSp>
+      <p:cxnSp>
+        <p:nvCxnSpPr>
+          <p:cNvPr id="12" name="Connecteur droit 11"/>
+          <p:cNvCxnSpPr/>
+          <p:nvPr/>
+        </p:nvCxnSpPr>
+        <p:spPr>
+          <a:xfrm>
+            <a:off x="1251006" y="1880828"/>
+            <a:ext cx="0" cy="216024"/>
+          </a:xfrm>
+          <a:prstGeom prst="line">
+            <a:avLst/>
+          </a:prstGeom>
+          <a:noFill/>
+          <a:ln w="28575">
+            <a:solidFill>
+              <a:srgbClr val="7030A0"/>
+            </a:solidFill>
+          </a:ln>
+        </p:spPr>
+        <p:style>
+          <a:lnRef idx="2">
+            <a:schemeClr val="accent1">
+              <a:shade val="50000"/>
+            </a:schemeClr>
+          </a:lnRef>
+          <a:fillRef idx="1">
+            <a:schemeClr val="accent1"/>
+          </a:fillRef>
+          <a:effectRef idx="0">
+            <a:schemeClr val="accent1"/>
+          </a:effectRef>
+          <a:fontRef idx="minor">
+            <a:schemeClr val="lt1"/>
+          </a:fontRef>
+        </p:style>
+      </p:cxnSp>
+      <p:cxnSp>
+        <p:nvCxnSpPr>
+          <p:cNvPr id="13" name="Connecteur droit 12"/>
+          <p:cNvCxnSpPr/>
+          <p:nvPr/>
+        </p:nvCxnSpPr>
+        <p:spPr>
+          <a:xfrm>
+            <a:off x="962974" y="2096852"/>
+            <a:ext cx="0" cy="216024"/>
+          </a:xfrm>
+          <a:prstGeom prst="line">
+            <a:avLst/>
+          </a:prstGeom>
+          <a:noFill/>
+          <a:ln w="28575">
+            <a:solidFill>
+              <a:schemeClr val="tx1"/>
+            </a:solidFill>
+          </a:ln>
+        </p:spPr>
+        <p:style>
+          <a:lnRef idx="2">
+            <a:schemeClr val="accent1">
+              <a:shade val="50000"/>
+            </a:schemeClr>
+          </a:lnRef>
+          <a:fillRef idx="1">
+            <a:schemeClr val="accent1"/>
+          </a:fillRef>
+          <a:effectRef idx="0">
+            <a:schemeClr val="accent1"/>
+          </a:effectRef>
+          <a:fontRef idx="minor">
+            <a:schemeClr val="lt1"/>
+          </a:fontRef>
+        </p:style>
+      </p:cxnSp>
+      <p:cxnSp>
+        <p:nvCxnSpPr>
+          <p:cNvPr id="14" name="Connecteur droit 13"/>
+          <p:cNvCxnSpPr/>
+          <p:nvPr/>
+        </p:nvCxnSpPr>
+        <p:spPr>
+          <a:xfrm>
+            <a:off x="674942" y="2312876"/>
+            <a:ext cx="576064" cy="0"/>
+          </a:xfrm>
+          <a:prstGeom prst="line">
+            <a:avLst/>
+          </a:prstGeom>
+          <a:noFill/>
+          <a:ln w="28575">
+            <a:solidFill>
+              <a:schemeClr val="tx1"/>
+            </a:solidFill>
+          </a:ln>
+        </p:spPr>
+        <p:style>
+          <a:lnRef idx="2">
+            <a:schemeClr val="accent1">
+              <a:shade val="50000"/>
+            </a:schemeClr>
+          </a:lnRef>
+          <a:fillRef idx="1">
+            <a:schemeClr val="accent1"/>
+          </a:fillRef>
+          <a:effectRef idx="0">
+            <a:schemeClr val="accent1"/>
+          </a:effectRef>
+          <a:fontRef idx="minor">
+            <a:schemeClr val="lt1"/>
+          </a:fontRef>
+        </p:style>
+      </p:cxnSp>
+      <p:cxnSp>
+        <p:nvCxnSpPr>
+          <p:cNvPr id="17" name="Connecteur droit 16"/>
+          <p:cNvCxnSpPr/>
+          <p:nvPr/>
+        </p:nvCxnSpPr>
+        <p:spPr>
+          <a:xfrm>
+            <a:off x="1683054" y="300951"/>
+            <a:ext cx="0" cy="3344099"/>
+          </a:xfrm>
+          <a:prstGeom prst="line">
+            <a:avLst/>
+          </a:prstGeom>
+          <a:noFill/>
+          <a:ln w="28575">
+            <a:solidFill>
+              <a:srgbClr val="7030A0"/>
+            </a:solidFill>
+          </a:ln>
+        </p:spPr>
+        <p:style>
+          <a:lnRef idx="2">
+            <a:schemeClr val="accent1">
+              <a:shade val="50000"/>
+            </a:schemeClr>
+          </a:lnRef>
+          <a:fillRef idx="1">
+            <a:schemeClr val="accent1"/>
+          </a:fillRef>
+          <a:effectRef idx="0">
+            <a:schemeClr val="accent1"/>
+          </a:effectRef>
+          <a:fontRef idx="minor">
+            <a:schemeClr val="lt1"/>
+          </a:fontRef>
+        </p:style>
+      </p:cxnSp>
+      <p:sp>
+        <p:nvSpPr>
+          <p:cNvPr id="21" name="Rectangle 20"/>
+          <p:cNvSpPr/>
+          <p:nvPr/>
+        </p:nvSpPr>
+        <p:spPr>
+          <a:xfrm>
+            <a:off x="2188912" y="692696"/>
+            <a:ext cx="432048" cy="216024"/>
+          </a:xfrm>
+          <a:prstGeom prst="rect">
+            <a:avLst/>
+          </a:prstGeom>
+          <a:noFill/>
+          <a:ln w="28575">
+            <a:solidFill>
+              <a:schemeClr val="accent5">
+                <a:lumMod val="50000"/>
+              </a:schemeClr>
+            </a:solidFill>
+          </a:ln>
+        </p:spPr>
+        <p:style>
+          <a:lnRef idx="2">
+            <a:schemeClr val="accent1">
+              <a:shade val="50000"/>
+            </a:schemeClr>
+          </a:lnRef>
+          <a:fillRef idx="1">
+            <a:schemeClr val="accent1"/>
+          </a:fillRef>
+          <a:effectRef idx="0">
+            <a:schemeClr val="accent1"/>
+          </a:effectRef>
+          <a:fontRef idx="minor">
+            <a:schemeClr val="lt1"/>
+          </a:fontRef>
+        </p:style>
+        <p:txBody>
+          <a:bodyPr rtlCol="0" anchor="ctr"/>
+          <a:lstStyle/>
+          <a:p>
+            <a:pPr algn="ctr"/>
+            <a:endParaRPr lang="fr-FR"/>
+          </a:p>
+        </p:txBody>
+      </p:sp>
+      <p:cxnSp>
+        <p:nvCxnSpPr>
+          <p:cNvPr id="22" name="Connecteur droit 21"/>
+          <p:cNvCxnSpPr/>
+          <p:nvPr/>
+        </p:nvCxnSpPr>
+        <p:spPr>
+          <a:xfrm>
+            <a:off x="2116904" y="692696"/>
+            <a:ext cx="0" cy="216024"/>
+          </a:xfrm>
+          <a:prstGeom prst="line">
+            <a:avLst/>
+          </a:prstGeom>
+          <a:noFill/>
+          <a:ln w="28575">
+            <a:solidFill>
+              <a:srgbClr val="C00000"/>
+            </a:solidFill>
+          </a:ln>
+        </p:spPr>
+        <p:style>
+          <a:lnRef idx="2">
+            <a:schemeClr val="accent1">
+              <a:shade val="50000"/>
+            </a:schemeClr>
+          </a:lnRef>
+          <a:fillRef idx="1">
+            <a:schemeClr val="accent1"/>
+          </a:fillRef>
+          <a:effectRef idx="0">
+            <a:schemeClr val="accent1"/>
+          </a:effectRef>
+          <a:fontRef idx="minor">
+            <a:schemeClr val="lt1"/>
+          </a:fontRef>
+        </p:style>
+      </p:cxnSp>
+      <p:cxnSp>
+        <p:nvCxnSpPr>
+          <p:cNvPr id="23" name="Connecteur droit 22"/>
+          <p:cNvCxnSpPr/>
+          <p:nvPr/>
+        </p:nvCxnSpPr>
+        <p:spPr>
+          <a:xfrm>
+            <a:off x="2692968" y="692696"/>
+            <a:ext cx="0" cy="216024"/>
+          </a:xfrm>
+          <a:prstGeom prst="line">
+            <a:avLst/>
+          </a:prstGeom>
+          <a:noFill/>
+          <a:ln w="28575">
+            <a:solidFill>
+              <a:srgbClr val="C00000"/>
+            </a:solidFill>
+          </a:ln>
+        </p:spPr>
+        <p:style>
+          <a:lnRef idx="2">
+            <a:schemeClr val="accent1">
+              <a:shade val="50000"/>
+            </a:schemeClr>
+          </a:lnRef>
+          <a:fillRef idx="1">
+            <a:schemeClr val="accent1"/>
+          </a:fillRef>
+          <a:effectRef idx="0">
+            <a:schemeClr val="accent1"/>
+          </a:effectRef>
+          <a:fontRef idx="minor">
+            <a:schemeClr val="lt1"/>
+          </a:fontRef>
+        </p:style>
+      </p:cxnSp>
+      <p:cxnSp>
+        <p:nvCxnSpPr>
+          <p:cNvPr id="26" name="Connecteur droit 25"/>
+          <p:cNvCxnSpPr/>
+          <p:nvPr/>
+        </p:nvCxnSpPr>
+        <p:spPr>
+          <a:xfrm>
+            <a:off x="1979712" y="554560"/>
+            <a:ext cx="0" cy="504052"/>
+          </a:xfrm>
+          <a:prstGeom prst="line">
+            <a:avLst/>
+          </a:prstGeom>
+          <a:noFill/>
+          <a:ln w="28575">
+            <a:solidFill>
+              <a:srgbClr val="C00000"/>
+            </a:solidFill>
+          </a:ln>
+        </p:spPr>
+        <p:style>
+          <a:lnRef idx="2">
+            <a:schemeClr val="accent1">
+              <a:shade val="50000"/>
+            </a:schemeClr>
+          </a:lnRef>
+          <a:fillRef idx="1">
+            <a:schemeClr val="accent1"/>
+          </a:fillRef>
+          <a:effectRef idx="0">
+            <a:schemeClr val="accent1"/>
+          </a:effectRef>
+          <a:fontRef idx="minor">
+            <a:schemeClr val="lt1"/>
+          </a:fontRef>
+        </p:style>
+      </p:cxnSp>
+      <p:cxnSp>
+        <p:nvCxnSpPr>
+          <p:cNvPr id="27" name="Connecteur droit 26"/>
+          <p:cNvCxnSpPr/>
+          <p:nvPr/>
+        </p:nvCxnSpPr>
+        <p:spPr>
+          <a:xfrm>
+            <a:off x="1979712" y="806586"/>
+            <a:ext cx="857272" cy="0"/>
+          </a:xfrm>
+          <a:prstGeom prst="line">
+            <a:avLst/>
+          </a:prstGeom>
+          <a:noFill/>
+          <a:ln w="28575">
+            <a:solidFill>
+              <a:srgbClr val="C00000"/>
+            </a:solidFill>
+          </a:ln>
+        </p:spPr>
+        <p:style>
+          <a:lnRef idx="2">
+            <a:schemeClr val="accent1">
+              <a:shade val="50000"/>
+            </a:schemeClr>
+          </a:lnRef>
+          <a:fillRef idx="1">
+            <a:schemeClr val="accent1"/>
+          </a:fillRef>
+          <a:effectRef idx="0">
+            <a:schemeClr val="accent1"/>
+          </a:effectRef>
+          <a:fontRef idx="minor">
+            <a:schemeClr val="lt1"/>
+          </a:fontRef>
+        </p:style>
+      </p:cxnSp>
+      <p:cxnSp>
+        <p:nvCxnSpPr>
+          <p:cNvPr id="35" name="Connecteur droit 34"/>
+          <p:cNvCxnSpPr/>
+          <p:nvPr/>
+        </p:nvCxnSpPr>
+        <p:spPr>
+          <a:xfrm>
+            <a:off x="1683054" y="300951"/>
+            <a:ext cx="296658" cy="0"/>
+          </a:xfrm>
+          <a:prstGeom prst="line">
+            <a:avLst/>
+          </a:prstGeom>
+          <a:noFill/>
+          <a:ln w="28575">
+            <a:solidFill>
+              <a:srgbClr val="7030A0"/>
+            </a:solidFill>
+          </a:ln>
+        </p:spPr>
+        <p:style>
+          <a:lnRef idx="2">
+            <a:schemeClr val="accent1">
+              <a:shade val="50000"/>
+            </a:schemeClr>
+          </a:lnRef>
+          <a:fillRef idx="1">
+            <a:schemeClr val="accent1"/>
+          </a:fillRef>
+          <a:effectRef idx="0">
+            <a:schemeClr val="accent1"/>
+          </a:effectRef>
+          <a:fontRef idx="minor">
+            <a:schemeClr val="lt1"/>
+          </a:fontRef>
+        </p:style>
+      </p:cxnSp>
+      <p:cxnSp>
+        <p:nvCxnSpPr>
+          <p:cNvPr id="38" name="Connecteur droit 37"/>
+          <p:cNvCxnSpPr/>
+          <p:nvPr/>
+        </p:nvCxnSpPr>
+        <p:spPr>
+          <a:xfrm flipH="1">
+            <a:off x="2831484" y="183117"/>
+            <a:ext cx="1020436" cy="0"/>
+          </a:xfrm>
+          <a:prstGeom prst="line">
+            <a:avLst/>
+          </a:prstGeom>
+          <a:noFill/>
+          <a:ln w="28575">
+            <a:solidFill>
+              <a:srgbClr val="00B050"/>
+            </a:solidFill>
+          </a:ln>
+        </p:spPr>
+        <p:style>
+          <a:lnRef idx="2">
+            <a:schemeClr val="accent1">
+              <a:shade val="50000"/>
+            </a:schemeClr>
+          </a:lnRef>
+          <a:fillRef idx="1">
+            <a:schemeClr val="accent1"/>
+          </a:fillRef>
+          <a:effectRef idx="0">
+            <a:schemeClr val="accent1"/>
+          </a:effectRef>
+          <a:fontRef idx="minor">
+            <a:schemeClr val="lt1"/>
+          </a:fontRef>
+        </p:style>
+      </p:cxnSp>
+      <p:cxnSp>
+        <p:nvCxnSpPr>
+          <p:cNvPr id="41" name="Connecteur droit 40"/>
+          <p:cNvCxnSpPr/>
+          <p:nvPr/>
+        </p:nvCxnSpPr>
+        <p:spPr>
+          <a:xfrm>
+            <a:off x="3851920" y="176884"/>
+            <a:ext cx="0" cy="3621163"/>
+          </a:xfrm>
+          <a:prstGeom prst="line">
+            <a:avLst/>
+          </a:prstGeom>
+          <a:noFill/>
+          <a:ln w="28575">
+            <a:solidFill>
+              <a:srgbClr val="00B050"/>
+            </a:solidFill>
+          </a:ln>
+        </p:spPr>
+        <p:style>
+          <a:lnRef idx="2">
+            <a:schemeClr val="accent1">
+              <a:shade val="50000"/>
+            </a:schemeClr>
+          </a:lnRef>
+          <a:fillRef idx="1">
+            <a:schemeClr val="accent1"/>
+          </a:fillRef>
+          <a:effectRef idx="0">
+            <a:schemeClr val="accent1"/>
+          </a:effectRef>
+          <a:fontRef idx="minor">
+            <a:schemeClr val="lt1"/>
+          </a:fontRef>
+        </p:style>
+      </p:cxnSp>
+      <p:cxnSp>
+        <p:nvCxnSpPr>
+          <p:cNvPr id="28" name="Connecteur droit 27"/>
+          <p:cNvCxnSpPr/>
+          <p:nvPr/>
+        </p:nvCxnSpPr>
+        <p:spPr>
+          <a:xfrm>
+            <a:off x="1895379" y="548680"/>
+            <a:ext cx="168666" cy="0"/>
+          </a:xfrm>
+          <a:prstGeom prst="line">
+            <a:avLst/>
+          </a:prstGeom>
+          <a:noFill/>
+          <a:ln w="28575">
+            <a:solidFill>
+              <a:srgbClr val="C00000"/>
+            </a:solidFill>
+          </a:ln>
+        </p:spPr>
+        <p:style>
+          <a:lnRef idx="2">
+            <a:schemeClr val="accent1">
+              <a:shade val="50000"/>
+            </a:schemeClr>
+          </a:lnRef>
+          <a:fillRef idx="1">
+            <a:schemeClr val="accent1"/>
+          </a:fillRef>
+          <a:effectRef idx="0">
+            <a:schemeClr val="accent1"/>
+          </a:effectRef>
+          <a:fontRef idx="minor">
+            <a:schemeClr val="lt1"/>
+          </a:fontRef>
+        </p:style>
+      </p:cxnSp>
+      <p:sp>
+        <p:nvSpPr>
+          <p:cNvPr id="46" name="Rectangle 45"/>
+          <p:cNvSpPr/>
+          <p:nvPr/>
+        </p:nvSpPr>
+        <p:spPr>
+          <a:xfrm>
+            <a:off x="2908992" y="1880828"/>
+            <a:ext cx="432048" cy="216024"/>
+          </a:xfrm>
+          <a:prstGeom prst="rect">
+            <a:avLst/>
+          </a:prstGeom>
+          <a:noFill/>
+          <a:ln w="28575">
+            <a:solidFill>
+              <a:schemeClr val="tx1"/>
+            </a:solidFill>
+          </a:ln>
+        </p:spPr>
+        <p:style>
+          <a:lnRef idx="2">
+            <a:schemeClr val="accent1">
+              <a:shade val="50000"/>
+            </a:schemeClr>
+          </a:lnRef>
+          <a:fillRef idx="1">
+            <a:schemeClr val="accent1"/>
+          </a:fillRef>
+          <a:effectRef idx="0">
+            <a:schemeClr val="accent1"/>
+          </a:effectRef>
+          <a:fontRef idx="minor">
+            <a:schemeClr val="lt1"/>
+          </a:fontRef>
+        </p:style>
+        <p:txBody>
+          <a:bodyPr rtlCol="0" anchor="ctr"/>
+          <a:lstStyle/>
+          <a:p>
+            <a:pPr algn="ctr"/>
+            <a:endParaRPr lang="fr-FR"/>
+          </a:p>
+        </p:txBody>
+      </p:sp>
+      <p:cxnSp>
+        <p:nvCxnSpPr>
+          <p:cNvPr id="51" name="Connecteur droit 50"/>
+          <p:cNvCxnSpPr/>
+          <p:nvPr/>
+        </p:nvCxnSpPr>
+        <p:spPr>
+          <a:xfrm>
+            <a:off x="2755776" y="3705280"/>
+            <a:ext cx="168666" cy="0"/>
+          </a:xfrm>
+          <a:prstGeom prst="line">
+            <a:avLst/>
+          </a:prstGeom>
+          <a:noFill/>
+          <a:ln w="28575">
+            <a:solidFill>
+              <a:srgbClr val="00B050"/>
+            </a:solidFill>
+          </a:ln>
+        </p:spPr>
+        <p:style>
+          <a:lnRef idx="2">
+            <a:schemeClr val="accent1">
+              <a:shade val="50000"/>
+            </a:schemeClr>
+          </a:lnRef>
+          <a:fillRef idx="1">
+            <a:schemeClr val="accent1"/>
+          </a:fillRef>
+          <a:effectRef idx="0">
+            <a:schemeClr val="accent1"/>
+          </a:effectRef>
+          <a:fontRef idx="minor">
+            <a:schemeClr val="lt1"/>
+          </a:fontRef>
+        </p:style>
+      </p:cxnSp>
+      <p:cxnSp>
+        <p:nvCxnSpPr>
+          <p:cNvPr id="52" name="Connecteur droit 51"/>
+          <p:cNvCxnSpPr/>
+          <p:nvPr/>
+        </p:nvCxnSpPr>
+        <p:spPr>
+          <a:xfrm>
+            <a:off x="1879011" y="3416169"/>
+            <a:ext cx="168666" cy="0"/>
+          </a:xfrm>
+          <a:prstGeom prst="line">
+            <a:avLst/>
+          </a:prstGeom>
+          <a:noFill/>
+          <a:ln w="28575">
+            <a:solidFill>
+              <a:srgbClr val="7030A0"/>
+            </a:solidFill>
+          </a:ln>
+        </p:spPr>
+        <p:style>
+          <a:lnRef idx="2">
+            <a:schemeClr val="accent1">
+              <a:shade val="50000"/>
+            </a:schemeClr>
+          </a:lnRef>
+          <a:fillRef idx="1">
+            <a:schemeClr val="accent1"/>
+          </a:fillRef>
+          <a:effectRef idx="0">
+            <a:schemeClr val="accent1"/>
+          </a:effectRef>
+          <a:fontRef idx="minor">
+            <a:schemeClr val="lt1"/>
+          </a:fontRef>
+        </p:style>
+      </p:cxnSp>
+      <p:cxnSp>
+        <p:nvCxnSpPr>
+          <p:cNvPr id="54" name="Connecteur droit 53"/>
+          <p:cNvCxnSpPr/>
+          <p:nvPr/>
+        </p:nvCxnSpPr>
+        <p:spPr>
+          <a:xfrm>
+            <a:off x="2839021" y="1874950"/>
+            <a:ext cx="0" cy="216024"/>
+          </a:xfrm>
+          <a:prstGeom prst="line">
+            <a:avLst/>
+          </a:prstGeom>
+          <a:noFill/>
+          <a:ln w="28575">
+            <a:solidFill>
+              <a:schemeClr val="accent5">
+                <a:lumMod val="50000"/>
+              </a:schemeClr>
+            </a:solidFill>
+          </a:ln>
+        </p:spPr>
+        <p:style>
+          <a:lnRef idx="2">
+            <a:schemeClr val="accent1">
+              <a:shade val="50000"/>
+            </a:schemeClr>
+          </a:lnRef>
+          <a:fillRef idx="1">
+            <a:schemeClr val="accent1"/>
+          </a:fillRef>
+          <a:effectRef idx="0">
+            <a:schemeClr val="accent1"/>
+          </a:effectRef>
+          <a:fontRef idx="minor">
+            <a:schemeClr val="lt1"/>
+          </a:fontRef>
+        </p:style>
+      </p:cxnSp>
+      <p:cxnSp>
+        <p:nvCxnSpPr>
+          <p:cNvPr id="55" name="Connecteur droit 54"/>
+          <p:cNvCxnSpPr/>
+          <p:nvPr/>
+        </p:nvCxnSpPr>
+        <p:spPr>
+          <a:xfrm>
+            <a:off x="3415085" y="1874950"/>
+            <a:ext cx="0" cy="216024"/>
+          </a:xfrm>
+          <a:prstGeom prst="line">
+            <a:avLst/>
+          </a:prstGeom>
+          <a:noFill/>
+          <a:ln w="28575">
+            <a:solidFill>
+              <a:schemeClr val="accent5">
+                <a:lumMod val="50000"/>
+              </a:schemeClr>
+            </a:solidFill>
+          </a:ln>
+        </p:spPr>
+        <p:style>
+          <a:lnRef idx="2">
+            <a:schemeClr val="accent1">
+              <a:shade val="50000"/>
+            </a:schemeClr>
+          </a:lnRef>
+          <a:fillRef idx="1">
+            <a:schemeClr val="accent1"/>
+          </a:fillRef>
+          <a:effectRef idx="0">
+            <a:schemeClr val="accent1"/>
+          </a:effectRef>
+          <a:fontRef idx="minor">
+            <a:schemeClr val="lt1"/>
+          </a:fontRef>
+        </p:style>
+      </p:cxnSp>
+      <p:cxnSp>
+        <p:nvCxnSpPr>
+          <p:cNvPr id="56" name="Connecteur droit 55"/>
+          <p:cNvCxnSpPr/>
+          <p:nvPr/>
+        </p:nvCxnSpPr>
+        <p:spPr>
+          <a:xfrm>
+            <a:off x="2404936" y="1982962"/>
+            <a:ext cx="1154165" cy="0"/>
+          </a:xfrm>
+          <a:prstGeom prst="line">
+            <a:avLst/>
+          </a:prstGeom>
+          <a:noFill/>
+          <a:ln w="28575">
+            <a:solidFill>
+              <a:schemeClr val="accent5">
+                <a:lumMod val="50000"/>
+              </a:schemeClr>
+            </a:solidFill>
+          </a:ln>
+        </p:spPr>
+        <p:style>
+          <a:lnRef idx="2">
+            <a:schemeClr val="accent1">
+              <a:shade val="50000"/>
+            </a:schemeClr>
+          </a:lnRef>
+          <a:fillRef idx="1">
+            <a:schemeClr val="accent1"/>
+          </a:fillRef>
+          <a:effectRef idx="0">
+            <a:schemeClr val="accent1"/>
+          </a:effectRef>
+          <a:fontRef idx="minor">
+            <a:schemeClr val="lt1"/>
+          </a:fontRef>
+        </p:style>
+      </p:cxnSp>
+      <p:cxnSp>
+        <p:nvCxnSpPr>
+          <p:cNvPr id="57" name="Connecteur droit 56"/>
+          <p:cNvCxnSpPr>
+            <a:stCxn id="21" idx="2"/>
+          </p:cNvCxnSpPr>
+          <p:nvPr/>
+        </p:nvCxnSpPr>
+        <p:spPr>
+          <a:xfrm>
+            <a:off x="2404936" y="908720"/>
+            <a:ext cx="0" cy="1080120"/>
+          </a:xfrm>
+          <a:prstGeom prst="line">
+            <a:avLst/>
+          </a:prstGeom>
+          <a:noFill/>
+          <a:ln w="28575">
+            <a:solidFill>
+              <a:schemeClr val="accent5">
+                <a:lumMod val="50000"/>
+              </a:schemeClr>
+            </a:solidFill>
+          </a:ln>
+        </p:spPr>
+        <p:style>
+          <a:lnRef idx="2">
+            <a:schemeClr val="accent1">
+              <a:shade val="50000"/>
+            </a:schemeClr>
+          </a:lnRef>
+          <a:fillRef idx="1">
+            <a:schemeClr val="accent1"/>
+          </a:fillRef>
+          <a:effectRef idx="0">
+            <a:schemeClr val="accent1"/>
+          </a:effectRef>
+          <a:fontRef idx="minor">
+            <a:schemeClr val="lt1"/>
+          </a:fontRef>
+        </p:style>
+      </p:cxnSp>
+      <p:sp>
+        <p:nvSpPr>
+          <p:cNvPr id="66" name="Ellipse 65"/>
+          <p:cNvSpPr/>
+          <p:nvPr/>
+        </p:nvSpPr>
+        <p:spPr>
+          <a:xfrm>
+            <a:off x="1369518" y="1668295"/>
+            <a:ext cx="276999" cy="276999"/>
+          </a:xfrm>
+          <a:prstGeom prst="ellipse">
+            <a:avLst/>
+          </a:prstGeom>
+          <a:noFill/>
+          <a:ln w="28575">
+            <a:solidFill>
+              <a:srgbClr val="7030A0"/>
+            </a:solidFill>
+          </a:ln>
+        </p:spPr>
+        <p:style>
+          <a:lnRef idx="2">
+            <a:schemeClr val="accent1">
+              <a:shade val="50000"/>
+            </a:schemeClr>
+          </a:lnRef>
+          <a:fillRef idx="1">
+            <a:schemeClr val="accent1"/>
+          </a:fillRef>
+          <a:effectRef idx="0">
+            <a:schemeClr val="accent1"/>
+          </a:effectRef>
+          <a:fontRef idx="minor">
+            <a:schemeClr val="lt1"/>
+          </a:fontRef>
+        </p:style>
+        <p:txBody>
+          <a:bodyPr lIns="0" tIns="0" rIns="0" bIns="0" rtlCol="0" anchor="ctr"/>
+          <a:lstStyle/>
+          <a:p>
+            <a:pPr algn="ctr"/>
+            <a:r>
+              <a:rPr lang="fr-FR" sz="1400" dirty="0" smtClean="0">
+                <a:ln>
+                  <a:solidFill>
+                    <a:srgbClr val="7030A0"/>
+                  </a:solidFill>
+                </a:ln>
+                <a:solidFill>
+                  <a:srgbClr val="7030A0"/>
+                </a:solidFill>
+              </a:rPr>
+              <a:t>1</a:t>
+            </a:r>
+            <a:endParaRPr lang="fr-FR" sz="1400" dirty="0">
+              <a:ln>
+                <a:solidFill>
+                  <a:srgbClr val="7030A0"/>
+                </a:solidFill>
+              </a:ln>
+              <a:solidFill>
+                <a:srgbClr val="7030A0"/>
+              </a:solidFill>
+            </a:endParaRPr>
+          </a:p>
+        </p:txBody>
+      </p:sp>
+      <p:sp>
+        <p:nvSpPr>
+          <p:cNvPr id="67" name="Ellipse 66"/>
+          <p:cNvSpPr/>
+          <p:nvPr/>
+        </p:nvSpPr>
+        <p:spPr>
+          <a:xfrm>
+            <a:off x="2908992" y="381419"/>
+            <a:ext cx="276999" cy="276999"/>
+          </a:xfrm>
+          <a:prstGeom prst="ellipse">
+            <a:avLst/>
+          </a:prstGeom>
+          <a:noFill/>
+          <a:ln w="28575">
+            <a:solidFill>
+              <a:srgbClr val="C00000"/>
+            </a:solidFill>
+          </a:ln>
+        </p:spPr>
+        <p:style>
+          <a:lnRef idx="2">
+            <a:schemeClr val="accent1">
+              <a:shade val="50000"/>
+            </a:schemeClr>
+          </a:lnRef>
+          <a:fillRef idx="1">
+            <a:schemeClr val="accent1"/>
+          </a:fillRef>
+          <a:effectRef idx="0">
+            <a:schemeClr val="accent1"/>
+          </a:effectRef>
+          <a:fontRef idx="minor">
+            <a:schemeClr val="lt1"/>
+          </a:fontRef>
+        </p:style>
+        <p:txBody>
+          <a:bodyPr lIns="0" tIns="0" rIns="0" bIns="0" rtlCol="0" anchor="ctr"/>
+          <a:lstStyle/>
+          <a:p>
+            <a:pPr algn="ctr"/>
+            <a:r>
+              <a:rPr lang="fr-FR" sz="1400" dirty="0" smtClean="0">
+                <a:ln>
+                  <a:solidFill>
+                    <a:srgbClr val="C00000"/>
+                  </a:solidFill>
+                </a:ln>
+                <a:solidFill>
+                  <a:srgbClr val="C00000"/>
+                </a:solidFill>
+              </a:rPr>
+              <a:t>2</a:t>
+            </a:r>
+            <a:endParaRPr lang="fr-FR" sz="1400" dirty="0">
+              <a:ln>
+                <a:solidFill>
+                  <a:srgbClr val="C00000"/>
+                </a:solidFill>
+              </a:ln>
+              <a:solidFill>
+                <a:srgbClr val="C00000"/>
+              </a:solidFill>
+            </a:endParaRPr>
+          </a:p>
+        </p:txBody>
+      </p:sp>
+      <p:sp>
+        <p:nvSpPr>
+          <p:cNvPr id="68" name="Ellipse 67"/>
+          <p:cNvSpPr/>
+          <p:nvPr/>
+        </p:nvSpPr>
+        <p:spPr>
+          <a:xfrm>
+            <a:off x="2427867" y="1668296"/>
+            <a:ext cx="276999" cy="276999"/>
+          </a:xfrm>
+          <a:prstGeom prst="ellipse">
+            <a:avLst/>
+          </a:prstGeom>
+          <a:noFill/>
+          <a:ln w="28575">
+            <a:solidFill>
+              <a:schemeClr val="accent5">
+                <a:lumMod val="50000"/>
+              </a:schemeClr>
+            </a:solidFill>
+          </a:ln>
+        </p:spPr>
+        <p:style>
+          <a:lnRef idx="2">
+            <a:schemeClr val="accent1">
+              <a:shade val="50000"/>
+            </a:schemeClr>
+          </a:lnRef>
+          <a:fillRef idx="1">
+            <a:schemeClr val="accent1"/>
+          </a:fillRef>
+          <a:effectRef idx="0">
+            <a:schemeClr val="accent1"/>
+          </a:effectRef>
+          <a:fontRef idx="minor">
+            <a:schemeClr val="lt1"/>
+          </a:fontRef>
+        </p:style>
+        <p:txBody>
+          <a:bodyPr lIns="0" tIns="0" rIns="0" bIns="0" rtlCol="0" anchor="ctr"/>
+          <a:lstStyle/>
+          <a:p>
+            <a:pPr algn="ctr"/>
+            <a:r>
+              <a:rPr lang="fr-FR" sz="1400" dirty="0">
+                <a:ln>
+                  <a:solidFill>
+                    <a:schemeClr val="accent5">
+                      <a:lumMod val="50000"/>
+                    </a:schemeClr>
+                  </a:solidFill>
+                </a:ln>
+                <a:solidFill>
+                  <a:schemeClr val="accent5">
+                    <a:lumMod val="50000"/>
+                  </a:schemeClr>
+                </a:solidFill>
+              </a:rPr>
+              <a:t>3</a:t>
+            </a:r>
+          </a:p>
+        </p:txBody>
+      </p:sp>
+      <p:sp>
+        <p:nvSpPr>
+          <p:cNvPr id="40" name="Ellipse 39"/>
+          <p:cNvSpPr/>
+          <p:nvPr/>
+        </p:nvSpPr>
+        <p:spPr>
+          <a:xfrm>
+            <a:off x="824474" y="2453472"/>
+            <a:ext cx="276999" cy="276999"/>
+          </a:xfrm>
+          <a:prstGeom prst="ellipse">
+            <a:avLst/>
+          </a:prstGeom>
+          <a:noFill/>
+          <a:ln w="28575">
+            <a:solidFill>
+              <a:schemeClr val="tx1"/>
+            </a:solidFill>
+          </a:ln>
+        </p:spPr>
+        <p:style>
+          <a:lnRef idx="2">
+            <a:schemeClr val="accent1">
+              <a:shade val="50000"/>
+            </a:schemeClr>
+          </a:lnRef>
+          <a:fillRef idx="1">
+            <a:schemeClr val="accent1"/>
+          </a:fillRef>
+          <a:effectRef idx="0">
+            <a:schemeClr val="accent1"/>
+          </a:effectRef>
+          <a:fontRef idx="minor">
+            <a:schemeClr val="lt1"/>
+          </a:fontRef>
+        </p:style>
+        <p:txBody>
+          <a:bodyPr lIns="0" tIns="0" rIns="0" bIns="0" rtlCol="0" anchor="ctr"/>
+          <a:lstStyle/>
+          <a:p>
+            <a:pPr algn="ctr"/>
+            <a:r>
+              <a:rPr lang="fr-FR" sz="1400" dirty="0">
+                <a:ln>
+                  <a:solidFill>
+                    <a:sysClr val="windowText" lastClr="000000"/>
+                  </a:solidFill>
+                </a:ln>
+                <a:solidFill>
+                  <a:schemeClr val="tx1"/>
+                </a:solidFill>
+              </a:rPr>
+              <a:t>0</a:t>
+            </a:r>
+          </a:p>
+        </p:txBody>
+      </p:sp>
+      <mc:AlternateContent xmlns:mc="http://schemas.openxmlformats.org/markup-compatibility/2006" xmlns:a14="http://schemas.microsoft.com/office/drawing/2010/main">
+        <mc:Choice Requires="a14">
+          <p:sp>
+            <p:nvSpPr>
+              <p:cNvPr id="44" name="ZoneTexte 43"/>
+              <p:cNvSpPr txBox="1"/>
+              <p:nvPr/>
+            </p:nvSpPr>
+            <p:spPr>
+              <a:xfrm>
+                <a:off x="1658984" y="1850340"/>
+                <a:ext cx="322524" cy="276999"/>
+              </a:xfrm>
+              <a:prstGeom prst="rect">
+                <a:avLst/>
+              </a:prstGeom>
+              <a:noFill/>
+            </p:spPr>
+            <p:txBody>
+              <a:bodyPr wrap="none" rtlCol="0">
+                <a:spAutoFit/>
+              </a:bodyPr>
+              <a:lstStyle/>
+              <a:p>
+                <a:pPr/>
+                <a14:m>
+                  <m:oMathPara xmlns:m="http://schemas.openxmlformats.org/officeDocument/2006/math">
+                    <m:oMathParaPr>
+                      <m:jc m:val="centerGroup"/>
+                    </m:oMathParaPr>
+                    <m:oMath xmlns:m="http://schemas.openxmlformats.org/officeDocument/2006/math">
+                      <m:r>
+                        <a:rPr lang="fr-FR" sz="1200" b="1" i="1" smtClean="0">
+                          <a:latin typeface="Cambria Math"/>
+                        </a:rPr>
+                        <m:t>𝑨</m:t>
+                      </m:r>
+                    </m:oMath>
+                  </m:oMathPara>
+                </a14:m>
+                <a:endParaRPr lang="fr-FR" sz="1200" b="1" dirty="0"/>
+              </a:p>
+            </p:txBody>
+          </p:sp>
+        </mc:Choice>
+        <mc:Fallback xmlns="">
+          <p:sp>
+            <p:nvSpPr>
+              <p:cNvPr id="44" name="ZoneTexte 43"/>
+              <p:cNvSpPr txBox="1">
+                <a:spLocks noRot="1" noChangeAspect="1" noMove="1" noResize="1" noEditPoints="1" noAdjustHandles="1" noChangeArrowheads="1" noChangeShapeType="1" noTextEdit="1"/>
+              </p:cNvSpPr>
+              <p:nvPr/>
+            </p:nvSpPr>
+            <p:spPr>
+              <a:xfrm>
+                <a:off x="1658984" y="1850340"/>
+                <a:ext cx="322524" cy="276999"/>
+              </a:xfrm>
+              <a:prstGeom prst="rect">
+                <a:avLst/>
+              </a:prstGeom>
+              <a:blipFill rotWithShape="1">
+                <a:blip r:embed="rId2"/>
+                <a:stretch>
+                  <a:fillRect/>
+                </a:stretch>
+              </a:blipFill>
+            </p:spPr>
+            <p:txBody>
+              <a:bodyPr/>
+              <a:lstStyle/>
+              <a:p>
+                <a:r>
+                  <a:rPr lang="fr-FR">
+                    <a:noFill/>
+                  </a:rPr>
+                  <a:t> </a:t>
+                </a:r>
+              </a:p>
+            </p:txBody>
+          </p:sp>
+        </mc:Fallback>
+      </mc:AlternateContent>
+      <mc:AlternateContent xmlns:mc="http://schemas.openxmlformats.org/markup-compatibility/2006" xmlns:a14="http://schemas.microsoft.com/office/drawing/2010/main">
+        <mc:Choice Requires="a14">
+          <p:sp>
+            <p:nvSpPr>
+              <p:cNvPr id="45" name="ZoneTexte 44"/>
+              <p:cNvSpPr txBox="1"/>
+              <p:nvPr/>
+            </p:nvSpPr>
+            <p:spPr>
+              <a:xfrm>
+                <a:off x="1632804" y="669771"/>
+                <a:ext cx="330540" cy="276999"/>
+              </a:xfrm>
+              <a:prstGeom prst="rect">
+                <a:avLst/>
+              </a:prstGeom>
+              <a:noFill/>
+            </p:spPr>
+            <p:txBody>
+              <a:bodyPr wrap="none" rtlCol="0">
+                <a:spAutoFit/>
+              </a:bodyPr>
+              <a:lstStyle/>
+              <a:p>
+                <a:pPr/>
+                <a14:m>
+                  <m:oMathPara xmlns:m="http://schemas.openxmlformats.org/officeDocument/2006/math">
+                    <m:oMathParaPr>
+                      <m:jc m:val="centerGroup"/>
+                    </m:oMathParaPr>
+                    <m:oMath xmlns:m="http://schemas.openxmlformats.org/officeDocument/2006/math">
+                      <m:r>
+                        <a:rPr lang="fr-FR" sz="1200" b="1" i="1" smtClean="0">
+                          <a:latin typeface="Cambria Math"/>
+                        </a:rPr>
+                        <m:t>𝑩</m:t>
+                      </m:r>
+                    </m:oMath>
+                  </m:oMathPara>
+                </a14:m>
+                <a:endParaRPr lang="fr-FR" sz="1200" b="1" dirty="0"/>
+              </a:p>
+            </p:txBody>
+          </p:sp>
+        </mc:Choice>
+        <mc:Fallback xmlns="">
+          <p:sp>
+            <p:nvSpPr>
+              <p:cNvPr id="45" name="ZoneTexte 44"/>
+              <p:cNvSpPr txBox="1">
+                <a:spLocks noRot="1" noChangeAspect="1" noMove="1" noResize="1" noEditPoints="1" noAdjustHandles="1" noChangeArrowheads="1" noChangeShapeType="1" noTextEdit="1"/>
+              </p:cNvSpPr>
+              <p:nvPr/>
+            </p:nvSpPr>
+            <p:spPr>
+              <a:xfrm>
+                <a:off x="1632804" y="669771"/>
+                <a:ext cx="330540" cy="276999"/>
+              </a:xfrm>
+              <a:prstGeom prst="rect">
+                <a:avLst/>
+              </a:prstGeom>
+              <a:blipFill rotWithShape="1">
+                <a:blip r:embed="rId3"/>
+                <a:stretch>
+                  <a:fillRect/>
+                </a:stretch>
+              </a:blipFill>
+            </p:spPr>
+            <p:txBody>
+              <a:bodyPr/>
+              <a:lstStyle/>
+              <a:p>
+                <a:r>
+                  <a:rPr lang="fr-FR">
+                    <a:noFill/>
+                  </a:rPr>
+                  <a:t> </a:t>
+                </a:r>
+              </a:p>
+            </p:txBody>
+          </p:sp>
+        </mc:Fallback>
+      </mc:AlternateContent>
+      <mc:AlternateContent xmlns:mc="http://schemas.openxmlformats.org/markup-compatibility/2006" xmlns:a14="http://schemas.microsoft.com/office/drawing/2010/main">
+        <mc:Choice Requires="a14">
+          <p:sp>
+            <p:nvSpPr>
+              <p:cNvPr id="47" name="ZoneTexte 46"/>
+              <p:cNvSpPr txBox="1"/>
+              <p:nvPr/>
+            </p:nvSpPr>
+            <p:spPr>
+              <a:xfrm>
+                <a:off x="1654445" y="914236"/>
+                <a:ext cx="287258" cy="276999"/>
+              </a:xfrm>
+              <a:prstGeom prst="rect">
+                <a:avLst/>
+              </a:prstGeom>
+              <a:noFill/>
+            </p:spPr>
+            <p:txBody>
+              <a:bodyPr wrap="none" rtlCol="0">
+                <a:spAutoFit/>
+              </a:bodyPr>
+              <a:lstStyle/>
+              <a:p>
+                <a:pPr/>
+                <a14:m>
+                  <m:oMathPara xmlns:m="http://schemas.openxmlformats.org/officeDocument/2006/math">
+                    <m:oMathParaPr>
+                      <m:jc m:val="centerGroup"/>
+                    </m:oMathParaPr>
+                    <m:oMath xmlns:m="http://schemas.openxmlformats.org/officeDocument/2006/math">
+                      <m:r>
+                        <a:rPr lang="fr-FR" sz="1200" b="1" i="1" smtClean="0">
+                          <a:latin typeface="Cambria Math"/>
+                        </a:rPr>
+                        <m:t>𝑰</m:t>
+                      </m:r>
+                    </m:oMath>
+                  </m:oMathPara>
+                </a14:m>
+                <a:endParaRPr lang="fr-FR" sz="1200" b="1" dirty="0"/>
+              </a:p>
+            </p:txBody>
+          </p:sp>
+        </mc:Choice>
+        <mc:Fallback xmlns="">
+          <p:sp>
+            <p:nvSpPr>
+              <p:cNvPr id="47" name="ZoneTexte 46"/>
+              <p:cNvSpPr txBox="1">
+                <a:spLocks noRot="1" noChangeAspect="1" noMove="1" noResize="1" noEditPoints="1" noAdjustHandles="1" noChangeArrowheads="1" noChangeShapeType="1" noTextEdit="1"/>
+              </p:cNvSpPr>
+              <p:nvPr/>
+            </p:nvSpPr>
+            <p:spPr>
+              <a:xfrm>
+                <a:off x="1654445" y="914236"/>
+                <a:ext cx="287258" cy="276999"/>
+              </a:xfrm>
+              <a:prstGeom prst="rect">
+                <a:avLst/>
+              </a:prstGeom>
+              <a:blipFill rotWithShape="1">
+                <a:blip r:embed="rId4"/>
+                <a:stretch>
+                  <a:fillRect/>
+                </a:stretch>
+              </a:blipFill>
+            </p:spPr>
+            <p:txBody>
+              <a:bodyPr/>
+              <a:lstStyle/>
+              <a:p>
+                <a:r>
+                  <a:rPr lang="fr-FR">
+                    <a:noFill/>
+                  </a:rPr>
+                  <a:t> </a:t>
+                </a:r>
+              </a:p>
+            </p:txBody>
+          </p:sp>
+        </mc:Fallback>
+      </mc:AlternateContent>
+      <mc:AlternateContent xmlns:mc="http://schemas.openxmlformats.org/markup-compatibility/2006" xmlns:a14="http://schemas.microsoft.com/office/drawing/2010/main">
+        <mc:Choice Requires="a14">
+          <p:sp>
+            <p:nvSpPr>
+              <p:cNvPr id="53" name="ZoneTexte 52"/>
+              <p:cNvSpPr txBox="1"/>
+              <p:nvPr/>
+            </p:nvSpPr>
+            <p:spPr>
+              <a:xfrm>
+                <a:off x="1656048" y="410180"/>
+                <a:ext cx="284052" cy="276999"/>
+              </a:xfrm>
+              <a:prstGeom prst="rect">
+                <a:avLst/>
+              </a:prstGeom>
+              <a:noFill/>
+            </p:spPr>
+            <p:txBody>
+              <a:bodyPr wrap="none" rtlCol="0">
+                <a:spAutoFit/>
+              </a:bodyPr>
+              <a:lstStyle/>
+              <a:p>
+                <a:pPr/>
+                <a14:m>
+                  <m:oMathPara xmlns:m="http://schemas.openxmlformats.org/officeDocument/2006/math">
+                    <m:oMathParaPr>
+                      <m:jc m:val="centerGroup"/>
+                    </m:oMathParaPr>
+                    <m:oMath xmlns:m="http://schemas.openxmlformats.org/officeDocument/2006/math">
+                      <m:r>
+                        <a:rPr lang="fr-FR" sz="1200" b="1" i="1" smtClean="0">
+                          <a:latin typeface="Cambria Math"/>
+                        </a:rPr>
+                        <m:t>𝑱</m:t>
+                      </m:r>
+                    </m:oMath>
+                  </m:oMathPara>
+                </a14:m>
+                <a:endParaRPr lang="fr-FR" sz="1200" b="1" dirty="0"/>
+              </a:p>
+            </p:txBody>
+          </p:sp>
+        </mc:Choice>
+        <mc:Fallback xmlns="">
+          <p:sp>
+            <p:nvSpPr>
+              <p:cNvPr id="53" name="ZoneTexte 52"/>
+              <p:cNvSpPr txBox="1">
+                <a:spLocks noRot="1" noChangeAspect="1" noMove="1" noResize="1" noEditPoints="1" noAdjustHandles="1" noChangeArrowheads="1" noChangeShapeType="1" noTextEdit="1"/>
+              </p:cNvSpPr>
+              <p:nvPr/>
+            </p:nvSpPr>
+            <p:spPr>
+              <a:xfrm>
+                <a:off x="1656048" y="410180"/>
+                <a:ext cx="284052" cy="276999"/>
+              </a:xfrm>
+              <a:prstGeom prst="rect">
+                <a:avLst/>
+              </a:prstGeom>
+              <a:blipFill rotWithShape="1">
+                <a:blip r:embed="rId5"/>
+                <a:stretch>
+                  <a:fillRect b="-2174"/>
+                </a:stretch>
+              </a:blipFill>
+            </p:spPr>
+            <p:txBody>
+              <a:bodyPr/>
+              <a:lstStyle/>
+              <a:p>
+                <a:r>
+                  <a:rPr lang="fr-FR">
+                    <a:noFill/>
+                  </a:rPr>
+                  <a:t> </a:t>
+                </a:r>
+              </a:p>
+            </p:txBody>
+          </p:sp>
+        </mc:Fallback>
+      </mc:AlternateContent>
+      <p:cxnSp>
+        <p:nvCxnSpPr>
+          <p:cNvPr id="58" name="Connecteur droit 57"/>
+          <p:cNvCxnSpPr/>
+          <p:nvPr/>
+        </p:nvCxnSpPr>
+        <p:spPr>
+          <a:xfrm>
+            <a:off x="2831483" y="260644"/>
+            <a:ext cx="0" cy="1080124"/>
+          </a:xfrm>
+          <a:prstGeom prst="line">
+            <a:avLst/>
+          </a:prstGeom>
+          <a:noFill/>
+          <a:ln w="28575">
+            <a:solidFill>
+              <a:srgbClr val="C00000"/>
+            </a:solidFill>
+          </a:ln>
+        </p:spPr>
+        <p:style>
+          <a:lnRef idx="2">
+            <a:schemeClr val="accent1">
+              <a:shade val="50000"/>
+            </a:schemeClr>
+          </a:lnRef>
+          <a:fillRef idx="1">
+            <a:schemeClr val="accent1"/>
+          </a:fillRef>
+          <a:effectRef idx="0">
+            <a:schemeClr val="accent1"/>
+          </a:effectRef>
+          <a:fontRef idx="minor">
+            <a:schemeClr val="lt1"/>
+          </a:fontRef>
+        </p:style>
+      </p:cxnSp>
+      <p:cxnSp>
+        <p:nvCxnSpPr>
+          <p:cNvPr id="59" name="Connecteur droit 58"/>
+          <p:cNvCxnSpPr/>
+          <p:nvPr/>
+        </p:nvCxnSpPr>
+        <p:spPr>
+          <a:xfrm>
+            <a:off x="2747150" y="1337000"/>
+            <a:ext cx="168666" cy="0"/>
+          </a:xfrm>
+          <a:prstGeom prst="line">
+            <a:avLst/>
+          </a:prstGeom>
+          <a:noFill/>
+          <a:ln w="28575">
+            <a:solidFill>
+              <a:srgbClr val="C00000"/>
+            </a:solidFill>
+          </a:ln>
+        </p:spPr>
+        <p:style>
+          <a:lnRef idx="2">
+            <a:schemeClr val="accent1">
+              <a:shade val="50000"/>
+            </a:schemeClr>
+          </a:lnRef>
+          <a:fillRef idx="1">
+            <a:schemeClr val="accent1"/>
+          </a:fillRef>
+          <a:effectRef idx="0">
+            <a:schemeClr val="accent1"/>
+          </a:effectRef>
+          <a:fontRef idx="minor">
+            <a:schemeClr val="lt1"/>
+          </a:fontRef>
+        </p:style>
+      </p:cxnSp>
+      <p:cxnSp>
+        <p:nvCxnSpPr>
+          <p:cNvPr id="61" name="Connecteur droit 60"/>
+          <p:cNvCxnSpPr/>
+          <p:nvPr/>
+        </p:nvCxnSpPr>
+        <p:spPr>
+          <a:xfrm flipV="1">
+            <a:off x="2839021" y="176884"/>
+            <a:ext cx="0" cy="83760"/>
+          </a:xfrm>
+          <a:prstGeom prst="line">
+            <a:avLst/>
+          </a:prstGeom>
+          <a:noFill/>
+          <a:ln w="28575">
+            <a:solidFill>
+              <a:srgbClr val="00B050"/>
+            </a:solidFill>
+          </a:ln>
+        </p:spPr>
+        <p:style>
+          <a:lnRef idx="2">
+            <a:schemeClr val="accent1">
+              <a:shade val="50000"/>
+            </a:schemeClr>
+          </a:lnRef>
+          <a:fillRef idx="1">
+            <a:schemeClr val="accent1"/>
+          </a:fillRef>
+          <a:effectRef idx="0">
+            <a:schemeClr val="accent1"/>
+          </a:effectRef>
+          <a:fontRef idx="minor">
+            <a:schemeClr val="lt1"/>
+          </a:fontRef>
+        </p:style>
+      </p:cxnSp>
+      <p:cxnSp>
+        <p:nvCxnSpPr>
+          <p:cNvPr id="62" name="Connecteur droit 61"/>
+          <p:cNvCxnSpPr/>
+          <p:nvPr/>
+        </p:nvCxnSpPr>
+        <p:spPr>
+          <a:xfrm>
+            <a:off x="2747150" y="264416"/>
+            <a:ext cx="168666" cy="0"/>
+          </a:xfrm>
+          <a:prstGeom prst="line">
+            <a:avLst/>
+          </a:prstGeom>
+          <a:noFill/>
+          <a:ln w="28575">
+            <a:solidFill>
+              <a:srgbClr val="C00000"/>
+            </a:solidFill>
+          </a:ln>
+        </p:spPr>
+        <p:style>
+          <a:lnRef idx="2">
+            <a:schemeClr val="accent1">
+              <a:shade val="50000"/>
+            </a:schemeClr>
+          </a:lnRef>
+          <a:fillRef idx="1">
+            <a:schemeClr val="accent1"/>
+          </a:fillRef>
+          <a:effectRef idx="0">
+            <a:schemeClr val="accent1"/>
+          </a:effectRef>
+          <a:fontRef idx="minor">
+            <a:schemeClr val="lt1"/>
+          </a:fontRef>
+        </p:style>
+      </p:cxnSp>
+      <p:cxnSp>
+        <p:nvCxnSpPr>
+          <p:cNvPr id="76" name="Connecteur droit 75"/>
+          <p:cNvCxnSpPr/>
+          <p:nvPr/>
+        </p:nvCxnSpPr>
+        <p:spPr>
+          <a:xfrm flipV="1">
+            <a:off x="2840277" y="3705280"/>
+            <a:ext cx="0" cy="83760"/>
+          </a:xfrm>
+          <a:prstGeom prst="line">
+            <a:avLst/>
+          </a:prstGeom>
+          <a:noFill/>
+          <a:ln w="28575">
+            <a:solidFill>
+              <a:srgbClr val="00B050"/>
+            </a:solidFill>
+          </a:ln>
+        </p:spPr>
+        <p:style>
+          <a:lnRef idx="2">
+            <a:schemeClr val="accent1">
+              <a:shade val="50000"/>
+            </a:schemeClr>
+          </a:lnRef>
+          <a:fillRef idx="1">
+            <a:schemeClr val="accent1"/>
+          </a:fillRef>
+          <a:effectRef idx="0">
+            <a:schemeClr val="accent1"/>
+          </a:effectRef>
+          <a:fontRef idx="minor">
+            <a:schemeClr val="lt1"/>
+          </a:fontRef>
+        </p:style>
+      </p:cxnSp>
+      <p:sp>
+        <p:nvSpPr>
+          <p:cNvPr id="78" name="Rectangle 77"/>
+          <p:cNvSpPr/>
+          <p:nvPr/>
+        </p:nvSpPr>
+        <p:spPr>
+          <a:xfrm>
+            <a:off x="4065907" y="1878079"/>
+            <a:ext cx="432048" cy="216024"/>
+          </a:xfrm>
+          <a:prstGeom prst="rect">
+            <a:avLst/>
+          </a:prstGeom>
+          <a:noFill/>
+          <a:ln w="28575">
+            <a:solidFill>
+              <a:schemeClr val="tx1"/>
+            </a:solidFill>
+          </a:ln>
+        </p:spPr>
+        <p:style>
+          <a:lnRef idx="2">
+            <a:schemeClr val="accent1">
+              <a:shade val="50000"/>
+            </a:schemeClr>
+          </a:lnRef>
+          <a:fillRef idx="1">
+            <a:schemeClr val="accent1"/>
+          </a:fillRef>
+          <a:effectRef idx="0">
+            <a:schemeClr val="accent1"/>
+          </a:effectRef>
+          <a:fontRef idx="minor">
+            <a:schemeClr val="lt1"/>
+          </a:fontRef>
+        </p:style>
+        <p:txBody>
+          <a:bodyPr rtlCol="0" anchor="ctr"/>
+          <a:lstStyle/>
+          <a:p>
+            <a:pPr algn="ctr"/>
+            <a:endParaRPr lang="fr-FR"/>
+          </a:p>
+        </p:txBody>
+      </p:sp>
+      <p:cxnSp>
+        <p:nvCxnSpPr>
+          <p:cNvPr id="79" name="Connecteur droit 78"/>
+          <p:cNvCxnSpPr/>
+          <p:nvPr/>
+        </p:nvCxnSpPr>
+        <p:spPr>
+          <a:xfrm>
+            <a:off x="3995936" y="1872201"/>
+            <a:ext cx="0" cy="216024"/>
+          </a:xfrm>
+          <a:prstGeom prst="line">
+            <a:avLst/>
+          </a:prstGeom>
+          <a:noFill/>
+          <a:ln w="28575">
+            <a:solidFill>
+              <a:srgbClr val="00B050"/>
+            </a:solidFill>
+          </a:ln>
+        </p:spPr>
+        <p:style>
+          <a:lnRef idx="2">
+            <a:schemeClr val="accent1">
+              <a:shade val="50000"/>
+            </a:schemeClr>
+          </a:lnRef>
+          <a:fillRef idx="1">
+            <a:schemeClr val="accent1"/>
+          </a:fillRef>
+          <a:effectRef idx="0">
+            <a:schemeClr val="accent1"/>
+          </a:effectRef>
+          <a:fontRef idx="minor">
+            <a:schemeClr val="lt1"/>
+          </a:fontRef>
+        </p:style>
+      </p:cxnSp>
+      <p:cxnSp>
+        <p:nvCxnSpPr>
+          <p:cNvPr id="80" name="Connecteur droit 79"/>
+          <p:cNvCxnSpPr/>
+          <p:nvPr/>
+        </p:nvCxnSpPr>
+        <p:spPr>
+          <a:xfrm>
+            <a:off x="4572000" y="1872201"/>
+            <a:ext cx="0" cy="216024"/>
+          </a:xfrm>
+          <a:prstGeom prst="line">
+            <a:avLst/>
+          </a:prstGeom>
+          <a:noFill/>
+          <a:ln w="28575">
+            <a:solidFill>
+              <a:srgbClr val="00B050"/>
+            </a:solidFill>
+          </a:ln>
+        </p:spPr>
+        <p:style>
+          <a:lnRef idx="2">
+            <a:schemeClr val="accent1">
+              <a:shade val="50000"/>
+            </a:schemeClr>
+          </a:lnRef>
+          <a:fillRef idx="1">
+            <a:schemeClr val="accent1"/>
+          </a:fillRef>
+          <a:effectRef idx="0">
+            <a:schemeClr val="accent1"/>
+          </a:effectRef>
+          <a:fontRef idx="minor">
+            <a:schemeClr val="lt1"/>
+          </a:fontRef>
+        </p:style>
+      </p:cxnSp>
+      <p:cxnSp>
+        <p:nvCxnSpPr>
+          <p:cNvPr id="81" name="Connecteur droit 80"/>
+          <p:cNvCxnSpPr/>
+          <p:nvPr/>
+        </p:nvCxnSpPr>
+        <p:spPr>
+          <a:xfrm>
+            <a:off x="3851920" y="1988840"/>
+            <a:ext cx="880018" cy="0"/>
+          </a:xfrm>
+          <a:prstGeom prst="line">
+            <a:avLst/>
+          </a:prstGeom>
+          <a:noFill/>
+          <a:ln w="28575">
+            <a:solidFill>
+              <a:srgbClr val="00B050"/>
+            </a:solidFill>
+          </a:ln>
+        </p:spPr>
+        <p:style>
+          <a:lnRef idx="2">
+            <a:schemeClr val="accent1">
+              <a:shade val="50000"/>
+            </a:schemeClr>
+          </a:lnRef>
+          <a:fillRef idx="1">
+            <a:schemeClr val="accent1"/>
+          </a:fillRef>
+          <a:effectRef idx="0">
+            <a:schemeClr val="accent1"/>
+          </a:effectRef>
+          <a:fontRef idx="minor">
+            <a:schemeClr val="lt1"/>
+          </a:fontRef>
+        </p:style>
+      </p:cxnSp>
+      <p:cxnSp>
+        <p:nvCxnSpPr>
+          <p:cNvPr id="86" name="Connecteur droit 85"/>
+          <p:cNvCxnSpPr/>
+          <p:nvPr/>
+        </p:nvCxnSpPr>
+        <p:spPr>
+          <a:xfrm flipH="1">
+            <a:off x="2831483" y="3798047"/>
+            <a:ext cx="1020437" cy="0"/>
+          </a:xfrm>
+          <a:prstGeom prst="line">
+            <a:avLst/>
+          </a:prstGeom>
+          <a:noFill/>
+          <a:ln w="28575">
+            <a:solidFill>
+              <a:srgbClr val="00B050"/>
+            </a:solidFill>
+          </a:ln>
+        </p:spPr>
+        <p:style>
+          <a:lnRef idx="2">
+            <a:schemeClr val="accent1">
+              <a:shade val="50000"/>
+            </a:schemeClr>
+          </a:lnRef>
+          <a:fillRef idx="1">
+            <a:schemeClr val="accent1"/>
+          </a:fillRef>
+          <a:effectRef idx="0">
+            <a:schemeClr val="accent1"/>
+          </a:effectRef>
+          <a:fontRef idx="minor">
+            <a:schemeClr val="lt1"/>
+          </a:fontRef>
+        </p:style>
+      </p:cxnSp>
+      <p:sp>
+        <p:nvSpPr>
+          <p:cNvPr id="90" name="Forme libre 89"/>
+          <p:cNvSpPr/>
+          <p:nvPr/>
+        </p:nvSpPr>
+        <p:spPr>
+          <a:xfrm>
+            <a:off x="2831484" y="2312876"/>
+            <a:ext cx="576064" cy="140596"/>
+          </a:xfrm>
+          <a:custGeom>
+            <a:avLst/>
+            <a:gdLst>
+              <a:gd name="connsiteX0" fmla="*/ 0 w 729276"/>
+              <a:gd name="connsiteY0" fmla="*/ 0 h 152951"/>
+              <a:gd name="connsiteX1" fmla="*/ 168294 w 729276"/>
+              <a:gd name="connsiteY1" fmla="*/ 134635 h 152951"/>
+              <a:gd name="connsiteX2" fmla="*/ 381467 w 729276"/>
+              <a:gd name="connsiteY2" fmla="*/ 84147 h 152951"/>
+              <a:gd name="connsiteX3" fmla="*/ 594640 w 729276"/>
+              <a:gd name="connsiteY3" fmla="*/ 151465 h 152951"/>
+              <a:gd name="connsiteX4" fmla="*/ 729276 w 729276"/>
+              <a:gd name="connsiteY4" fmla="*/ 5610 h 152951"/>
+              <a:gd name="connsiteX0" fmla="*/ 0 w 732876"/>
+              <a:gd name="connsiteY0" fmla="*/ 7459 h 160523"/>
+              <a:gd name="connsiteX1" fmla="*/ 168294 w 732876"/>
+              <a:gd name="connsiteY1" fmla="*/ 142094 h 160523"/>
+              <a:gd name="connsiteX2" fmla="*/ 381467 w 732876"/>
+              <a:gd name="connsiteY2" fmla="*/ 91606 h 160523"/>
+              <a:gd name="connsiteX3" fmla="*/ 594640 w 732876"/>
+              <a:gd name="connsiteY3" fmla="*/ 158924 h 160523"/>
+              <a:gd name="connsiteX4" fmla="*/ 719996 w 732876"/>
+              <a:gd name="connsiteY4" fmla="*/ 9693 h 160523"/>
+              <a:gd name="connsiteX5" fmla="*/ 729276 w 732876"/>
+              <a:gd name="connsiteY5" fmla="*/ 13069 h 160523"/>
+              <a:gd name="connsiteX0" fmla="*/ 0 w 732876"/>
+              <a:gd name="connsiteY0" fmla="*/ 7459 h 144116"/>
+              <a:gd name="connsiteX1" fmla="*/ 168294 w 732876"/>
+              <a:gd name="connsiteY1" fmla="*/ 142094 h 144116"/>
+              <a:gd name="connsiteX2" fmla="*/ 381467 w 732876"/>
+              <a:gd name="connsiteY2" fmla="*/ 91606 h 144116"/>
+              <a:gd name="connsiteX3" fmla="*/ 589488 w 732876"/>
+              <a:gd name="connsiteY3" fmla="*/ 135742 h 144116"/>
+              <a:gd name="connsiteX4" fmla="*/ 719996 w 732876"/>
+              <a:gd name="connsiteY4" fmla="*/ 9693 h 144116"/>
+              <a:gd name="connsiteX5" fmla="*/ 729276 w 732876"/>
+              <a:gd name="connsiteY5" fmla="*/ 13069 h 144116"/>
+              <a:gd name="connsiteX0" fmla="*/ 0 w 731506"/>
+              <a:gd name="connsiteY0" fmla="*/ 0 h 136657"/>
+              <a:gd name="connsiteX1" fmla="*/ 168294 w 731506"/>
+              <a:gd name="connsiteY1" fmla="*/ 134635 h 136657"/>
+              <a:gd name="connsiteX2" fmla="*/ 381467 w 731506"/>
+              <a:gd name="connsiteY2" fmla="*/ 84147 h 136657"/>
+              <a:gd name="connsiteX3" fmla="*/ 589488 w 731506"/>
+              <a:gd name="connsiteY3" fmla="*/ 128283 h 136657"/>
+              <a:gd name="connsiteX4" fmla="*/ 717420 w 731506"/>
+              <a:gd name="connsiteY4" fmla="*/ 35719 h 136657"/>
+              <a:gd name="connsiteX5" fmla="*/ 729276 w 731506"/>
+              <a:gd name="connsiteY5" fmla="*/ 5610 h 136657"/>
+              <a:gd name="connsiteX0" fmla="*/ 0 w 729276"/>
+              <a:gd name="connsiteY0" fmla="*/ 0 h 136657"/>
+              <a:gd name="connsiteX1" fmla="*/ 168294 w 729276"/>
+              <a:gd name="connsiteY1" fmla="*/ 134635 h 136657"/>
+              <a:gd name="connsiteX2" fmla="*/ 381467 w 729276"/>
+              <a:gd name="connsiteY2" fmla="*/ 84147 h 136657"/>
+              <a:gd name="connsiteX3" fmla="*/ 589488 w 729276"/>
+              <a:gd name="connsiteY3" fmla="*/ 128283 h 136657"/>
+              <a:gd name="connsiteX4" fmla="*/ 631695 w 729276"/>
+              <a:gd name="connsiteY4" fmla="*/ 59532 h 136657"/>
+              <a:gd name="connsiteX5" fmla="*/ 729276 w 729276"/>
+              <a:gd name="connsiteY5" fmla="*/ 5610 h 136657"/>
+              <a:gd name="connsiteX0" fmla="*/ 0 w 729276"/>
+              <a:gd name="connsiteY0" fmla="*/ 0 h 136657"/>
+              <a:gd name="connsiteX1" fmla="*/ 168294 w 729276"/>
+              <a:gd name="connsiteY1" fmla="*/ 134635 h 136657"/>
+              <a:gd name="connsiteX2" fmla="*/ 381467 w 729276"/>
+              <a:gd name="connsiteY2" fmla="*/ 84147 h 136657"/>
+              <a:gd name="connsiteX3" fmla="*/ 589488 w 729276"/>
+              <a:gd name="connsiteY3" fmla="*/ 128283 h 136657"/>
+              <a:gd name="connsiteX4" fmla="*/ 729276 w 729276"/>
+              <a:gd name="connsiteY4" fmla="*/ 5610 h 136657"/>
+              <a:gd name="connsiteX0" fmla="*/ 0 w 729276"/>
+              <a:gd name="connsiteY0" fmla="*/ 0 h 136657"/>
+              <a:gd name="connsiteX1" fmla="*/ 168294 w 729276"/>
+              <a:gd name="connsiteY1" fmla="*/ 134635 h 136657"/>
+              <a:gd name="connsiteX2" fmla="*/ 381467 w 729276"/>
+              <a:gd name="connsiteY2" fmla="*/ 84147 h 136657"/>
+              <a:gd name="connsiteX3" fmla="*/ 589488 w 729276"/>
+              <a:gd name="connsiteY3" fmla="*/ 128283 h 136657"/>
+              <a:gd name="connsiteX4" fmla="*/ 729276 w 729276"/>
+              <a:gd name="connsiteY4" fmla="*/ 5610 h 136657"/>
+              <a:gd name="connsiteX0" fmla="*/ 0 w 729276"/>
+              <a:gd name="connsiteY0" fmla="*/ 0 h 141857"/>
+              <a:gd name="connsiteX1" fmla="*/ 168294 w 729276"/>
+              <a:gd name="connsiteY1" fmla="*/ 134635 h 141857"/>
+              <a:gd name="connsiteX2" fmla="*/ 381467 w 729276"/>
+              <a:gd name="connsiteY2" fmla="*/ 84147 h 141857"/>
+              <a:gd name="connsiteX3" fmla="*/ 577581 w 729276"/>
+              <a:gd name="connsiteY3" fmla="*/ 140189 h 141857"/>
+              <a:gd name="connsiteX4" fmla="*/ 729276 w 729276"/>
+              <a:gd name="connsiteY4" fmla="*/ 5610 h 141857"/>
+              <a:gd name="connsiteX0" fmla="*/ 0 w 729276"/>
+              <a:gd name="connsiteY0" fmla="*/ 0 h 140596"/>
+              <a:gd name="connsiteX1" fmla="*/ 168294 w 729276"/>
+              <a:gd name="connsiteY1" fmla="*/ 134635 h 140596"/>
+              <a:gd name="connsiteX2" fmla="*/ 381467 w 729276"/>
+              <a:gd name="connsiteY2" fmla="*/ 84147 h 140596"/>
+              <a:gd name="connsiteX3" fmla="*/ 577581 w 729276"/>
+              <a:gd name="connsiteY3" fmla="*/ 140189 h 140596"/>
+              <a:gd name="connsiteX4" fmla="*/ 729276 w 729276"/>
+              <a:gd name="connsiteY4" fmla="*/ 5610 h 140596"/>
+            </a:gdLst>
+            <a:ahLst/>
+            <a:cxnLst>
+              <a:cxn ang="0">
+                <a:pos x="connsiteX0" y="connsiteY0"/>
+              </a:cxn>
+              <a:cxn ang="0">
+                <a:pos x="connsiteX1" y="connsiteY1"/>
+              </a:cxn>
+              <a:cxn ang="0">
+                <a:pos x="connsiteX2" y="connsiteY2"/>
+              </a:cxn>
+              <a:cxn ang="0">
+                <a:pos x="connsiteX3" y="connsiteY3"/>
+              </a:cxn>
+              <a:cxn ang="0">
+                <a:pos x="connsiteX4" y="connsiteY4"/>
+              </a:cxn>
+            </a:cxnLst>
+            <a:rect l="l" t="t" r="r" b="b"/>
+            <a:pathLst>
+              <a:path w="729276" h="140596">
+                <a:moveTo>
+                  <a:pt x="0" y="0"/>
+                </a:moveTo>
+                <a:cubicBezTo>
+                  <a:pt x="52358" y="60305"/>
+                  <a:pt x="104716" y="120611"/>
+                  <a:pt x="168294" y="134635"/>
+                </a:cubicBezTo>
+                <a:cubicBezTo>
+                  <a:pt x="231872" y="148659"/>
+                  <a:pt x="313253" y="83221"/>
+                  <a:pt x="381467" y="84147"/>
+                </a:cubicBezTo>
+                <a:cubicBezTo>
+                  <a:pt x="449681" y="85073"/>
+                  <a:pt x="526757" y="146134"/>
+                  <a:pt x="577581" y="140189"/>
+                </a:cubicBezTo>
+                <a:cubicBezTo>
+                  <a:pt x="628405" y="134244"/>
+                  <a:pt x="673961" y="78792"/>
+                  <a:pt x="729276" y="5610"/>
+                </a:cubicBezTo>
+              </a:path>
+            </a:pathLst>
+          </a:custGeom>
+          <a:solidFill>
+            <a:schemeClr val="bg1">
+              <a:lumMod val="85000"/>
+            </a:schemeClr>
+          </a:solidFill>
+          <a:ln w="12700">
+            <a:solidFill>
+              <a:schemeClr val="tx1"/>
+            </a:solidFill>
+          </a:ln>
+        </p:spPr>
+        <p:style>
+          <a:lnRef idx="1">
+            <a:schemeClr val="accent1"/>
+          </a:lnRef>
+          <a:fillRef idx="0">
+            <a:schemeClr val="accent1"/>
+          </a:fillRef>
+          <a:effectRef idx="0">
+            <a:schemeClr val="accent1"/>
+          </a:effectRef>
+          <a:fontRef idx="minor">
+            <a:schemeClr val="tx1"/>
+          </a:fontRef>
+        </p:style>
+        <p:txBody>
+          <a:bodyPr rtlCol="0" anchor="ctr"/>
+          <a:lstStyle/>
+          <a:p>
+            <a:pPr algn="ctr"/>
+            <a:endParaRPr lang="fr-FR"/>
+          </a:p>
+        </p:txBody>
+      </p:sp>
+      <p:cxnSp>
+        <p:nvCxnSpPr>
+          <p:cNvPr id="91" name="Connecteur droit 90"/>
+          <p:cNvCxnSpPr/>
+          <p:nvPr/>
+        </p:nvCxnSpPr>
+        <p:spPr>
+          <a:xfrm>
+            <a:off x="3119516" y="2096852"/>
+            <a:ext cx="0" cy="216024"/>
+          </a:xfrm>
+          <a:prstGeom prst="line">
+            <a:avLst/>
+          </a:prstGeom>
+          <a:noFill/>
+          <a:ln w="28575">
+            <a:solidFill>
+              <a:schemeClr val="tx1"/>
+            </a:solidFill>
+          </a:ln>
+        </p:spPr>
+        <p:style>
+          <a:lnRef idx="2">
+            <a:schemeClr val="accent1">
+              <a:shade val="50000"/>
+            </a:schemeClr>
+          </a:lnRef>
+          <a:fillRef idx="1">
+            <a:schemeClr val="accent1"/>
+          </a:fillRef>
+          <a:effectRef idx="0">
+            <a:schemeClr val="accent1"/>
+          </a:effectRef>
+          <a:fontRef idx="minor">
+            <a:schemeClr val="lt1"/>
+          </a:fontRef>
+        </p:style>
+      </p:cxnSp>
+      <p:cxnSp>
+        <p:nvCxnSpPr>
+          <p:cNvPr id="92" name="Connecteur droit 91"/>
+          <p:cNvCxnSpPr/>
+          <p:nvPr/>
+        </p:nvCxnSpPr>
+        <p:spPr>
+          <a:xfrm>
+            <a:off x="2831484" y="2312876"/>
+            <a:ext cx="576064" cy="0"/>
+          </a:xfrm>
+          <a:prstGeom prst="line">
+            <a:avLst/>
+          </a:prstGeom>
+          <a:noFill/>
+          <a:ln w="28575">
+            <a:solidFill>
+              <a:schemeClr val="tx1"/>
+            </a:solidFill>
+          </a:ln>
+        </p:spPr>
+        <p:style>
+          <a:lnRef idx="2">
+            <a:schemeClr val="accent1">
+              <a:shade val="50000"/>
+            </a:schemeClr>
+          </a:lnRef>
+          <a:fillRef idx="1">
+            <a:schemeClr val="accent1"/>
+          </a:fillRef>
+          <a:effectRef idx="0">
+            <a:schemeClr val="accent1"/>
+          </a:effectRef>
+          <a:fontRef idx="minor">
+            <a:schemeClr val="lt1"/>
+          </a:fontRef>
+        </p:style>
+      </p:cxnSp>
+      <p:sp>
+        <p:nvSpPr>
+          <p:cNvPr id="93" name="Forme libre 92"/>
+          <p:cNvSpPr/>
+          <p:nvPr/>
+        </p:nvSpPr>
+        <p:spPr>
+          <a:xfrm>
+            <a:off x="3993899" y="2312876"/>
+            <a:ext cx="576064" cy="140596"/>
+          </a:xfrm>
+          <a:custGeom>
+            <a:avLst/>
+            <a:gdLst>
+              <a:gd name="connsiteX0" fmla="*/ 0 w 729276"/>
+              <a:gd name="connsiteY0" fmla="*/ 0 h 152951"/>
+              <a:gd name="connsiteX1" fmla="*/ 168294 w 729276"/>
+              <a:gd name="connsiteY1" fmla="*/ 134635 h 152951"/>
+              <a:gd name="connsiteX2" fmla="*/ 381467 w 729276"/>
+              <a:gd name="connsiteY2" fmla="*/ 84147 h 152951"/>
+              <a:gd name="connsiteX3" fmla="*/ 594640 w 729276"/>
+              <a:gd name="connsiteY3" fmla="*/ 151465 h 152951"/>
+              <a:gd name="connsiteX4" fmla="*/ 729276 w 729276"/>
+              <a:gd name="connsiteY4" fmla="*/ 5610 h 152951"/>
+              <a:gd name="connsiteX0" fmla="*/ 0 w 732876"/>
+              <a:gd name="connsiteY0" fmla="*/ 7459 h 160523"/>
+              <a:gd name="connsiteX1" fmla="*/ 168294 w 732876"/>
+              <a:gd name="connsiteY1" fmla="*/ 142094 h 160523"/>
+              <a:gd name="connsiteX2" fmla="*/ 381467 w 732876"/>
+              <a:gd name="connsiteY2" fmla="*/ 91606 h 160523"/>
+              <a:gd name="connsiteX3" fmla="*/ 594640 w 732876"/>
+              <a:gd name="connsiteY3" fmla="*/ 158924 h 160523"/>
+              <a:gd name="connsiteX4" fmla="*/ 719996 w 732876"/>
+              <a:gd name="connsiteY4" fmla="*/ 9693 h 160523"/>
+              <a:gd name="connsiteX5" fmla="*/ 729276 w 732876"/>
+              <a:gd name="connsiteY5" fmla="*/ 13069 h 160523"/>
+              <a:gd name="connsiteX0" fmla="*/ 0 w 732876"/>
+              <a:gd name="connsiteY0" fmla="*/ 7459 h 144116"/>
+              <a:gd name="connsiteX1" fmla="*/ 168294 w 732876"/>
+              <a:gd name="connsiteY1" fmla="*/ 142094 h 144116"/>
+              <a:gd name="connsiteX2" fmla="*/ 381467 w 732876"/>
+              <a:gd name="connsiteY2" fmla="*/ 91606 h 144116"/>
+              <a:gd name="connsiteX3" fmla="*/ 589488 w 732876"/>
+              <a:gd name="connsiteY3" fmla="*/ 135742 h 144116"/>
+              <a:gd name="connsiteX4" fmla="*/ 719996 w 732876"/>
+              <a:gd name="connsiteY4" fmla="*/ 9693 h 144116"/>
+              <a:gd name="connsiteX5" fmla="*/ 729276 w 732876"/>
+              <a:gd name="connsiteY5" fmla="*/ 13069 h 144116"/>
+              <a:gd name="connsiteX0" fmla="*/ 0 w 731506"/>
+              <a:gd name="connsiteY0" fmla="*/ 0 h 136657"/>
+              <a:gd name="connsiteX1" fmla="*/ 168294 w 731506"/>
+              <a:gd name="connsiteY1" fmla="*/ 134635 h 136657"/>
+              <a:gd name="connsiteX2" fmla="*/ 381467 w 731506"/>
+              <a:gd name="connsiteY2" fmla="*/ 84147 h 136657"/>
+              <a:gd name="connsiteX3" fmla="*/ 589488 w 731506"/>
+              <a:gd name="connsiteY3" fmla="*/ 128283 h 136657"/>
+              <a:gd name="connsiteX4" fmla="*/ 717420 w 731506"/>
+              <a:gd name="connsiteY4" fmla="*/ 35719 h 136657"/>
+              <a:gd name="connsiteX5" fmla="*/ 729276 w 731506"/>
+              <a:gd name="connsiteY5" fmla="*/ 5610 h 136657"/>
+              <a:gd name="connsiteX0" fmla="*/ 0 w 729276"/>
+              <a:gd name="connsiteY0" fmla="*/ 0 h 136657"/>
+              <a:gd name="connsiteX1" fmla="*/ 168294 w 729276"/>
+              <a:gd name="connsiteY1" fmla="*/ 134635 h 136657"/>
+              <a:gd name="connsiteX2" fmla="*/ 381467 w 729276"/>
+              <a:gd name="connsiteY2" fmla="*/ 84147 h 136657"/>
+              <a:gd name="connsiteX3" fmla="*/ 589488 w 729276"/>
+              <a:gd name="connsiteY3" fmla="*/ 128283 h 136657"/>
+              <a:gd name="connsiteX4" fmla="*/ 631695 w 729276"/>
+              <a:gd name="connsiteY4" fmla="*/ 59532 h 136657"/>
+              <a:gd name="connsiteX5" fmla="*/ 729276 w 729276"/>
+              <a:gd name="connsiteY5" fmla="*/ 5610 h 136657"/>
+              <a:gd name="connsiteX0" fmla="*/ 0 w 729276"/>
+              <a:gd name="connsiteY0" fmla="*/ 0 h 136657"/>
+              <a:gd name="connsiteX1" fmla="*/ 168294 w 729276"/>
+              <a:gd name="connsiteY1" fmla="*/ 134635 h 136657"/>
+              <a:gd name="connsiteX2" fmla="*/ 381467 w 729276"/>
+              <a:gd name="connsiteY2" fmla="*/ 84147 h 136657"/>
+              <a:gd name="connsiteX3" fmla="*/ 589488 w 729276"/>
+              <a:gd name="connsiteY3" fmla="*/ 128283 h 136657"/>
+              <a:gd name="connsiteX4" fmla="*/ 729276 w 729276"/>
+              <a:gd name="connsiteY4" fmla="*/ 5610 h 136657"/>
+              <a:gd name="connsiteX0" fmla="*/ 0 w 729276"/>
+              <a:gd name="connsiteY0" fmla="*/ 0 h 136657"/>
+              <a:gd name="connsiteX1" fmla="*/ 168294 w 729276"/>
+              <a:gd name="connsiteY1" fmla="*/ 134635 h 136657"/>
+              <a:gd name="connsiteX2" fmla="*/ 381467 w 729276"/>
+              <a:gd name="connsiteY2" fmla="*/ 84147 h 136657"/>
+              <a:gd name="connsiteX3" fmla="*/ 589488 w 729276"/>
+              <a:gd name="connsiteY3" fmla="*/ 128283 h 136657"/>
+              <a:gd name="connsiteX4" fmla="*/ 729276 w 729276"/>
+              <a:gd name="connsiteY4" fmla="*/ 5610 h 136657"/>
+              <a:gd name="connsiteX0" fmla="*/ 0 w 729276"/>
+              <a:gd name="connsiteY0" fmla="*/ 0 h 141857"/>
+              <a:gd name="connsiteX1" fmla="*/ 168294 w 729276"/>
+              <a:gd name="connsiteY1" fmla="*/ 134635 h 141857"/>
+              <a:gd name="connsiteX2" fmla="*/ 381467 w 729276"/>
+              <a:gd name="connsiteY2" fmla="*/ 84147 h 141857"/>
+              <a:gd name="connsiteX3" fmla="*/ 577581 w 729276"/>
+              <a:gd name="connsiteY3" fmla="*/ 140189 h 141857"/>
+              <a:gd name="connsiteX4" fmla="*/ 729276 w 729276"/>
+              <a:gd name="connsiteY4" fmla="*/ 5610 h 141857"/>
+              <a:gd name="connsiteX0" fmla="*/ 0 w 729276"/>
+              <a:gd name="connsiteY0" fmla="*/ 0 h 140596"/>
+              <a:gd name="connsiteX1" fmla="*/ 168294 w 729276"/>
+              <a:gd name="connsiteY1" fmla="*/ 134635 h 140596"/>
+              <a:gd name="connsiteX2" fmla="*/ 381467 w 729276"/>
+              <a:gd name="connsiteY2" fmla="*/ 84147 h 140596"/>
+              <a:gd name="connsiteX3" fmla="*/ 577581 w 729276"/>
+              <a:gd name="connsiteY3" fmla="*/ 140189 h 140596"/>
+              <a:gd name="connsiteX4" fmla="*/ 729276 w 729276"/>
+              <a:gd name="connsiteY4" fmla="*/ 5610 h 140596"/>
+            </a:gdLst>
+            <a:ahLst/>
+            <a:cxnLst>
+              <a:cxn ang="0">
+                <a:pos x="connsiteX0" y="connsiteY0"/>
+              </a:cxn>
+              <a:cxn ang="0">
+                <a:pos x="connsiteX1" y="connsiteY1"/>
+              </a:cxn>
+              <a:cxn ang="0">
+                <a:pos x="connsiteX2" y="connsiteY2"/>
+              </a:cxn>
+              <a:cxn ang="0">
+                <a:pos x="connsiteX3" y="connsiteY3"/>
+              </a:cxn>
+              <a:cxn ang="0">
+                <a:pos x="connsiteX4" y="connsiteY4"/>
+              </a:cxn>
+            </a:cxnLst>
+            <a:rect l="l" t="t" r="r" b="b"/>
+            <a:pathLst>
+              <a:path w="729276" h="140596">
+                <a:moveTo>
+                  <a:pt x="0" y="0"/>
+                </a:moveTo>
+                <a:cubicBezTo>
+                  <a:pt x="52358" y="60305"/>
+                  <a:pt x="104716" y="120611"/>
+                  <a:pt x="168294" y="134635"/>
+                </a:cubicBezTo>
+                <a:cubicBezTo>
+                  <a:pt x="231872" y="148659"/>
+                  <a:pt x="313253" y="83221"/>
+                  <a:pt x="381467" y="84147"/>
+                </a:cubicBezTo>
+                <a:cubicBezTo>
+                  <a:pt x="449681" y="85073"/>
+                  <a:pt x="526757" y="146134"/>
+                  <a:pt x="577581" y="140189"/>
+                </a:cubicBezTo>
+                <a:cubicBezTo>
+                  <a:pt x="628405" y="134244"/>
+                  <a:pt x="673961" y="78792"/>
+                  <a:pt x="729276" y="5610"/>
+                </a:cubicBezTo>
+              </a:path>
+            </a:pathLst>
+          </a:custGeom>
+          <a:solidFill>
+            <a:schemeClr val="bg1">
+              <a:lumMod val="85000"/>
+            </a:schemeClr>
+          </a:solidFill>
+          <a:ln w="12700">
+            <a:solidFill>
+              <a:schemeClr val="tx1"/>
+            </a:solidFill>
+          </a:ln>
+        </p:spPr>
+        <p:style>
+          <a:lnRef idx="1">
+            <a:schemeClr val="accent1"/>
+          </a:lnRef>
+          <a:fillRef idx="0">
+            <a:schemeClr val="accent1"/>
+          </a:fillRef>
+          <a:effectRef idx="0">
+            <a:schemeClr val="accent1"/>
+          </a:effectRef>
+          <a:fontRef idx="minor">
+            <a:schemeClr val="tx1"/>
+          </a:fontRef>
+        </p:style>
+        <p:txBody>
+          <a:bodyPr rtlCol="0" anchor="ctr"/>
+          <a:lstStyle/>
+          <a:p>
+            <a:pPr algn="ctr"/>
+            <a:endParaRPr lang="fr-FR"/>
+          </a:p>
+        </p:txBody>
+      </p:sp>
+      <p:cxnSp>
+        <p:nvCxnSpPr>
+          <p:cNvPr id="94" name="Connecteur droit 93"/>
+          <p:cNvCxnSpPr/>
+          <p:nvPr/>
+        </p:nvCxnSpPr>
+        <p:spPr>
+          <a:xfrm>
+            <a:off x="4281931" y="2096852"/>
+            <a:ext cx="0" cy="216024"/>
+          </a:xfrm>
+          <a:prstGeom prst="line">
+            <a:avLst/>
+          </a:prstGeom>
+          <a:noFill/>
+          <a:ln w="28575">
+            <a:solidFill>
+              <a:schemeClr val="tx1"/>
+            </a:solidFill>
+          </a:ln>
+        </p:spPr>
+        <p:style>
+          <a:lnRef idx="2">
+            <a:schemeClr val="accent1">
+              <a:shade val="50000"/>
+            </a:schemeClr>
+          </a:lnRef>
+          <a:fillRef idx="1">
+            <a:schemeClr val="accent1"/>
+          </a:fillRef>
+          <a:effectRef idx="0">
+            <a:schemeClr val="accent1"/>
+          </a:effectRef>
+          <a:fontRef idx="minor">
+            <a:schemeClr val="lt1"/>
+          </a:fontRef>
+        </p:style>
+      </p:cxnSp>
+      <p:cxnSp>
+        <p:nvCxnSpPr>
+          <p:cNvPr id="95" name="Connecteur droit 94"/>
+          <p:cNvCxnSpPr/>
+          <p:nvPr/>
+        </p:nvCxnSpPr>
+        <p:spPr>
+          <a:xfrm>
+            <a:off x="3993899" y="2312876"/>
+            <a:ext cx="576064" cy="0"/>
+          </a:xfrm>
+          <a:prstGeom prst="line">
+            <a:avLst/>
+          </a:prstGeom>
+          <a:noFill/>
+          <a:ln w="28575">
+            <a:solidFill>
+              <a:schemeClr val="tx1"/>
+            </a:solidFill>
+          </a:ln>
+        </p:spPr>
+        <p:style>
+          <a:lnRef idx="2">
+            <a:schemeClr val="accent1">
+              <a:shade val="50000"/>
+            </a:schemeClr>
+          </a:lnRef>
+          <a:fillRef idx="1">
+            <a:schemeClr val="accent1"/>
+          </a:fillRef>
+          <a:effectRef idx="0">
+            <a:schemeClr val="accent1"/>
+          </a:effectRef>
+          <a:fontRef idx="minor">
+            <a:schemeClr val="lt1"/>
+          </a:fontRef>
+        </p:style>
+      </p:cxnSp>
+      <p:sp>
+        <p:nvSpPr>
+          <p:cNvPr id="96" name="Ellipse 95"/>
+          <p:cNvSpPr/>
+          <p:nvPr/>
+        </p:nvSpPr>
+        <p:spPr>
+          <a:xfrm>
+            <a:off x="3927407" y="1498988"/>
+            <a:ext cx="276999" cy="276999"/>
+          </a:xfrm>
+          <a:prstGeom prst="ellipse">
+            <a:avLst/>
+          </a:prstGeom>
+          <a:noFill/>
+          <a:ln w="28575">
+            <a:solidFill>
+              <a:srgbClr val="00B050"/>
+            </a:solidFill>
+          </a:ln>
+        </p:spPr>
+        <p:style>
+          <a:lnRef idx="2">
+            <a:schemeClr val="accent1">
+              <a:shade val="50000"/>
+            </a:schemeClr>
+          </a:lnRef>
+          <a:fillRef idx="1">
+            <a:schemeClr val="accent1"/>
+          </a:fillRef>
+          <a:effectRef idx="0">
+            <a:schemeClr val="accent1"/>
+          </a:effectRef>
+          <a:fontRef idx="minor">
+            <a:schemeClr val="lt1"/>
+          </a:fontRef>
+        </p:style>
+        <p:txBody>
+          <a:bodyPr lIns="0" tIns="0" rIns="0" bIns="0" rtlCol="0" anchor="ctr"/>
+          <a:lstStyle/>
+          <a:p>
+            <a:pPr algn="ctr"/>
+            <a:r>
+              <a:rPr lang="fr-FR" sz="1400" dirty="0">
+                <a:ln>
+                  <a:solidFill>
+                    <a:srgbClr val="00B050"/>
+                  </a:solidFill>
+                </a:ln>
+                <a:solidFill>
+                  <a:srgbClr val="00B050"/>
+                </a:solidFill>
+              </a:rPr>
+              <a:t>4</a:t>
+            </a:r>
+          </a:p>
+        </p:txBody>
+      </p:sp>
+      <p:cxnSp>
+        <p:nvCxnSpPr>
+          <p:cNvPr id="60" name="Connecteur droit 59"/>
+          <p:cNvCxnSpPr/>
+          <p:nvPr/>
+        </p:nvCxnSpPr>
+        <p:spPr>
+          <a:xfrm>
+            <a:off x="1895379" y="1052736"/>
+            <a:ext cx="168666" cy="0"/>
+          </a:xfrm>
+          <a:prstGeom prst="line">
+            <a:avLst/>
+          </a:prstGeom>
+          <a:noFill/>
+          <a:ln w="28575">
+            <a:solidFill>
+              <a:srgbClr val="C00000"/>
+            </a:solidFill>
+          </a:ln>
+        </p:spPr>
+        <p:style>
+          <a:lnRef idx="2">
+            <a:schemeClr val="accent1">
+              <a:shade val="50000"/>
+            </a:schemeClr>
+          </a:lnRef>
+          <a:fillRef idx="1">
+            <a:schemeClr val="accent1"/>
+          </a:fillRef>
+          <a:effectRef idx="0">
+            <a:schemeClr val="accent1"/>
+          </a:effectRef>
+          <a:fontRef idx="minor">
+            <a:schemeClr val="lt1"/>
+          </a:fontRef>
+        </p:style>
+      </p:cxnSp>
+      <p:cxnSp>
+        <p:nvCxnSpPr>
+          <p:cNvPr id="65" name="Connecteur droit 64"/>
+          <p:cNvCxnSpPr/>
+          <p:nvPr/>
+        </p:nvCxnSpPr>
+        <p:spPr>
+          <a:xfrm>
+            <a:off x="1666686" y="3645050"/>
+            <a:ext cx="296658" cy="0"/>
+          </a:xfrm>
+          <a:prstGeom prst="line">
+            <a:avLst/>
+          </a:prstGeom>
+          <a:noFill/>
+          <a:ln w="28575">
+            <a:solidFill>
+              <a:srgbClr val="7030A0"/>
+            </a:solidFill>
+          </a:ln>
+        </p:spPr>
+        <p:style>
+          <a:lnRef idx="2">
+            <a:schemeClr val="accent1">
+              <a:shade val="50000"/>
+            </a:schemeClr>
+          </a:lnRef>
+          <a:fillRef idx="1">
+            <a:schemeClr val="accent1"/>
+          </a:fillRef>
+          <a:effectRef idx="0">
+            <a:schemeClr val="accent1"/>
+          </a:effectRef>
+          <a:fontRef idx="minor">
+            <a:schemeClr val="lt1"/>
+          </a:fontRef>
+        </p:style>
+      </p:cxnSp>
+      <p:cxnSp>
+        <p:nvCxnSpPr>
+          <p:cNvPr id="69" name="Connecteur droit 68"/>
+          <p:cNvCxnSpPr/>
+          <p:nvPr/>
+        </p:nvCxnSpPr>
+        <p:spPr>
+          <a:xfrm flipV="1">
+            <a:off x="1981508" y="303896"/>
+            <a:ext cx="0" cy="244783"/>
+          </a:xfrm>
+          <a:prstGeom prst="line">
+            <a:avLst/>
+          </a:prstGeom>
+          <a:noFill/>
+          <a:ln w="28575">
+            <a:solidFill>
+              <a:srgbClr val="7030A0"/>
+            </a:solidFill>
+          </a:ln>
+        </p:spPr>
+        <p:style>
+          <a:lnRef idx="2">
+            <a:schemeClr val="accent1">
+              <a:shade val="50000"/>
+            </a:schemeClr>
+          </a:lnRef>
+          <a:fillRef idx="1">
+            <a:schemeClr val="accent1"/>
+          </a:fillRef>
+          <a:effectRef idx="0">
+            <a:schemeClr val="accent1"/>
+          </a:effectRef>
+          <a:fontRef idx="minor">
+            <a:schemeClr val="lt1"/>
+          </a:fontRef>
+        </p:style>
+      </p:cxnSp>
+      <p:cxnSp>
+        <p:nvCxnSpPr>
+          <p:cNvPr id="70" name="Connecteur droit 69"/>
+          <p:cNvCxnSpPr/>
+          <p:nvPr/>
+        </p:nvCxnSpPr>
+        <p:spPr>
+          <a:xfrm flipV="1">
+            <a:off x="1963344" y="3400267"/>
+            <a:ext cx="0" cy="244783"/>
+          </a:xfrm>
+          <a:prstGeom prst="line">
+            <a:avLst/>
+          </a:prstGeom>
+          <a:noFill/>
+          <a:ln w="28575">
+            <a:solidFill>
+              <a:srgbClr val="7030A0"/>
+            </a:solidFill>
+          </a:ln>
+        </p:spPr>
+        <p:style>
+          <a:lnRef idx="2">
+            <a:schemeClr val="accent1">
+              <a:shade val="50000"/>
+            </a:schemeClr>
+          </a:lnRef>
+          <a:fillRef idx="1">
+            <a:schemeClr val="accent1"/>
+          </a:fillRef>
+          <a:effectRef idx="0">
+            <a:schemeClr val="accent1"/>
+          </a:effectRef>
+          <a:fontRef idx="minor">
+            <a:schemeClr val="lt1"/>
+          </a:fontRef>
+        </p:style>
+      </p:cxnSp>
+      <mc:AlternateContent xmlns:mc="http://schemas.openxmlformats.org/markup-compatibility/2006" xmlns:a14="http://schemas.microsoft.com/office/drawing/2010/main">
+        <mc:Choice Requires="a14">
+          <p:sp>
+            <p:nvSpPr>
+              <p:cNvPr id="71" name="ZoneTexte 70"/>
+              <p:cNvSpPr txBox="1"/>
+              <p:nvPr/>
+            </p:nvSpPr>
+            <p:spPr>
+              <a:xfrm>
+                <a:off x="1752118" y="1063769"/>
+                <a:ext cx="458779" cy="276999"/>
+              </a:xfrm>
+              <a:prstGeom prst="rect">
+                <a:avLst/>
+              </a:prstGeom>
+              <a:noFill/>
+            </p:spPr>
+            <p:txBody>
+              <a:bodyPr wrap="none" rtlCol="0">
+                <a:spAutoFit/>
+              </a:bodyPr>
+              <a:lstStyle/>
+              <a:p>
+                <a:pPr/>
+                <a14:m>
+                  <m:oMathPara xmlns:m="http://schemas.openxmlformats.org/officeDocument/2006/math">
+                    <m:oMathParaPr>
+                      <m:jc m:val="centerGroup"/>
+                    </m:oMathParaPr>
+                    <m:oMath xmlns:m="http://schemas.openxmlformats.org/officeDocument/2006/math">
+                      <m:sSub>
+                        <m:sSubPr>
+                          <m:ctrlPr>
+                            <a:rPr lang="fr-FR" sz="1200" b="1" i="1" smtClean="0">
+                              <a:latin typeface="Cambria Math"/>
+                            </a:rPr>
+                          </m:ctrlPr>
+                        </m:sSubPr>
+                        <m:e>
+                          <m:r>
+                            <a:rPr lang="fr-FR" sz="1200" b="1" i="1" smtClean="0">
+                              <a:latin typeface="Cambria Math"/>
+                            </a:rPr>
+                            <m:t>𝒁</m:t>
+                          </m:r>
+                        </m:e>
+                        <m:sub>
+                          <m:r>
+                            <a:rPr lang="fr-FR" sz="1200" b="1" i="1" smtClean="0">
+                              <a:latin typeface="Cambria Math"/>
+                            </a:rPr>
+                            <m:t>𝟐𝟏</m:t>
+                          </m:r>
+                        </m:sub>
+                      </m:sSub>
+                    </m:oMath>
+                  </m:oMathPara>
+                </a14:m>
+                <a:endParaRPr lang="fr-FR" sz="1200" b="1" dirty="0"/>
+              </a:p>
+            </p:txBody>
+          </p:sp>
+        </mc:Choice>
+        <mc:Fallback xmlns="">
+          <p:sp>
+            <p:nvSpPr>
+              <p:cNvPr id="71" name="ZoneTexte 70"/>
+              <p:cNvSpPr txBox="1">
+                <a:spLocks noRot="1" noChangeAspect="1" noMove="1" noResize="1" noEditPoints="1" noAdjustHandles="1" noChangeArrowheads="1" noChangeShapeType="1" noTextEdit="1"/>
+              </p:cNvSpPr>
+              <p:nvPr/>
+            </p:nvSpPr>
+            <p:spPr>
+              <a:xfrm>
+                <a:off x="1752118" y="1063769"/>
+                <a:ext cx="458779" cy="276999"/>
+              </a:xfrm>
+              <a:prstGeom prst="rect">
+                <a:avLst/>
+              </a:prstGeom>
+              <a:blipFill rotWithShape="1">
+                <a:blip r:embed="rId6"/>
+                <a:stretch>
+                  <a:fillRect/>
+                </a:stretch>
+              </a:blipFill>
+            </p:spPr>
+            <p:txBody>
+              <a:bodyPr/>
+              <a:lstStyle/>
+              <a:p>
+                <a:r>
+                  <a:rPr lang="fr-FR">
+                    <a:noFill/>
+                  </a:rPr>
+                  <a:t> </a:t>
+                </a:r>
+              </a:p>
+            </p:txBody>
+          </p:sp>
+        </mc:Fallback>
+      </mc:AlternateContent>
+      <mc:AlternateContent xmlns:mc="http://schemas.openxmlformats.org/markup-compatibility/2006" xmlns:a14="http://schemas.microsoft.com/office/drawing/2010/main">
+        <mc:Choice Requires="a14">
+          <p:sp>
+            <p:nvSpPr>
+              <p:cNvPr id="72" name="ZoneTexte 71"/>
+              <p:cNvSpPr txBox="1"/>
+              <p:nvPr/>
+            </p:nvSpPr>
+            <p:spPr>
+              <a:xfrm>
+                <a:off x="2602094" y="1337000"/>
+                <a:ext cx="458780" cy="276999"/>
+              </a:xfrm>
+              <a:prstGeom prst="rect">
+                <a:avLst/>
+              </a:prstGeom>
+              <a:noFill/>
+            </p:spPr>
+            <p:txBody>
+              <a:bodyPr wrap="none" rtlCol="0">
+                <a:spAutoFit/>
+              </a:bodyPr>
+              <a:lstStyle/>
+              <a:p>
+                <a:pPr/>
+                <a14:m>
+                  <m:oMathPara xmlns:m="http://schemas.openxmlformats.org/officeDocument/2006/math">
+                    <m:oMathParaPr>
+                      <m:jc m:val="centerGroup"/>
+                    </m:oMathParaPr>
+                    <m:oMath xmlns:m="http://schemas.openxmlformats.org/officeDocument/2006/math">
+                      <m:sSub>
+                        <m:sSubPr>
+                          <m:ctrlPr>
+                            <a:rPr lang="fr-FR" sz="1200" b="1" i="1" smtClean="0">
+                              <a:latin typeface="Cambria Math"/>
+                            </a:rPr>
+                          </m:ctrlPr>
+                        </m:sSubPr>
+                        <m:e>
+                          <m:r>
+                            <a:rPr lang="fr-FR" sz="1200" b="1" i="1" smtClean="0">
+                              <a:latin typeface="Cambria Math"/>
+                            </a:rPr>
+                            <m:t>𝒁</m:t>
+                          </m:r>
+                        </m:e>
+                        <m:sub>
+                          <m:r>
+                            <a:rPr lang="fr-FR" sz="1200" b="1" i="1" smtClean="0">
+                              <a:latin typeface="Cambria Math"/>
+                            </a:rPr>
+                            <m:t>𝟐𝟒</m:t>
+                          </m:r>
+                        </m:sub>
+                      </m:sSub>
+                    </m:oMath>
+                  </m:oMathPara>
+                </a14:m>
+                <a:endParaRPr lang="fr-FR" sz="1200" b="1" dirty="0"/>
+              </a:p>
+            </p:txBody>
+          </p:sp>
+        </mc:Choice>
+        <mc:Fallback xmlns="">
+          <p:sp>
+            <p:nvSpPr>
+              <p:cNvPr id="72" name="ZoneTexte 71"/>
+              <p:cNvSpPr txBox="1">
+                <a:spLocks noRot="1" noChangeAspect="1" noMove="1" noResize="1" noEditPoints="1" noAdjustHandles="1" noChangeArrowheads="1" noChangeShapeType="1" noTextEdit="1"/>
+              </p:cNvSpPr>
+              <p:nvPr/>
+            </p:nvSpPr>
+            <p:spPr>
+              <a:xfrm>
+                <a:off x="2602094" y="1337000"/>
+                <a:ext cx="458780" cy="276999"/>
+              </a:xfrm>
+              <a:prstGeom prst="rect">
+                <a:avLst/>
+              </a:prstGeom>
+              <a:blipFill rotWithShape="1">
+                <a:blip r:embed="rId7"/>
+                <a:stretch>
+                  <a:fillRect/>
+                </a:stretch>
+              </a:blipFill>
+            </p:spPr>
+            <p:txBody>
+              <a:bodyPr/>
+              <a:lstStyle/>
+              <a:p>
+                <a:r>
+                  <a:rPr lang="fr-FR">
+                    <a:noFill/>
+                  </a:rPr>
+                  <a:t> </a:t>
+                </a:r>
+              </a:p>
+            </p:txBody>
+          </p:sp>
+        </mc:Fallback>
+      </mc:AlternateContent>
+    </p:spTree>
+    <p:extLst>
+      <p:ext uri="{BB962C8B-B14F-4D97-AF65-F5344CB8AC3E}">
+        <p14:creationId xmlns:p14="http://schemas.microsoft.com/office/powerpoint/2010/main" val="3760742479"/>
+      </p:ext>
+    </p:extLst>
+  </p:cSld>
+  <p:clrMapOvr>
+    <a:masterClrMapping/>
+  </p:clrMapOvr>
+</p:sld>
+</file>
+
+<file path=ppt/slides/slide6.xml><?xml version="1.0" encoding="utf-8"?>
+<p:sld xmlns:a="http://schemas.openxmlformats.org/drawingml/2006/main" xmlns:r="http://schemas.openxmlformats.org/officeDocument/2006/relationships" xmlns:p="http://schemas.openxmlformats.org/presentationml/2006/main">
+  <p:cSld>
+    <p:spTree>
+      <p:nvGrpSpPr>
+        <p:cNvPr id="1" name=""/>
+        <p:cNvGrpSpPr/>
+        <p:nvPr/>
+      </p:nvGrpSpPr>
+      <p:grpSpPr>
+        <a:xfrm>
+          <a:off x="0" y="0"/>
+          <a:ext cx="0" cy="0"/>
+          <a:chOff x="0" y="0"/>
+          <a:chExt cx="0" cy="0"/>
+        </a:xfrm>
+      </p:grpSpPr>
+      <p:sp>
+        <p:nvSpPr>
+          <p:cNvPr id="16" name="Forme libre 15"/>
+          <p:cNvSpPr/>
+          <p:nvPr/>
+        </p:nvSpPr>
+        <p:spPr>
+          <a:xfrm>
+            <a:off x="674942" y="2312876"/>
+            <a:ext cx="576064" cy="140596"/>
+          </a:xfrm>
+          <a:custGeom>
+            <a:avLst/>
+            <a:gdLst>
+              <a:gd name="connsiteX0" fmla="*/ 0 w 729276"/>
+              <a:gd name="connsiteY0" fmla="*/ 0 h 152951"/>
+              <a:gd name="connsiteX1" fmla="*/ 168294 w 729276"/>
+              <a:gd name="connsiteY1" fmla="*/ 134635 h 152951"/>
+              <a:gd name="connsiteX2" fmla="*/ 381467 w 729276"/>
+              <a:gd name="connsiteY2" fmla="*/ 84147 h 152951"/>
+              <a:gd name="connsiteX3" fmla="*/ 594640 w 729276"/>
+              <a:gd name="connsiteY3" fmla="*/ 151465 h 152951"/>
+              <a:gd name="connsiteX4" fmla="*/ 729276 w 729276"/>
+              <a:gd name="connsiteY4" fmla="*/ 5610 h 152951"/>
+              <a:gd name="connsiteX0" fmla="*/ 0 w 732876"/>
+              <a:gd name="connsiteY0" fmla="*/ 7459 h 160523"/>
+              <a:gd name="connsiteX1" fmla="*/ 168294 w 732876"/>
+              <a:gd name="connsiteY1" fmla="*/ 142094 h 160523"/>
+              <a:gd name="connsiteX2" fmla="*/ 381467 w 732876"/>
+              <a:gd name="connsiteY2" fmla="*/ 91606 h 160523"/>
+              <a:gd name="connsiteX3" fmla="*/ 594640 w 732876"/>
+              <a:gd name="connsiteY3" fmla="*/ 158924 h 160523"/>
+              <a:gd name="connsiteX4" fmla="*/ 719996 w 732876"/>
+              <a:gd name="connsiteY4" fmla="*/ 9693 h 160523"/>
+              <a:gd name="connsiteX5" fmla="*/ 729276 w 732876"/>
+              <a:gd name="connsiteY5" fmla="*/ 13069 h 160523"/>
+              <a:gd name="connsiteX0" fmla="*/ 0 w 732876"/>
+              <a:gd name="connsiteY0" fmla="*/ 7459 h 144116"/>
+              <a:gd name="connsiteX1" fmla="*/ 168294 w 732876"/>
+              <a:gd name="connsiteY1" fmla="*/ 142094 h 144116"/>
+              <a:gd name="connsiteX2" fmla="*/ 381467 w 732876"/>
+              <a:gd name="connsiteY2" fmla="*/ 91606 h 144116"/>
+              <a:gd name="connsiteX3" fmla="*/ 589488 w 732876"/>
+              <a:gd name="connsiteY3" fmla="*/ 135742 h 144116"/>
+              <a:gd name="connsiteX4" fmla="*/ 719996 w 732876"/>
+              <a:gd name="connsiteY4" fmla="*/ 9693 h 144116"/>
+              <a:gd name="connsiteX5" fmla="*/ 729276 w 732876"/>
+              <a:gd name="connsiteY5" fmla="*/ 13069 h 144116"/>
+              <a:gd name="connsiteX0" fmla="*/ 0 w 731506"/>
+              <a:gd name="connsiteY0" fmla="*/ 0 h 136657"/>
+              <a:gd name="connsiteX1" fmla="*/ 168294 w 731506"/>
+              <a:gd name="connsiteY1" fmla="*/ 134635 h 136657"/>
+              <a:gd name="connsiteX2" fmla="*/ 381467 w 731506"/>
+              <a:gd name="connsiteY2" fmla="*/ 84147 h 136657"/>
+              <a:gd name="connsiteX3" fmla="*/ 589488 w 731506"/>
+              <a:gd name="connsiteY3" fmla="*/ 128283 h 136657"/>
+              <a:gd name="connsiteX4" fmla="*/ 717420 w 731506"/>
+              <a:gd name="connsiteY4" fmla="*/ 35719 h 136657"/>
+              <a:gd name="connsiteX5" fmla="*/ 729276 w 731506"/>
+              <a:gd name="connsiteY5" fmla="*/ 5610 h 136657"/>
+              <a:gd name="connsiteX0" fmla="*/ 0 w 729276"/>
+              <a:gd name="connsiteY0" fmla="*/ 0 h 136657"/>
+              <a:gd name="connsiteX1" fmla="*/ 168294 w 729276"/>
+              <a:gd name="connsiteY1" fmla="*/ 134635 h 136657"/>
+              <a:gd name="connsiteX2" fmla="*/ 381467 w 729276"/>
+              <a:gd name="connsiteY2" fmla="*/ 84147 h 136657"/>
+              <a:gd name="connsiteX3" fmla="*/ 589488 w 729276"/>
+              <a:gd name="connsiteY3" fmla="*/ 128283 h 136657"/>
+              <a:gd name="connsiteX4" fmla="*/ 631695 w 729276"/>
+              <a:gd name="connsiteY4" fmla="*/ 59532 h 136657"/>
+              <a:gd name="connsiteX5" fmla="*/ 729276 w 729276"/>
+              <a:gd name="connsiteY5" fmla="*/ 5610 h 136657"/>
+              <a:gd name="connsiteX0" fmla="*/ 0 w 729276"/>
+              <a:gd name="connsiteY0" fmla="*/ 0 h 136657"/>
+              <a:gd name="connsiteX1" fmla="*/ 168294 w 729276"/>
+              <a:gd name="connsiteY1" fmla="*/ 134635 h 136657"/>
+              <a:gd name="connsiteX2" fmla="*/ 381467 w 729276"/>
+              <a:gd name="connsiteY2" fmla="*/ 84147 h 136657"/>
+              <a:gd name="connsiteX3" fmla="*/ 589488 w 729276"/>
+              <a:gd name="connsiteY3" fmla="*/ 128283 h 136657"/>
+              <a:gd name="connsiteX4" fmla="*/ 729276 w 729276"/>
+              <a:gd name="connsiteY4" fmla="*/ 5610 h 136657"/>
+              <a:gd name="connsiteX0" fmla="*/ 0 w 729276"/>
+              <a:gd name="connsiteY0" fmla="*/ 0 h 136657"/>
+              <a:gd name="connsiteX1" fmla="*/ 168294 w 729276"/>
+              <a:gd name="connsiteY1" fmla="*/ 134635 h 136657"/>
+              <a:gd name="connsiteX2" fmla="*/ 381467 w 729276"/>
+              <a:gd name="connsiteY2" fmla="*/ 84147 h 136657"/>
+              <a:gd name="connsiteX3" fmla="*/ 589488 w 729276"/>
+              <a:gd name="connsiteY3" fmla="*/ 128283 h 136657"/>
+              <a:gd name="connsiteX4" fmla="*/ 729276 w 729276"/>
+              <a:gd name="connsiteY4" fmla="*/ 5610 h 136657"/>
+              <a:gd name="connsiteX0" fmla="*/ 0 w 729276"/>
+              <a:gd name="connsiteY0" fmla="*/ 0 h 141857"/>
+              <a:gd name="connsiteX1" fmla="*/ 168294 w 729276"/>
+              <a:gd name="connsiteY1" fmla="*/ 134635 h 141857"/>
+              <a:gd name="connsiteX2" fmla="*/ 381467 w 729276"/>
+              <a:gd name="connsiteY2" fmla="*/ 84147 h 141857"/>
+              <a:gd name="connsiteX3" fmla="*/ 577581 w 729276"/>
+              <a:gd name="connsiteY3" fmla="*/ 140189 h 141857"/>
+              <a:gd name="connsiteX4" fmla="*/ 729276 w 729276"/>
+              <a:gd name="connsiteY4" fmla="*/ 5610 h 141857"/>
+              <a:gd name="connsiteX0" fmla="*/ 0 w 729276"/>
+              <a:gd name="connsiteY0" fmla="*/ 0 h 140596"/>
+              <a:gd name="connsiteX1" fmla="*/ 168294 w 729276"/>
+              <a:gd name="connsiteY1" fmla="*/ 134635 h 140596"/>
+              <a:gd name="connsiteX2" fmla="*/ 381467 w 729276"/>
+              <a:gd name="connsiteY2" fmla="*/ 84147 h 140596"/>
+              <a:gd name="connsiteX3" fmla="*/ 577581 w 729276"/>
+              <a:gd name="connsiteY3" fmla="*/ 140189 h 140596"/>
+              <a:gd name="connsiteX4" fmla="*/ 729276 w 729276"/>
+              <a:gd name="connsiteY4" fmla="*/ 5610 h 140596"/>
+            </a:gdLst>
+            <a:ahLst/>
+            <a:cxnLst>
+              <a:cxn ang="0">
+                <a:pos x="connsiteX0" y="connsiteY0"/>
+              </a:cxn>
+              <a:cxn ang="0">
+                <a:pos x="connsiteX1" y="connsiteY1"/>
+              </a:cxn>
+              <a:cxn ang="0">
+                <a:pos x="connsiteX2" y="connsiteY2"/>
+              </a:cxn>
+              <a:cxn ang="0">
+                <a:pos x="connsiteX3" y="connsiteY3"/>
+              </a:cxn>
+              <a:cxn ang="0">
+                <a:pos x="connsiteX4" y="connsiteY4"/>
+              </a:cxn>
+            </a:cxnLst>
+            <a:rect l="l" t="t" r="r" b="b"/>
+            <a:pathLst>
+              <a:path w="729276" h="140596">
+                <a:moveTo>
+                  <a:pt x="0" y="0"/>
+                </a:moveTo>
+                <a:cubicBezTo>
+                  <a:pt x="52358" y="60305"/>
+                  <a:pt x="104716" y="120611"/>
+                  <a:pt x="168294" y="134635"/>
+                </a:cubicBezTo>
+                <a:cubicBezTo>
+                  <a:pt x="231872" y="148659"/>
+                  <a:pt x="313253" y="83221"/>
+                  <a:pt x="381467" y="84147"/>
+                </a:cubicBezTo>
+                <a:cubicBezTo>
+                  <a:pt x="449681" y="85073"/>
+                  <a:pt x="526757" y="146134"/>
+                  <a:pt x="577581" y="140189"/>
+                </a:cubicBezTo>
+                <a:cubicBezTo>
+                  <a:pt x="628405" y="134244"/>
+                  <a:pt x="673961" y="78792"/>
+                  <a:pt x="729276" y="5610"/>
+                </a:cubicBezTo>
+              </a:path>
+            </a:pathLst>
+          </a:custGeom>
+          <a:solidFill>
+            <a:schemeClr val="bg1">
+              <a:lumMod val="85000"/>
+            </a:schemeClr>
+          </a:solidFill>
+          <a:ln w="12700">
+            <a:solidFill>
+              <a:schemeClr val="tx1"/>
+            </a:solidFill>
+          </a:ln>
+        </p:spPr>
+        <p:style>
+          <a:lnRef idx="1">
+            <a:schemeClr val="accent1"/>
+          </a:lnRef>
+          <a:fillRef idx="0">
+            <a:schemeClr val="accent1"/>
+          </a:fillRef>
+          <a:effectRef idx="0">
+            <a:schemeClr val="accent1"/>
+          </a:effectRef>
+          <a:fontRef idx="minor">
+            <a:schemeClr val="tx1"/>
+          </a:fontRef>
+        </p:style>
+        <p:txBody>
+          <a:bodyPr rtlCol="0" anchor="ctr"/>
+          <a:lstStyle/>
+          <a:p>
+            <a:pPr algn="ctr"/>
+            <a:endParaRPr lang="fr-FR"/>
+          </a:p>
+        </p:txBody>
+      </p:sp>
+      <p:cxnSp>
+        <p:nvCxnSpPr>
+          <p:cNvPr id="5" name="Connecteur droit 4"/>
+          <p:cNvCxnSpPr/>
+          <p:nvPr/>
+        </p:nvCxnSpPr>
+        <p:spPr>
+          <a:xfrm>
+            <a:off x="602934" y="1988840"/>
+            <a:ext cx="1080120" cy="0"/>
+          </a:xfrm>
+          <a:prstGeom prst="line">
+            <a:avLst/>
+          </a:prstGeom>
+          <a:noFill/>
+          <a:ln w="28575">
+            <a:solidFill>
+              <a:srgbClr val="7030A0"/>
+            </a:solidFill>
+          </a:ln>
+        </p:spPr>
+        <p:style>
+          <a:lnRef idx="2">
+            <a:schemeClr val="accent1">
+              <a:shade val="50000"/>
+            </a:schemeClr>
+          </a:lnRef>
+          <a:fillRef idx="1">
+            <a:schemeClr val="accent1"/>
+          </a:fillRef>
+          <a:effectRef idx="0">
+            <a:schemeClr val="accent1"/>
+          </a:effectRef>
+          <a:fontRef idx="minor">
+            <a:schemeClr val="lt1"/>
+          </a:fontRef>
+        </p:style>
+      </p:cxnSp>
+      <p:sp>
+        <p:nvSpPr>
+          <p:cNvPr id="6" name="Rectangle 5"/>
+          <p:cNvSpPr/>
+          <p:nvPr/>
+        </p:nvSpPr>
+        <p:spPr>
+          <a:xfrm>
+            <a:off x="746950" y="1880828"/>
+            <a:ext cx="432048" cy="216024"/>
+          </a:xfrm>
+          <a:prstGeom prst="rect">
+            <a:avLst/>
+          </a:prstGeom>
+          <a:noFill/>
+          <a:ln w="28575">
+            <a:solidFill>
+              <a:schemeClr val="tx1"/>
+            </a:solidFill>
+          </a:ln>
+        </p:spPr>
+        <p:style>
+          <a:lnRef idx="2">
+            <a:schemeClr val="accent1">
+              <a:shade val="50000"/>
+            </a:schemeClr>
+          </a:lnRef>
+          <a:fillRef idx="1">
+            <a:schemeClr val="accent1"/>
+          </a:fillRef>
+          <a:effectRef idx="0">
+            <a:schemeClr val="accent1"/>
+          </a:effectRef>
+          <a:fontRef idx="minor">
+            <a:schemeClr val="lt1"/>
+          </a:fontRef>
+        </p:style>
+        <p:txBody>
+          <a:bodyPr rtlCol="0" anchor="ctr"/>
+          <a:lstStyle/>
+          <a:p>
+            <a:pPr algn="ctr"/>
+            <a:endParaRPr lang="fr-FR"/>
+          </a:p>
+        </p:txBody>
+      </p:sp>
+      <p:cxnSp>
+        <p:nvCxnSpPr>
+          <p:cNvPr id="8" name="Connecteur droit 7"/>
+          <p:cNvCxnSpPr/>
+          <p:nvPr/>
+        </p:nvCxnSpPr>
+        <p:spPr>
+          <a:xfrm>
+            <a:off x="674942" y="1880828"/>
+            <a:ext cx="0" cy="216024"/>
+          </a:xfrm>
+          <a:prstGeom prst="line">
+            <a:avLst/>
+          </a:prstGeom>
+          <a:noFill/>
+          <a:ln w="28575">
+            <a:solidFill>
+              <a:srgbClr val="7030A0"/>
+            </a:solidFill>
+          </a:ln>
+        </p:spPr>
+        <p:style>
+          <a:lnRef idx="2">
+            <a:schemeClr val="accent1">
+              <a:shade val="50000"/>
+            </a:schemeClr>
+          </a:lnRef>
+          <a:fillRef idx="1">
+            <a:schemeClr val="accent1"/>
+          </a:fillRef>
+          <a:effectRef idx="0">
+            <a:schemeClr val="accent1"/>
+          </a:effectRef>
+          <a:fontRef idx="minor">
+            <a:schemeClr val="lt1"/>
+          </a:fontRef>
+        </p:style>
+      </p:cxnSp>
+      <p:cxnSp>
+        <p:nvCxnSpPr>
+          <p:cNvPr id="12" name="Connecteur droit 11"/>
+          <p:cNvCxnSpPr/>
+          <p:nvPr/>
+        </p:nvCxnSpPr>
+        <p:spPr>
+          <a:xfrm>
+            <a:off x="1251006" y="1880828"/>
+            <a:ext cx="0" cy="216024"/>
+          </a:xfrm>
+          <a:prstGeom prst="line">
+            <a:avLst/>
+          </a:prstGeom>
+          <a:noFill/>
+          <a:ln w="28575">
+            <a:solidFill>
+              <a:srgbClr val="7030A0"/>
+            </a:solidFill>
+          </a:ln>
+        </p:spPr>
+        <p:style>
+          <a:lnRef idx="2">
+            <a:schemeClr val="accent1">
+              <a:shade val="50000"/>
+            </a:schemeClr>
+          </a:lnRef>
+          <a:fillRef idx="1">
+            <a:schemeClr val="accent1"/>
+          </a:fillRef>
+          <a:effectRef idx="0">
+            <a:schemeClr val="accent1"/>
+          </a:effectRef>
+          <a:fontRef idx="minor">
+            <a:schemeClr val="lt1"/>
+          </a:fontRef>
+        </p:style>
+      </p:cxnSp>
+      <p:cxnSp>
+        <p:nvCxnSpPr>
+          <p:cNvPr id="13" name="Connecteur droit 12"/>
+          <p:cNvCxnSpPr/>
+          <p:nvPr/>
+        </p:nvCxnSpPr>
+        <p:spPr>
+          <a:xfrm>
+            <a:off x="962974" y="2096852"/>
+            <a:ext cx="0" cy="216024"/>
+          </a:xfrm>
+          <a:prstGeom prst="line">
+            <a:avLst/>
+          </a:prstGeom>
+          <a:noFill/>
+          <a:ln w="28575">
+            <a:solidFill>
+              <a:schemeClr val="tx1"/>
+            </a:solidFill>
+          </a:ln>
+        </p:spPr>
+        <p:style>
+          <a:lnRef idx="2">
+            <a:schemeClr val="accent1">
+              <a:shade val="50000"/>
+            </a:schemeClr>
+          </a:lnRef>
+          <a:fillRef idx="1">
+            <a:schemeClr val="accent1"/>
+          </a:fillRef>
+          <a:effectRef idx="0">
+            <a:schemeClr val="accent1"/>
+          </a:effectRef>
+          <a:fontRef idx="minor">
+            <a:schemeClr val="lt1"/>
+          </a:fontRef>
+        </p:style>
+      </p:cxnSp>
+      <p:cxnSp>
+        <p:nvCxnSpPr>
+          <p:cNvPr id="14" name="Connecteur droit 13"/>
+          <p:cNvCxnSpPr/>
+          <p:nvPr/>
+        </p:nvCxnSpPr>
+        <p:spPr>
+          <a:xfrm>
+            <a:off x="674942" y="2312876"/>
+            <a:ext cx="576064" cy="0"/>
+          </a:xfrm>
+          <a:prstGeom prst="line">
+            <a:avLst/>
+          </a:prstGeom>
+          <a:noFill/>
+          <a:ln w="28575">
+            <a:solidFill>
+              <a:schemeClr val="tx1"/>
+            </a:solidFill>
+          </a:ln>
+        </p:spPr>
+        <p:style>
+          <a:lnRef idx="2">
+            <a:schemeClr val="accent1">
+              <a:shade val="50000"/>
+            </a:schemeClr>
+          </a:lnRef>
+          <a:fillRef idx="1">
+            <a:schemeClr val="accent1"/>
+          </a:fillRef>
+          <a:effectRef idx="0">
+            <a:schemeClr val="accent1"/>
+          </a:effectRef>
+          <a:fontRef idx="minor">
+            <a:schemeClr val="lt1"/>
+          </a:fontRef>
+        </p:style>
+      </p:cxnSp>
+      <p:cxnSp>
+        <p:nvCxnSpPr>
+          <p:cNvPr id="17" name="Connecteur droit 16"/>
+          <p:cNvCxnSpPr/>
+          <p:nvPr/>
+        </p:nvCxnSpPr>
+        <p:spPr>
+          <a:xfrm>
+            <a:off x="1683054" y="300951"/>
+            <a:ext cx="0" cy="3344099"/>
+          </a:xfrm>
+          <a:prstGeom prst="line">
+            <a:avLst/>
+          </a:prstGeom>
+          <a:noFill/>
+          <a:ln w="28575">
+            <a:solidFill>
+              <a:srgbClr val="7030A0"/>
+            </a:solidFill>
+          </a:ln>
+        </p:spPr>
+        <p:style>
+          <a:lnRef idx="2">
+            <a:schemeClr val="accent1">
+              <a:shade val="50000"/>
+            </a:schemeClr>
+          </a:lnRef>
+          <a:fillRef idx="1">
+            <a:schemeClr val="accent1"/>
+          </a:fillRef>
+          <a:effectRef idx="0">
+            <a:schemeClr val="accent1"/>
+          </a:effectRef>
+          <a:fontRef idx="minor">
+            <a:schemeClr val="lt1"/>
+          </a:fontRef>
+        </p:style>
+      </p:cxnSp>
+      <p:sp>
+        <p:nvSpPr>
+          <p:cNvPr id="21" name="Rectangle 20"/>
+          <p:cNvSpPr/>
+          <p:nvPr/>
+        </p:nvSpPr>
+        <p:spPr>
+          <a:xfrm>
+            <a:off x="2188912" y="692696"/>
+            <a:ext cx="432048" cy="216024"/>
+          </a:xfrm>
+          <a:prstGeom prst="rect">
+            <a:avLst/>
+          </a:prstGeom>
+          <a:noFill/>
+          <a:ln w="28575">
+            <a:solidFill>
+              <a:schemeClr val="accent5">
+                <a:lumMod val="50000"/>
+              </a:schemeClr>
+            </a:solidFill>
+          </a:ln>
+        </p:spPr>
+        <p:style>
+          <a:lnRef idx="2">
+            <a:schemeClr val="accent1">
+              <a:shade val="50000"/>
+            </a:schemeClr>
+          </a:lnRef>
+          <a:fillRef idx="1">
+            <a:schemeClr val="accent1"/>
+          </a:fillRef>
+          <a:effectRef idx="0">
+            <a:schemeClr val="accent1"/>
+          </a:effectRef>
+          <a:fontRef idx="minor">
+            <a:schemeClr val="lt1"/>
+          </a:fontRef>
+        </p:style>
+        <p:txBody>
+          <a:bodyPr rtlCol="0" anchor="ctr"/>
+          <a:lstStyle/>
+          <a:p>
+            <a:pPr algn="ctr"/>
+            <a:endParaRPr lang="fr-FR"/>
+          </a:p>
+        </p:txBody>
+      </p:sp>
+      <p:cxnSp>
+        <p:nvCxnSpPr>
+          <p:cNvPr id="22" name="Connecteur droit 21"/>
+          <p:cNvCxnSpPr/>
+          <p:nvPr/>
+        </p:nvCxnSpPr>
+        <p:spPr>
+          <a:xfrm>
+            <a:off x="2116904" y="692696"/>
+            <a:ext cx="0" cy="216024"/>
+          </a:xfrm>
+          <a:prstGeom prst="line">
+            <a:avLst/>
+          </a:prstGeom>
+          <a:noFill/>
+          <a:ln w="28575">
+            <a:solidFill>
+              <a:srgbClr val="C00000"/>
+            </a:solidFill>
+          </a:ln>
+        </p:spPr>
+        <p:style>
+          <a:lnRef idx="2">
+            <a:schemeClr val="accent1">
+              <a:shade val="50000"/>
+            </a:schemeClr>
+          </a:lnRef>
+          <a:fillRef idx="1">
+            <a:schemeClr val="accent1"/>
+          </a:fillRef>
+          <a:effectRef idx="0">
+            <a:schemeClr val="accent1"/>
+          </a:effectRef>
+          <a:fontRef idx="minor">
+            <a:schemeClr val="lt1"/>
+          </a:fontRef>
+        </p:style>
+      </p:cxnSp>
+      <p:cxnSp>
+        <p:nvCxnSpPr>
+          <p:cNvPr id="23" name="Connecteur droit 22"/>
+          <p:cNvCxnSpPr/>
+          <p:nvPr/>
+        </p:nvCxnSpPr>
+        <p:spPr>
+          <a:xfrm>
+            <a:off x="2692968" y="692696"/>
+            <a:ext cx="0" cy="216024"/>
+          </a:xfrm>
+          <a:prstGeom prst="line">
+            <a:avLst/>
+          </a:prstGeom>
+          <a:noFill/>
+          <a:ln w="28575">
+            <a:solidFill>
+              <a:srgbClr val="C00000"/>
+            </a:solidFill>
+          </a:ln>
+        </p:spPr>
+        <p:style>
+          <a:lnRef idx="2">
+            <a:schemeClr val="accent1">
+              <a:shade val="50000"/>
+            </a:schemeClr>
+          </a:lnRef>
+          <a:fillRef idx="1">
+            <a:schemeClr val="accent1"/>
+          </a:fillRef>
+          <a:effectRef idx="0">
+            <a:schemeClr val="accent1"/>
+          </a:effectRef>
+          <a:fontRef idx="minor">
+            <a:schemeClr val="lt1"/>
+          </a:fontRef>
+        </p:style>
+      </p:cxnSp>
+      <p:cxnSp>
+        <p:nvCxnSpPr>
+          <p:cNvPr id="26" name="Connecteur droit 25"/>
+          <p:cNvCxnSpPr/>
+          <p:nvPr/>
+        </p:nvCxnSpPr>
+        <p:spPr>
+          <a:xfrm>
+            <a:off x="1979712" y="554560"/>
+            <a:ext cx="0" cy="504052"/>
+          </a:xfrm>
+          <a:prstGeom prst="line">
+            <a:avLst/>
+          </a:prstGeom>
+          <a:noFill/>
+          <a:ln w="28575">
+            <a:solidFill>
+              <a:srgbClr val="C00000"/>
+            </a:solidFill>
+          </a:ln>
+        </p:spPr>
+        <p:style>
+          <a:lnRef idx="2">
+            <a:schemeClr val="accent1">
+              <a:shade val="50000"/>
+            </a:schemeClr>
+          </a:lnRef>
+          <a:fillRef idx="1">
+            <a:schemeClr val="accent1"/>
+          </a:fillRef>
+          <a:effectRef idx="0">
+            <a:schemeClr val="accent1"/>
+          </a:effectRef>
+          <a:fontRef idx="minor">
+            <a:schemeClr val="lt1"/>
+          </a:fontRef>
+        </p:style>
+      </p:cxnSp>
+      <p:cxnSp>
+        <p:nvCxnSpPr>
+          <p:cNvPr id="27" name="Connecteur droit 26"/>
+          <p:cNvCxnSpPr/>
+          <p:nvPr/>
+        </p:nvCxnSpPr>
+        <p:spPr>
+          <a:xfrm>
+            <a:off x="1979712" y="806586"/>
+            <a:ext cx="857272" cy="0"/>
+          </a:xfrm>
+          <a:prstGeom prst="line">
+            <a:avLst/>
+          </a:prstGeom>
+          <a:noFill/>
+          <a:ln w="28575">
+            <a:solidFill>
+              <a:srgbClr val="C00000"/>
+            </a:solidFill>
+          </a:ln>
+        </p:spPr>
+        <p:style>
+          <a:lnRef idx="2">
+            <a:schemeClr val="accent1">
+              <a:shade val="50000"/>
+            </a:schemeClr>
+          </a:lnRef>
+          <a:fillRef idx="1">
+            <a:schemeClr val="accent1"/>
+          </a:fillRef>
+          <a:effectRef idx="0">
+            <a:schemeClr val="accent1"/>
+          </a:effectRef>
+          <a:fontRef idx="minor">
+            <a:schemeClr val="lt1"/>
+          </a:fontRef>
+        </p:style>
+      </p:cxnSp>
+      <p:cxnSp>
+        <p:nvCxnSpPr>
+          <p:cNvPr id="35" name="Connecteur droit 34"/>
+          <p:cNvCxnSpPr/>
+          <p:nvPr/>
+        </p:nvCxnSpPr>
+        <p:spPr>
+          <a:xfrm>
+            <a:off x="1683054" y="300951"/>
+            <a:ext cx="296658" cy="0"/>
+          </a:xfrm>
+          <a:prstGeom prst="line">
+            <a:avLst/>
+          </a:prstGeom>
+          <a:noFill/>
+          <a:ln w="28575">
+            <a:solidFill>
+              <a:srgbClr val="7030A0"/>
+            </a:solidFill>
+          </a:ln>
+        </p:spPr>
+        <p:style>
+          <a:lnRef idx="2">
+            <a:schemeClr val="accent1">
+              <a:shade val="50000"/>
+            </a:schemeClr>
+          </a:lnRef>
+          <a:fillRef idx="1">
+            <a:schemeClr val="accent1"/>
+          </a:fillRef>
+          <a:effectRef idx="0">
+            <a:schemeClr val="accent1"/>
+          </a:effectRef>
+          <a:fontRef idx="minor">
+            <a:schemeClr val="lt1"/>
+          </a:fontRef>
+        </p:style>
+      </p:cxnSp>
+      <p:cxnSp>
+        <p:nvCxnSpPr>
+          <p:cNvPr id="38" name="Connecteur droit 37"/>
+          <p:cNvCxnSpPr/>
+          <p:nvPr/>
+        </p:nvCxnSpPr>
+        <p:spPr>
+          <a:xfrm flipH="1">
+            <a:off x="2831484" y="183117"/>
+            <a:ext cx="1020436" cy="0"/>
+          </a:xfrm>
+          <a:prstGeom prst="line">
+            <a:avLst/>
+          </a:prstGeom>
+          <a:noFill/>
+          <a:ln w="28575">
+            <a:solidFill>
+              <a:srgbClr val="00B050"/>
+            </a:solidFill>
+          </a:ln>
+        </p:spPr>
+        <p:style>
+          <a:lnRef idx="2">
+            <a:schemeClr val="accent1">
+              <a:shade val="50000"/>
+            </a:schemeClr>
+          </a:lnRef>
+          <a:fillRef idx="1">
+            <a:schemeClr val="accent1"/>
+          </a:fillRef>
+          <a:effectRef idx="0">
+            <a:schemeClr val="accent1"/>
+          </a:effectRef>
+          <a:fontRef idx="minor">
+            <a:schemeClr val="lt1"/>
+          </a:fontRef>
+        </p:style>
+      </p:cxnSp>
+      <p:cxnSp>
+        <p:nvCxnSpPr>
+          <p:cNvPr id="41" name="Connecteur droit 40"/>
+          <p:cNvCxnSpPr/>
+          <p:nvPr/>
+        </p:nvCxnSpPr>
+        <p:spPr>
+          <a:xfrm>
+            <a:off x="3851920" y="176884"/>
+            <a:ext cx="0" cy="3621163"/>
+          </a:xfrm>
+          <a:prstGeom prst="line">
+            <a:avLst/>
+          </a:prstGeom>
+          <a:noFill/>
+          <a:ln w="28575">
+            <a:solidFill>
+              <a:srgbClr val="00B050"/>
+            </a:solidFill>
+          </a:ln>
+        </p:spPr>
+        <p:style>
+          <a:lnRef idx="2">
+            <a:schemeClr val="accent1">
+              <a:shade val="50000"/>
+            </a:schemeClr>
+          </a:lnRef>
+          <a:fillRef idx="1">
+            <a:schemeClr val="accent1"/>
+          </a:fillRef>
+          <a:effectRef idx="0">
+            <a:schemeClr val="accent1"/>
+          </a:effectRef>
+          <a:fontRef idx="minor">
+            <a:schemeClr val="lt1"/>
+          </a:fontRef>
+        </p:style>
+      </p:cxnSp>
+      <p:cxnSp>
+        <p:nvCxnSpPr>
+          <p:cNvPr id="28" name="Connecteur droit 27"/>
+          <p:cNvCxnSpPr/>
+          <p:nvPr/>
+        </p:nvCxnSpPr>
+        <p:spPr>
+          <a:xfrm>
+            <a:off x="1895379" y="548680"/>
+            <a:ext cx="168666" cy="0"/>
+          </a:xfrm>
+          <a:prstGeom prst="line">
+            <a:avLst/>
+          </a:prstGeom>
+          <a:noFill/>
+          <a:ln w="28575">
+            <a:solidFill>
+              <a:srgbClr val="C00000"/>
+            </a:solidFill>
+          </a:ln>
+        </p:spPr>
+        <p:style>
+          <a:lnRef idx="2">
+            <a:schemeClr val="accent1">
+              <a:shade val="50000"/>
+            </a:schemeClr>
+          </a:lnRef>
+          <a:fillRef idx="1">
+            <a:schemeClr val="accent1"/>
+          </a:fillRef>
+          <a:effectRef idx="0">
+            <a:schemeClr val="accent1"/>
+          </a:effectRef>
+          <a:fontRef idx="minor">
+            <a:schemeClr val="lt1"/>
+          </a:fontRef>
+        </p:style>
+      </p:cxnSp>
+      <p:sp>
+        <p:nvSpPr>
+          <p:cNvPr id="46" name="Rectangle 45"/>
+          <p:cNvSpPr/>
+          <p:nvPr/>
+        </p:nvSpPr>
+        <p:spPr>
+          <a:xfrm>
+            <a:off x="2908992" y="1880828"/>
+            <a:ext cx="432048" cy="216024"/>
+          </a:xfrm>
+          <a:prstGeom prst="rect">
+            <a:avLst/>
+          </a:prstGeom>
+          <a:noFill/>
+          <a:ln w="28575">
+            <a:solidFill>
+              <a:schemeClr val="tx1"/>
+            </a:solidFill>
+          </a:ln>
+        </p:spPr>
+        <p:style>
+          <a:lnRef idx="2">
+            <a:schemeClr val="accent1">
+              <a:shade val="50000"/>
+            </a:schemeClr>
+          </a:lnRef>
+          <a:fillRef idx="1">
+            <a:schemeClr val="accent1"/>
+          </a:fillRef>
+          <a:effectRef idx="0">
+            <a:schemeClr val="accent1"/>
+          </a:effectRef>
+          <a:fontRef idx="minor">
+            <a:schemeClr val="lt1"/>
+          </a:fontRef>
+        </p:style>
+        <p:txBody>
+          <a:bodyPr rtlCol="0" anchor="ctr"/>
+          <a:lstStyle/>
+          <a:p>
+            <a:pPr algn="ctr"/>
+            <a:endParaRPr lang="fr-FR"/>
+          </a:p>
+        </p:txBody>
+      </p:sp>
+      <p:cxnSp>
+        <p:nvCxnSpPr>
+          <p:cNvPr id="51" name="Connecteur droit 50"/>
+          <p:cNvCxnSpPr/>
+          <p:nvPr/>
+        </p:nvCxnSpPr>
+        <p:spPr>
+          <a:xfrm>
+            <a:off x="2755776" y="3705280"/>
+            <a:ext cx="168666" cy="0"/>
+          </a:xfrm>
+          <a:prstGeom prst="line">
+            <a:avLst/>
+          </a:prstGeom>
+          <a:noFill/>
+          <a:ln w="28575">
+            <a:solidFill>
+              <a:srgbClr val="00B050"/>
+            </a:solidFill>
+          </a:ln>
+        </p:spPr>
+        <p:style>
+          <a:lnRef idx="2">
+            <a:schemeClr val="accent1">
+              <a:shade val="50000"/>
+            </a:schemeClr>
+          </a:lnRef>
+          <a:fillRef idx="1">
+            <a:schemeClr val="accent1"/>
+          </a:fillRef>
+          <a:effectRef idx="0">
+            <a:schemeClr val="accent1"/>
+          </a:effectRef>
+          <a:fontRef idx="minor">
+            <a:schemeClr val="lt1"/>
+          </a:fontRef>
+        </p:style>
+      </p:cxnSp>
+      <p:cxnSp>
+        <p:nvCxnSpPr>
+          <p:cNvPr id="52" name="Connecteur droit 51"/>
+          <p:cNvCxnSpPr/>
+          <p:nvPr/>
+        </p:nvCxnSpPr>
+        <p:spPr>
+          <a:xfrm>
+            <a:off x="1879011" y="3416169"/>
+            <a:ext cx="168666" cy="0"/>
+          </a:xfrm>
+          <a:prstGeom prst="line">
+            <a:avLst/>
+          </a:prstGeom>
+          <a:noFill/>
+          <a:ln w="28575">
+            <a:solidFill>
+              <a:srgbClr val="7030A0"/>
+            </a:solidFill>
+          </a:ln>
+        </p:spPr>
+        <p:style>
+          <a:lnRef idx="2">
+            <a:schemeClr val="accent1">
+              <a:shade val="50000"/>
+            </a:schemeClr>
+          </a:lnRef>
+          <a:fillRef idx="1">
+            <a:schemeClr val="accent1"/>
+          </a:fillRef>
+          <a:effectRef idx="0">
+            <a:schemeClr val="accent1"/>
+          </a:effectRef>
+          <a:fontRef idx="minor">
+            <a:schemeClr val="lt1"/>
+          </a:fontRef>
+        </p:style>
+      </p:cxnSp>
+      <p:cxnSp>
+        <p:nvCxnSpPr>
+          <p:cNvPr id="54" name="Connecteur droit 53"/>
+          <p:cNvCxnSpPr/>
+          <p:nvPr/>
+        </p:nvCxnSpPr>
+        <p:spPr>
+          <a:xfrm>
+            <a:off x="2839021" y="1874950"/>
+            <a:ext cx="0" cy="216024"/>
+          </a:xfrm>
+          <a:prstGeom prst="line">
+            <a:avLst/>
+          </a:prstGeom>
+          <a:noFill/>
+          <a:ln w="28575">
+            <a:solidFill>
+              <a:schemeClr val="accent5">
+                <a:lumMod val="50000"/>
+              </a:schemeClr>
+            </a:solidFill>
+          </a:ln>
+        </p:spPr>
+        <p:style>
+          <a:lnRef idx="2">
+            <a:schemeClr val="accent1">
+              <a:shade val="50000"/>
+            </a:schemeClr>
+          </a:lnRef>
+          <a:fillRef idx="1">
+            <a:schemeClr val="accent1"/>
+          </a:fillRef>
+          <a:effectRef idx="0">
+            <a:schemeClr val="accent1"/>
+          </a:effectRef>
+          <a:fontRef idx="minor">
+            <a:schemeClr val="lt1"/>
+          </a:fontRef>
+        </p:style>
+      </p:cxnSp>
+      <p:cxnSp>
+        <p:nvCxnSpPr>
+          <p:cNvPr id="55" name="Connecteur droit 54"/>
+          <p:cNvCxnSpPr/>
+          <p:nvPr/>
+        </p:nvCxnSpPr>
+        <p:spPr>
+          <a:xfrm>
+            <a:off x="3415085" y="1874950"/>
+            <a:ext cx="0" cy="216024"/>
+          </a:xfrm>
+          <a:prstGeom prst="line">
+            <a:avLst/>
+          </a:prstGeom>
+          <a:noFill/>
+          <a:ln w="28575">
+            <a:solidFill>
+              <a:schemeClr val="accent5">
+                <a:lumMod val="50000"/>
+              </a:schemeClr>
+            </a:solidFill>
+          </a:ln>
+        </p:spPr>
+        <p:style>
+          <a:lnRef idx="2">
+            <a:schemeClr val="accent1">
+              <a:shade val="50000"/>
+            </a:schemeClr>
+          </a:lnRef>
+          <a:fillRef idx="1">
+            <a:schemeClr val="accent1"/>
+          </a:fillRef>
+          <a:effectRef idx="0">
+            <a:schemeClr val="accent1"/>
+          </a:effectRef>
+          <a:fontRef idx="minor">
+            <a:schemeClr val="lt1"/>
+          </a:fontRef>
+        </p:style>
+      </p:cxnSp>
+      <p:cxnSp>
+        <p:nvCxnSpPr>
+          <p:cNvPr id="56" name="Connecteur droit 55"/>
+          <p:cNvCxnSpPr/>
+          <p:nvPr/>
+        </p:nvCxnSpPr>
+        <p:spPr>
+          <a:xfrm>
+            <a:off x="2404936" y="1982962"/>
+            <a:ext cx="1154165" cy="0"/>
+          </a:xfrm>
+          <a:prstGeom prst="line">
+            <a:avLst/>
+          </a:prstGeom>
+          <a:noFill/>
+          <a:ln w="28575">
+            <a:solidFill>
+              <a:schemeClr val="accent5">
+                <a:lumMod val="50000"/>
+              </a:schemeClr>
+            </a:solidFill>
+          </a:ln>
+        </p:spPr>
+        <p:style>
+          <a:lnRef idx="2">
+            <a:schemeClr val="accent1">
+              <a:shade val="50000"/>
+            </a:schemeClr>
+          </a:lnRef>
+          <a:fillRef idx="1">
+            <a:schemeClr val="accent1"/>
+          </a:fillRef>
+          <a:effectRef idx="0">
+            <a:schemeClr val="accent1"/>
+          </a:effectRef>
+          <a:fontRef idx="minor">
+            <a:schemeClr val="lt1"/>
+          </a:fontRef>
+        </p:style>
+      </p:cxnSp>
+      <p:cxnSp>
+        <p:nvCxnSpPr>
+          <p:cNvPr id="57" name="Connecteur droit 56"/>
+          <p:cNvCxnSpPr>
+            <a:stCxn id="21" idx="2"/>
+          </p:cNvCxnSpPr>
+          <p:nvPr/>
+        </p:nvCxnSpPr>
+        <p:spPr>
+          <a:xfrm>
+            <a:off x="2404936" y="908720"/>
+            <a:ext cx="0" cy="1080120"/>
+          </a:xfrm>
+          <a:prstGeom prst="line">
+            <a:avLst/>
+          </a:prstGeom>
+          <a:noFill/>
+          <a:ln w="28575">
+            <a:solidFill>
+              <a:schemeClr val="accent5">
+                <a:lumMod val="50000"/>
+              </a:schemeClr>
+            </a:solidFill>
+          </a:ln>
+        </p:spPr>
+        <p:style>
+          <a:lnRef idx="2">
+            <a:schemeClr val="accent1">
+              <a:shade val="50000"/>
+            </a:schemeClr>
+          </a:lnRef>
+          <a:fillRef idx="1">
+            <a:schemeClr val="accent1"/>
+          </a:fillRef>
+          <a:effectRef idx="0">
+            <a:schemeClr val="accent1"/>
+          </a:effectRef>
+          <a:fontRef idx="minor">
+            <a:schemeClr val="lt1"/>
+          </a:fontRef>
+        </p:style>
+      </p:cxnSp>
+      <p:sp>
+        <p:nvSpPr>
+          <p:cNvPr id="66" name="Ellipse 65"/>
+          <p:cNvSpPr/>
+          <p:nvPr/>
+        </p:nvSpPr>
+        <p:spPr>
+          <a:xfrm>
+            <a:off x="1369518" y="1668295"/>
+            <a:ext cx="276999" cy="276999"/>
+          </a:xfrm>
+          <a:prstGeom prst="ellipse">
+            <a:avLst/>
+          </a:prstGeom>
+          <a:noFill/>
+          <a:ln w="28575">
+            <a:solidFill>
+              <a:srgbClr val="7030A0"/>
+            </a:solidFill>
+          </a:ln>
+        </p:spPr>
+        <p:style>
+          <a:lnRef idx="2">
+            <a:schemeClr val="accent1">
+              <a:shade val="50000"/>
+            </a:schemeClr>
+          </a:lnRef>
+          <a:fillRef idx="1">
+            <a:schemeClr val="accent1"/>
+          </a:fillRef>
+          <a:effectRef idx="0">
+            <a:schemeClr val="accent1"/>
+          </a:effectRef>
+          <a:fontRef idx="minor">
+            <a:schemeClr val="lt1"/>
+          </a:fontRef>
+        </p:style>
+        <p:txBody>
+          <a:bodyPr lIns="0" tIns="0" rIns="0" bIns="0" rtlCol="0" anchor="ctr"/>
+          <a:lstStyle/>
+          <a:p>
+            <a:pPr algn="ctr"/>
+            <a:r>
+              <a:rPr lang="fr-FR" sz="1400" dirty="0" smtClean="0">
+                <a:ln>
+                  <a:solidFill>
+                    <a:srgbClr val="7030A0"/>
+                  </a:solidFill>
+                </a:ln>
+                <a:solidFill>
+                  <a:srgbClr val="7030A0"/>
+                </a:solidFill>
+              </a:rPr>
+              <a:t>1</a:t>
+            </a:r>
+            <a:endParaRPr lang="fr-FR" sz="1400" dirty="0">
+              <a:ln>
+                <a:solidFill>
+                  <a:srgbClr val="7030A0"/>
+                </a:solidFill>
+              </a:ln>
+              <a:solidFill>
+                <a:srgbClr val="7030A0"/>
+              </a:solidFill>
+            </a:endParaRPr>
+          </a:p>
+        </p:txBody>
+      </p:sp>
+      <p:sp>
+        <p:nvSpPr>
+          <p:cNvPr id="67" name="Ellipse 66"/>
+          <p:cNvSpPr/>
+          <p:nvPr/>
+        </p:nvSpPr>
+        <p:spPr>
+          <a:xfrm>
+            <a:off x="2908992" y="381419"/>
+            <a:ext cx="276999" cy="276999"/>
+          </a:xfrm>
+          <a:prstGeom prst="ellipse">
+            <a:avLst/>
+          </a:prstGeom>
+          <a:noFill/>
+          <a:ln w="28575">
+            <a:solidFill>
+              <a:srgbClr val="C00000"/>
+            </a:solidFill>
+          </a:ln>
+        </p:spPr>
+        <p:style>
+          <a:lnRef idx="2">
+            <a:schemeClr val="accent1">
+              <a:shade val="50000"/>
+            </a:schemeClr>
+          </a:lnRef>
+          <a:fillRef idx="1">
+            <a:schemeClr val="accent1"/>
+          </a:fillRef>
+          <a:effectRef idx="0">
+            <a:schemeClr val="accent1"/>
+          </a:effectRef>
+          <a:fontRef idx="minor">
+            <a:schemeClr val="lt1"/>
+          </a:fontRef>
+        </p:style>
+        <p:txBody>
+          <a:bodyPr lIns="0" tIns="0" rIns="0" bIns="0" rtlCol="0" anchor="ctr"/>
+          <a:lstStyle/>
+          <a:p>
+            <a:pPr algn="ctr"/>
+            <a:r>
+              <a:rPr lang="fr-FR" sz="1400" dirty="0" smtClean="0">
+                <a:ln>
+                  <a:solidFill>
+                    <a:srgbClr val="C00000"/>
+                  </a:solidFill>
+                </a:ln>
+                <a:solidFill>
+                  <a:srgbClr val="C00000"/>
+                </a:solidFill>
+              </a:rPr>
+              <a:t>2</a:t>
+            </a:r>
+            <a:endParaRPr lang="fr-FR" sz="1400" dirty="0">
+              <a:ln>
+                <a:solidFill>
+                  <a:srgbClr val="C00000"/>
+                </a:solidFill>
+              </a:ln>
+              <a:solidFill>
+                <a:srgbClr val="C00000"/>
+              </a:solidFill>
+            </a:endParaRPr>
+          </a:p>
+        </p:txBody>
+      </p:sp>
+      <p:sp>
+        <p:nvSpPr>
+          <p:cNvPr id="68" name="Ellipse 67"/>
+          <p:cNvSpPr/>
+          <p:nvPr/>
+        </p:nvSpPr>
+        <p:spPr>
+          <a:xfrm>
+            <a:off x="2427867" y="1668296"/>
+            <a:ext cx="276999" cy="276999"/>
+          </a:xfrm>
+          <a:prstGeom prst="ellipse">
+            <a:avLst/>
+          </a:prstGeom>
+          <a:noFill/>
+          <a:ln w="28575">
+            <a:solidFill>
+              <a:schemeClr val="accent5">
+                <a:lumMod val="50000"/>
+              </a:schemeClr>
+            </a:solidFill>
+          </a:ln>
+        </p:spPr>
+        <p:style>
+          <a:lnRef idx="2">
+            <a:schemeClr val="accent1">
+              <a:shade val="50000"/>
+            </a:schemeClr>
+          </a:lnRef>
+          <a:fillRef idx="1">
+            <a:schemeClr val="accent1"/>
+          </a:fillRef>
+          <a:effectRef idx="0">
+            <a:schemeClr val="accent1"/>
+          </a:effectRef>
+          <a:fontRef idx="minor">
+            <a:schemeClr val="lt1"/>
+          </a:fontRef>
+        </p:style>
+        <p:txBody>
+          <a:bodyPr lIns="0" tIns="0" rIns="0" bIns="0" rtlCol="0" anchor="ctr"/>
+          <a:lstStyle/>
+          <a:p>
+            <a:pPr algn="ctr"/>
+            <a:r>
+              <a:rPr lang="fr-FR" sz="1400" dirty="0">
+                <a:ln>
+                  <a:solidFill>
+                    <a:schemeClr val="accent5">
+                      <a:lumMod val="50000"/>
+                    </a:schemeClr>
+                  </a:solidFill>
+                </a:ln>
+                <a:solidFill>
+                  <a:schemeClr val="accent5">
+                    <a:lumMod val="50000"/>
+                  </a:schemeClr>
+                </a:solidFill>
+              </a:rPr>
+              <a:t>3</a:t>
+            </a:r>
+          </a:p>
+        </p:txBody>
+      </p:sp>
+      <p:sp>
+        <p:nvSpPr>
+          <p:cNvPr id="40" name="Ellipse 39"/>
+          <p:cNvSpPr/>
+          <p:nvPr/>
+        </p:nvSpPr>
+        <p:spPr>
+          <a:xfrm>
+            <a:off x="824474" y="2453472"/>
+            <a:ext cx="276999" cy="276999"/>
+          </a:xfrm>
+          <a:prstGeom prst="ellipse">
+            <a:avLst/>
+          </a:prstGeom>
+          <a:noFill/>
+          <a:ln w="28575">
+            <a:solidFill>
+              <a:schemeClr val="tx1"/>
+            </a:solidFill>
+          </a:ln>
+        </p:spPr>
+        <p:style>
+          <a:lnRef idx="2">
+            <a:schemeClr val="accent1">
+              <a:shade val="50000"/>
+            </a:schemeClr>
+          </a:lnRef>
+          <a:fillRef idx="1">
+            <a:schemeClr val="accent1"/>
+          </a:fillRef>
+          <a:effectRef idx="0">
+            <a:schemeClr val="accent1"/>
+          </a:effectRef>
+          <a:fontRef idx="minor">
+            <a:schemeClr val="lt1"/>
+          </a:fontRef>
+        </p:style>
+        <p:txBody>
+          <a:bodyPr lIns="0" tIns="0" rIns="0" bIns="0" rtlCol="0" anchor="ctr"/>
+          <a:lstStyle/>
+          <a:p>
+            <a:pPr algn="ctr"/>
+            <a:r>
+              <a:rPr lang="fr-FR" sz="1400" dirty="0">
+                <a:ln>
+                  <a:solidFill>
+                    <a:sysClr val="windowText" lastClr="000000"/>
+                  </a:solidFill>
+                </a:ln>
+                <a:solidFill>
+                  <a:schemeClr val="tx1"/>
+                </a:solidFill>
+              </a:rPr>
+              <a:t>0</a:t>
+            </a:r>
+          </a:p>
+        </p:txBody>
+      </p:sp>
+      <mc:AlternateContent xmlns:mc="http://schemas.openxmlformats.org/markup-compatibility/2006" xmlns:a14="http://schemas.microsoft.com/office/drawing/2010/main">
+        <mc:Choice Requires="a14">
+          <p:sp>
+            <p:nvSpPr>
+              <p:cNvPr id="44" name="ZoneTexte 43"/>
+              <p:cNvSpPr txBox="1"/>
+              <p:nvPr/>
+            </p:nvSpPr>
+            <p:spPr>
+              <a:xfrm>
+                <a:off x="1658984" y="1850340"/>
+                <a:ext cx="322524" cy="276999"/>
+              </a:xfrm>
+              <a:prstGeom prst="rect">
+                <a:avLst/>
+              </a:prstGeom>
+              <a:noFill/>
+            </p:spPr>
+            <p:txBody>
+              <a:bodyPr wrap="none" rtlCol="0">
+                <a:spAutoFit/>
+              </a:bodyPr>
+              <a:lstStyle/>
+              <a:p>
+                <a:pPr/>
+                <a14:m>
+                  <m:oMathPara xmlns:m="http://schemas.openxmlformats.org/officeDocument/2006/math">
+                    <m:oMathParaPr>
+                      <m:jc m:val="centerGroup"/>
+                    </m:oMathParaPr>
+                    <m:oMath xmlns:m="http://schemas.openxmlformats.org/officeDocument/2006/math">
+                      <m:r>
+                        <a:rPr lang="fr-FR" sz="1200" b="1" i="1" smtClean="0">
+                          <a:latin typeface="Cambria Math"/>
+                        </a:rPr>
+                        <m:t>𝑨</m:t>
+                      </m:r>
+                    </m:oMath>
+                  </m:oMathPara>
+                </a14:m>
+                <a:endParaRPr lang="fr-FR" sz="1200" b="1" dirty="0"/>
+              </a:p>
+            </p:txBody>
+          </p:sp>
+        </mc:Choice>
+        <mc:Fallback xmlns="">
+          <p:sp>
+            <p:nvSpPr>
+              <p:cNvPr id="44" name="ZoneTexte 43"/>
+              <p:cNvSpPr txBox="1">
+                <a:spLocks noRot="1" noChangeAspect="1" noMove="1" noResize="1" noEditPoints="1" noAdjustHandles="1" noChangeArrowheads="1" noChangeShapeType="1" noTextEdit="1"/>
+              </p:cNvSpPr>
+              <p:nvPr/>
+            </p:nvSpPr>
+            <p:spPr>
+              <a:xfrm>
+                <a:off x="1658984" y="1850340"/>
+                <a:ext cx="322524" cy="276999"/>
+              </a:xfrm>
+              <a:prstGeom prst="rect">
+                <a:avLst/>
+              </a:prstGeom>
+              <a:blipFill rotWithShape="1">
+                <a:blip r:embed="rId2"/>
+                <a:stretch>
+                  <a:fillRect/>
+                </a:stretch>
+              </a:blipFill>
+            </p:spPr>
+            <p:txBody>
+              <a:bodyPr/>
+              <a:lstStyle/>
+              <a:p>
+                <a:r>
+                  <a:rPr lang="fr-FR">
+                    <a:noFill/>
+                  </a:rPr>
+                  <a:t> </a:t>
+                </a:r>
+              </a:p>
+            </p:txBody>
+          </p:sp>
+        </mc:Fallback>
+      </mc:AlternateContent>
+      <mc:AlternateContent xmlns:mc="http://schemas.openxmlformats.org/markup-compatibility/2006" xmlns:a14="http://schemas.microsoft.com/office/drawing/2010/main">
+        <mc:Choice Requires="a14">
+          <p:sp>
+            <p:nvSpPr>
+              <p:cNvPr id="45" name="ZoneTexte 44"/>
+              <p:cNvSpPr txBox="1"/>
+              <p:nvPr/>
+            </p:nvSpPr>
+            <p:spPr>
+              <a:xfrm>
+                <a:off x="1632804" y="669771"/>
+                <a:ext cx="330540" cy="276999"/>
+              </a:xfrm>
+              <a:prstGeom prst="rect">
+                <a:avLst/>
+              </a:prstGeom>
+              <a:noFill/>
+            </p:spPr>
+            <p:txBody>
+              <a:bodyPr wrap="none" rtlCol="0">
+                <a:spAutoFit/>
+              </a:bodyPr>
+              <a:lstStyle/>
+              <a:p>
+                <a:pPr/>
+                <a14:m>
+                  <m:oMathPara xmlns:m="http://schemas.openxmlformats.org/officeDocument/2006/math">
+                    <m:oMathParaPr>
+                      <m:jc m:val="centerGroup"/>
+                    </m:oMathParaPr>
+                    <m:oMath xmlns:m="http://schemas.openxmlformats.org/officeDocument/2006/math">
+                      <m:r>
+                        <a:rPr lang="fr-FR" sz="1200" b="1" i="1" smtClean="0">
+                          <a:latin typeface="Cambria Math"/>
+                        </a:rPr>
+                        <m:t>𝑩</m:t>
+                      </m:r>
+                    </m:oMath>
+                  </m:oMathPara>
+                </a14:m>
+                <a:endParaRPr lang="fr-FR" sz="1200" b="1" dirty="0"/>
+              </a:p>
+            </p:txBody>
+          </p:sp>
+        </mc:Choice>
+        <mc:Fallback xmlns="">
+          <p:sp>
+            <p:nvSpPr>
+              <p:cNvPr id="45" name="ZoneTexte 44"/>
+              <p:cNvSpPr txBox="1">
+                <a:spLocks noRot="1" noChangeAspect="1" noMove="1" noResize="1" noEditPoints="1" noAdjustHandles="1" noChangeArrowheads="1" noChangeShapeType="1" noTextEdit="1"/>
+              </p:cNvSpPr>
+              <p:nvPr/>
+            </p:nvSpPr>
+            <p:spPr>
+              <a:xfrm>
+                <a:off x="1632804" y="669771"/>
+                <a:ext cx="330540" cy="276999"/>
+              </a:xfrm>
+              <a:prstGeom prst="rect">
+                <a:avLst/>
+              </a:prstGeom>
+              <a:blipFill rotWithShape="1">
+                <a:blip r:embed="rId3"/>
+                <a:stretch>
+                  <a:fillRect/>
+                </a:stretch>
+              </a:blipFill>
+            </p:spPr>
+            <p:txBody>
+              <a:bodyPr/>
+              <a:lstStyle/>
+              <a:p>
+                <a:r>
+                  <a:rPr lang="fr-FR">
+                    <a:noFill/>
+                  </a:rPr>
+                  <a:t> </a:t>
+                </a:r>
+              </a:p>
+            </p:txBody>
+          </p:sp>
+        </mc:Fallback>
+      </mc:AlternateContent>
+      <mc:AlternateContent xmlns:mc="http://schemas.openxmlformats.org/markup-compatibility/2006" xmlns:a14="http://schemas.microsoft.com/office/drawing/2010/main">
+        <mc:Choice Requires="a14">
+          <p:sp>
+            <p:nvSpPr>
+              <p:cNvPr id="47" name="ZoneTexte 46"/>
+              <p:cNvSpPr txBox="1"/>
+              <p:nvPr/>
+            </p:nvSpPr>
+            <p:spPr>
+              <a:xfrm>
+                <a:off x="1654445" y="914236"/>
+                <a:ext cx="287258" cy="276999"/>
+              </a:xfrm>
+              <a:prstGeom prst="rect">
+                <a:avLst/>
+              </a:prstGeom>
+              <a:noFill/>
+            </p:spPr>
+            <p:txBody>
+              <a:bodyPr wrap="none" rtlCol="0">
+                <a:spAutoFit/>
+              </a:bodyPr>
+              <a:lstStyle/>
+              <a:p>
+                <a:pPr/>
+                <a14:m>
+                  <m:oMathPara xmlns:m="http://schemas.openxmlformats.org/officeDocument/2006/math">
+                    <m:oMathParaPr>
+                      <m:jc m:val="centerGroup"/>
+                    </m:oMathParaPr>
+                    <m:oMath xmlns:m="http://schemas.openxmlformats.org/officeDocument/2006/math">
+                      <m:r>
+                        <a:rPr lang="fr-FR" sz="1200" b="1" i="1" smtClean="0">
+                          <a:latin typeface="Cambria Math"/>
+                        </a:rPr>
+                        <m:t>𝑰</m:t>
+                      </m:r>
+                    </m:oMath>
+                  </m:oMathPara>
+                </a14:m>
+                <a:endParaRPr lang="fr-FR" sz="1200" b="1" dirty="0"/>
+              </a:p>
+            </p:txBody>
+          </p:sp>
+        </mc:Choice>
+        <mc:Fallback xmlns="">
+          <p:sp>
+            <p:nvSpPr>
+              <p:cNvPr id="47" name="ZoneTexte 46"/>
+              <p:cNvSpPr txBox="1">
+                <a:spLocks noRot="1" noChangeAspect="1" noMove="1" noResize="1" noEditPoints="1" noAdjustHandles="1" noChangeArrowheads="1" noChangeShapeType="1" noTextEdit="1"/>
+              </p:cNvSpPr>
+              <p:nvPr/>
+            </p:nvSpPr>
+            <p:spPr>
+              <a:xfrm>
+                <a:off x="1654445" y="914236"/>
+                <a:ext cx="287258" cy="276999"/>
+              </a:xfrm>
+              <a:prstGeom prst="rect">
+                <a:avLst/>
+              </a:prstGeom>
+              <a:blipFill rotWithShape="1">
+                <a:blip r:embed="rId4"/>
+                <a:stretch>
+                  <a:fillRect/>
+                </a:stretch>
+              </a:blipFill>
+            </p:spPr>
+            <p:txBody>
+              <a:bodyPr/>
+              <a:lstStyle/>
+              <a:p>
+                <a:r>
+                  <a:rPr lang="fr-FR">
+                    <a:noFill/>
+                  </a:rPr>
+                  <a:t> </a:t>
+                </a:r>
+              </a:p>
+            </p:txBody>
+          </p:sp>
+        </mc:Fallback>
+      </mc:AlternateContent>
+      <mc:AlternateContent xmlns:mc="http://schemas.openxmlformats.org/markup-compatibility/2006" xmlns:a14="http://schemas.microsoft.com/office/drawing/2010/main">
+        <mc:Choice Requires="a14">
+          <p:sp>
+            <p:nvSpPr>
+              <p:cNvPr id="53" name="ZoneTexte 52"/>
+              <p:cNvSpPr txBox="1"/>
+              <p:nvPr/>
+            </p:nvSpPr>
+            <p:spPr>
+              <a:xfrm>
+                <a:off x="1656048" y="410180"/>
+                <a:ext cx="284052" cy="276999"/>
+              </a:xfrm>
+              <a:prstGeom prst="rect">
+                <a:avLst/>
+              </a:prstGeom>
+              <a:noFill/>
+            </p:spPr>
+            <p:txBody>
+              <a:bodyPr wrap="none" rtlCol="0">
+                <a:spAutoFit/>
+              </a:bodyPr>
+              <a:lstStyle/>
+              <a:p>
+                <a:pPr/>
+                <a14:m>
+                  <m:oMathPara xmlns:m="http://schemas.openxmlformats.org/officeDocument/2006/math">
+                    <m:oMathParaPr>
+                      <m:jc m:val="centerGroup"/>
+                    </m:oMathParaPr>
+                    <m:oMath xmlns:m="http://schemas.openxmlformats.org/officeDocument/2006/math">
+                      <m:r>
+                        <a:rPr lang="fr-FR" sz="1200" b="1" i="1" smtClean="0">
+                          <a:latin typeface="Cambria Math"/>
+                        </a:rPr>
+                        <m:t>𝑱</m:t>
+                      </m:r>
+                    </m:oMath>
+                  </m:oMathPara>
+                </a14:m>
+                <a:endParaRPr lang="fr-FR" sz="1200" b="1" dirty="0"/>
+              </a:p>
+            </p:txBody>
+          </p:sp>
+        </mc:Choice>
+        <mc:Fallback xmlns="">
+          <p:sp>
+            <p:nvSpPr>
+              <p:cNvPr id="53" name="ZoneTexte 52"/>
+              <p:cNvSpPr txBox="1">
+                <a:spLocks noRot="1" noChangeAspect="1" noMove="1" noResize="1" noEditPoints="1" noAdjustHandles="1" noChangeArrowheads="1" noChangeShapeType="1" noTextEdit="1"/>
+              </p:cNvSpPr>
+              <p:nvPr/>
+            </p:nvSpPr>
+            <p:spPr>
+              <a:xfrm>
+                <a:off x="1656048" y="410180"/>
+                <a:ext cx="284052" cy="276999"/>
+              </a:xfrm>
+              <a:prstGeom prst="rect">
+                <a:avLst/>
+              </a:prstGeom>
+              <a:blipFill rotWithShape="1">
+                <a:blip r:embed="rId5"/>
+                <a:stretch>
+                  <a:fillRect b="-2174"/>
+                </a:stretch>
+              </a:blipFill>
+            </p:spPr>
+            <p:txBody>
+              <a:bodyPr/>
+              <a:lstStyle/>
+              <a:p>
+                <a:r>
+                  <a:rPr lang="fr-FR">
+                    <a:noFill/>
+                  </a:rPr>
+                  <a:t> </a:t>
+                </a:r>
+              </a:p>
+            </p:txBody>
+          </p:sp>
+        </mc:Fallback>
+      </mc:AlternateContent>
+      <p:cxnSp>
+        <p:nvCxnSpPr>
+          <p:cNvPr id="58" name="Connecteur droit 57"/>
+          <p:cNvCxnSpPr/>
+          <p:nvPr/>
+        </p:nvCxnSpPr>
+        <p:spPr>
+          <a:xfrm>
+            <a:off x="2831483" y="260644"/>
+            <a:ext cx="0" cy="1080124"/>
+          </a:xfrm>
+          <a:prstGeom prst="line">
+            <a:avLst/>
+          </a:prstGeom>
+          <a:noFill/>
+          <a:ln w="28575">
+            <a:solidFill>
+              <a:srgbClr val="C00000"/>
+            </a:solidFill>
+          </a:ln>
+        </p:spPr>
+        <p:style>
+          <a:lnRef idx="2">
+            <a:schemeClr val="accent1">
+              <a:shade val="50000"/>
+            </a:schemeClr>
+          </a:lnRef>
+          <a:fillRef idx="1">
+            <a:schemeClr val="accent1"/>
+          </a:fillRef>
+          <a:effectRef idx="0">
+            <a:schemeClr val="accent1"/>
+          </a:effectRef>
+          <a:fontRef idx="minor">
+            <a:schemeClr val="lt1"/>
+          </a:fontRef>
+        </p:style>
+      </p:cxnSp>
+      <p:cxnSp>
+        <p:nvCxnSpPr>
+          <p:cNvPr id="59" name="Connecteur droit 58"/>
+          <p:cNvCxnSpPr/>
+          <p:nvPr/>
+        </p:nvCxnSpPr>
+        <p:spPr>
+          <a:xfrm>
+            <a:off x="2747150" y="1337000"/>
+            <a:ext cx="168666" cy="0"/>
+          </a:xfrm>
+          <a:prstGeom prst="line">
+            <a:avLst/>
+          </a:prstGeom>
+          <a:noFill/>
+          <a:ln w="28575">
+            <a:solidFill>
+              <a:srgbClr val="C00000"/>
+            </a:solidFill>
+          </a:ln>
+        </p:spPr>
+        <p:style>
+          <a:lnRef idx="2">
+            <a:schemeClr val="accent1">
+              <a:shade val="50000"/>
+            </a:schemeClr>
+          </a:lnRef>
+          <a:fillRef idx="1">
+            <a:schemeClr val="accent1"/>
+          </a:fillRef>
+          <a:effectRef idx="0">
+            <a:schemeClr val="accent1"/>
+          </a:effectRef>
+          <a:fontRef idx="minor">
+            <a:schemeClr val="lt1"/>
+          </a:fontRef>
+        </p:style>
+      </p:cxnSp>
+      <p:cxnSp>
+        <p:nvCxnSpPr>
+          <p:cNvPr id="61" name="Connecteur droit 60"/>
+          <p:cNvCxnSpPr/>
+          <p:nvPr/>
+        </p:nvCxnSpPr>
+        <p:spPr>
+          <a:xfrm flipV="1">
+            <a:off x="2839021" y="176884"/>
+            <a:ext cx="0" cy="83760"/>
+          </a:xfrm>
+          <a:prstGeom prst="line">
+            <a:avLst/>
+          </a:prstGeom>
+          <a:noFill/>
+          <a:ln w="28575">
+            <a:solidFill>
+              <a:srgbClr val="00B050"/>
+            </a:solidFill>
+          </a:ln>
+        </p:spPr>
+        <p:style>
+          <a:lnRef idx="2">
+            <a:schemeClr val="accent1">
+              <a:shade val="50000"/>
+            </a:schemeClr>
+          </a:lnRef>
+          <a:fillRef idx="1">
+            <a:schemeClr val="accent1"/>
+          </a:fillRef>
+          <a:effectRef idx="0">
+            <a:schemeClr val="accent1"/>
+          </a:effectRef>
+          <a:fontRef idx="minor">
+            <a:schemeClr val="lt1"/>
+          </a:fontRef>
+        </p:style>
+      </p:cxnSp>
+      <p:cxnSp>
+        <p:nvCxnSpPr>
+          <p:cNvPr id="62" name="Connecteur droit 61"/>
+          <p:cNvCxnSpPr/>
+          <p:nvPr/>
+        </p:nvCxnSpPr>
+        <p:spPr>
+          <a:xfrm>
+            <a:off x="2747150" y="264416"/>
+            <a:ext cx="168666" cy="0"/>
+          </a:xfrm>
+          <a:prstGeom prst="line">
+            <a:avLst/>
+          </a:prstGeom>
+          <a:noFill/>
+          <a:ln w="28575">
+            <a:solidFill>
+              <a:srgbClr val="C00000"/>
+            </a:solidFill>
+          </a:ln>
+        </p:spPr>
+        <p:style>
+          <a:lnRef idx="2">
+            <a:schemeClr val="accent1">
+              <a:shade val="50000"/>
+            </a:schemeClr>
+          </a:lnRef>
+          <a:fillRef idx="1">
+            <a:schemeClr val="accent1"/>
+          </a:fillRef>
+          <a:effectRef idx="0">
+            <a:schemeClr val="accent1"/>
+          </a:effectRef>
+          <a:fontRef idx="minor">
+            <a:schemeClr val="lt1"/>
+          </a:fontRef>
+        </p:style>
+      </p:cxnSp>
+      <p:cxnSp>
+        <p:nvCxnSpPr>
+          <p:cNvPr id="76" name="Connecteur droit 75"/>
+          <p:cNvCxnSpPr/>
+          <p:nvPr/>
+        </p:nvCxnSpPr>
+        <p:spPr>
+          <a:xfrm flipV="1">
+            <a:off x="2840277" y="3705280"/>
+            <a:ext cx="0" cy="83760"/>
+          </a:xfrm>
+          <a:prstGeom prst="line">
+            <a:avLst/>
+          </a:prstGeom>
+          <a:noFill/>
+          <a:ln w="28575">
+            <a:solidFill>
+              <a:srgbClr val="00B050"/>
+            </a:solidFill>
+          </a:ln>
+        </p:spPr>
+        <p:style>
+          <a:lnRef idx="2">
+            <a:schemeClr val="accent1">
+              <a:shade val="50000"/>
+            </a:schemeClr>
+          </a:lnRef>
+          <a:fillRef idx="1">
+            <a:schemeClr val="accent1"/>
+          </a:fillRef>
+          <a:effectRef idx="0">
+            <a:schemeClr val="accent1"/>
+          </a:effectRef>
+          <a:fontRef idx="minor">
+            <a:schemeClr val="lt1"/>
+          </a:fontRef>
+        </p:style>
+      </p:cxnSp>
+      <p:sp>
+        <p:nvSpPr>
+          <p:cNvPr id="78" name="Rectangle 77"/>
+          <p:cNvSpPr/>
+          <p:nvPr/>
+        </p:nvSpPr>
+        <p:spPr>
+          <a:xfrm>
+            <a:off x="4065907" y="1878079"/>
+            <a:ext cx="432048" cy="216024"/>
+          </a:xfrm>
+          <a:prstGeom prst="rect">
+            <a:avLst/>
+          </a:prstGeom>
+          <a:noFill/>
+          <a:ln w="28575">
+            <a:solidFill>
+              <a:schemeClr val="tx1"/>
+            </a:solidFill>
+          </a:ln>
+        </p:spPr>
+        <p:style>
+          <a:lnRef idx="2">
+            <a:schemeClr val="accent1">
+              <a:shade val="50000"/>
+            </a:schemeClr>
+          </a:lnRef>
+          <a:fillRef idx="1">
+            <a:schemeClr val="accent1"/>
+          </a:fillRef>
+          <a:effectRef idx="0">
+            <a:schemeClr val="accent1"/>
+          </a:effectRef>
+          <a:fontRef idx="minor">
+            <a:schemeClr val="lt1"/>
+          </a:fontRef>
+        </p:style>
+        <p:txBody>
+          <a:bodyPr rtlCol="0" anchor="ctr"/>
+          <a:lstStyle/>
+          <a:p>
+            <a:pPr algn="ctr"/>
+            <a:endParaRPr lang="fr-FR"/>
+          </a:p>
+        </p:txBody>
+      </p:sp>
+      <p:cxnSp>
+        <p:nvCxnSpPr>
+          <p:cNvPr id="79" name="Connecteur droit 78"/>
+          <p:cNvCxnSpPr/>
+          <p:nvPr/>
+        </p:nvCxnSpPr>
+        <p:spPr>
+          <a:xfrm>
+            <a:off x="3995936" y="1872201"/>
+            <a:ext cx="0" cy="216024"/>
+          </a:xfrm>
+          <a:prstGeom prst="line">
+            <a:avLst/>
+          </a:prstGeom>
+          <a:noFill/>
+          <a:ln w="28575">
+            <a:solidFill>
+              <a:srgbClr val="00B050"/>
+            </a:solidFill>
+          </a:ln>
+        </p:spPr>
+        <p:style>
+          <a:lnRef idx="2">
+            <a:schemeClr val="accent1">
+              <a:shade val="50000"/>
+            </a:schemeClr>
+          </a:lnRef>
+          <a:fillRef idx="1">
+            <a:schemeClr val="accent1"/>
+          </a:fillRef>
+          <a:effectRef idx="0">
+            <a:schemeClr val="accent1"/>
+          </a:effectRef>
+          <a:fontRef idx="minor">
+            <a:schemeClr val="lt1"/>
+          </a:fontRef>
+        </p:style>
+      </p:cxnSp>
+      <p:cxnSp>
+        <p:nvCxnSpPr>
+          <p:cNvPr id="80" name="Connecteur droit 79"/>
+          <p:cNvCxnSpPr/>
+          <p:nvPr/>
+        </p:nvCxnSpPr>
+        <p:spPr>
+          <a:xfrm>
+            <a:off x="4572000" y="1872201"/>
+            <a:ext cx="0" cy="216024"/>
+          </a:xfrm>
+          <a:prstGeom prst="line">
+            <a:avLst/>
+          </a:prstGeom>
+          <a:noFill/>
+          <a:ln w="28575">
+            <a:solidFill>
+              <a:srgbClr val="00B050"/>
+            </a:solidFill>
+          </a:ln>
+        </p:spPr>
+        <p:style>
+          <a:lnRef idx="2">
+            <a:schemeClr val="accent1">
+              <a:shade val="50000"/>
+            </a:schemeClr>
+          </a:lnRef>
+          <a:fillRef idx="1">
+            <a:schemeClr val="accent1"/>
+          </a:fillRef>
+          <a:effectRef idx="0">
+            <a:schemeClr val="accent1"/>
+          </a:effectRef>
+          <a:fontRef idx="minor">
+            <a:schemeClr val="lt1"/>
+          </a:fontRef>
+        </p:style>
+      </p:cxnSp>
+      <p:cxnSp>
+        <p:nvCxnSpPr>
+          <p:cNvPr id="81" name="Connecteur droit 80"/>
+          <p:cNvCxnSpPr/>
+          <p:nvPr/>
+        </p:nvCxnSpPr>
+        <p:spPr>
+          <a:xfrm>
+            <a:off x="3851920" y="1988840"/>
+            <a:ext cx="880018" cy="0"/>
+          </a:xfrm>
+          <a:prstGeom prst="line">
+            <a:avLst/>
+          </a:prstGeom>
+          <a:noFill/>
+          <a:ln w="28575">
+            <a:solidFill>
+              <a:srgbClr val="00B050"/>
+            </a:solidFill>
+          </a:ln>
+        </p:spPr>
+        <p:style>
+          <a:lnRef idx="2">
+            <a:schemeClr val="accent1">
+              <a:shade val="50000"/>
+            </a:schemeClr>
+          </a:lnRef>
+          <a:fillRef idx="1">
+            <a:schemeClr val="accent1"/>
+          </a:fillRef>
+          <a:effectRef idx="0">
+            <a:schemeClr val="accent1"/>
+          </a:effectRef>
+          <a:fontRef idx="minor">
+            <a:schemeClr val="lt1"/>
+          </a:fontRef>
+        </p:style>
+      </p:cxnSp>
+      <p:cxnSp>
+        <p:nvCxnSpPr>
+          <p:cNvPr id="86" name="Connecteur droit 85"/>
+          <p:cNvCxnSpPr/>
+          <p:nvPr/>
+        </p:nvCxnSpPr>
+        <p:spPr>
+          <a:xfrm flipH="1">
+            <a:off x="2831483" y="3798047"/>
+            <a:ext cx="1020437" cy="0"/>
+          </a:xfrm>
+          <a:prstGeom prst="line">
+            <a:avLst/>
+          </a:prstGeom>
+          <a:noFill/>
+          <a:ln w="28575">
+            <a:solidFill>
+              <a:srgbClr val="00B050"/>
+            </a:solidFill>
+          </a:ln>
+        </p:spPr>
+        <p:style>
+          <a:lnRef idx="2">
+            <a:schemeClr val="accent1">
+              <a:shade val="50000"/>
+            </a:schemeClr>
+          </a:lnRef>
+          <a:fillRef idx="1">
+            <a:schemeClr val="accent1"/>
+          </a:fillRef>
+          <a:effectRef idx="0">
+            <a:schemeClr val="accent1"/>
+          </a:effectRef>
+          <a:fontRef idx="minor">
+            <a:schemeClr val="lt1"/>
+          </a:fontRef>
+        </p:style>
+      </p:cxnSp>
+      <p:sp>
+        <p:nvSpPr>
+          <p:cNvPr id="90" name="Forme libre 89"/>
+          <p:cNvSpPr/>
+          <p:nvPr/>
+        </p:nvSpPr>
+        <p:spPr>
+          <a:xfrm>
+            <a:off x="2831484" y="2312876"/>
+            <a:ext cx="576064" cy="140596"/>
+          </a:xfrm>
+          <a:custGeom>
+            <a:avLst/>
+            <a:gdLst>
+              <a:gd name="connsiteX0" fmla="*/ 0 w 729276"/>
+              <a:gd name="connsiteY0" fmla="*/ 0 h 152951"/>
+              <a:gd name="connsiteX1" fmla="*/ 168294 w 729276"/>
+              <a:gd name="connsiteY1" fmla="*/ 134635 h 152951"/>
+              <a:gd name="connsiteX2" fmla="*/ 381467 w 729276"/>
+              <a:gd name="connsiteY2" fmla="*/ 84147 h 152951"/>
+              <a:gd name="connsiteX3" fmla="*/ 594640 w 729276"/>
+              <a:gd name="connsiteY3" fmla="*/ 151465 h 152951"/>
+              <a:gd name="connsiteX4" fmla="*/ 729276 w 729276"/>
+              <a:gd name="connsiteY4" fmla="*/ 5610 h 152951"/>
+              <a:gd name="connsiteX0" fmla="*/ 0 w 732876"/>
+              <a:gd name="connsiteY0" fmla="*/ 7459 h 160523"/>
+              <a:gd name="connsiteX1" fmla="*/ 168294 w 732876"/>
+              <a:gd name="connsiteY1" fmla="*/ 142094 h 160523"/>
+              <a:gd name="connsiteX2" fmla="*/ 381467 w 732876"/>
+              <a:gd name="connsiteY2" fmla="*/ 91606 h 160523"/>
+              <a:gd name="connsiteX3" fmla="*/ 594640 w 732876"/>
+              <a:gd name="connsiteY3" fmla="*/ 158924 h 160523"/>
+              <a:gd name="connsiteX4" fmla="*/ 719996 w 732876"/>
+              <a:gd name="connsiteY4" fmla="*/ 9693 h 160523"/>
+              <a:gd name="connsiteX5" fmla="*/ 729276 w 732876"/>
+              <a:gd name="connsiteY5" fmla="*/ 13069 h 160523"/>
+              <a:gd name="connsiteX0" fmla="*/ 0 w 732876"/>
+              <a:gd name="connsiteY0" fmla="*/ 7459 h 144116"/>
+              <a:gd name="connsiteX1" fmla="*/ 168294 w 732876"/>
+              <a:gd name="connsiteY1" fmla="*/ 142094 h 144116"/>
+              <a:gd name="connsiteX2" fmla="*/ 381467 w 732876"/>
+              <a:gd name="connsiteY2" fmla="*/ 91606 h 144116"/>
+              <a:gd name="connsiteX3" fmla="*/ 589488 w 732876"/>
+              <a:gd name="connsiteY3" fmla="*/ 135742 h 144116"/>
+              <a:gd name="connsiteX4" fmla="*/ 719996 w 732876"/>
+              <a:gd name="connsiteY4" fmla="*/ 9693 h 144116"/>
+              <a:gd name="connsiteX5" fmla="*/ 729276 w 732876"/>
+              <a:gd name="connsiteY5" fmla="*/ 13069 h 144116"/>
+              <a:gd name="connsiteX0" fmla="*/ 0 w 731506"/>
+              <a:gd name="connsiteY0" fmla="*/ 0 h 136657"/>
+              <a:gd name="connsiteX1" fmla="*/ 168294 w 731506"/>
+              <a:gd name="connsiteY1" fmla="*/ 134635 h 136657"/>
+              <a:gd name="connsiteX2" fmla="*/ 381467 w 731506"/>
+              <a:gd name="connsiteY2" fmla="*/ 84147 h 136657"/>
+              <a:gd name="connsiteX3" fmla="*/ 589488 w 731506"/>
+              <a:gd name="connsiteY3" fmla="*/ 128283 h 136657"/>
+              <a:gd name="connsiteX4" fmla="*/ 717420 w 731506"/>
+              <a:gd name="connsiteY4" fmla="*/ 35719 h 136657"/>
+              <a:gd name="connsiteX5" fmla="*/ 729276 w 731506"/>
+              <a:gd name="connsiteY5" fmla="*/ 5610 h 136657"/>
+              <a:gd name="connsiteX0" fmla="*/ 0 w 729276"/>
+              <a:gd name="connsiteY0" fmla="*/ 0 h 136657"/>
+              <a:gd name="connsiteX1" fmla="*/ 168294 w 729276"/>
+              <a:gd name="connsiteY1" fmla="*/ 134635 h 136657"/>
+              <a:gd name="connsiteX2" fmla="*/ 381467 w 729276"/>
+              <a:gd name="connsiteY2" fmla="*/ 84147 h 136657"/>
+              <a:gd name="connsiteX3" fmla="*/ 589488 w 729276"/>
+              <a:gd name="connsiteY3" fmla="*/ 128283 h 136657"/>
+              <a:gd name="connsiteX4" fmla="*/ 631695 w 729276"/>
+              <a:gd name="connsiteY4" fmla="*/ 59532 h 136657"/>
+              <a:gd name="connsiteX5" fmla="*/ 729276 w 729276"/>
+              <a:gd name="connsiteY5" fmla="*/ 5610 h 136657"/>
+              <a:gd name="connsiteX0" fmla="*/ 0 w 729276"/>
+              <a:gd name="connsiteY0" fmla="*/ 0 h 136657"/>
+              <a:gd name="connsiteX1" fmla="*/ 168294 w 729276"/>
+              <a:gd name="connsiteY1" fmla="*/ 134635 h 136657"/>
+              <a:gd name="connsiteX2" fmla="*/ 381467 w 729276"/>
+              <a:gd name="connsiteY2" fmla="*/ 84147 h 136657"/>
+              <a:gd name="connsiteX3" fmla="*/ 589488 w 729276"/>
+              <a:gd name="connsiteY3" fmla="*/ 128283 h 136657"/>
+              <a:gd name="connsiteX4" fmla="*/ 729276 w 729276"/>
+              <a:gd name="connsiteY4" fmla="*/ 5610 h 136657"/>
+              <a:gd name="connsiteX0" fmla="*/ 0 w 729276"/>
+              <a:gd name="connsiteY0" fmla="*/ 0 h 136657"/>
+              <a:gd name="connsiteX1" fmla="*/ 168294 w 729276"/>
+              <a:gd name="connsiteY1" fmla="*/ 134635 h 136657"/>
+              <a:gd name="connsiteX2" fmla="*/ 381467 w 729276"/>
+              <a:gd name="connsiteY2" fmla="*/ 84147 h 136657"/>
+              <a:gd name="connsiteX3" fmla="*/ 589488 w 729276"/>
+              <a:gd name="connsiteY3" fmla="*/ 128283 h 136657"/>
+              <a:gd name="connsiteX4" fmla="*/ 729276 w 729276"/>
+              <a:gd name="connsiteY4" fmla="*/ 5610 h 136657"/>
+              <a:gd name="connsiteX0" fmla="*/ 0 w 729276"/>
+              <a:gd name="connsiteY0" fmla="*/ 0 h 141857"/>
+              <a:gd name="connsiteX1" fmla="*/ 168294 w 729276"/>
+              <a:gd name="connsiteY1" fmla="*/ 134635 h 141857"/>
+              <a:gd name="connsiteX2" fmla="*/ 381467 w 729276"/>
+              <a:gd name="connsiteY2" fmla="*/ 84147 h 141857"/>
+              <a:gd name="connsiteX3" fmla="*/ 577581 w 729276"/>
+              <a:gd name="connsiteY3" fmla="*/ 140189 h 141857"/>
+              <a:gd name="connsiteX4" fmla="*/ 729276 w 729276"/>
+              <a:gd name="connsiteY4" fmla="*/ 5610 h 141857"/>
+              <a:gd name="connsiteX0" fmla="*/ 0 w 729276"/>
+              <a:gd name="connsiteY0" fmla="*/ 0 h 140596"/>
+              <a:gd name="connsiteX1" fmla="*/ 168294 w 729276"/>
+              <a:gd name="connsiteY1" fmla="*/ 134635 h 140596"/>
+              <a:gd name="connsiteX2" fmla="*/ 381467 w 729276"/>
+              <a:gd name="connsiteY2" fmla="*/ 84147 h 140596"/>
+              <a:gd name="connsiteX3" fmla="*/ 577581 w 729276"/>
+              <a:gd name="connsiteY3" fmla="*/ 140189 h 140596"/>
+              <a:gd name="connsiteX4" fmla="*/ 729276 w 729276"/>
+              <a:gd name="connsiteY4" fmla="*/ 5610 h 140596"/>
+            </a:gdLst>
+            <a:ahLst/>
+            <a:cxnLst>
+              <a:cxn ang="0">
+                <a:pos x="connsiteX0" y="connsiteY0"/>
+              </a:cxn>
+              <a:cxn ang="0">
+                <a:pos x="connsiteX1" y="connsiteY1"/>
+              </a:cxn>
+              <a:cxn ang="0">
+                <a:pos x="connsiteX2" y="connsiteY2"/>
+              </a:cxn>
+              <a:cxn ang="0">
+                <a:pos x="connsiteX3" y="connsiteY3"/>
+              </a:cxn>
+              <a:cxn ang="0">
+                <a:pos x="connsiteX4" y="connsiteY4"/>
+              </a:cxn>
+            </a:cxnLst>
+            <a:rect l="l" t="t" r="r" b="b"/>
+            <a:pathLst>
+              <a:path w="729276" h="140596">
+                <a:moveTo>
+                  <a:pt x="0" y="0"/>
+                </a:moveTo>
+                <a:cubicBezTo>
+                  <a:pt x="52358" y="60305"/>
+                  <a:pt x="104716" y="120611"/>
+                  <a:pt x="168294" y="134635"/>
+                </a:cubicBezTo>
+                <a:cubicBezTo>
+                  <a:pt x="231872" y="148659"/>
+                  <a:pt x="313253" y="83221"/>
+                  <a:pt x="381467" y="84147"/>
+                </a:cubicBezTo>
+                <a:cubicBezTo>
+                  <a:pt x="449681" y="85073"/>
+                  <a:pt x="526757" y="146134"/>
+                  <a:pt x="577581" y="140189"/>
+                </a:cubicBezTo>
+                <a:cubicBezTo>
+                  <a:pt x="628405" y="134244"/>
+                  <a:pt x="673961" y="78792"/>
+                  <a:pt x="729276" y="5610"/>
+                </a:cubicBezTo>
+              </a:path>
+            </a:pathLst>
+          </a:custGeom>
+          <a:solidFill>
+            <a:schemeClr val="bg1">
+              <a:lumMod val="85000"/>
+            </a:schemeClr>
+          </a:solidFill>
+          <a:ln w="12700">
+            <a:solidFill>
+              <a:schemeClr val="tx1"/>
+            </a:solidFill>
+          </a:ln>
+        </p:spPr>
+        <p:style>
+          <a:lnRef idx="1">
+            <a:schemeClr val="accent1"/>
+          </a:lnRef>
+          <a:fillRef idx="0">
+            <a:schemeClr val="accent1"/>
+          </a:fillRef>
+          <a:effectRef idx="0">
+            <a:schemeClr val="accent1"/>
+          </a:effectRef>
+          <a:fontRef idx="minor">
+            <a:schemeClr val="tx1"/>
+          </a:fontRef>
+        </p:style>
+        <p:txBody>
+          <a:bodyPr rtlCol="0" anchor="ctr"/>
+          <a:lstStyle/>
+          <a:p>
+            <a:pPr algn="ctr"/>
+            <a:endParaRPr lang="fr-FR"/>
+          </a:p>
+        </p:txBody>
+      </p:sp>
+      <p:cxnSp>
+        <p:nvCxnSpPr>
+          <p:cNvPr id="91" name="Connecteur droit 90"/>
+          <p:cNvCxnSpPr/>
+          <p:nvPr/>
+        </p:nvCxnSpPr>
+        <p:spPr>
+          <a:xfrm>
+            <a:off x="3119516" y="2096852"/>
+            <a:ext cx="0" cy="216024"/>
+          </a:xfrm>
+          <a:prstGeom prst="line">
+            <a:avLst/>
+          </a:prstGeom>
+          <a:noFill/>
+          <a:ln w="28575">
+            <a:solidFill>
+              <a:schemeClr val="tx1"/>
+            </a:solidFill>
+          </a:ln>
+        </p:spPr>
+        <p:style>
+          <a:lnRef idx="2">
+            <a:schemeClr val="accent1">
+              <a:shade val="50000"/>
+            </a:schemeClr>
+          </a:lnRef>
+          <a:fillRef idx="1">
+            <a:schemeClr val="accent1"/>
+          </a:fillRef>
+          <a:effectRef idx="0">
+            <a:schemeClr val="accent1"/>
+          </a:effectRef>
+          <a:fontRef idx="minor">
+            <a:schemeClr val="lt1"/>
+          </a:fontRef>
+        </p:style>
+      </p:cxnSp>
+      <p:cxnSp>
+        <p:nvCxnSpPr>
+          <p:cNvPr id="92" name="Connecteur droit 91"/>
+          <p:cNvCxnSpPr/>
+          <p:nvPr/>
+        </p:nvCxnSpPr>
+        <p:spPr>
+          <a:xfrm>
+            <a:off x="2831484" y="2312876"/>
+            <a:ext cx="576064" cy="0"/>
+          </a:xfrm>
+          <a:prstGeom prst="line">
+            <a:avLst/>
+          </a:prstGeom>
+          <a:noFill/>
+          <a:ln w="28575">
+            <a:solidFill>
+              <a:schemeClr val="tx1"/>
+            </a:solidFill>
+          </a:ln>
+        </p:spPr>
+        <p:style>
+          <a:lnRef idx="2">
+            <a:schemeClr val="accent1">
+              <a:shade val="50000"/>
+            </a:schemeClr>
+          </a:lnRef>
+          <a:fillRef idx="1">
+            <a:schemeClr val="accent1"/>
+          </a:fillRef>
+          <a:effectRef idx="0">
+            <a:schemeClr val="accent1"/>
+          </a:effectRef>
+          <a:fontRef idx="minor">
+            <a:schemeClr val="lt1"/>
+          </a:fontRef>
+        </p:style>
+      </p:cxnSp>
+      <p:sp>
+        <p:nvSpPr>
+          <p:cNvPr id="93" name="Forme libre 92"/>
+          <p:cNvSpPr/>
+          <p:nvPr/>
+        </p:nvSpPr>
+        <p:spPr>
+          <a:xfrm>
+            <a:off x="3993899" y="2312876"/>
+            <a:ext cx="576064" cy="140596"/>
+          </a:xfrm>
+          <a:custGeom>
+            <a:avLst/>
+            <a:gdLst>
+              <a:gd name="connsiteX0" fmla="*/ 0 w 729276"/>
+              <a:gd name="connsiteY0" fmla="*/ 0 h 152951"/>
+              <a:gd name="connsiteX1" fmla="*/ 168294 w 729276"/>
+              <a:gd name="connsiteY1" fmla="*/ 134635 h 152951"/>
+              <a:gd name="connsiteX2" fmla="*/ 381467 w 729276"/>
+              <a:gd name="connsiteY2" fmla="*/ 84147 h 152951"/>
+              <a:gd name="connsiteX3" fmla="*/ 594640 w 729276"/>
+              <a:gd name="connsiteY3" fmla="*/ 151465 h 152951"/>
+              <a:gd name="connsiteX4" fmla="*/ 729276 w 729276"/>
+              <a:gd name="connsiteY4" fmla="*/ 5610 h 152951"/>
+              <a:gd name="connsiteX0" fmla="*/ 0 w 732876"/>
+              <a:gd name="connsiteY0" fmla="*/ 7459 h 160523"/>
+              <a:gd name="connsiteX1" fmla="*/ 168294 w 732876"/>
+              <a:gd name="connsiteY1" fmla="*/ 142094 h 160523"/>
+              <a:gd name="connsiteX2" fmla="*/ 381467 w 732876"/>
+              <a:gd name="connsiteY2" fmla="*/ 91606 h 160523"/>
+              <a:gd name="connsiteX3" fmla="*/ 594640 w 732876"/>
+              <a:gd name="connsiteY3" fmla="*/ 158924 h 160523"/>
+              <a:gd name="connsiteX4" fmla="*/ 719996 w 732876"/>
+              <a:gd name="connsiteY4" fmla="*/ 9693 h 160523"/>
+              <a:gd name="connsiteX5" fmla="*/ 729276 w 732876"/>
+              <a:gd name="connsiteY5" fmla="*/ 13069 h 160523"/>
+              <a:gd name="connsiteX0" fmla="*/ 0 w 732876"/>
+              <a:gd name="connsiteY0" fmla="*/ 7459 h 144116"/>
+              <a:gd name="connsiteX1" fmla="*/ 168294 w 732876"/>
+              <a:gd name="connsiteY1" fmla="*/ 142094 h 144116"/>
+              <a:gd name="connsiteX2" fmla="*/ 381467 w 732876"/>
+              <a:gd name="connsiteY2" fmla="*/ 91606 h 144116"/>
+              <a:gd name="connsiteX3" fmla="*/ 589488 w 732876"/>
+              <a:gd name="connsiteY3" fmla="*/ 135742 h 144116"/>
+              <a:gd name="connsiteX4" fmla="*/ 719996 w 732876"/>
+              <a:gd name="connsiteY4" fmla="*/ 9693 h 144116"/>
+              <a:gd name="connsiteX5" fmla="*/ 729276 w 732876"/>
+              <a:gd name="connsiteY5" fmla="*/ 13069 h 144116"/>
+              <a:gd name="connsiteX0" fmla="*/ 0 w 731506"/>
+              <a:gd name="connsiteY0" fmla="*/ 0 h 136657"/>
+              <a:gd name="connsiteX1" fmla="*/ 168294 w 731506"/>
+              <a:gd name="connsiteY1" fmla="*/ 134635 h 136657"/>
+              <a:gd name="connsiteX2" fmla="*/ 381467 w 731506"/>
+              <a:gd name="connsiteY2" fmla="*/ 84147 h 136657"/>
+              <a:gd name="connsiteX3" fmla="*/ 589488 w 731506"/>
+              <a:gd name="connsiteY3" fmla="*/ 128283 h 136657"/>
+              <a:gd name="connsiteX4" fmla="*/ 717420 w 731506"/>
+              <a:gd name="connsiteY4" fmla="*/ 35719 h 136657"/>
+              <a:gd name="connsiteX5" fmla="*/ 729276 w 731506"/>
+              <a:gd name="connsiteY5" fmla="*/ 5610 h 136657"/>
+              <a:gd name="connsiteX0" fmla="*/ 0 w 729276"/>
+              <a:gd name="connsiteY0" fmla="*/ 0 h 136657"/>
+              <a:gd name="connsiteX1" fmla="*/ 168294 w 729276"/>
+              <a:gd name="connsiteY1" fmla="*/ 134635 h 136657"/>
+              <a:gd name="connsiteX2" fmla="*/ 381467 w 729276"/>
+              <a:gd name="connsiteY2" fmla="*/ 84147 h 136657"/>
+              <a:gd name="connsiteX3" fmla="*/ 589488 w 729276"/>
+              <a:gd name="connsiteY3" fmla="*/ 128283 h 136657"/>
+              <a:gd name="connsiteX4" fmla="*/ 631695 w 729276"/>
+              <a:gd name="connsiteY4" fmla="*/ 59532 h 136657"/>
+              <a:gd name="connsiteX5" fmla="*/ 729276 w 729276"/>
+              <a:gd name="connsiteY5" fmla="*/ 5610 h 136657"/>
+              <a:gd name="connsiteX0" fmla="*/ 0 w 729276"/>
+              <a:gd name="connsiteY0" fmla="*/ 0 h 136657"/>
+              <a:gd name="connsiteX1" fmla="*/ 168294 w 729276"/>
+              <a:gd name="connsiteY1" fmla="*/ 134635 h 136657"/>
+              <a:gd name="connsiteX2" fmla="*/ 381467 w 729276"/>
+              <a:gd name="connsiteY2" fmla="*/ 84147 h 136657"/>
+              <a:gd name="connsiteX3" fmla="*/ 589488 w 729276"/>
+              <a:gd name="connsiteY3" fmla="*/ 128283 h 136657"/>
+              <a:gd name="connsiteX4" fmla="*/ 729276 w 729276"/>
+              <a:gd name="connsiteY4" fmla="*/ 5610 h 136657"/>
+              <a:gd name="connsiteX0" fmla="*/ 0 w 729276"/>
+              <a:gd name="connsiteY0" fmla="*/ 0 h 136657"/>
+              <a:gd name="connsiteX1" fmla="*/ 168294 w 729276"/>
+              <a:gd name="connsiteY1" fmla="*/ 134635 h 136657"/>
+              <a:gd name="connsiteX2" fmla="*/ 381467 w 729276"/>
+              <a:gd name="connsiteY2" fmla="*/ 84147 h 136657"/>
+              <a:gd name="connsiteX3" fmla="*/ 589488 w 729276"/>
+              <a:gd name="connsiteY3" fmla="*/ 128283 h 136657"/>
+              <a:gd name="connsiteX4" fmla="*/ 729276 w 729276"/>
+              <a:gd name="connsiteY4" fmla="*/ 5610 h 136657"/>
+              <a:gd name="connsiteX0" fmla="*/ 0 w 729276"/>
+              <a:gd name="connsiteY0" fmla="*/ 0 h 141857"/>
+              <a:gd name="connsiteX1" fmla="*/ 168294 w 729276"/>
+              <a:gd name="connsiteY1" fmla="*/ 134635 h 141857"/>
+              <a:gd name="connsiteX2" fmla="*/ 381467 w 729276"/>
+              <a:gd name="connsiteY2" fmla="*/ 84147 h 141857"/>
+              <a:gd name="connsiteX3" fmla="*/ 577581 w 729276"/>
+              <a:gd name="connsiteY3" fmla="*/ 140189 h 141857"/>
+              <a:gd name="connsiteX4" fmla="*/ 729276 w 729276"/>
+              <a:gd name="connsiteY4" fmla="*/ 5610 h 141857"/>
+              <a:gd name="connsiteX0" fmla="*/ 0 w 729276"/>
+              <a:gd name="connsiteY0" fmla="*/ 0 h 140596"/>
+              <a:gd name="connsiteX1" fmla="*/ 168294 w 729276"/>
+              <a:gd name="connsiteY1" fmla="*/ 134635 h 140596"/>
+              <a:gd name="connsiteX2" fmla="*/ 381467 w 729276"/>
+              <a:gd name="connsiteY2" fmla="*/ 84147 h 140596"/>
+              <a:gd name="connsiteX3" fmla="*/ 577581 w 729276"/>
+              <a:gd name="connsiteY3" fmla="*/ 140189 h 140596"/>
+              <a:gd name="connsiteX4" fmla="*/ 729276 w 729276"/>
+              <a:gd name="connsiteY4" fmla="*/ 5610 h 140596"/>
+            </a:gdLst>
+            <a:ahLst/>
+            <a:cxnLst>
+              <a:cxn ang="0">
+                <a:pos x="connsiteX0" y="connsiteY0"/>
+              </a:cxn>
+              <a:cxn ang="0">
+                <a:pos x="connsiteX1" y="connsiteY1"/>
+              </a:cxn>
+              <a:cxn ang="0">
+                <a:pos x="connsiteX2" y="connsiteY2"/>
+              </a:cxn>
+              <a:cxn ang="0">
+                <a:pos x="connsiteX3" y="connsiteY3"/>
+              </a:cxn>
+              <a:cxn ang="0">
+                <a:pos x="connsiteX4" y="connsiteY4"/>
+              </a:cxn>
+            </a:cxnLst>
+            <a:rect l="l" t="t" r="r" b="b"/>
+            <a:pathLst>
+              <a:path w="729276" h="140596">
+                <a:moveTo>
+                  <a:pt x="0" y="0"/>
+                </a:moveTo>
+                <a:cubicBezTo>
+                  <a:pt x="52358" y="60305"/>
+                  <a:pt x="104716" y="120611"/>
+                  <a:pt x="168294" y="134635"/>
+                </a:cubicBezTo>
+                <a:cubicBezTo>
+                  <a:pt x="231872" y="148659"/>
+                  <a:pt x="313253" y="83221"/>
+                  <a:pt x="381467" y="84147"/>
+                </a:cubicBezTo>
+                <a:cubicBezTo>
+                  <a:pt x="449681" y="85073"/>
+                  <a:pt x="526757" y="146134"/>
+                  <a:pt x="577581" y="140189"/>
+                </a:cubicBezTo>
+                <a:cubicBezTo>
+                  <a:pt x="628405" y="134244"/>
+                  <a:pt x="673961" y="78792"/>
+                  <a:pt x="729276" y="5610"/>
+                </a:cubicBezTo>
+              </a:path>
+            </a:pathLst>
+          </a:custGeom>
+          <a:solidFill>
+            <a:schemeClr val="bg1">
+              <a:lumMod val="85000"/>
+            </a:schemeClr>
+          </a:solidFill>
+          <a:ln w="12700">
+            <a:solidFill>
+              <a:schemeClr val="tx1"/>
+            </a:solidFill>
+          </a:ln>
+        </p:spPr>
+        <p:style>
+          <a:lnRef idx="1">
+            <a:schemeClr val="accent1"/>
+          </a:lnRef>
+          <a:fillRef idx="0">
+            <a:schemeClr val="accent1"/>
+          </a:fillRef>
+          <a:effectRef idx="0">
+            <a:schemeClr val="accent1"/>
+          </a:effectRef>
+          <a:fontRef idx="minor">
+            <a:schemeClr val="tx1"/>
+          </a:fontRef>
+        </p:style>
+        <p:txBody>
+          <a:bodyPr rtlCol="0" anchor="ctr"/>
+          <a:lstStyle/>
+          <a:p>
+            <a:pPr algn="ctr"/>
+            <a:endParaRPr lang="fr-FR"/>
+          </a:p>
+        </p:txBody>
+      </p:sp>
+      <p:cxnSp>
+        <p:nvCxnSpPr>
+          <p:cNvPr id="94" name="Connecteur droit 93"/>
+          <p:cNvCxnSpPr/>
+          <p:nvPr/>
+        </p:nvCxnSpPr>
+        <p:spPr>
+          <a:xfrm>
+            <a:off x="4281931" y="2096852"/>
+            <a:ext cx="0" cy="216024"/>
+          </a:xfrm>
+          <a:prstGeom prst="line">
+            <a:avLst/>
+          </a:prstGeom>
+          <a:noFill/>
+          <a:ln w="28575">
+            <a:solidFill>
+              <a:schemeClr val="tx1"/>
+            </a:solidFill>
+          </a:ln>
+        </p:spPr>
+        <p:style>
+          <a:lnRef idx="2">
+            <a:schemeClr val="accent1">
+              <a:shade val="50000"/>
+            </a:schemeClr>
+          </a:lnRef>
+          <a:fillRef idx="1">
+            <a:schemeClr val="accent1"/>
+          </a:fillRef>
+          <a:effectRef idx="0">
+            <a:schemeClr val="accent1"/>
+          </a:effectRef>
+          <a:fontRef idx="minor">
+            <a:schemeClr val="lt1"/>
+          </a:fontRef>
+        </p:style>
+      </p:cxnSp>
+      <p:cxnSp>
+        <p:nvCxnSpPr>
+          <p:cNvPr id="95" name="Connecteur droit 94"/>
+          <p:cNvCxnSpPr/>
+          <p:nvPr/>
+        </p:nvCxnSpPr>
+        <p:spPr>
+          <a:xfrm>
+            <a:off x="3993899" y="2312876"/>
+            <a:ext cx="576064" cy="0"/>
+          </a:xfrm>
+          <a:prstGeom prst="line">
+            <a:avLst/>
+          </a:prstGeom>
+          <a:noFill/>
+          <a:ln w="28575">
+            <a:solidFill>
+              <a:schemeClr val="tx1"/>
+            </a:solidFill>
+          </a:ln>
+        </p:spPr>
+        <p:style>
+          <a:lnRef idx="2">
+            <a:schemeClr val="accent1">
+              <a:shade val="50000"/>
+            </a:schemeClr>
+          </a:lnRef>
+          <a:fillRef idx="1">
+            <a:schemeClr val="accent1"/>
+          </a:fillRef>
+          <a:effectRef idx="0">
+            <a:schemeClr val="accent1"/>
+          </a:effectRef>
+          <a:fontRef idx="minor">
+            <a:schemeClr val="lt1"/>
+          </a:fontRef>
+        </p:style>
+      </p:cxnSp>
+      <p:sp>
+        <p:nvSpPr>
+          <p:cNvPr id="96" name="Ellipse 95"/>
+          <p:cNvSpPr/>
+          <p:nvPr/>
+        </p:nvSpPr>
+        <p:spPr>
+          <a:xfrm>
+            <a:off x="3927407" y="1498988"/>
+            <a:ext cx="276999" cy="276999"/>
+          </a:xfrm>
+          <a:prstGeom prst="ellipse">
+            <a:avLst/>
+          </a:prstGeom>
+          <a:noFill/>
+          <a:ln w="28575">
+            <a:solidFill>
+              <a:srgbClr val="00B050"/>
+            </a:solidFill>
+          </a:ln>
+        </p:spPr>
+        <p:style>
+          <a:lnRef idx="2">
+            <a:schemeClr val="accent1">
+              <a:shade val="50000"/>
+            </a:schemeClr>
+          </a:lnRef>
+          <a:fillRef idx="1">
+            <a:schemeClr val="accent1"/>
+          </a:fillRef>
+          <a:effectRef idx="0">
+            <a:schemeClr val="accent1"/>
+          </a:effectRef>
+          <a:fontRef idx="minor">
+            <a:schemeClr val="lt1"/>
+          </a:fontRef>
+        </p:style>
+        <p:txBody>
+          <a:bodyPr lIns="0" tIns="0" rIns="0" bIns="0" rtlCol="0" anchor="ctr"/>
+          <a:lstStyle/>
+          <a:p>
+            <a:pPr algn="ctr"/>
+            <a:r>
+              <a:rPr lang="fr-FR" sz="1400" dirty="0">
+                <a:ln>
+                  <a:solidFill>
+                    <a:srgbClr val="00B050"/>
+                  </a:solidFill>
+                </a:ln>
+                <a:solidFill>
+                  <a:srgbClr val="00B050"/>
+                </a:solidFill>
+              </a:rPr>
+              <a:t>4</a:t>
+            </a:r>
+          </a:p>
+        </p:txBody>
+      </p:sp>
+      <p:cxnSp>
+        <p:nvCxnSpPr>
+          <p:cNvPr id="60" name="Connecteur droit 59"/>
+          <p:cNvCxnSpPr/>
+          <p:nvPr/>
+        </p:nvCxnSpPr>
+        <p:spPr>
+          <a:xfrm>
+            <a:off x="1895379" y="1052736"/>
+            <a:ext cx="168666" cy="0"/>
+          </a:xfrm>
+          <a:prstGeom prst="line">
+            <a:avLst/>
+          </a:prstGeom>
+          <a:noFill/>
+          <a:ln w="28575">
+            <a:solidFill>
+              <a:srgbClr val="C00000"/>
+            </a:solidFill>
+          </a:ln>
+        </p:spPr>
+        <p:style>
+          <a:lnRef idx="2">
+            <a:schemeClr val="accent1">
+              <a:shade val="50000"/>
+            </a:schemeClr>
+          </a:lnRef>
+          <a:fillRef idx="1">
+            <a:schemeClr val="accent1"/>
+          </a:fillRef>
+          <a:effectRef idx="0">
+            <a:schemeClr val="accent1"/>
+          </a:effectRef>
+          <a:fontRef idx="minor">
+            <a:schemeClr val="lt1"/>
+          </a:fontRef>
+        </p:style>
+      </p:cxnSp>
+      <p:cxnSp>
+        <p:nvCxnSpPr>
+          <p:cNvPr id="65" name="Connecteur droit 64"/>
+          <p:cNvCxnSpPr/>
+          <p:nvPr/>
+        </p:nvCxnSpPr>
+        <p:spPr>
+          <a:xfrm>
+            <a:off x="1666686" y="3645050"/>
+            <a:ext cx="296658" cy="0"/>
+          </a:xfrm>
+          <a:prstGeom prst="line">
+            <a:avLst/>
+          </a:prstGeom>
+          <a:noFill/>
+          <a:ln w="28575">
+            <a:solidFill>
+              <a:srgbClr val="7030A0"/>
+            </a:solidFill>
+          </a:ln>
+        </p:spPr>
+        <p:style>
+          <a:lnRef idx="2">
+            <a:schemeClr val="accent1">
+              <a:shade val="50000"/>
+            </a:schemeClr>
+          </a:lnRef>
+          <a:fillRef idx="1">
+            <a:schemeClr val="accent1"/>
+          </a:fillRef>
+          <a:effectRef idx="0">
+            <a:schemeClr val="accent1"/>
+          </a:effectRef>
+          <a:fontRef idx="minor">
+            <a:schemeClr val="lt1"/>
+          </a:fontRef>
+        </p:style>
+      </p:cxnSp>
+      <p:cxnSp>
+        <p:nvCxnSpPr>
+          <p:cNvPr id="69" name="Connecteur droit 68"/>
+          <p:cNvCxnSpPr/>
+          <p:nvPr/>
+        </p:nvCxnSpPr>
+        <p:spPr>
+          <a:xfrm flipV="1">
+            <a:off x="1981508" y="303896"/>
+            <a:ext cx="0" cy="244783"/>
+          </a:xfrm>
+          <a:prstGeom prst="line">
+            <a:avLst/>
+          </a:prstGeom>
+          <a:noFill/>
+          <a:ln w="28575">
+            <a:solidFill>
+              <a:srgbClr val="7030A0"/>
+            </a:solidFill>
+          </a:ln>
+        </p:spPr>
+        <p:style>
+          <a:lnRef idx="2">
+            <a:schemeClr val="accent1">
+              <a:shade val="50000"/>
+            </a:schemeClr>
+          </a:lnRef>
+          <a:fillRef idx="1">
+            <a:schemeClr val="accent1"/>
+          </a:fillRef>
+          <a:effectRef idx="0">
+            <a:schemeClr val="accent1"/>
+          </a:effectRef>
+          <a:fontRef idx="minor">
+            <a:schemeClr val="lt1"/>
+          </a:fontRef>
+        </p:style>
+      </p:cxnSp>
+      <p:cxnSp>
+        <p:nvCxnSpPr>
+          <p:cNvPr id="70" name="Connecteur droit 69"/>
+          <p:cNvCxnSpPr/>
+          <p:nvPr/>
+        </p:nvCxnSpPr>
+        <p:spPr>
+          <a:xfrm flipV="1">
+            <a:off x="1963344" y="3400267"/>
+            <a:ext cx="0" cy="244783"/>
+          </a:xfrm>
+          <a:prstGeom prst="line">
+            <a:avLst/>
+          </a:prstGeom>
+          <a:noFill/>
+          <a:ln w="28575">
+            <a:solidFill>
+              <a:srgbClr val="7030A0"/>
+            </a:solidFill>
+          </a:ln>
+        </p:spPr>
+        <p:style>
+          <a:lnRef idx="2">
+            <a:schemeClr val="accent1">
+              <a:shade val="50000"/>
+            </a:schemeClr>
+          </a:lnRef>
+          <a:fillRef idx="1">
+            <a:schemeClr val="accent1"/>
+          </a:fillRef>
+          <a:effectRef idx="0">
+            <a:schemeClr val="accent1"/>
+          </a:effectRef>
+          <a:fontRef idx="minor">
+            <a:schemeClr val="lt1"/>
+          </a:fontRef>
+        </p:style>
+      </p:cxnSp>
+      <mc:AlternateContent xmlns:mc="http://schemas.openxmlformats.org/markup-compatibility/2006" xmlns:a14="http://schemas.microsoft.com/office/drawing/2010/main">
+        <mc:Choice Requires="a14">
+          <p:sp>
+            <p:nvSpPr>
+              <p:cNvPr id="71" name="ZoneTexte 70"/>
+              <p:cNvSpPr txBox="1"/>
+              <p:nvPr/>
+            </p:nvSpPr>
+            <p:spPr>
+              <a:xfrm>
+                <a:off x="1752118" y="1063769"/>
+                <a:ext cx="458779" cy="276999"/>
+              </a:xfrm>
+              <a:prstGeom prst="rect">
+                <a:avLst/>
+              </a:prstGeom>
+              <a:noFill/>
+            </p:spPr>
+            <p:txBody>
+              <a:bodyPr wrap="none" rtlCol="0">
+                <a:spAutoFit/>
+              </a:bodyPr>
+              <a:lstStyle/>
+              <a:p>
+                <a:pPr/>
+                <a14:m>
+                  <m:oMathPara xmlns:m="http://schemas.openxmlformats.org/officeDocument/2006/math">
+                    <m:oMathParaPr>
+                      <m:jc m:val="centerGroup"/>
+                    </m:oMathParaPr>
+                    <m:oMath xmlns:m="http://schemas.openxmlformats.org/officeDocument/2006/math">
+                      <m:sSub>
+                        <m:sSubPr>
+                          <m:ctrlPr>
+                            <a:rPr lang="fr-FR" sz="1200" b="1" i="1" smtClean="0">
+                              <a:latin typeface="Cambria Math"/>
+                            </a:rPr>
+                          </m:ctrlPr>
+                        </m:sSubPr>
+                        <m:e>
+                          <m:r>
+                            <a:rPr lang="fr-FR" sz="1200" b="1" i="1" smtClean="0">
+                              <a:latin typeface="Cambria Math"/>
+                            </a:rPr>
+                            <m:t>𝒁</m:t>
+                          </m:r>
+                        </m:e>
+                        <m:sub>
+                          <m:r>
+                            <a:rPr lang="fr-FR" sz="1200" b="1" i="1" smtClean="0">
+                              <a:latin typeface="Cambria Math"/>
+                            </a:rPr>
+                            <m:t>𝟐𝟏</m:t>
+                          </m:r>
+                        </m:sub>
+                      </m:sSub>
+                    </m:oMath>
+                  </m:oMathPara>
+                </a14:m>
+                <a:endParaRPr lang="fr-FR" sz="1200" b="1" dirty="0"/>
+              </a:p>
+            </p:txBody>
+          </p:sp>
+        </mc:Choice>
+        <mc:Fallback xmlns="">
+          <p:sp>
+            <p:nvSpPr>
+              <p:cNvPr id="71" name="ZoneTexte 70"/>
+              <p:cNvSpPr txBox="1">
+                <a:spLocks noRot="1" noChangeAspect="1" noMove="1" noResize="1" noEditPoints="1" noAdjustHandles="1" noChangeArrowheads="1" noChangeShapeType="1" noTextEdit="1"/>
+              </p:cNvSpPr>
+              <p:nvPr/>
+            </p:nvSpPr>
+            <p:spPr>
+              <a:xfrm>
+                <a:off x="1752118" y="1063769"/>
+                <a:ext cx="458779" cy="276999"/>
+              </a:xfrm>
+              <a:prstGeom prst="rect">
+                <a:avLst/>
+              </a:prstGeom>
+              <a:blipFill rotWithShape="1">
+                <a:blip r:embed="rId6"/>
+                <a:stretch>
+                  <a:fillRect/>
+                </a:stretch>
+              </a:blipFill>
+            </p:spPr>
+            <p:txBody>
+              <a:bodyPr/>
+              <a:lstStyle/>
+              <a:p>
+                <a:r>
+                  <a:rPr lang="fr-FR">
+                    <a:noFill/>
+                  </a:rPr>
+                  <a:t> </a:t>
+                </a:r>
+              </a:p>
+            </p:txBody>
+          </p:sp>
+        </mc:Fallback>
+      </mc:AlternateContent>
+      <mc:AlternateContent xmlns:mc="http://schemas.openxmlformats.org/markup-compatibility/2006" xmlns:a14="http://schemas.microsoft.com/office/drawing/2010/main">
+        <mc:Choice Requires="a14">
+          <p:sp>
+            <p:nvSpPr>
+              <p:cNvPr id="72" name="ZoneTexte 71"/>
+              <p:cNvSpPr txBox="1"/>
+              <p:nvPr/>
+            </p:nvSpPr>
+            <p:spPr>
+              <a:xfrm>
+                <a:off x="2602094" y="1337000"/>
+                <a:ext cx="458780" cy="276999"/>
+              </a:xfrm>
+              <a:prstGeom prst="rect">
+                <a:avLst/>
+              </a:prstGeom>
+              <a:noFill/>
+            </p:spPr>
+            <p:txBody>
+              <a:bodyPr wrap="none" rtlCol="0">
+                <a:spAutoFit/>
+              </a:bodyPr>
+              <a:lstStyle/>
+              <a:p>
+                <a:pPr/>
+                <a14:m>
+                  <m:oMathPara xmlns:m="http://schemas.openxmlformats.org/officeDocument/2006/math">
+                    <m:oMathParaPr>
+                      <m:jc m:val="centerGroup"/>
+                    </m:oMathParaPr>
+                    <m:oMath xmlns:m="http://schemas.openxmlformats.org/officeDocument/2006/math">
+                      <m:sSub>
+                        <m:sSubPr>
+                          <m:ctrlPr>
+                            <a:rPr lang="fr-FR" sz="1200" b="1" i="1" smtClean="0">
+                              <a:latin typeface="Cambria Math"/>
+                            </a:rPr>
+                          </m:ctrlPr>
+                        </m:sSubPr>
+                        <m:e>
+                          <m:r>
+                            <a:rPr lang="fr-FR" sz="1200" b="1" i="1" smtClean="0">
+                              <a:latin typeface="Cambria Math"/>
+                            </a:rPr>
+                            <m:t>𝒁</m:t>
+                          </m:r>
+                        </m:e>
+                        <m:sub>
+                          <m:r>
+                            <a:rPr lang="fr-FR" sz="1200" b="1" i="1" smtClean="0">
+                              <a:latin typeface="Cambria Math"/>
+                            </a:rPr>
+                            <m:t>𝟐𝟒</m:t>
+                          </m:r>
+                        </m:sub>
+                      </m:sSub>
+                    </m:oMath>
+                  </m:oMathPara>
+                </a14:m>
+                <a:endParaRPr lang="fr-FR" sz="1200" b="1" dirty="0"/>
+              </a:p>
+            </p:txBody>
+          </p:sp>
+        </mc:Choice>
+        <mc:Fallback xmlns="">
+          <p:sp>
+            <p:nvSpPr>
+              <p:cNvPr id="72" name="ZoneTexte 71"/>
+              <p:cNvSpPr txBox="1">
+                <a:spLocks noRot="1" noChangeAspect="1" noMove="1" noResize="1" noEditPoints="1" noAdjustHandles="1" noChangeArrowheads="1" noChangeShapeType="1" noTextEdit="1"/>
+              </p:cNvSpPr>
+              <p:nvPr/>
+            </p:nvSpPr>
+            <p:spPr>
+              <a:xfrm>
+                <a:off x="2602094" y="1337000"/>
+                <a:ext cx="458780" cy="276999"/>
+              </a:xfrm>
+              <a:prstGeom prst="rect">
+                <a:avLst/>
+              </a:prstGeom>
+              <a:blipFill rotWithShape="1">
+                <a:blip r:embed="rId7"/>
+                <a:stretch>
+                  <a:fillRect/>
+                </a:stretch>
+              </a:blipFill>
+            </p:spPr>
+            <p:txBody>
+              <a:bodyPr/>
+              <a:lstStyle/>
+              <a:p>
+                <a:r>
+                  <a:rPr lang="fr-FR">
+                    <a:noFill/>
+                  </a:rPr>
+                  <a:t> </a:t>
+                </a:r>
+              </a:p>
+            </p:txBody>
+          </p:sp>
+        </mc:Fallback>
+      </mc:AlternateContent>
+    </p:spTree>
+    <p:extLst>
+      <p:ext uri="{BB962C8B-B14F-4D97-AF65-F5344CB8AC3E}">
+        <p14:creationId xmlns:p14="http://schemas.microsoft.com/office/powerpoint/2010/main" val="3760742479"/>
+      </p:ext>
+    </p:extLst>
+  </p:cSld>
+  <p:clrMapOvr>
+    <a:masterClrMapping/>
+  </p:clrMapOvr>
+</p:sld>
+</file>
+
+<file path=ppt/slides/slide7.xml><?xml version="1.0" encoding="utf-8"?>
 <p:sld xmlns:a="http://schemas.openxmlformats.org/drawingml/2006/main" xmlns:r="http://schemas.openxmlformats.org/officeDocument/2006/relationships" xmlns:p="http://schemas.openxmlformats.org/presentationml/2006/main">
   <p:cSld>
     <p:spTree>
@@ -14207,7 +23210,7 @@
 </p:sld>
 </file>
 
-<file path=ppt/slides/slide5.xml><?xml version="1.0" encoding="utf-8"?>
+<file path=ppt/slides/slide8.xml><?xml version="1.0" encoding="utf-8"?>
 <p:sld xmlns:a="http://schemas.openxmlformats.org/drawingml/2006/main" xmlns:r="http://schemas.openxmlformats.org/officeDocument/2006/relationships" xmlns:p="http://schemas.openxmlformats.org/presentationml/2006/main">
   <p:cSld>
     <p:spTree>
@@ -16463,7 +25466,7 @@
 </p:sld>
 </file>
 
-<file path=ppt/slides/slide6.xml><?xml version="1.0" encoding="utf-8"?>
+<file path=ppt/slides/slide9.xml><?xml version="1.0" encoding="utf-8"?>
 <p:sld xmlns:a="http://schemas.openxmlformats.org/drawingml/2006/main" xmlns:r="http://schemas.openxmlformats.org/officeDocument/2006/relationships" xmlns:p="http://schemas.openxmlformats.org/presentationml/2006/main">
   <p:cSld>
     <p:spTree>

--- a/02_Cinematique_TrainsEpi/Application_InertieEquivalente_Reducteur/images/Figures.pptx
+++ b/02_Cinematique_TrainsEpi/Application_InertieEquivalente_Reducteur/images/Figures.pptx
@@ -11445,16 +11445,130 @@
         </p:nvCxnSpPr>
         <p:spPr>
           <a:xfrm>
-            <a:off x="602934" y="1988840"/>
-            <a:ext cx="1080120" cy="0"/>
-          </a:xfrm>
-          <a:prstGeom prst="line">
-            <a:avLst/>
-          </a:prstGeom>
-          <a:noFill/>
-          <a:ln w="28575">
-            <a:solidFill>
-              <a:srgbClr val="7030A0"/>
+            <a:off x="962973" y="1988840"/>
+            <a:ext cx="720081" cy="0"/>
+          </a:xfrm>
+          <a:prstGeom prst="line">
+            <a:avLst/>
+          </a:prstGeom>
+          <a:noFill/>
+          <a:ln w="28575">
+            <a:solidFill>
+              <a:schemeClr val="tx1"/>
+            </a:solidFill>
+          </a:ln>
+        </p:spPr>
+        <p:style>
+          <a:lnRef idx="2">
+            <a:schemeClr val="accent1">
+              <a:shade val="50000"/>
+            </a:schemeClr>
+          </a:lnRef>
+          <a:fillRef idx="1">
+            <a:schemeClr val="accent1"/>
+          </a:fillRef>
+          <a:effectRef idx="0">
+            <a:schemeClr val="accent1"/>
+          </a:effectRef>
+          <a:fontRef idx="minor">
+            <a:schemeClr val="lt1"/>
+          </a:fontRef>
+        </p:style>
+      </p:cxnSp>
+      <p:cxnSp>
+        <p:nvCxnSpPr>
+          <p:cNvPr id="13" name="Connecteur droit 12"/>
+          <p:cNvCxnSpPr/>
+          <p:nvPr/>
+        </p:nvCxnSpPr>
+        <p:spPr>
+          <a:xfrm>
+            <a:off x="962974" y="1980213"/>
+            <a:ext cx="0" cy="332663"/>
+          </a:xfrm>
+          <a:prstGeom prst="line">
+            <a:avLst/>
+          </a:prstGeom>
+          <a:noFill/>
+          <a:ln w="28575">
+            <a:solidFill>
+              <a:schemeClr val="tx1"/>
+            </a:solidFill>
+          </a:ln>
+        </p:spPr>
+        <p:style>
+          <a:lnRef idx="2">
+            <a:schemeClr val="accent1">
+              <a:shade val="50000"/>
+            </a:schemeClr>
+          </a:lnRef>
+          <a:fillRef idx="1">
+            <a:schemeClr val="accent1"/>
+          </a:fillRef>
+          <a:effectRef idx="0">
+            <a:schemeClr val="accent1"/>
+          </a:effectRef>
+          <a:fontRef idx="minor">
+            <a:schemeClr val="lt1"/>
+          </a:fontRef>
+        </p:style>
+      </p:cxnSp>
+      <p:cxnSp>
+        <p:nvCxnSpPr>
+          <p:cNvPr id="14" name="Connecteur droit 13"/>
+          <p:cNvCxnSpPr/>
+          <p:nvPr/>
+        </p:nvCxnSpPr>
+        <p:spPr>
+          <a:xfrm>
+            <a:off x="674942" y="2312876"/>
+            <a:ext cx="576064" cy="0"/>
+          </a:xfrm>
+          <a:prstGeom prst="line">
+            <a:avLst/>
+          </a:prstGeom>
+          <a:noFill/>
+          <a:ln w="28575">
+            <a:solidFill>
+              <a:schemeClr val="tx1"/>
+            </a:solidFill>
+          </a:ln>
+        </p:spPr>
+        <p:style>
+          <a:lnRef idx="2">
+            <a:schemeClr val="accent1">
+              <a:shade val="50000"/>
+            </a:schemeClr>
+          </a:lnRef>
+          <a:fillRef idx="1">
+            <a:schemeClr val="accent1"/>
+          </a:fillRef>
+          <a:effectRef idx="0">
+            <a:schemeClr val="accent1"/>
+          </a:effectRef>
+          <a:fontRef idx="minor">
+            <a:schemeClr val="lt1"/>
+          </a:fontRef>
+        </p:style>
+      </p:cxnSp>
+      <p:cxnSp>
+        <p:nvCxnSpPr>
+          <p:cNvPr id="17" name="Connecteur droit 16"/>
+          <p:cNvCxnSpPr/>
+          <p:nvPr/>
+        </p:nvCxnSpPr>
+        <p:spPr>
+          <a:xfrm>
+            <a:off x="1683054" y="300951"/>
+            <a:ext cx="0" cy="3344099"/>
+          </a:xfrm>
+          <a:prstGeom prst="line">
+            <a:avLst/>
+          </a:prstGeom>
+          <a:noFill/>
+          <a:ln w="28575">
+            <a:solidFill>
+              <a:schemeClr val="tx1"/>
             </a:solidFill>
           </a:ln>
         </p:spPr>
@@ -11477,13 +11591,13 @@
       </p:cxnSp>
       <p:sp>
         <p:nvSpPr>
-          <p:cNvPr id="6" name="Rectangle 5"/>
+          <p:cNvPr id="21" name="Rectangle 20"/>
           <p:cNvSpPr/>
           <p:nvPr/>
         </p:nvSpPr>
         <p:spPr>
           <a:xfrm>
-            <a:off x="746950" y="1880828"/>
+            <a:off x="2188912" y="692696"/>
             <a:ext cx="432048" cy="216024"/>
           </a:xfrm>
           <a:prstGeom prst="rect">
@@ -11492,7 +11606,9 @@
           <a:noFill/>
           <a:ln w="28575">
             <a:solidFill>
-              <a:schemeClr val="tx1"/>
+              <a:schemeClr val="accent5">
+                <a:lumMod val="50000"/>
+              </a:schemeClr>
             </a:solidFill>
           </a:ln>
         </p:spPr>
@@ -11523,13 +11639,13 @@
       </p:sp>
       <p:cxnSp>
         <p:nvCxnSpPr>
-          <p:cNvPr id="8" name="Connecteur droit 7"/>
-          <p:cNvCxnSpPr/>
-          <p:nvPr/>
-        </p:nvCxnSpPr>
-        <p:spPr>
-          <a:xfrm>
-            <a:off x="674942" y="1880828"/>
+          <p:cNvPr id="22" name="Connecteur droit 21"/>
+          <p:cNvCxnSpPr/>
+          <p:nvPr/>
+        </p:nvCxnSpPr>
+        <p:spPr>
+          <a:xfrm>
+            <a:off x="2116904" y="692696"/>
             <a:ext cx="0" cy="216024"/>
           </a:xfrm>
           <a:prstGeom prst="line">
@@ -11538,36 +11654,36 @@
           <a:noFill/>
           <a:ln w="28575">
             <a:solidFill>
-              <a:srgbClr val="7030A0"/>
-            </a:solidFill>
-          </a:ln>
-        </p:spPr>
-        <p:style>
-          <a:lnRef idx="2">
-            <a:schemeClr val="accent1">
-              <a:shade val="50000"/>
-            </a:schemeClr>
-          </a:lnRef>
-          <a:fillRef idx="1">
-            <a:schemeClr val="accent1"/>
-          </a:fillRef>
-          <a:effectRef idx="0">
-            <a:schemeClr val="accent1"/>
-          </a:effectRef>
-          <a:fontRef idx="minor">
-            <a:schemeClr val="lt1"/>
-          </a:fontRef>
-        </p:style>
-      </p:cxnSp>
-      <p:cxnSp>
-        <p:nvCxnSpPr>
-          <p:cNvPr id="12" name="Connecteur droit 11"/>
-          <p:cNvCxnSpPr/>
-          <p:nvPr/>
-        </p:nvCxnSpPr>
-        <p:spPr>
-          <a:xfrm>
-            <a:off x="1251006" y="1880828"/>
+              <a:srgbClr val="C00000"/>
+            </a:solidFill>
+          </a:ln>
+        </p:spPr>
+        <p:style>
+          <a:lnRef idx="2">
+            <a:schemeClr val="accent1">
+              <a:shade val="50000"/>
+            </a:schemeClr>
+          </a:lnRef>
+          <a:fillRef idx="1">
+            <a:schemeClr val="accent1"/>
+          </a:fillRef>
+          <a:effectRef idx="0">
+            <a:schemeClr val="accent1"/>
+          </a:effectRef>
+          <a:fontRef idx="minor">
+            <a:schemeClr val="lt1"/>
+          </a:fontRef>
+        </p:style>
+      </p:cxnSp>
+      <p:cxnSp>
+        <p:nvCxnSpPr>
+          <p:cNvPr id="23" name="Connecteur droit 22"/>
+          <p:cNvCxnSpPr/>
+          <p:nvPr/>
+        </p:nvCxnSpPr>
+        <p:spPr>
+          <a:xfrm>
+            <a:off x="2692968" y="692696"/>
             <a:ext cx="0" cy="216024"/>
           </a:xfrm>
           <a:prstGeom prst="line">
@@ -11576,37 +11692,113 @@
           <a:noFill/>
           <a:ln w="28575">
             <a:solidFill>
-              <a:srgbClr val="7030A0"/>
-            </a:solidFill>
-          </a:ln>
-        </p:spPr>
-        <p:style>
-          <a:lnRef idx="2">
-            <a:schemeClr val="accent1">
-              <a:shade val="50000"/>
-            </a:schemeClr>
-          </a:lnRef>
-          <a:fillRef idx="1">
-            <a:schemeClr val="accent1"/>
-          </a:fillRef>
-          <a:effectRef idx="0">
-            <a:schemeClr val="accent1"/>
-          </a:effectRef>
-          <a:fontRef idx="minor">
-            <a:schemeClr val="lt1"/>
-          </a:fontRef>
-        </p:style>
-      </p:cxnSp>
-      <p:cxnSp>
-        <p:nvCxnSpPr>
-          <p:cNvPr id="13" name="Connecteur droit 12"/>
-          <p:cNvCxnSpPr/>
-          <p:nvPr/>
-        </p:nvCxnSpPr>
-        <p:spPr>
-          <a:xfrm>
-            <a:off x="962974" y="2096852"/>
-            <a:ext cx="0" cy="216024"/>
+              <a:srgbClr val="C00000"/>
+            </a:solidFill>
+          </a:ln>
+        </p:spPr>
+        <p:style>
+          <a:lnRef idx="2">
+            <a:schemeClr val="accent1">
+              <a:shade val="50000"/>
+            </a:schemeClr>
+          </a:lnRef>
+          <a:fillRef idx="1">
+            <a:schemeClr val="accent1"/>
+          </a:fillRef>
+          <a:effectRef idx="0">
+            <a:schemeClr val="accent1"/>
+          </a:effectRef>
+          <a:fontRef idx="minor">
+            <a:schemeClr val="lt1"/>
+          </a:fontRef>
+        </p:style>
+      </p:cxnSp>
+      <p:cxnSp>
+        <p:nvCxnSpPr>
+          <p:cNvPr id="26" name="Connecteur droit 25"/>
+          <p:cNvCxnSpPr/>
+          <p:nvPr/>
+        </p:nvCxnSpPr>
+        <p:spPr>
+          <a:xfrm>
+            <a:off x="1979712" y="554560"/>
+            <a:ext cx="0" cy="504052"/>
+          </a:xfrm>
+          <a:prstGeom prst="line">
+            <a:avLst/>
+          </a:prstGeom>
+          <a:noFill/>
+          <a:ln w="28575">
+            <a:solidFill>
+              <a:srgbClr val="C00000"/>
+            </a:solidFill>
+          </a:ln>
+        </p:spPr>
+        <p:style>
+          <a:lnRef idx="2">
+            <a:schemeClr val="accent1">
+              <a:shade val="50000"/>
+            </a:schemeClr>
+          </a:lnRef>
+          <a:fillRef idx="1">
+            <a:schemeClr val="accent1"/>
+          </a:fillRef>
+          <a:effectRef idx="0">
+            <a:schemeClr val="accent1"/>
+          </a:effectRef>
+          <a:fontRef idx="minor">
+            <a:schemeClr val="lt1"/>
+          </a:fontRef>
+        </p:style>
+      </p:cxnSp>
+      <p:cxnSp>
+        <p:nvCxnSpPr>
+          <p:cNvPr id="27" name="Connecteur droit 26"/>
+          <p:cNvCxnSpPr/>
+          <p:nvPr/>
+        </p:nvCxnSpPr>
+        <p:spPr>
+          <a:xfrm>
+            <a:off x="1979712" y="806586"/>
+            <a:ext cx="857272" cy="0"/>
+          </a:xfrm>
+          <a:prstGeom prst="line">
+            <a:avLst/>
+          </a:prstGeom>
+          <a:noFill/>
+          <a:ln w="28575">
+            <a:solidFill>
+              <a:srgbClr val="C00000"/>
+            </a:solidFill>
+          </a:ln>
+        </p:spPr>
+        <p:style>
+          <a:lnRef idx="2">
+            <a:schemeClr val="accent1">
+              <a:shade val="50000"/>
+            </a:schemeClr>
+          </a:lnRef>
+          <a:fillRef idx="1">
+            <a:schemeClr val="accent1"/>
+          </a:fillRef>
+          <a:effectRef idx="0">
+            <a:schemeClr val="accent1"/>
+          </a:effectRef>
+          <a:fontRef idx="minor">
+            <a:schemeClr val="lt1"/>
+          </a:fontRef>
+        </p:style>
+      </p:cxnSp>
+      <p:cxnSp>
+        <p:nvCxnSpPr>
+          <p:cNvPr id="35" name="Connecteur droit 34"/>
+          <p:cNvCxnSpPr/>
+          <p:nvPr/>
+        </p:nvCxnSpPr>
+        <p:spPr>
+          <a:xfrm>
+            <a:off x="1683054" y="300951"/>
+            <a:ext cx="296658" cy="0"/>
           </a:xfrm>
           <a:prstGeom prst="line">
             <a:avLst/>
@@ -11637,60 +11829,98 @@
       </p:cxnSp>
       <p:cxnSp>
         <p:nvCxnSpPr>
-          <p:cNvPr id="14" name="Connecteur droit 13"/>
-          <p:cNvCxnSpPr/>
-          <p:nvPr/>
-        </p:nvCxnSpPr>
-        <p:spPr>
-          <a:xfrm>
-            <a:off x="674942" y="2312876"/>
-            <a:ext cx="576064" cy="0"/>
-          </a:xfrm>
-          <a:prstGeom prst="line">
-            <a:avLst/>
-          </a:prstGeom>
-          <a:noFill/>
-          <a:ln w="28575">
-            <a:solidFill>
-              <a:schemeClr val="tx1"/>
-            </a:solidFill>
-          </a:ln>
-        </p:spPr>
-        <p:style>
-          <a:lnRef idx="2">
-            <a:schemeClr val="accent1">
-              <a:shade val="50000"/>
-            </a:schemeClr>
-          </a:lnRef>
-          <a:fillRef idx="1">
-            <a:schemeClr val="accent1"/>
-          </a:fillRef>
-          <a:effectRef idx="0">
-            <a:schemeClr val="accent1"/>
-          </a:effectRef>
-          <a:fontRef idx="minor">
-            <a:schemeClr val="lt1"/>
-          </a:fontRef>
-        </p:style>
-      </p:cxnSp>
-      <p:cxnSp>
-        <p:nvCxnSpPr>
-          <p:cNvPr id="17" name="Connecteur droit 16"/>
-          <p:cNvCxnSpPr/>
-          <p:nvPr/>
-        </p:nvCxnSpPr>
-        <p:spPr>
-          <a:xfrm>
-            <a:off x="1683054" y="300951"/>
-            <a:ext cx="0" cy="3344099"/>
-          </a:xfrm>
-          <a:prstGeom prst="line">
-            <a:avLst/>
-          </a:prstGeom>
-          <a:noFill/>
-          <a:ln w="28575">
-            <a:solidFill>
-              <a:srgbClr val="7030A0"/>
+          <p:cNvPr id="38" name="Connecteur droit 37"/>
+          <p:cNvCxnSpPr/>
+          <p:nvPr/>
+        </p:nvCxnSpPr>
+        <p:spPr>
+          <a:xfrm flipH="1">
+            <a:off x="2831484" y="183117"/>
+            <a:ext cx="1020436" cy="0"/>
+          </a:xfrm>
+          <a:prstGeom prst="line">
+            <a:avLst/>
+          </a:prstGeom>
+          <a:noFill/>
+          <a:ln w="28575">
+            <a:solidFill>
+              <a:srgbClr val="00B050"/>
+            </a:solidFill>
+          </a:ln>
+        </p:spPr>
+        <p:style>
+          <a:lnRef idx="2">
+            <a:schemeClr val="accent1">
+              <a:shade val="50000"/>
+            </a:schemeClr>
+          </a:lnRef>
+          <a:fillRef idx="1">
+            <a:schemeClr val="accent1"/>
+          </a:fillRef>
+          <a:effectRef idx="0">
+            <a:schemeClr val="accent1"/>
+          </a:effectRef>
+          <a:fontRef idx="minor">
+            <a:schemeClr val="lt1"/>
+          </a:fontRef>
+        </p:style>
+      </p:cxnSp>
+      <p:cxnSp>
+        <p:nvCxnSpPr>
+          <p:cNvPr id="41" name="Connecteur droit 40"/>
+          <p:cNvCxnSpPr/>
+          <p:nvPr/>
+        </p:nvCxnSpPr>
+        <p:spPr>
+          <a:xfrm>
+            <a:off x="3851920" y="176884"/>
+            <a:ext cx="0" cy="3621163"/>
+          </a:xfrm>
+          <a:prstGeom prst="line">
+            <a:avLst/>
+          </a:prstGeom>
+          <a:noFill/>
+          <a:ln w="28575">
+            <a:solidFill>
+              <a:srgbClr val="00B050"/>
+            </a:solidFill>
+          </a:ln>
+        </p:spPr>
+        <p:style>
+          <a:lnRef idx="2">
+            <a:schemeClr val="accent1">
+              <a:shade val="50000"/>
+            </a:schemeClr>
+          </a:lnRef>
+          <a:fillRef idx="1">
+            <a:schemeClr val="accent1"/>
+          </a:fillRef>
+          <a:effectRef idx="0">
+            <a:schemeClr val="accent1"/>
+          </a:effectRef>
+          <a:fontRef idx="minor">
+            <a:schemeClr val="lt1"/>
+          </a:fontRef>
+        </p:style>
+      </p:cxnSp>
+      <p:cxnSp>
+        <p:nvCxnSpPr>
+          <p:cNvPr id="28" name="Connecteur droit 27"/>
+          <p:cNvCxnSpPr/>
+          <p:nvPr/>
+        </p:nvCxnSpPr>
+        <p:spPr>
+          <a:xfrm>
+            <a:off x="1895379" y="548680"/>
+            <a:ext cx="168666" cy="0"/>
+          </a:xfrm>
+          <a:prstGeom prst="line">
+            <a:avLst/>
+          </a:prstGeom>
+          <a:noFill/>
+          <a:ln w="28575">
+            <a:solidFill>
+              <a:srgbClr val="C00000"/>
             </a:solidFill>
           </a:ln>
         </p:spPr>
@@ -11713,13 +11943,13 @@
       </p:cxnSp>
       <p:sp>
         <p:nvSpPr>
-          <p:cNvPr id="21" name="Rectangle 20"/>
+          <p:cNvPr id="46" name="Rectangle 45"/>
           <p:cNvSpPr/>
           <p:nvPr/>
         </p:nvSpPr>
         <p:spPr>
           <a:xfrm>
-            <a:off x="2188912" y="692696"/>
+            <a:off x="2908992" y="1880828"/>
             <a:ext cx="432048" cy="216024"/>
           </a:xfrm>
           <a:prstGeom prst="rect">
@@ -11728,9 +11958,7 @@
           <a:noFill/>
           <a:ln w="28575">
             <a:solidFill>
-              <a:schemeClr val="accent5">
-                <a:lumMod val="50000"/>
-              </a:schemeClr>
+              <a:schemeClr val="tx1"/>
             </a:solidFill>
           </a:ln>
         </p:spPr>
@@ -11761,356 +11989,6 @@
       </p:sp>
       <p:cxnSp>
         <p:nvCxnSpPr>
-          <p:cNvPr id="22" name="Connecteur droit 21"/>
-          <p:cNvCxnSpPr/>
-          <p:nvPr/>
-        </p:nvCxnSpPr>
-        <p:spPr>
-          <a:xfrm>
-            <a:off x="2116904" y="692696"/>
-            <a:ext cx="0" cy="216024"/>
-          </a:xfrm>
-          <a:prstGeom prst="line">
-            <a:avLst/>
-          </a:prstGeom>
-          <a:noFill/>
-          <a:ln w="28575">
-            <a:solidFill>
-              <a:srgbClr val="C00000"/>
-            </a:solidFill>
-          </a:ln>
-        </p:spPr>
-        <p:style>
-          <a:lnRef idx="2">
-            <a:schemeClr val="accent1">
-              <a:shade val="50000"/>
-            </a:schemeClr>
-          </a:lnRef>
-          <a:fillRef idx="1">
-            <a:schemeClr val="accent1"/>
-          </a:fillRef>
-          <a:effectRef idx="0">
-            <a:schemeClr val="accent1"/>
-          </a:effectRef>
-          <a:fontRef idx="minor">
-            <a:schemeClr val="lt1"/>
-          </a:fontRef>
-        </p:style>
-      </p:cxnSp>
-      <p:cxnSp>
-        <p:nvCxnSpPr>
-          <p:cNvPr id="23" name="Connecteur droit 22"/>
-          <p:cNvCxnSpPr/>
-          <p:nvPr/>
-        </p:nvCxnSpPr>
-        <p:spPr>
-          <a:xfrm>
-            <a:off x="2692968" y="692696"/>
-            <a:ext cx="0" cy="216024"/>
-          </a:xfrm>
-          <a:prstGeom prst="line">
-            <a:avLst/>
-          </a:prstGeom>
-          <a:noFill/>
-          <a:ln w="28575">
-            <a:solidFill>
-              <a:srgbClr val="C00000"/>
-            </a:solidFill>
-          </a:ln>
-        </p:spPr>
-        <p:style>
-          <a:lnRef idx="2">
-            <a:schemeClr val="accent1">
-              <a:shade val="50000"/>
-            </a:schemeClr>
-          </a:lnRef>
-          <a:fillRef idx="1">
-            <a:schemeClr val="accent1"/>
-          </a:fillRef>
-          <a:effectRef idx="0">
-            <a:schemeClr val="accent1"/>
-          </a:effectRef>
-          <a:fontRef idx="minor">
-            <a:schemeClr val="lt1"/>
-          </a:fontRef>
-        </p:style>
-      </p:cxnSp>
-      <p:cxnSp>
-        <p:nvCxnSpPr>
-          <p:cNvPr id="26" name="Connecteur droit 25"/>
-          <p:cNvCxnSpPr/>
-          <p:nvPr/>
-        </p:nvCxnSpPr>
-        <p:spPr>
-          <a:xfrm>
-            <a:off x="1979712" y="554560"/>
-            <a:ext cx="0" cy="504052"/>
-          </a:xfrm>
-          <a:prstGeom prst="line">
-            <a:avLst/>
-          </a:prstGeom>
-          <a:noFill/>
-          <a:ln w="28575">
-            <a:solidFill>
-              <a:srgbClr val="C00000"/>
-            </a:solidFill>
-          </a:ln>
-        </p:spPr>
-        <p:style>
-          <a:lnRef idx="2">
-            <a:schemeClr val="accent1">
-              <a:shade val="50000"/>
-            </a:schemeClr>
-          </a:lnRef>
-          <a:fillRef idx="1">
-            <a:schemeClr val="accent1"/>
-          </a:fillRef>
-          <a:effectRef idx="0">
-            <a:schemeClr val="accent1"/>
-          </a:effectRef>
-          <a:fontRef idx="minor">
-            <a:schemeClr val="lt1"/>
-          </a:fontRef>
-        </p:style>
-      </p:cxnSp>
-      <p:cxnSp>
-        <p:nvCxnSpPr>
-          <p:cNvPr id="27" name="Connecteur droit 26"/>
-          <p:cNvCxnSpPr/>
-          <p:nvPr/>
-        </p:nvCxnSpPr>
-        <p:spPr>
-          <a:xfrm>
-            <a:off x="1979712" y="806586"/>
-            <a:ext cx="857272" cy="0"/>
-          </a:xfrm>
-          <a:prstGeom prst="line">
-            <a:avLst/>
-          </a:prstGeom>
-          <a:noFill/>
-          <a:ln w="28575">
-            <a:solidFill>
-              <a:srgbClr val="C00000"/>
-            </a:solidFill>
-          </a:ln>
-        </p:spPr>
-        <p:style>
-          <a:lnRef idx="2">
-            <a:schemeClr val="accent1">
-              <a:shade val="50000"/>
-            </a:schemeClr>
-          </a:lnRef>
-          <a:fillRef idx="1">
-            <a:schemeClr val="accent1"/>
-          </a:fillRef>
-          <a:effectRef idx="0">
-            <a:schemeClr val="accent1"/>
-          </a:effectRef>
-          <a:fontRef idx="minor">
-            <a:schemeClr val="lt1"/>
-          </a:fontRef>
-        </p:style>
-      </p:cxnSp>
-      <p:cxnSp>
-        <p:nvCxnSpPr>
-          <p:cNvPr id="35" name="Connecteur droit 34"/>
-          <p:cNvCxnSpPr/>
-          <p:nvPr/>
-        </p:nvCxnSpPr>
-        <p:spPr>
-          <a:xfrm>
-            <a:off x="1683054" y="300951"/>
-            <a:ext cx="296658" cy="0"/>
-          </a:xfrm>
-          <a:prstGeom prst="line">
-            <a:avLst/>
-          </a:prstGeom>
-          <a:noFill/>
-          <a:ln w="28575">
-            <a:solidFill>
-              <a:srgbClr val="7030A0"/>
-            </a:solidFill>
-          </a:ln>
-        </p:spPr>
-        <p:style>
-          <a:lnRef idx="2">
-            <a:schemeClr val="accent1">
-              <a:shade val="50000"/>
-            </a:schemeClr>
-          </a:lnRef>
-          <a:fillRef idx="1">
-            <a:schemeClr val="accent1"/>
-          </a:fillRef>
-          <a:effectRef idx="0">
-            <a:schemeClr val="accent1"/>
-          </a:effectRef>
-          <a:fontRef idx="minor">
-            <a:schemeClr val="lt1"/>
-          </a:fontRef>
-        </p:style>
-      </p:cxnSp>
-      <p:cxnSp>
-        <p:nvCxnSpPr>
-          <p:cNvPr id="38" name="Connecteur droit 37"/>
-          <p:cNvCxnSpPr/>
-          <p:nvPr/>
-        </p:nvCxnSpPr>
-        <p:spPr>
-          <a:xfrm flipH="1">
-            <a:off x="2831484" y="183117"/>
-            <a:ext cx="1020436" cy="0"/>
-          </a:xfrm>
-          <a:prstGeom prst="line">
-            <a:avLst/>
-          </a:prstGeom>
-          <a:noFill/>
-          <a:ln w="28575">
-            <a:solidFill>
-              <a:srgbClr val="00B050"/>
-            </a:solidFill>
-          </a:ln>
-        </p:spPr>
-        <p:style>
-          <a:lnRef idx="2">
-            <a:schemeClr val="accent1">
-              <a:shade val="50000"/>
-            </a:schemeClr>
-          </a:lnRef>
-          <a:fillRef idx="1">
-            <a:schemeClr val="accent1"/>
-          </a:fillRef>
-          <a:effectRef idx="0">
-            <a:schemeClr val="accent1"/>
-          </a:effectRef>
-          <a:fontRef idx="minor">
-            <a:schemeClr val="lt1"/>
-          </a:fontRef>
-        </p:style>
-      </p:cxnSp>
-      <p:cxnSp>
-        <p:nvCxnSpPr>
-          <p:cNvPr id="41" name="Connecteur droit 40"/>
-          <p:cNvCxnSpPr/>
-          <p:nvPr/>
-        </p:nvCxnSpPr>
-        <p:spPr>
-          <a:xfrm>
-            <a:off x="3851920" y="176884"/>
-            <a:ext cx="0" cy="3621163"/>
-          </a:xfrm>
-          <a:prstGeom prst="line">
-            <a:avLst/>
-          </a:prstGeom>
-          <a:noFill/>
-          <a:ln w="28575">
-            <a:solidFill>
-              <a:srgbClr val="00B050"/>
-            </a:solidFill>
-          </a:ln>
-        </p:spPr>
-        <p:style>
-          <a:lnRef idx="2">
-            <a:schemeClr val="accent1">
-              <a:shade val="50000"/>
-            </a:schemeClr>
-          </a:lnRef>
-          <a:fillRef idx="1">
-            <a:schemeClr val="accent1"/>
-          </a:fillRef>
-          <a:effectRef idx="0">
-            <a:schemeClr val="accent1"/>
-          </a:effectRef>
-          <a:fontRef idx="minor">
-            <a:schemeClr val="lt1"/>
-          </a:fontRef>
-        </p:style>
-      </p:cxnSp>
-      <p:cxnSp>
-        <p:nvCxnSpPr>
-          <p:cNvPr id="28" name="Connecteur droit 27"/>
-          <p:cNvCxnSpPr/>
-          <p:nvPr/>
-        </p:nvCxnSpPr>
-        <p:spPr>
-          <a:xfrm>
-            <a:off x="1895379" y="548680"/>
-            <a:ext cx="168666" cy="0"/>
-          </a:xfrm>
-          <a:prstGeom prst="line">
-            <a:avLst/>
-          </a:prstGeom>
-          <a:noFill/>
-          <a:ln w="28575">
-            <a:solidFill>
-              <a:srgbClr val="C00000"/>
-            </a:solidFill>
-          </a:ln>
-        </p:spPr>
-        <p:style>
-          <a:lnRef idx="2">
-            <a:schemeClr val="accent1">
-              <a:shade val="50000"/>
-            </a:schemeClr>
-          </a:lnRef>
-          <a:fillRef idx="1">
-            <a:schemeClr val="accent1"/>
-          </a:fillRef>
-          <a:effectRef idx="0">
-            <a:schemeClr val="accent1"/>
-          </a:effectRef>
-          <a:fontRef idx="minor">
-            <a:schemeClr val="lt1"/>
-          </a:fontRef>
-        </p:style>
-      </p:cxnSp>
-      <p:sp>
-        <p:nvSpPr>
-          <p:cNvPr id="46" name="Rectangle 45"/>
-          <p:cNvSpPr/>
-          <p:nvPr/>
-        </p:nvSpPr>
-        <p:spPr>
-          <a:xfrm>
-            <a:off x="2908992" y="1880828"/>
-            <a:ext cx="432048" cy="216024"/>
-          </a:xfrm>
-          <a:prstGeom prst="rect">
-            <a:avLst/>
-          </a:prstGeom>
-          <a:noFill/>
-          <a:ln w="28575">
-            <a:solidFill>
-              <a:schemeClr val="tx1"/>
-            </a:solidFill>
-          </a:ln>
-        </p:spPr>
-        <p:style>
-          <a:lnRef idx="2">
-            <a:schemeClr val="accent1">
-              <a:shade val="50000"/>
-            </a:schemeClr>
-          </a:lnRef>
-          <a:fillRef idx="1">
-            <a:schemeClr val="accent1"/>
-          </a:fillRef>
-          <a:effectRef idx="0">
-            <a:schemeClr val="accent1"/>
-          </a:effectRef>
-          <a:fontRef idx="minor">
-            <a:schemeClr val="lt1"/>
-          </a:fontRef>
-        </p:style>
-        <p:txBody>
-          <a:bodyPr rtlCol="0" anchor="ctr"/>
-          <a:lstStyle/>
-          <a:p>
-            <a:pPr algn="ctr"/>
-            <a:endParaRPr lang="fr-FR"/>
-          </a:p>
-        </p:txBody>
-      </p:sp>
-      <p:cxnSp>
-        <p:nvCxnSpPr>
           <p:cNvPr id="51" name="Connecteur droit 50"/>
           <p:cNvCxnSpPr/>
           <p:nvPr/>
@@ -12164,7 +12042,7 @@
           <a:noFill/>
           <a:ln w="28575">
             <a:solidFill>
-              <a:srgbClr val="7030A0"/>
+              <a:schemeClr val="tx1"/>
             </a:solidFill>
           </a:ln>
         </p:spPr>
@@ -12364,7 +12242,7 @@
           <a:noFill/>
           <a:ln w="28575">
             <a:solidFill>
-              <a:srgbClr val="7030A0"/>
+              <a:schemeClr val="tx1"/>
             </a:solidFill>
           </a:ln>
         </p:spPr>
@@ -12393,11 +12271,11 @@
               <a:rPr lang="fr-FR" sz="1400" dirty="0" smtClean="0">
                 <a:ln>
                   <a:solidFill>
-                    <a:srgbClr val="7030A0"/>
+                    <a:schemeClr val="tx1"/>
                   </a:solidFill>
                 </a:ln>
                 <a:solidFill>
-                  <a:srgbClr val="7030A0"/>
+                  <a:schemeClr val="tx1"/>
                 </a:solidFill>
               </a:rPr>
               <a:t>1</a:t>
@@ -12405,11 +12283,11 @@
             <a:endParaRPr lang="fr-FR" sz="1400" dirty="0">
               <a:ln>
                 <a:solidFill>
-                  <a:srgbClr val="7030A0"/>
+                  <a:schemeClr val="tx1"/>
                 </a:solidFill>
               </a:ln>
               <a:solidFill>
-                <a:srgbClr val="7030A0"/>
+                <a:schemeClr val="tx1"/>
               </a:solidFill>
             </a:endParaRPr>
           </a:p>
@@ -13982,7 +13860,7 @@
           <a:noFill/>
           <a:ln w="28575">
             <a:solidFill>
-              <a:srgbClr val="7030A0"/>
+              <a:schemeClr val="tx1"/>
             </a:solidFill>
           </a:ln>
         </p:spPr>
@@ -14020,7 +13898,7 @@
           <a:noFill/>
           <a:ln w="28575">
             <a:solidFill>
-              <a:srgbClr val="7030A0"/>
+              <a:schemeClr val="tx1"/>
             </a:solidFill>
           </a:ln>
         </p:spPr>
@@ -14058,7 +13936,7 @@
           <a:noFill/>
           <a:ln w="28575">
             <a:solidFill>
-              <a:srgbClr val="7030A0"/>
+              <a:schemeClr val="tx1"/>
             </a:solidFill>
           </a:ln>
         </p:spPr>
@@ -15038,7 +14916,7 @@
           <a:noFill/>
           <a:ln w="28575">
             <a:solidFill>
-              <a:srgbClr val="00B050"/>
+              <a:schemeClr val="tx1"/>
             </a:solidFill>
           </a:ln>
         </p:spPr>
@@ -15076,7 +14954,7 @@
           <a:noFill/>
           <a:ln w="28575">
             <a:solidFill>
-              <a:srgbClr val="00B050"/>
+              <a:schemeClr val="tx1"/>
             </a:solidFill>
           </a:ln>
         </p:spPr>
@@ -15198,7 +15076,7 @@
           <a:noFill/>
           <a:ln w="28575">
             <a:solidFill>
-              <a:srgbClr val="00B050"/>
+              <a:schemeClr val="tx1"/>
             </a:solidFill>
           </a:ln>
         </p:spPr>
@@ -16106,7 +15984,7 @@
           <a:noFill/>
           <a:ln w="28575">
             <a:solidFill>
-              <a:srgbClr val="00B050"/>
+              <a:schemeClr val="tx1"/>
             </a:solidFill>
           </a:ln>
         </p:spPr>
@@ -16182,44 +16060,6 @@
           <a:noFill/>
           <a:ln w="28575">
             <a:solidFill>
-              <a:srgbClr val="00B050"/>
-            </a:solidFill>
-          </a:ln>
-        </p:spPr>
-        <p:style>
-          <a:lnRef idx="2">
-            <a:schemeClr val="accent1">
-              <a:shade val="50000"/>
-            </a:schemeClr>
-          </a:lnRef>
-          <a:fillRef idx="1">
-            <a:schemeClr val="accent1"/>
-          </a:fillRef>
-          <a:effectRef idx="0">
-            <a:schemeClr val="accent1"/>
-          </a:effectRef>
-          <a:fontRef idx="minor">
-            <a:schemeClr val="lt1"/>
-          </a:fontRef>
-        </p:style>
-      </p:cxnSp>
-      <p:sp>
-        <p:nvSpPr>
-          <p:cNvPr id="78" name="Rectangle 77"/>
-          <p:cNvSpPr/>
-          <p:nvPr/>
-        </p:nvSpPr>
-        <p:spPr>
-          <a:xfrm>
-            <a:off x="4065907" y="1878079"/>
-            <a:ext cx="432048" cy="216024"/>
-          </a:xfrm>
-          <a:prstGeom prst="rect">
-            <a:avLst/>
-          </a:prstGeom>
-          <a:noFill/>
-          <a:ln w="28575">
-            <a:solidFill>
               <a:schemeClr val="tx1"/>
             </a:solidFill>
           </a:ln>
@@ -16240,90 +16080,6 @@
             <a:schemeClr val="lt1"/>
           </a:fontRef>
         </p:style>
-        <p:txBody>
-          <a:bodyPr rtlCol="0" anchor="ctr"/>
-          <a:lstStyle/>
-          <a:p>
-            <a:pPr algn="ctr"/>
-            <a:endParaRPr lang="fr-FR"/>
-          </a:p>
-        </p:txBody>
-      </p:sp>
-      <p:cxnSp>
-        <p:nvCxnSpPr>
-          <p:cNvPr id="79" name="Connecteur droit 78"/>
-          <p:cNvCxnSpPr/>
-          <p:nvPr/>
-        </p:nvCxnSpPr>
-        <p:spPr>
-          <a:xfrm>
-            <a:off x="3995936" y="1872201"/>
-            <a:ext cx="0" cy="216024"/>
-          </a:xfrm>
-          <a:prstGeom prst="line">
-            <a:avLst/>
-          </a:prstGeom>
-          <a:noFill/>
-          <a:ln w="28575">
-            <a:solidFill>
-              <a:srgbClr val="00B050"/>
-            </a:solidFill>
-          </a:ln>
-        </p:spPr>
-        <p:style>
-          <a:lnRef idx="2">
-            <a:schemeClr val="accent1">
-              <a:shade val="50000"/>
-            </a:schemeClr>
-          </a:lnRef>
-          <a:fillRef idx="1">
-            <a:schemeClr val="accent1"/>
-          </a:fillRef>
-          <a:effectRef idx="0">
-            <a:schemeClr val="accent1"/>
-          </a:effectRef>
-          <a:fontRef idx="minor">
-            <a:schemeClr val="lt1"/>
-          </a:fontRef>
-        </p:style>
-      </p:cxnSp>
-      <p:cxnSp>
-        <p:nvCxnSpPr>
-          <p:cNvPr id="80" name="Connecteur droit 79"/>
-          <p:cNvCxnSpPr/>
-          <p:nvPr/>
-        </p:nvCxnSpPr>
-        <p:spPr>
-          <a:xfrm>
-            <a:off x="4572000" y="1872201"/>
-            <a:ext cx="0" cy="216024"/>
-          </a:xfrm>
-          <a:prstGeom prst="line">
-            <a:avLst/>
-          </a:prstGeom>
-          <a:noFill/>
-          <a:ln w="28575">
-            <a:solidFill>
-              <a:srgbClr val="00B050"/>
-            </a:solidFill>
-          </a:ln>
-        </p:spPr>
-        <p:style>
-          <a:lnRef idx="2">
-            <a:schemeClr val="accent1">
-              <a:shade val="50000"/>
-            </a:schemeClr>
-          </a:lnRef>
-          <a:fillRef idx="1">
-            <a:schemeClr val="accent1"/>
-          </a:fillRef>
-          <a:effectRef idx="0">
-            <a:schemeClr val="accent1"/>
-          </a:effectRef>
-          <a:fontRef idx="minor">
-            <a:schemeClr val="lt1"/>
-          </a:fontRef>
-        </p:style>
       </p:cxnSp>
       <p:cxnSp>
         <p:nvCxnSpPr>
@@ -16334,15 +16090,15 @@
         <p:spPr>
           <a:xfrm>
             <a:off x="3851920" y="1988840"/>
-            <a:ext cx="880018" cy="0"/>
-          </a:xfrm>
-          <a:prstGeom prst="line">
-            <a:avLst/>
-          </a:prstGeom>
-          <a:noFill/>
-          <a:ln w="28575">
-            <a:solidFill>
-              <a:srgbClr val="00B050"/>
+            <a:ext cx="440009" cy="0"/>
+          </a:xfrm>
+          <a:prstGeom prst="line">
+            <a:avLst/>
+          </a:prstGeom>
+          <a:noFill/>
+          <a:ln w="28575">
+            <a:solidFill>
+              <a:schemeClr val="tx1"/>
             </a:solidFill>
           </a:ln>
         </p:spPr>
@@ -16380,7 +16136,7 @@
           <a:noFill/>
           <a:ln w="28575">
             <a:solidFill>
-              <a:srgbClr val="00B050"/>
+              <a:schemeClr val="tx1"/>
             </a:solidFill>
           </a:ln>
         </p:spPr>
@@ -16873,8 +16629,8 @@
         </p:nvCxnSpPr>
         <p:spPr>
           <a:xfrm>
-            <a:off x="4281931" y="2096852"/>
-            <a:ext cx="0" cy="216024"/>
+            <a:off x="4281931" y="1988840"/>
+            <a:ext cx="0" cy="324036"/>
           </a:xfrm>
           <a:prstGeom prst="line">
             <a:avLst/>
